--- a/04-creating_a_custom_resource.pptx
+++ b/04-creating_a_custom_resource.pptx
@@ -200,7 +200,7 @@
   </p:defaultTextStyle>
   <p:extLst>
     <p:ext uri="{EFAFB233-063F-42B5-8137-9DF3F51BA10A}">
-      <p15:sldGuideLst xmlns:p15="http://schemas.microsoft.com/office/powerpoint/2012/main" xmlns="">
+      <p15:sldGuideLst xmlns:p15="http://schemas.microsoft.com/office/powerpoint/2012/main">
         <p15:guide id="1" orient="horz" pos="894">
           <p15:clr>
             <a:srgbClr val="A4A3A4"/>
@@ -214,7 +214,7 @@
       </p15:sldGuideLst>
     </p:ext>
     <p:ext uri="{2D200454-40CA-4A62-9FC3-DE9A4176ACB9}">
-      <p15:notesGuideLst xmlns:p15="http://schemas.microsoft.com/office/powerpoint/2012/main" xmlns=""/>
+      <p15:notesGuideLst xmlns:p15="http://schemas.microsoft.com/office/powerpoint/2012/main"/>
     </p:ext>
   </p:extLst>
 </p:presentation>
@@ -331,7 +331,7 @@
               <a:pPr>
                 <a:defRPr/>
               </a:pPr>
-              <a:t>9/19/16</a:t>
+              <a:t>2016-10-05</a:t>
             </a:fld>
             <a:endParaRPr lang="en-US" dirty="0"/>
           </a:p>
@@ -514,7 +514,7 @@
               <a:pPr>
                 <a:defRPr/>
               </a:pPr>
-              <a:t>9/19/16</a:t>
+              <a:t>2016-10-05</a:t>
             </a:fld>
             <a:endParaRPr lang="en-US" dirty="0"/>
           </a:p>
@@ -3467,11 +3467,7 @@
           <a:p>
             <a:r>
               <a:rPr lang="en-US" baseline="0" dirty="0" smtClean="0"/>
-              <a:t>In this instance the cookbook's name is </a:t>
-            </a:r>
-            <a:r>
-              <a:rPr lang="en-US" baseline="0" dirty="0" smtClean="0"/>
-              <a:t>'</a:t>
+              <a:t>In this instance the cookbook's name is '</a:t>
             </a:r>
             <a:r>
               <a:rPr lang="en-US" baseline="0" dirty="0" err="1" smtClean="0"/>
@@ -3479,11 +3475,7 @@
             </a:r>
             <a:r>
               <a:rPr lang="en-US" baseline="0" dirty="0" smtClean="0"/>
-              <a:t>' </a:t>
-            </a:r>
-            <a:r>
-              <a:rPr lang="en-US" baseline="0" dirty="0" smtClean="0"/>
-              <a:t>and the ruby file is named '</a:t>
+              <a:t>' and the ruby file is named '</a:t>
             </a:r>
             <a:r>
               <a:rPr lang="en-US" baseline="0" dirty="0" err="1" smtClean="0"/>
@@ -3491,11 +3483,7 @@
             </a:r>
             <a:r>
               <a:rPr lang="en-US" baseline="0" dirty="0" smtClean="0"/>
-              <a:t>' so the default name for the resource is </a:t>
-            </a:r>
-            <a:r>
-              <a:rPr lang="en-US" baseline="0" dirty="0" smtClean="0"/>
-              <a:t>'</a:t>
+              <a:t>' so the default name for the resource is '</a:t>
             </a:r>
             <a:r>
               <a:rPr lang="en-US" baseline="0" dirty="0" err="1" smtClean="0"/>
@@ -6305,11 +6293,7 @@
             </a:r>
             <a:r>
               <a:rPr lang="en-US" baseline="0" dirty="0" smtClean="0"/>
-              <a:t> recipe, within the </a:t>
-            </a:r>
-            <a:r>
-              <a:rPr lang="en-US" baseline="0" dirty="0" smtClean="0"/>
-              <a:t>'</a:t>
+              <a:t> recipe, within the '</a:t>
             </a:r>
             <a:r>
               <a:rPr lang="en-US" baseline="0" dirty="0" err="1" smtClean="0"/>
@@ -6755,11 +6739,7 @@
             </a:r>
             <a:r>
               <a:rPr lang="en-US" baseline="0" dirty="0" smtClean="0"/>
-              <a:t> property developed the </a:t>
-            </a:r>
-            <a:r>
-              <a:rPr lang="en-US" baseline="0" dirty="0" smtClean="0"/>
-              <a:t>'</a:t>
+              <a:t> property developed the '</a:t>
             </a:r>
             <a:r>
               <a:rPr lang="en-US" baseline="0" dirty="0" err="1" smtClean="0"/>
@@ -7228,11 +7208,7 @@
             </a:r>
             <a:r>
               <a:rPr lang="en-US" baseline="0" dirty="0" smtClean="0"/>
-              <a:t> </a:t>
-            </a:r>
-            <a:r>
-              <a:rPr lang="en-US" baseline="0" dirty="0" smtClean="0"/>
-              <a:t>deploys. Manipulating this resource is no longer important so we want to remove this resource.</a:t>
+              <a:t> deploys. Manipulating this resource is no longer important so we want to remove this resource.</a:t>
             </a:r>
             <a:endParaRPr lang="en-US" dirty="0"/>
           </a:p>
@@ -7378,11 +7354,7 @@
             </a:r>
             <a:r>
               <a:rPr lang="en-US" dirty="0" smtClean="0"/>
-              <a:t> </a:t>
-            </a:r>
-            <a:r>
-              <a:rPr lang="en-US" dirty="0" smtClean="0"/>
-              <a:t>initial</a:t>
+              <a:t> initial</a:t>
             </a:r>
             <a:r>
               <a:rPr lang="en-US" baseline="0" dirty="0" smtClean="0"/>
@@ -9741,7 +9713,7 @@
   <p:clrMapOvr>
     <a:masterClrMapping/>
   </p:clrMapOvr>
-  <p:transition xmlns:p14="http://schemas.microsoft.com/office/powerpoint/2010/main" spd="med">
+  <p:transition spd="med">
     <p:fade/>
   </p:transition>
 </p:sldLayout>
@@ -10036,7 +10008,7 @@
   <p:clrMapOvr>
     <a:overrideClrMapping bg1="lt1" tx1="dk1" bg2="lt2" tx2="dk2" accent1="accent1" accent2="accent2" accent3="accent3" accent4="accent4" accent5="accent5" accent6="accent6" hlink="hlink" folHlink="folHlink"/>
   </p:clrMapOvr>
-  <p:transition xmlns:p14="http://schemas.microsoft.com/office/powerpoint/2010/main" spd="med">
+  <p:transition spd="med">
     <p:fade/>
   </p:transition>
 </p:sldLayout>
@@ -10169,14 +10141,14 @@
           </a:ln>
           <a:extLst>
             <a:ext uri="{909E8E84-426E-40dd-AFC4-6F175D3DCCD1}">
-              <a14:hiddenFill xmlns:a14="http://schemas.microsoft.com/office/drawing/2010/main">
+              <a14:hiddenFill xmlns:a14="http://schemas.microsoft.com/office/drawing/2010/main" xmlns="">
                 <a:solidFill>
                   <a:srgbClr val="FFFFFF"/>
                 </a:solidFill>
               </a14:hiddenFill>
             </a:ext>
             <a:ext uri="{91240B29-F687-4f45-9708-019B960494DF}">
-              <a14:hiddenLine xmlns:a14="http://schemas.microsoft.com/office/drawing/2010/main" w="9525">
+              <a14:hiddenLine xmlns:a14="http://schemas.microsoft.com/office/drawing/2010/main" xmlns="" w="9525">
                 <a:solidFill>
                   <a:srgbClr val="000000"/>
                 </a:solidFill>
@@ -10324,14 +10296,14 @@
           </a:ln>
           <a:extLst>
             <a:ext uri="{909E8E84-426E-40dd-AFC4-6F175D3DCCD1}">
-              <a14:hiddenFill xmlns:a14="http://schemas.microsoft.com/office/drawing/2010/main">
+              <a14:hiddenFill xmlns:a14="http://schemas.microsoft.com/office/drawing/2010/main" xmlns="">
                 <a:solidFill>
                   <a:srgbClr val="FFFFFF"/>
                 </a:solidFill>
               </a14:hiddenFill>
             </a:ext>
             <a:ext uri="{91240B29-F687-4f45-9708-019B960494DF}">
-              <a14:hiddenLine xmlns:a14="http://schemas.microsoft.com/office/drawing/2010/main" w="9525">
+              <a14:hiddenLine xmlns:a14="http://schemas.microsoft.com/office/drawing/2010/main" xmlns="" w="9525">
                 <a:solidFill>
                   <a:srgbClr val="000000"/>
                 </a:solidFill>
@@ -10729,7 +10701,7 @@
   <p:clrMapOvr>
     <a:overrideClrMapping bg1="lt1" tx1="dk1" bg2="lt2" tx2="dk2" accent1="accent1" accent2="accent2" accent3="accent3" accent4="accent4" accent5="accent5" accent6="accent6" hlink="hlink" folHlink="folHlink"/>
   </p:clrMapOvr>
-  <p:transition xmlns:p14="http://schemas.microsoft.com/office/powerpoint/2010/main" spd="med">
+  <p:transition spd="med">
     <p:fade/>
   </p:transition>
 </p:sldLayout>
@@ -10787,14 +10759,14 @@
           </a:ln>
           <a:extLst>
             <a:ext uri="{909E8E84-426E-40dd-AFC4-6F175D3DCCD1}">
-              <a14:hiddenFill xmlns:a14="http://schemas.microsoft.com/office/drawing/2010/main">
+              <a14:hiddenFill xmlns:a14="http://schemas.microsoft.com/office/drawing/2010/main" xmlns="">
                 <a:solidFill>
                   <a:srgbClr val="FFFFFF"/>
                 </a:solidFill>
               </a14:hiddenFill>
             </a:ext>
             <a:ext uri="{91240B29-F687-4f45-9708-019B960494DF}">
-              <a14:hiddenLine xmlns:a14="http://schemas.microsoft.com/office/drawing/2010/main" w="9525">
+              <a14:hiddenLine xmlns:a14="http://schemas.microsoft.com/office/drawing/2010/main" xmlns="" w="9525">
                 <a:solidFill>
                   <a:srgbClr val="000000"/>
                 </a:solidFill>
@@ -10816,14 +10788,1224 @@
   <p:clrMapOvr>
     <a:masterClrMapping/>
   </p:clrMapOvr>
-  <p:transition xmlns:p14="http://schemas.microsoft.com/office/powerpoint/2010/main" spd="med">
+  <p:transition spd="med">
     <p:fade/>
   </p:transition>
 </p:sldLayout>
 </file>
 
 <file path=ppt/slideLayouts/slideLayout13.xml><?xml version="1.0" encoding="utf-8"?>
-<p:sldLayout xmlns:a="http://schemas.openxmlformats.org/drawingml/2006/main" xmlns:r="http://schemas.openxmlformats.org/officeDocument/2006/relationships" xmlns:p="http://schemas.openxmlformats.org/presentationml/2006/main" userDrawn="1">
+<p:sldLayout xmlns:a="http://schemas.openxmlformats.org/drawingml/2006/main" xmlns:r="http://schemas.openxmlformats.org/officeDocument/2006/relationships" xmlns:p="http://schemas.openxmlformats.org/presentationml/2006/main" preserve="1" userDrawn="1">
+  <p:cSld name="Motivation">
+    <p:spTree>
+      <p:nvGrpSpPr>
+        <p:cNvPr id="1" name=""/>
+        <p:cNvGrpSpPr/>
+        <p:nvPr/>
+      </p:nvGrpSpPr>
+      <p:grpSpPr>
+        <a:xfrm>
+          <a:off x="0" y="0"/>
+          <a:ext cx="0" cy="0"/>
+          <a:chOff x="0" y="0"/>
+          <a:chExt cx="0" cy="0"/>
+        </a:xfrm>
+      </p:grpSpPr>
+      <p:sp>
+        <p:nvSpPr>
+          <p:cNvPr id="5" name="TextBox 4"/>
+          <p:cNvSpPr txBox="1"/>
+          <p:nvPr/>
+        </p:nvSpPr>
+        <p:spPr bwMode="white">
+          <a:xfrm>
+            <a:off x="136960" y="128323"/>
+            <a:ext cx="13979932" cy="2378219"/>
+          </a:xfrm>
+          <a:prstGeom prst="rect">
+            <a:avLst/>
+          </a:prstGeom>
+          <a:noFill/>
+          <a:ln>
+            <a:noFill/>
+          </a:ln>
+          <a:effectLst/>
+        </p:spPr>
+        <p:txBody>
+          <a:bodyPr lIns="121920" tIns="121920" rIns="121920" bIns="121920" anchor="ctr"/>
+          <a:lstStyle/>
+          <a:p>
+            <a:pPr defTabSz="1219120" fontAlgn="auto">
+              <a:spcBef>
+                <a:spcPts val="0"/>
+              </a:spcBef>
+              <a:spcAft>
+                <a:spcPts val="0"/>
+              </a:spcAft>
+              <a:defRPr/>
+            </a:pPr>
+            <a:r>
+              <a:rPr lang="en-US" sz="16933" dirty="0">
+                <a:ln w="18415" cmpd="sng">
+                  <a:solidFill>
+                    <a:srgbClr val="FFFFFF"/>
+                  </a:solidFill>
+                  <a:prstDash val="solid"/>
+                </a:ln>
+                <a:solidFill>
+                  <a:schemeClr val="bg2">
+                    <a:lumMod val="95000"/>
+                    <a:alpha val="50000"/>
+                  </a:schemeClr>
+                </a:solidFill>
+                <a:latin typeface="+mn-lt"/>
+                <a:ea typeface="+mn-ea"/>
+                <a:cs typeface="+mn-cs"/>
+              </a:rPr>
+              <a:t>MOTIVATION</a:t>
+            </a:r>
+          </a:p>
+        </p:txBody>
+      </p:sp>
+      <p:pic>
+        <p:nvPicPr>
+          <p:cNvPr id="2" name="Picture 1" descr="gift.gif"/>
+          <p:cNvPicPr>
+            <a:picLocks noChangeAspect="1"/>
+          </p:cNvPicPr>
+          <p:nvPr userDrawn="1"/>
+        </p:nvPicPr>
+        <p:blipFill>
+          <a:blip r:embed="rId2">
+            <a:extLst>
+              <a:ext uri="{28A0092B-C50C-407E-A947-70E740481C1C}">
+                <a14:useLocalDpi xmlns:a14="http://schemas.microsoft.com/office/drawing/2010/main" val="0"/>
+              </a:ext>
+            </a:extLst>
+          </a:blip>
+          <a:stretch>
+            <a:fillRect/>
+          </a:stretch>
+        </p:blipFill>
+        <p:spPr>
+          <a:xfrm>
+            <a:off x="13257264" y="215274"/>
+            <a:ext cx="2441471" cy="2407901"/>
+          </a:xfrm>
+          <a:prstGeom prst="rect">
+            <a:avLst/>
+          </a:prstGeom>
+        </p:spPr>
+      </p:pic>
+      <p:sp>
+        <p:nvSpPr>
+          <p:cNvPr id="6" name="Title 1"/>
+          <p:cNvSpPr>
+            <a:spLocks noGrp="1"/>
+          </p:cNvSpPr>
+          <p:nvPr>
+            <p:ph type="ctrTitle" hasCustomPrompt="1"/>
+          </p:nvPr>
+        </p:nvSpPr>
+        <p:spPr bwMode="white">
+          <a:xfrm>
+            <a:off x="1680252" y="2304144"/>
+            <a:ext cx="12310386" cy="852712"/>
+          </a:xfrm>
+        </p:spPr>
+        <p:txBody>
+          <a:bodyPr lIns="91440" tIns="91440" rIns="91440" bIns="91440" anchor="ctr"/>
+          <a:lstStyle>
+            <a:lvl1pPr>
+              <a:lnSpc>
+                <a:spcPct val="90000"/>
+              </a:lnSpc>
+              <a:defRPr sz="6400" b="1" spc="0" baseline="0">
+                <a:solidFill>
+                  <a:schemeClr val="accent1"/>
+                </a:solidFill>
+              </a:defRPr>
+            </a:lvl1pPr>
+          </a:lstStyle>
+          <a:p>
+            <a:r>
+              <a:rPr lang="en-US" dirty="0" smtClean="0"/>
+              <a:t>Motivation</a:t>
+            </a:r>
+            <a:endParaRPr lang="en-US" dirty="0"/>
+          </a:p>
+        </p:txBody>
+      </p:sp>
+      <p:sp>
+        <p:nvSpPr>
+          <p:cNvPr id="14" name="Subtitle 2"/>
+          <p:cNvSpPr>
+            <a:spLocks noGrp="1"/>
+          </p:cNvSpPr>
+          <p:nvPr>
+            <p:ph type="subTitle" idx="1"/>
+          </p:nvPr>
+        </p:nvSpPr>
+        <p:spPr bwMode="white">
+          <a:xfrm>
+            <a:off x="1672167" y="3283868"/>
+            <a:ext cx="12315718" cy="4770049"/>
+          </a:xfrm>
+          <a:prstGeom prst="rect">
+            <a:avLst/>
+          </a:prstGeom>
+        </p:spPr>
+        <p:txBody>
+          <a:bodyPr lIns="91440" tIns="91440" rIns="91440" bIns="91440">
+            <a:noAutofit/>
+          </a:bodyPr>
+          <a:lstStyle>
+            <a:lvl1pPr marL="0" indent="0" algn="l">
+              <a:lnSpc>
+                <a:spcPct val="100000"/>
+              </a:lnSpc>
+              <a:spcBef>
+                <a:spcPts val="0"/>
+              </a:spcBef>
+              <a:buNone/>
+              <a:defRPr sz="2800" baseline="0">
+                <a:solidFill>
+                  <a:schemeClr val="accent3">
+                    <a:lumMod val="50000"/>
+                  </a:schemeClr>
+                </a:solidFill>
+              </a:defRPr>
+            </a:lvl1pPr>
+            <a:lvl2pPr marL="609561" indent="0" algn="ctr">
+              <a:buNone/>
+              <a:defRPr>
+                <a:solidFill>
+                  <a:schemeClr val="tx1">
+                    <a:tint val="75000"/>
+                  </a:schemeClr>
+                </a:solidFill>
+              </a:defRPr>
+            </a:lvl2pPr>
+            <a:lvl3pPr marL="1219120" indent="0" algn="ctr">
+              <a:buNone/>
+              <a:defRPr>
+                <a:solidFill>
+                  <a:schemeClr val="tx1">
+                    <a:tint val="75000"/>
+                  </a:schemeClr>
+                </a:solidFill>
+              </a:defRPr>
+            </a:lvl3pPr>
+            <a:lvl4pPr marL="1828681" indent="0" algn="ctr">
+              <a:buNone/>
+              <a:defRPr>
+                <a:solidFill>
+                  <a:schemeClr val="tx1">
+                    <a:tint val="75000"/>
+                  </a:schemeClr>
+                </a:solidFill>
+              </a:defRPr>
+            </a:lvl4pPr>
+            <a:lvl5pPr marL="2438242" indent="0" algn="ctr">
+              <a:buNone/>
+              <a:defRPr>
+                <a:solidFill>
+                  <a:schemeClr val="tx1">
+                    <a:tint val="75000"/>
+                  </a:schemeClr>
+                </a:solidFill>
+              </a:defRPr>
+            </a:lvl5pPr>
+            <a:lvl6pPr marL="3047802" indent="0" algn="ctr">
+              <a:buNone/>
+              <a:defRPr>
+                <a:solidFill>
+                  <a:schemeClr val="tx1">
+                    <a:tint val="75000"/>
+                  </a:schemeClr>
+                </a:solidFill>
+              </a:defRPr>
+            </a:lvl6pPr>
+            <a:lvl7pPr marL="3657362" indent="0" algn="ctr">
+              <a:buNone/>
+              <a:defRPr>
+                <a:solidFill>
+                  <a:schemeClr val="tx1">
+                    <a:tint val="75000"/>
+                  </a:schemeClr>
+                </a:solidFill>
+              </a:defRPr>
+            </a:lvl7pPr>
+            <a:lvl8pPr marL="4266923" indent="0" algn="ctr">
+              <a:buNone/>
+              <a:defRPr>
+                <a:solidFill>
+                  <a:schemeClr val="tx1">
+                    <a:tint val="75000"/>
+                  </a:schemeClr>
+                </a:solidFill>
+              </a:defRPr>
+            </a:lvl8pPr>
+            <a:lvl9pPr marL="4876483" indent="0" algn="ctr">
+              <a:buNone/>
+              <a:defRPr>
+                <a:solidFill>
+                  <a:schemeClr val="tx1">
+                    <a:tint val="75000"/>
+                  </a:schemeClr>
+                </a:solidFill>
+              </a:defRPr>
+            </a:lvl9pPr>
+          </a:lstStyle>
+          <a:p>
+            <a:r>
+              <a:rPr lang="en-US" dirty="0" smtClean="0"/>
+              <a:t>Click to edit Master subtitle style</a:t>
+            </a:r>
+          </a:p>
+        </p:txBody>
+      </p:sp>
+    </p:spTree>
+    <p:extLst>
+      <p:ext uri="{BB962C8B-B14F-4D97-AF65-F5344CB8AC3E}">
+        <p14:creationId xmlns:p14="http://schemas.microsoft.com/office/powerpoint/2010/main" val="2947928335"/>
+      </p:ext>
+    </p:extLst>
+  </p:cSld>
+  <p:clrMapOvr>
+    <a:masterClrMapping/>
+  </p:clrMapOvr>
+  <p:transition spd="med">
+    <p:fade/>
+  </p:transition>
+</p:sldLayout>
+</file>
+
+<file path=ppt/slideLayouts/slideLayout14.xml><?xml version="1.0" encoding="utf-8"?>
+<p:sldLayout xmlns:a="http://schemas.openxmlformats.org/drawingml/2006/main" xmlns:r="http://schemas.openxmlformats.org/officeDocument/2006/relationships" xmlns:p="http://schemas.openxmlformats.org/presentationml/2006/main" preserve="1" userDrawn="1">
+  <p:cSld name="Problem">
+    <p:spTree>
+      <p:nvGrpSpPr>
+        <p:cNvPr id="1" name=""/>
+        <p:cNvGrpSpPr/>
+        <p:nvPr/>
+      </p:nvGrpSpPr>
+      <p:grpSpPr>
+        <a:xfrm>
+          <a:off x="0" y="0"/>
+          <a:ext cx="0" cy="0"/>
+          <a:chOff x="0" y="0"/>
+          <a:chExt cx="0" cy="0"/>
+        </a:xfrm>
+      </p:grpSpPr>
+      <p:sp>
+        <p:nvSpPr>
+          <p:cNvPr id="5" name="TextBox 4"/>
+          <p:cNvSpPr txBox="1"/>
+          <p:nvPr/>
+        </p:nvSpPr>
+        <p:spPr bwMode="white">
+          <a:xfrm>
+            <a:off x="136960" y="149489"/>
+            <a:ext cx="11781799" cy="2378219"/>
+          </a:xfrm>
+          <a:prstGeom prst="rect">
+            <a:avLst/>
+          </a:prstGeom>
+          <a:noFill/>
+          <a:ln>
+            <a:noFill/>
+          </a:ln>
+          <a:effectLst/>
+        </p:spPr>
+        <p:txBody>
+          <a:bodyPr lIns="121920" tIns="121920" rIns="121920" bIns="121920" anchor="ctr"/>
+          <a:lstStyle/>
+          <a:p>
+            <a:pPr defTabSz="1219120" fontAlgn="auto">
+              <a:spcBef>
+                <a:spcPts val="0"/>
+              </a:spcBef>
+              <a:spcAft>
+                <a:spcPts val="0"/>
+              </a:spcAft>
+              <a:defRPr/>
+            </a:pPr>
+            <a:r>
+              <a:rPr lang="en-US" sz="16933" dirty="0">
+                <a:ln w="18415" cmpd="sng">
+                  <a:solidFill>
+                    <a:srgbClr val="FFFFFF"/>
+                  </a:solidFill>
+                  <a:prstDash val="solid"/>
+                </a:ln>
+                <a:solidFill>
+                  <a:schemeClr val="bg2">
+                    <a:lumMod val="95000"/>
+                    <a:alpha val="50000"/>
+                  </a:schemeClr>
+                </a:solidFill>
+                <a:latin typeface="+mn-lt"/>
+                <a:ea typeface="+mn-ea"/>
+                <a:cs typeface="+mn-cs"/>
+              </a:rPr>
+              <a:t>PROBLEM</a:t>
+            </a:r>
+          </a:p>
+        </p:txBody>
+      </p:sp>
+      <p:pic>
+        <p:nvPicPr>
+          <p:cNvPr id="2" name="Picture 1" descr="splat.gif"/>
+          <p:cNvPicPr>
+            <a:picLocks noChangeAspect="1"/>
+          </p:cNvPicPr>
+          <p:nvPr userDrawn="1"/>
+        </p:nvPicPr>
+        <p:blipFill>
+          <a:blip r:embed="rId2">
+            <a:extLst>
+              <a:ext uri="{28A0092B-C50C-407E-A947-70E740481C1C}">
+                <a14:useLocalDpi xmlns:a14="http://schemas.microsoft.com/office/drawing/2010/main" val="0"/>
+              </a:ext>
+            </a:extLst>
+          </a:blip>
+          <a:stretch>
+            <a:fillRect/>
+          </a:stretch>
+        </p:blipFill>
+        <p:spPr>
+          <a:xfrm>
+            <a:off x="13153654" y="94879"/>
+            <a:ext cx="2648691" cy="2648691"/>
+          </a:xfrm>
+          <a:prstGeom prst="rect">
+            <a:avLst/>
+          </a:prstGeom>
+        </p:spPr>
+      </p:pic>
+      <p:sp>
+        <p:nvSpPr>
+          <p:cNvPr id="6" name="Title 1"/>
+          <p:cNvSpPr>
+            <a:spLocks noGrp="1"/>
+          </p:cNvSpPr>
+          <p:nvPr>
+            <p:ph type="ctrTitle" hasCustomPrompt="1"/>
+          </p:nvPr>
+        </p:nvSpPr>
+        <p:spPr bwMode="white">
+          <a:xfrm>
+            <a:off x="1671638" y="2294619"/>
+            <a:ext cx="12319000" cy="852712"/>
+          </a:xfrm>
+        </p:spPr>
+        <p:txBody>
+          <a:bodyPr lIns="91440" tIns="91440" rIns="91440" bIns="91440" anchor="ctr"/>
+          <a:lstStyle>
+            <a:lvl1pPr>
+              <a:lnSpc>
+                <a:spcPct val="90000"/>
+              </a:lnSpc>
+              <a:defRPr sz="6400" b="1" spc="0" baseline="0">
+                <a:solidFill>
+                  <a:schemeClr val="accent1"/>
+                </a:solidFill>
+              </a:defRPr>
+            </a:lvl1pPr>
+          </a:lstStyle>
+          <a:p>
+            <a:r>
+              <a:rPr lang="en-US" dirty="0" smtClean="0"/>
+              <a:t>Problem</a:t>
+            </a:r>
+            <a:endParaRPr lang="en-US" dirty="0"/>
+          </a:p>
+        </p:txBody>
+      </p:sp>
+      <p:sp>
+        <p:nvSpPr>
+          <p:cNvPr id="10" name="Subtitle 2"/>
+          <p:cNvSpPr>
+            <a:spLocks noGrp="1"/>
+          </p:cNvSpPr>
+          <p:nvPr>
+            <p:ph type="subTitle" idx="1"/>
+          </p:nvPr>
+        </p:nvSpPr>
+        <p:spPr bwMode="white">
+          <a:xfrm>
+            <a:off x="1671638" y="3271838"/>
+            <a:ext cx="12319000" cy="3346421"/>
+          </a:xfrm>
+          <a:prstGeom prst="rect">
+            <a:avLst/>
+          </a:prstGeom>
+        </p:spPr>
+        <p:txBody>
+          <a:bodyPr lIns="91440" tIns="91440" rIns="91440" bIns="91440">
+            <a:noAutofit/>
+          </a:bodyPr>
+          <a:lstStyle>
+            <a:lvl1pPr marL="0" indent="0" algn="l">
+              <a:lnSpc>
+                <a:spcPct val="100000"/>
+              </a:lnSpc>
+              <a:spcBef>
+                <a:spcPts val="0"/>
+              </a:spcBef>
+              <a:buNone/>
+              <a:defRPr sz="2800" baseline="0">
+                <a:solidFill>
+                  <a:schemeClr val="accent3">
+                    <a:lumMod val="50000"/>
+                  </a:schemeClr>
+                </a:solidFill>
+              </a:defRPr>
+            </a:lvl1pPr>
+            <a:lvl2pPr marL="609561" indent="0" algn="ctr">
+              <a:buNone/>
+              <a:defRPr>
+                <a:solidFill>
+                  <a:schemeClr val="tx1">
+                    <a:tint val="75000"/>
+                  </a:schemeClr>
+                </a:solidFill>
+              </a:defRPr>
+            </a:lvl2pPr>
+            <a:lvl3pPr marL="1219120" indent="0" algn="ctr">
+              <a:buNone/>
+              <a:defRPr>
+                <a:solidFill>
+                  <a:schemeClr val="tx1">
+                    <a:tint val="75000"/>
+                  </a:schemeClr>
+                </a:solidFill>
+              </a:defRPr>
+            </a:lvl3pPr>
+            <a:lvl4pPr marL="1828681" indent="0" algn="ctr">
+              <a:buNone/>
+              <a:defRPr>
+                <a:solidFill>
+                  <a:schemeClr val="tx1">
+                    <a:tint val="75000"/>
+                  </a:schemeClr>
+                </a:solidFill>
+              </a:defRPr>
+            </a:lvl4pPr>
+            <a:lvl5pPr marL="2438242" indent="0" algn="ctr">
+              <a:buNone/>
+              <a:defRPr>
+                <a:solidFill>
+                  <a:schemeClr val="tx1">
+                    <a:tint val="75000"/>
+                  </a:schemeClr>
+                </a:solidFill>
+              </a:defRPr>
+            </a:lvl5pPr>
+            <a:lvl6pPr marL="3047802" indent="0" algn="ctr">
+              <a:buNone/>
+              <a:defRPr>
+                <a:solidFill>
+                  <a:schemeClr val="tx1">
+                    <a:tint val="75000"/>
+                  </a:schemeClr>
+                </a:solidFill>
+              </a:defRPr>
+            </a:lvl6pPr>
+            <a:lvl7pPr marL="3657362" indent="0" algn="ctr">
+              <a:buNone/>
+              <a:defRPr>
+                <a:solidFill>
+                  <a:schemeClr val="tx1">
+                    <a:tint val="75000"/>
+                  </a:schemeClr>
+                </a:solidFill>
+              </a:defRPr>
+            </a:lvl7pPr>
+            <a:lvl8pPr marL="4266923" indent="0" algn="ctr">
+              <a:buNone/>
+              <a:defRPr>
+                <a:solidFill>
+                  <a:schemeClr val="tx1">
+                    <a:tint val="75000"/>
+                  </a:schemeClr>
+                </a:solidFill>
+              </a:defRPr>
+            </a:lvl8pPr>
+            <a:lvl9pPr marL="4876483" indent="0" algn="ctr">
+              <a:buNone/>
+              <a:defRPr>
+                <a:solidFill>
+                  <a:schemeClr val="tx1">
+                    <a:tint val="75000"/>
+                  </a:schemeClr>
+                </a:solidFill>
+              </a:defRPr>
+            </a:lvl9pPr>
+          </a:lstStyle>
+          <a:p>
+            <a:r>
+              <a:rPr lang="en-US" dirty="0" smtClean="0"/>
+              <a:t>Click to edit Master subtitle style</a:t>
+            </a:r>
+          </a:p>
+        </p:txBody>
+      </p:sp>
+    </p:spTree>
+    <p:extLst>
+      <p:ext uri="{BB962C8B-B14F-4D97-AF65-F5344CB8AC3E}">
+        <p14:creationId xmlns:p14="http://schemas.microsoft.com/office/powerpoint/2010/main" val="247207333"/>
+      </p:ext>
+    </p:extLst>
+  </p:cSld>
+  <p:clrMapOvr>
+    <a:masterClrMapping/>
+  </p:clrMapOvr>
+  <p:transition spd="med">
+    <p:fade/>
+  </p:transition>
+</p:sldLayout>
+</file>
+
+<file path=ppt/slideLayouts/slideLayout15.xml><?xml version="1.0" encoding="utf-8"?>
+<p:sldLayout xmlns:a="http://schemas.openxmlformats.org/drawingml/2006/main" xmlns:r="http://schemas.openxmlformats.org/officeDocument/2006/relationships" xmlns:p="http://schemas.openxmlformats.org/presentationml/2006/main" preserve="1" userDrawn="1">
+  <p:cSld name="Docs">
+    <p:spTree>
+      <p:nvGrpSpPr>
+        <p:cNvPr id="1" name=""/>
+        <p:cNvGrpSpPr/>
+        <p:nvPr/>
+      </p:nvGrpSpPr>
+      <p:grpSpPr>
+        <a:xfrm>
+          <a:off x="0" y="0"/>
+          <a:ext cx="0" cy="0"/>
+          <a:chOff x="0" y="0"/>
+          <a:chExt cx="0" cy="0"/>
+        </a:xfrm>
+      </p:grpSpPr>
+      <p:sp>
+        <p:nvSpPr>
+          <p:cNvPr id="7" name="TextBox 6"/>
+          <p:cNvSpPr txBox="1"/>
+          <p:nvPr/>
+        </p:nvSpPr>
+        <p:spPr bwMode="white">
+          <a:xfrm>
+            <a:off x="136960" y="160072"/>
+            <a:ext cx="13917707" cy="2378219"/>
+          </a:xfrm>
+          <a:prstGeom prst="rect">
+            <a:avLst/>
+          </a:prstGeom>
+          <a:noFill/>
+          <a:ln>
+            <a:noFill/>
+          </a:ln>
+          <a:effectLst/>
+        </p:spPr>
+        <p:txBody>
+          <a:bodyPr lIns="121920" tIns="121920" rIns="121920" bIns="121920" anchor="ctr"/>
+          <a:lstStyle/>
+          <a:p>
+            <a:pPr defTabSz="1219120" fontAlgn="auto">
+              <a:spcBef>
+                <a:spcPts val="0"/>
+              </a:spcBef>
+              <a:spcAft>
+                <a:spcPts val="0"/>
+              </a:spcAft>
+              <a:defRPr/>
+            </a:pPr>
+            <a:r>
+              <a:rPr lang="en-US" sz="16933" dirty="0" smtClean="0">
+                <a:ln w="18415" cmpd="sng">
+                  <a:solidFill>
+                    <a:srgbClr val="FFFFFF"/>
+                  </a:solidFill>
+                  <a:prstDash val="solid"/>
+                </a:ln>
+                <a:solidFill>
+                  <a:schemeClr val="bg2">
+                    <a:lumMod val="95000"/>
+                    <a:alpha val="50000"/>
+                  </a:schemeClr>
+                </a:solidFill>
+                <a:latin typeface="+mn-lt"/>
+                <a:ea typeface="+mn-ea"/>
+                <a:cs typeface="+mn-cs"/>
+              </a:rPr>
+              <a:t>REFERENCE</a:t>
+            </a:r>
+            <a:endParaRPr lang="en-US" sz="16933" dirty="0">
+              <a:ln w="18415" cmpd="sng">
+                <a:solidFill>
+                  <a:srgbClr val="FFFFFF"/>
+                </a:solidFill>
+                <a:prstDash val="solid"/>
+              </a:ln>
+              <a:solidFill>
+                <a:schemeClr val="bg2">
+                  <a:lumMod val="95000"/>
+                  <a:alpha val="50000"/>
+                </a:schemeClr>
+              </a:solidFill>
+              <a:latin typeface="+mn-lt"/>
+              <a:ea typeface="+mn-ea"/>
+              <a:cs typeface="+mn-cs"/>
+            </a:endParaRPr>
+          </a:p>
+        </p:txBody>
+      </p:sp>
+      <p:pic>
+        <p:nvPicPr>
+          <p:cNvPr id="2" name="Picture 1" descr="reference.gif"/>
+          <p:cNvPicPr>
+            <a:picLocks noChangeAspect="1"/>
+          </p:cNvPicPr>
+          <p:nvPr userDrawn="1"/>
+        </p:nvPicPr>
+        <p:blipFill>
+          <a:blip r:embed="rId2">
+            <a:extLst>
+              <a:ext uri="{28A0092B-C50C-407E-A947-70E740481C1C}">
+                <a14:useLocalDpi xmlns:a14="http://schemas.microsoft.com/office/drawing/2010/main" val="0"/>
+              </a:ext>
+            </a:extLst>
+          </a:blip>
+          <a:stretch>
+            <a:fillRect/>
+          </a:stretch>
+        </p:blipFill>
+        <p:spPr>
+          <a:xfrm>
+            <a:off x="13383499" y="324724"/>
+            <a:ext cx="2189001" cy="2189001"/>
+          </a:xfrm>
+          <a:prstGeom prst="rect">
+            <a:avLst/>
+          </a:prstGeom>
+        </p:spPr>
+      </p:pic>
+      <p:sp>
+        <p:nvSpPr>
+          <p:cNvPr id="6" name="Title 1"/>
+          <p:cNvSpPr>
+            <a:spLocks noGrp="1"/>
+          </p:cNvSpPr>
+          <p:nvPr>
+            <p:ph type="ctrTitle" hasCustomPrompt="1"/>
+          </p:nvPr>
+        </p:nvSpPr>
+        <p:spPr bwMode="white">
+          <a:xfrm>
+            <a:off x="1671638" y="2294619"/>
+            <a:ext cx="12319000" cy="852712"/>
+          </a:xfrm>
+        </p:spPr>
+        <p:txBody>
+          <a:bodyPr lIns="91440" tIns="91440" rIns="91440" bIns="91440" anchor="ctr"/>
+          <a:lstStyle>
+            <a:lvl1pPr>
+              <a:lnSpc>
+                <a:spcPct val="90000"/>
+              </a:lnSpc>
+              <a:defRPr sz="6400" b="1" spc="0" baseline="0">
+                <a:solidFill>
+                  <a:schemeClr val="accent1"/>
+                </a:solidFill>
+              </a:defRPr>
+            </a:lvl1pPr>
+          </a:lstStyle>
+          <a:p>
+            <a:r>
+              <a:rPr lang="en-US" dirty="0" smtClean="0"/>
+              <a:t>Documentation</a:t>
+            </a:r>
+            <a:endParaRPr lang="en-US" dirty="0"/>
+          </a:p>
+        </p:txBody>
+      </p:sp>
+      <p:sp>
+        <p:nvSpPr>
+          <p:cNvPr id="12" name="Subtitle 2"/>
+          <p:cNvSpPr>
+            <a:spLocks noGrp="1"/>
+          </p:cNvSpPr>
+          <p:nvPr>
+            <p:ph type="subTitle" idx="1"/>
+          </p:nvPr>
+        </p:nvSpPr>
+        <p:spPr bwMode="white">
+          <a:xfrm>
+            <a:off x="1671638" y="3271838"/>
+            <a:ext cx="12319000" cy="3346421"/>
+          </a:xfrm>
+          <a:prstGeom prst="rect">
+            <a:avLst/>
+          </a:prstGeom>
+        </p:spPr>
+        <p:txBody>
+          <a:bodyPr lIns="91440" tIns="91440" rIns="91440" bIns="91440">
+            <a:noAutofit/>
+          </a:bodyPr>
+          <a:lstStyle>
+            <a:lvl1pPr marL="0" indent="0" algn="l">
+              <a:lnSpc>
+                <a:spcPct val="100000"/>
+              </a:lnSpc>
+              <a:spcBef>
+                <a:spcPts val="0"/>
+              </a:spcBef>
+              <a:buNone/>
+              <a:defRPr sz="2800" baseline="0">
+                <a:solidFill>
+                  <a:schemeClr val="accent3">
+                    <a:lumMod val="50000"/>
+                  </a:schemeClr>
+                </a:solidFill>
+              </a:defRPr>
+            </a:lvl1pPr>
+            <a:lvl2pPr marL="609561" indent="0" algn="ctr">
+              <a:buNone/>
+              <a:defRPr>
+                <a:solidFill>
+                  <a:schemeClr val="tx1">
+                    <a:tint val="75000"/>
+                  </a:schemeClr>
+                </a:solidFill>
+              </a:defRPr>
+            </a:lvl2pPr>
+            <a:lvl3pPr marL="1219120" indent="0" algn="ctr">
+              <a:buNone/>
+              <a:defRPr>
+                <a:solidFill>
+                  <a:schemeClr val="tx1">
+                    <a:tint val="75000"/>
+                  </a:schemeClr>
+                </a:solidFill>
+              </a:defRPr>
+            </a:lvl3pPr>
+            <a:lvl4pPr marL="1828681" indent="0" algn="ctr">
+              <a:buNone/>
+              <a:defRPr>
+                <a:solidFill>
+                  <a:schemeClr val="tx1">
+                    <a:tint val="75000"/>
+                  </a:schemeClr>
+                </a:solidFill>
+              </a:defRPr>
+            </a:lvl4pPr>
+            <a:lvl5pPr marL="2438242" indent="0" algn="ctr">
+              <a:buNone/>
+              <a:defRPr>
+                <a:solidFill>
+                  <a:schemeClr val="tx1">
+                    <a:tint val="75000"/>
+                  </a:schemeClr>
+                </a:solidFill>
+              </a:defRPr>
+            </a:lvl5pPr>
+            <a:lvl6pPr marL="3047802" indent="0" algn="ctr">
+              <a:buNone/>
+              <a:defRPr>
+                <a:solidFill>
+                  <a:schemeClr val="tx1">
+                    <a:tint val="75000"/>
+                  </a:schemeClr>
+                </a:solidFill>
+              </a:defRPr>
+            </a:lvl6pPr>
+            <a:lvl7pPr marL="3657362" indent="0" algn="ctr">
+              <a:buNone/>
+              <a:defRPr>
+                <a:solidFill>
+                  <a:schemeClr val="tx1">
+                    <a:tint val="75000"/>
+                  </a:schemeClr>
+                </a:solidFill>
+              </a:defRPr>
+            </a:lvl7pPr>
+            <a:lvl8pPr marL="4266923" indent="0" algn="ctr">
+              <a:buNone/>
+              <a:defRPr>
+                <a:solidFill>
+                  <a:schemeClr val="tx1">
+                    <a:tint val="75000"/>
+                  </a:schemeClr>
+                </a:solidFill>
+              </a:defRPr>
+            </a:lvl8pPr>
+            <a:lvl9pPr marL="4876483" indent="0" algn="ctr">
+              <a:buNone/>
+              <a:defRPr>
+                <a:solidFill>
+                  <a:schemeClr val="tx1">
+                    <a:tint val="75000"/>
+                  </a:schemeClr>
+                </a:solidFill>
+              </a:defRPr>
+            </a:lvl9pPr>
+          </a:lstStyle>
+          <a:p>
+            <a:r>
+              <a:rPr lang="en-US" dirty="0" smtClean="0"/>
+              <a:t>Click to edit Master subtitle style</a:t>
+            </a:r>
+          </a:p>
+        </p:txBody>
+      </p:sp>
+      <p:sp>
+        <p:nvSpPr>
+          <p:cNvPr id="10" name="Content Placeholder 3"/>
+          <p:cNvSpPr>
+            <a:spLocks noGrp="1"/>
+          </p:cNvSpPr>
+          <p:nvPr>
+            <p:ph sz="quarter" idx="13" hasCustomPrompt="1"/>
+          </p:nvPr>
+        </p:nvSpPr>
+        <p:spPr>
+          <a:xfrm>
+            <a:off x="3921498" y="7164200"/>
+            <a:ext cx="8917577" cy="524133"/>
+          </a:xfrm>
+          <a:prstGeom prst="rect">
+            <a:avLst/>
+          </a:prstGeom>
+        </p:spPr>
+        <p:txBody>
+          <a:bodyPr anchor="ctr"/>
+          <a:lstStyle>
+            <a:lvl1pPr marL="0" indent="0" algn="ctr">
+              <a:buNone/>
+              <a:defRPr sz="2400">
+                <a:solidFill>
+                  <a:schemeClr val="tx1"/>
+                </a:solidFill>
+              </a:defRPr>
+            </a:lvl1pPr>
+          </a:lstStyle>
+          <a:p>
+            <a:pPr lvl="0"/>
+            <a:r>
+              <a:rPr lang="en-US" dirty="0" smtClean="0"/>
+              <a:t>http://</a:t>
+            </a:r>
+            <a:r>
+              <a:rPr lang="en-US" dirty="0" err="1" smtClean="0"/>
+              <a:t>docs.chef.io</a:t>
+            </a:r>
+            <a:endParaRPr lang="en-US" dirty="0" smtClean="0"/>
+          </a:p>
+        </p:txBody>
+      </p:sp>
+    </p:spTree>
+    <p:extLst>
+      <p:ext uri="{BB962C8B-B14F-4D97-AF65-F5344CB8AC3E}">
+        <p14:creationId xmlns:p14="http://schemas.microsoft.com/office/powerpoint/2010/main" val="1970238568"/>
+      </p:ext>
+    </p:extLst>
+  </p:cSld>
+  <p:clrMapOvr>
+    <a:masterClrMapping/>
+  </p:clrMapOvr>
+  <p:transition spd="med">
+    <p:fade/>
+  </p:transition>
+</p:sldLayout>
+</file>
+
+<file path=ppt/slideLayouts/slideLayout16.xml><?xml version="1.0" encoding="utf-8"?>
+<p:sldLayout xmlns:a="http://schemas.openxmlformats.org/drawingml/2006/main" xmlns:r="http://schemas.openxmlformats.org/officeDocument/2006/relationships" xmlns:p="http://schemas.openxmlformats.org/presentationml/2006/main" preserve="1" userDrawn="1">
+  <p:cSld name="Concept">
+    <p:spTree>
+      <p:nvGrpSpPr>
+        <p:cNvPr id="1" name=""/>
+        <p:cNvGrpSpPr/>
+        <p:nvPr/>
+      </p:nvGrpSpPr>
+      <p:grpSpPr>
+        <a:xfrm>
+          <a:off x="0" y="0"/>
+          <a:ext cx="0" cy="0"/>
+          <a:chOff x="0" y="0"/>
+          <a:chExt cx="0" cy="0"/>
+        </a:xfrm>
+      </p:grpSpPr>
+      <p:sp>
+        <p:nvSpPr>
+          <p:cNvPr id="5" name="TextBox 4"/>
+          <p:cNvSpPr txBox="1"/>
+          <p:nvPr/>
+        </p:nvSpPr>
+        <p:spPr bwMode="white">
+          <a:xfrm>
+            <a:off x="136961" y="144390"/>
+            <a:ext cx="11554287" cy="2378219"/>
+          </a:xfrm>
+          <a:prstGeom prst="rect">
+            <a:avLst/>
+          </a:prstGeom>
+          <a:noFill/>
+          <a:ln>
+            <a:noFill/>
+          </a:ln>
+          <a:effectLst/>
+        </p:spPr>
+        <p:txBody>
+          <a:bodyPr lIns="121920" tIns="121920" rIns="121920" bIns="121920" anchor="ctr"/>
+          <a:lstStyle/>
+          <a:p>
+            <a:pPr defTabSz="1219120" fontAlgn="auto">
+              <a:spcBef>
+                <a:spcPts val="0"/>
+              </a:spcBef>
+              <a:spcAft>
+                <a:spcPts val="0"/>
+              </a:spcAft>
+              <a:defRPr/>
+            </a:pPr>
+            <a:r>
+              <a:rPr lang="en-US" sz="16933" dirty="0">
+                <a:ln w="18415" cmpd="sng">
+                  <a:solidFill>
+                    <a:srgbClr val="FFFFFF"/>
+                  </a:solidFill>
+                  <a:prstDash val="solid"/>
+                </a:ln>
+                <a:solidFill>
+                  <a:schemeClr val="bg2">
+                    <a:lumMod val="95000"/>
+                    <a:alpha val="50000"/>
+                  </a:schemeClr>
+                </a:solidFill>
+                <a:latin typeface="+mn-lt"/>
+                <a:ea typeface="+mn-ea"/>
+                <a:cs typeface="+mn-cs"/>
+              </a:rPr>
+              <a:t>CONCEPT</a:t>
+            </a:r>
+          </a:p>
+        </p:txBody>
+      </p:sp>
+      <p:pic>
+        <p:nvPicPr>
+          <p:cNvPr id="2" name="Picture 1" descr="concept.gif"/>
+          <p:cNvPicPr>
+            <a:picLocks noChangeAspect="1"/>
+          </p:cNvPicPr>
+          <p:nvPr userDrawn="1"/>
+        </p:nvPicPr>
+        <p:blipFill>
+          <a:blip r:embed="rId2">
+            <a:extLst>
+              <a:ext uri="{28A0092B-C50C-407E-A947-70E740481C1C}">
+                <a14:useLocalDpi xmlns:a14="http://schemas.microsoft.com/office/drawing/2010/main" val="0"/>
+              </a:ext>
+            </a:extLst>
+          </a:blip>
+          <a:stretch>
+            <a:fillRect/>
+          </a:stretch>
+        </p:blipFill>
+        <p:spPr>
+          <a:xfrm>
+            <a:off x="13119426" y="324724"/>
+            <a:ext cx="2717146" cy="2189001"/>
+          </a:xfrm>
+          <a:prstGeom prst="rect">
+            <a:avLst/>
+          </a:prstGeom>
+        </p:spPr>
+      </p:pic>
+      <p:sp>
+        <p:nvSpPr>
+          <p:cNvPr id="6" name="Title 1"/>
+          <p:cNvSpPr>
+            <a:spLocks noGrp="1"/>
+          </p:cNvSpPr>
+          <p:nvPr>
+            <p:ph type="ctrTitle" hasCustomPrompt="1"/>
+          </p:nvPr>
+        </p:nvSpPr>
+        <p:spPr bwMode="white">
+          <a:xfrm>
+            <a:off x="1671638" y="2294619"/>
+            <a:ext cx="12319000" cy="852712"/>
+          </a:xfrm>
+        </p:spPr>
+        <p:txBody>
+          <a:bodyPr lIns="91440" tIns="91440" rIns="91440" bIns="91440" anchor="ctr"/>
+          <a:lstStyle>
+            <a:lvl1pPr>
+              <a:lnSpc>
+                <a:spcPct val="90000"/>
+              </a:lnSpc>
+              <a:defRPr sz="6400" b="1" spc="0" baseline="0">
+                <a:solidFill>
+                  <a:schemeClr val="accent1"/>
+                </a:solidFill>
+              </a:defRPr>
+            </a:lvl1pPr>
+          </a:lstStyle>
+          <a:p>
+            <a:r>
+              <a:rPr lang="en-US" dirty="0" smtClean="0"/>
+              <a:t>Concept</a:t>
+            </a:r>
+            <a:endParaRPr lang="en-US" dirty="0"/>
+          </a:p>
+        </p:txBody>
+      </p:sp>
+      <p:sp>
+        <p:nvSpPr>
+          <p:cNvPr id="10" name="Subtitle 2"/>
+          <p:cNvSpPr>
+            <a:spLocks noGrp="1"/>
+          </p:cNvSpPr>
+          <p:nvPr>
+            <p:ph type="subTitle" idx="1"/>
+          </p:nvPr>
+        </p:nvSpPr>
+        <p:spPr bwMode="white">
+          <a:xfrm>
+            <a:off x="1671638" y="3271838"/>
+            <a:ext cx="12319000" cy="3346421"/>
+          </a:xfrm>
+          <a:prstGeom prst="rect">
+            <a:avLst/>
+          </a:prstGeom>
+        </p:spPr>
+        <p:txBody>
+          <a:bodyPr lIns="91440" tIns="91440" rIns="91440" bIns="91440">
+            <a:noAutofit/>
+          </a:bodyPr>
+          <a:lstStyle>
+            <a:lvl1pPr marL="0" indent="0" algn="l">
+              <a:lnSpc>
+                <a:spcPct val="100000"/>
+              </a:lnSpc>
+              <a:spcBef>
+                <a:spcPts val="0"/>
+              </a:spcBef>
+              <a:buNone/>
+              <a:defRPr sz="2800" baseline="0">
+                <a:solidFill>
+                  <a:schemeClr val="accent3">
+                    <a:lumMod val="50000"/>
+                  </a:schemeClr>
+                </a:solidFill>
+              </a:defRPr>
+            </a:lvl1pPr>
+            <a:lvl2pPr marL="609561" indent="0" algn="ctr">
+              <a:buNone/>
+              <a:defRPr>
+                <a:solidFill>
+                  <a:schemeClr val="tx1">
+                    <a:tint val="75000"/>
+                  </a:schemeClr>
+                </a:solidFill>
+              </a:defRPr>
+            </a:lvl2pPr>
+            <a:lvl3pPr marL="1219120" indent="0" algn="ctr">
+              <a:buNone/>
+              <a:defRPr>
+                <a:solidFill>
+                  <a:schemeClr val="tx1">
+                    <a:tint val="75000"/>
+                  </a:schemeClr>
+                </a:solidFill>
+              </a:defRPr>
+            </a:lvl3pPr>
+            <a:lvl4pPr marL="1828681" indent="0" algn="ctr">
+              <a:buNone/>
+              <a:defRPr>
+                <a:solidFill>
+                  <a:schemeClr val="tx1">
+                    <a:tint val="75000"/>
+                  </a:schemeClr>
+                </a:solidFill>
+              </a:defRPr>
+            </a:lvl4pPr>
+            <a:lvl5pPr marL="2438242" indent="0" algn="ctr">
+              <a:buNone/>
+              <a:defRPr>
+                <a:solidFill>
+                  <a:schemeClr val="tx1">
+                    <a:tint val="75000"/>
+                  </a:schemeClr>
+                </a:solidFill>
+              </a:defRPr>
+            </a:lvl5pPr>
+            <a:lvl6pPr marL="3047802" indent="0" algn="ctr">
+              <a:buNone/>
+              <a:defRPr>
+                <a:solidFill>
+                  <a:schemeClr val="tx1">
+                    <a:tint val="75000"/>
+                  </a:schemeClr>
+                </a:solidFill>
+              </a:defRPr>
+            </a:lvl6pPr>
+            <a:lvl7pPr marL="3657362" indent="0" algn="ctr">
+              <a:buNone/>
+              <a:defRPr>
+                <a:solidFill>
+                  <a:schemeClr val="tx1">
+                    <a:tint val="75000"/>
+                  </a:schemeClr>
+                </a:solidFill>
+              </a:defRPr>
+            </a:lvl7pPr>
+            <a:lvl8pPr marL="4266923" indent="0" algn="ctr">
+              <a:buNone/>
+              <a:defRPr>
+                <a:solidFill>
+                  <a:schemeClr val="tx1">
+                    <a:tint val="75000"/>
+                  </a:schemeClr>
+                </a:solidFill>
+              </a:defRPr>
+            </a:lvl8pPr>
+            <a:lvl9pPr marL="4876483" indent="0" algn="ctr">
+              <a:buNone/>
+              <a:defRPr>
+                <a:solidFill>
+                  <a:schemeClr val="tx1">
+                    <a:tint val="75000"/>
+                  </a:schemeClr>
+                </a:solidFill>
+              </a:defRPr>
+            </a:lvl9pPr>
+          </a:lstStyle>
+          <a:p>
+            <a:r>
+              <a:rPr lang="en-US" dirty="0" smtClean="0"/>
+              <a:t>Click to edit Master subtitle style</a:t>
+            </a:r>
+          </a:p>
+        </p:txBody>
+      </p:sp>
+    </p:spTree>
+    <p:extLst>
+      <p:ext uri="{BB962C8B-B14F-4D97-AF65-F5344CB8AC3E}">
+        <p14:creationId xmlns:p14="http://schemas.microsoft.com/office/powerpoint/2010/main" val="1995748560"/>
+      </p:ext>
+    </p:extLst>
+  </p:cSld>
+  <p:clrMapOvr>
+    <a:masterClrMapping/>
+  </p:clrMapOvr>
+  <p:transition spd="med">
+    <p:fade/>
+  </p:transition>
+</p:sldLayout>
+</file>
+
+<file path=ppt/slideLayouts/slideLayout17.xml><?xml version="1.0" encoding="utf-8"?>
+<p:sldLayout xmlns:a="http://schemas.openxmlformats.org/drawingml/2006/main" xmlns:r="http://schemas.openxmlformats.org/officeDocument/2006/relationships" xmlns:p="http://schemas.openxmlformats.org/presentationml/2006/main" preserve="1" userDrawn="1">
   <p:cSld name="Group Exercise">
     <p:spTree>
       <p:nvGrpSpPr>
@@ -11033,14 +12215,14 @@
           </a:ln>
           <a:extLst>
             <a:ext uri="{909E8E84-426E-40dd-AFC4-6F175D3DCCD1}">
-              <a14:hiddenFill xmlns:a14="http://schemas.microsoft.com/office/drawing/2010/main">
+              <a14:hiddenFill xmlns:a14="http://schemas.microsoft.com/office/drawing/2010/main" xmlns="">
                 <a:solidFill>
                   <a:srgbClr val="FFFFFF"/>
                 </a:solidFill>
               </a14:hiddenFill>
             </a:ext>
             <a:ext uri="{91240B29-F687-4f45-9708-019B960494DF}">
-              <a14:hiddenLine xmlns:a14="http://schemas.microsoft.com/office/drawing/2010/main" w="9525">
+              <a14:hiddenLine xmlns:a14="http://schemas.microsoft.com/office/drawing/2010/main" xmlns="" w="9525">
                 <a:solidFill>
                   <a:srgbClr val="000000"/>
                 </a:solidFill>
@@ -11230,21 +12412,21 @@
     </p:spTree>
     <p:extLst>
       <p:ext uri="{BB962C8B-B14F-4D97-AF65-F5344CB8AC3E}">
-        <p14:creationId xmlns:p14="http://schemas.microsoft.com/office/powerpoint/2010/main" val="3117431987"/>
+        <p14:creationId xmlns:p14="http://schemas.microsoft.com/office/powerpoint/2010/main" val="1211677136"/>
       </p:ext>
     </p:extLst>
   </p:cSld>
   <p:clrMapOvr>
     <a:masterClrMapping/>
   </p:clrMapOvr>
-  <p:transition xmlns:p14="http://schemas.microsoft.com/office/powerpoint/2010/main" spd="med">
+  <p:transition spd="med">
     <p:fade/>
   </p:transition>
 </p:sldLayout>
 </file>
 
-<file path=ppt/slideLayouts/slideLayout14.xml><?xml version="1.0" encoding="utf-8"?>
-<p:sldLayout xmlns:a="http://schemas.openxmlformats.org/drawingml/2006/main" xmlns:r="http://schemas.openxmlformats.org/officeDocument/2006/relationships" xmlns:p="http://schemas.openxmlformats.org/presentationml/2006/main" userDrawn="1">
+<file path=ppt/slideLayouts/slideLayout18.xml><?xml version="1.0" encoding="utf-8"?>
+<p:sldLayout xmlns:a="http://schemas.openxmlformats.org/drawingml/2006/main" xmlns:r="http://schemas.openxmlformats.org/officeDocument/2006/relationships" xmlns:p="http://schemas.openxmlformats.org/presentationml/2006/main" preserve="1" userDrawn="1">
   <p:cSld name="Lab">
     <p:spTree>
       <p:nvGrpSpPr>
@@ -11518,2102 +12700,6 @@
     </p:spTree>
     <p:extLst>
       <p:ext uri="{BB962C8B-B14F-4D97-AF65-F5344CB8AC3E}">
-        <p14:creationId xmlns:p14="http://schemas.microsoft.com/office/powerpoint/2010/main" val="1852188546"/>
-      </p:ext>
-    </p:extLst>
-  </p:cSld>
-  <p:clrMapOvr>
-    <a:masterClrMapping/>
-  </p:clrMapOvr>
-  <p:transition xmlns:p14="http://schemas.microsoft.com/office/powerpoint/2010/main" spd="med">
-    <p:fade/>
-  </p:transition>
-</p:sldLayout>
-</file>
-
-<file path=ppt/slideLayouts/slideLayout15.xml><?xml version="1.0" encoding="utf-8"?>
-<p:sldLayout xmlns:a="http://schemas.openxmlformats.org/drawingml/2006/main" xmlns:r="http://schemas.openxmlformats.org/officeDocument/2006/relationships" xmlns:p="http://schemas.openxmlformats.org/presentationml/2006/main" preserve="1" userDrawn="1">
-  <p:cSld name="Motivation">
-    <p:spTree>
-      <p:nvGrpSpPr>
-        <p:cNvPr id="1" name=""/>
-        <p:cNvGrpSpPr/>
-        <p:nvPr/>
-      </p:nvGrpSpPr>
-      <p:grpSpPr>
-        <a:xfrm>
-          <a:off x="0" y="0"/>
-          <a:ext cx="0" cy="0"/>
-          <a:chOff x="0" y="0"/>
-          <a:chExt cx="0" cy="0"/>
-        </a:xfrm>
-      </p:grpSpPr>
-      <p:sp>
-        <p:nvSpPr>
-          <p:cNvPr id="5" name="TextBox 4"/>
-          <p:cNvSpPr txBox="1"/>
-          <p:nvPr/>
-        </p:nvSpPr>
-        <p:spPr bwMode="white">
-          <a:xfrm>
-            <a:off x="136960" y="128323"/>
-            <a:ext cx="13979932" cy="2378219"/>
-          </a:xfrm>
-          <a:prstGeom prst="rect">
-            <a:avLst/>
-          </a:prstGeom>
-          <a:noFill/>
-          <a:ln>
-            <a:noFill/>
-          </a:ln>
-          <a:effectLst/>
-        </p:spPr>
-        <p:txBody>
-          <a:bodyPr lIns="121920" tIns="121920" rIns="121920" bIns="121920" anchor="ctr"/>
-          <a:lstStyle/>
-          <a:p>
-            <a:pPr defTabSz="1219120" fontAlgn="auto">
-              <a:spcBef>
-                <a:spcPts val="0"/>
-              </a:spcBef>
-              <a:spcAft>
-                <a:spcPts val="0"/>
-              </a:spcAft>
-              <a:defRPr/>
-            </a:pPr>
-            <a:r>
-              <a:rPr lang="en-US" sz="16933" dirty="0">
-                <a:ln w="18415" cmpd="sng">
-                  <a:solidFill>
-                    <a:srgbClr val="FFFFFF"/>
-                  </a:solidFill>
-                  <a:prstDash val="solid"/>
-                </a:ln>
-                <a:solidFill>
-                  <a:schemeClr val="bg2">
-                    <a:lumMod val="95000"/>
-                    <a:alpha val="50000"/>
-                  </a:schemeClr>
-                </a:solidFill>
-                <a:latin typeface="+mn-lt"/>
-                <a:ea typeface="+mn-ea"/>
-                <a:cs typeface="+mn-cs"/>
-              </a:rPr>
-              <a:t>MOTIVATION</a:t>
-            </a:r>
-          </a:p>
-        </p:txBody>
-      </p:sp>
-      <p:pic>
-        <p:nvPicPr>
-          <p:cNvPr id="2" name="Picture 1" descr="gift.gif"/>
-          <p:cNvPicPr>
-            <a:picLocks noChangeAspect="1"/>
-          </p:cNvPicPr>
-          <p:nvPr userDrawn="1"/>
-        </p:nvPicPr>
-        <p:blipFill>
-          <a:blip r:embed="rId2">
-            <a:extLst>
-              <a:ext uri="{28A0092B-C50C-407E-A947-70E740481C1C}">
-                <a14:useLocalDpi xmlns:a14="http://schemas.microsoft.com/office/drawing/2010/main" val="0"/>
-              </a:ext>
-            </a:extLst>
-          </a:blip>
-          <a:stretch>
-            <a:fillRect/>
-          </a:stretch>
-        </p:blipFill>
-        <p:spPr>
-          <a:xfrm>
-            <a:off x="13257264" y="215274"/>
-            <a:ext cx="2441471" cy="2407901"/>
-          </a:xfrm>
-          <a:prstGeom prst="rect">
-            <a:avLst/>
-          </a:prstGeom>
-        </p:spPr>
-      </p:pic>
-      <p:sp>
-        <p:nvSpPr>
-          <p:cNvPr id="6" name="Title 1"/>
-          <p:cNvSpPr>
-            <a:spLocks noGrp="1"/>
-          </p:cNvSpPr>
-          <p:nvPr>
-            <p:ph type="ctrTitle" hasCustomPrompt="1"/>
-          </p:nvPr>
-        </p:nvSpPr>
-        <p:spPr bwMode="white">
-          <a:xfrm>
-            <a:off x="1680252" y="2304144"/>
-            <a:ext cx="12310386" cy="852712"/>
-          </a:xfrm>
-        </p:spPr>
-        <p:txBody>
-          <a:bodyPr lIns="91440" tIns="91440" rIns="91440" bIns="91440" anchor="ctr"/>
-          <a:lstStyle>
-            <a:lvl1pPr>
-              <a:lnSpc>
-                <a:spcPct val="90000"/>
-              </a:lnSpc>
-              <a:defRPr sz="6400" b="1" spc="0" baseline="0">
-                <a:solidFill>
-                  <a:schemeClr val="accent1"/>
-                </a:solidFill>
-              </a:defRPr>
-            </a:lvl1pPr>
-          </a:lstStyle>
-          <a:p>
-            <a:r>
-              <a:rPr lang="en-US" dirty="0" smtClean="0"/>
-              <a:t>Motivation</a:t>
-            </a:r>
-            <a:endParaRPr lang="en-US" dirty="0"/>
-          </a:p>
-        </p:txBody>
-      </p:sp>
-      <p:sp>
-        <p:nvSpPr>
-          <p:cNvPr id="14" name="Subtitle 2"/>
-          <p:cNvSpPr>
-            <a:spLocks noGrp="1"/>
-          </p:cNvSpPr>
-          <p:nvPr>
-            <p:ph type="subTitle" idx="1"/>
-          </p:nvPr>
-        </p:nvSpPr>
-        <p:spPr bwMode="white">
-          <a:xfrm>
-            <a:off x="1672167" y="3283868"/>
-            <a:ext cx="12315718" cy="4770049"/>
-          </a:xfrm>
-          <a:prstGeom prst="rect">
-            <a:avLst/>
-          </a:prstGeom>
-        </p:spPr>
-        <p:txBody>
-          <a:bodyPr lIns="91440" tIns="91440" rIns="91440" bIns="91440">
-            <a:noAutofit/>
-          </a:bodyPr>
-          <a:lstStyle>
-            <a:lvl1pPr marL="0" indent="0" algn="l">
-              <a:lnSpc>
-                <a:spcPct val="100000"/>
-              </a:lnSpc>
-              <a:spcBef>
-                <a:spcPts val="0"/>
-              </a:spcBef>
-              <a:buNone/>
-              <a:defRPr sz="2800" baseline="0">
-                <a:solidFill>
-                  <a:schemeClr val="accent3">
-                    <a:lumMod val="50000"/>
-                  </a:schemeClr>
-                </a:solidFill>
-              </a:defRPr>
-            </a:lvl1pPr>
-            <a:lvl2pPr marL="609561" indent="0" algn="ctr">
-              <a:buNone/>
-              <a:defRPr>
-                <a:solidFill>
-                  <a:schemeClr val="tx1">
-                    <a:tint val="75000"/>
-                  </a:schemeClr>
-                </a:solidFill>
-              </a:defRPr>
-            </a:lvl2pPr>
-            <a:lvl3pPr marL="1219120" indent="0" algn="ctr">
-              <a:buNone/>
-              <a:defRPr>
-                <a:solidFill>
-                  <a:schemeClr val="tx1">
-                    <a:tint val="75000"/>
-                  </a:schemeClr>
-                </a:solidFill>
-              </a:defRPr>
-            </a:lvl3pPr>
-            <a:lvl4pPr marL="1828681" indent="0" algn="ctr">
-              <a:buNone/>
-              <a:defRPr>
-                <a:solidFill>
-                  <a:schemeClr val="tx1">
-                    <a:tint val="75000"/>
-                  </a:schemeClr>
-                </a:solidFill>
-              </a:defRPr>
-            </a:lvl4pPr>
-            <a:lvl5pPr marL="2438242" indent="0" algn="ctr">
-              <a:buNone/>
-              <a:defRPr>
-                <a:solidFill>
-                  <a:schemeClr val="tx1">
-                    <a:tint val="75000"/>
-                  </a:schemeClr>
-                </a:solidFill>
-              </a:defRPr>
-            </a:lvl5pPr>
-            <a:lvl6pPr marL="3047802" indent="0" algn="ctr">
-              <a:buNone/>
-              <a:defRPr>
-                <a:solidFill>
-                  <a:schemeClr val="tx1">
-                    <a:tint val="75000"/>
-                  </a:schemeClr>
-                </a:solidFill>
-              </a:defRPr>
-            </a:lvl6pPr>
-            <a:lvl7pPr marL="3657362" indent="0" algn="ctr">
-              <a:buNone/>
-              <a:defRPr>
-                <a:solidFill>
-                  <a:schemeClr val="tx1">
-                    <a:tint val="75000"/>
-                  </a:schemeClr>
-                </a:solidFill>
-              </a:defRPr>
-            </a:lvl7pPr>
-            <a:lvl8pPr marL="4266923" indent="0" algn="ctr">
-              <a:buNone/>
-              <a:defRPr>
-                <a:solidFill>
-                  <a:schemeClr val="tx1">
-                    <a:tint val="75000"/>
-                  </a:schemeClr>
-                </a:solidFill>
-              </a:defRPr>
-            </a:lvl8pPr>
-            <a:lvl9pPr marL="4876483" indent="0" algn="ctr">
-              <a:buNone/>
-              <a:defRPr>
-                <a:solidFill>
-                  <a:schemeClr val="tx1">
-                    <a:tint val="75000"/>
-                  </a:schemeClr>
-                </a:solidFill>
-              </a:defRPr>
-            </a:lvl9pPr>
-          </a:lstStyle>
-          <a:p>
-            <a:r>
-              <a:rPr lang="en-US" dirty="0" smtClean="0"/>
-              <a:t>Click to edit Master subtitle style</a:t>
-            </a:r>
-          </a:p>
-        </p:txBody>
-      </p:sp>
-    </p:spTree>
-    <p:extLst>
-      <p:ext uri="{BB962C8B-B14F-4D97-AF65-F5344CB8AC3E}">
-        <p14:creationId xmlns:p14="http://schemas.microsoft.com/office/powerpoint/2010/main" val="2947928335"/>
-      </p:ext>
-    </p:extLst>
-  </p:cSld>
-  <p:clrMapOvr>
-    <a:masterClrMapping/>
-  </p:clrMapOvr>
-  <p:transition xmlns:p14="http://schemas.microsoft.com/office/powerpoint/2010/main" spd="med">
-    <p:fade/>
-  </p:transition>
-</p:sldLayout>
-</file>
-
-<file path=ppt/slideLayouts/slideLayout16.xml><?xml version="1.0" encoding="utf-8"?>
-<p:sldLayout xmlns:a="http://schemas.openxmlformats.org/drawingml/2006/main" xmlns:r="http://schemas.openxmlformats.org/officeDocument/2006/relationships" xmlns:p="http://schemas.openxmlformats.org/presentationml/2006/main" preserve="1" userDrawn="1">
-  <p:cSld name="Problem">
-    <p:spTree>
-      <p:nvGrpSpPr>
-        <p:cNvPr id="1" name=""/>
-        <p:cNvGrpSpPr/>
-        <p:nvPr/>
-      </p:nvGrpSpPr>
-      <p:grpSpPr>
-        <a:xfrm>
-          <a:off x="0" y="0"/>
-          <a:ext cx="0" cy="0"/>
-          <a:chOff x="0" y="0"/>
-          <a:chExt cx="0" cy="0"/>
-        </a:xfrm>
-      </p:grpSpPr>
-      <p:sp>
-        <p:nvSpPr>
-          <p:cNvPr id="5" name="TextBox 4"/>
-          <p:cNvSpPr txBox="1"/>
-          <p:nvPr/>
-        </p:nvSpPr>
-        <p:spPr bwMode="white">
-          <a:xfrm>
-            <a:off x="136960" y="149489"/>
-            <a:ext cx="11781799" cy="2378219"/>
-          </a:xfrm>
-          <a:prstGeom prst="rect">
-            <a:avLst/>
-          </a:prstGeom>
-          <a:noFill/>
-          <a:ln>
-            <a:noFill/>
-          </a:ln>
-          <a:effectLst/>
-        </p:spPr>
-        <p:txBody>
-          <a:bodyPr lIns="121920" tIns="121920" rIns="121920" bIns="121920" anchor="ctr"/>
-          <a:lstStyle/>
-          <a:p>
-            <a:pPr defTabSz="1219120" fontAlgn="auto">
-              <a:spcBef>
-                <a:spcPts val="0"/>
-              </a:spcBef>
-              <a:spcAft>
-                <a:spcPts val="0"/>
-              </a:spcAft>
-              <a:defRPr/>
-            </a:pPr>
-            <a:r>
-              <a:rPr lang="en-US" sz="16933" dirty="0">
-                <a:ln w="18415" cmpd="sng">
-                  <a:solidFill>
-                    <a:srgbClr val="FFFFFF"/>
-                  </a:solidFill>
-                  <a:prstDash val="solid"/>
-                </a:ln>
-                <a:solidFill>
-                  <a:schemeClr val="bg2">
-                    <a:lumMod val="95000"/>
-                    <a:alpha val="50000"/>
-                  </a:schemeClr>
-                </a:solidFill>
-                <a:latin typeface="+mn-lt"/>
-                <a:ea typeface="+mn-ea"/>
-                <a:cs typeface="+mn-cs"/>
-              </a:rPr>
-              <a:t>PROBLEM</a:t>
-            </a:r>
-          </a:p>
-        </p:txBody>
-      </p:sp>
-      <p:pic>
-        <p:nvPicPr>
-          <p:cNvPr id="2" name="Picture 1" descr="splat.gif"/>
-          <p:cNvPicPr>
-            <a:picLocks noChangeAspect="1"/>
-          </p:cNvPicPr>
-          <p:nvPr userDrawn="1"/>
-        </p:nvPicPr>
-        <p:blipFill>
-          <a:blip r:embed="rId2">
-            <a:extLst>
-              <a:ext uri="{28A0092B-C50C-407E-A947-70E740481C1C}">
-                <a14:useLocalDpi xmlns:a14="http://schemas.microsoft.com/office/drawing/2010/main" val="0"/>
-              </a:ext>
-            </a:extLst>
-          </a:blip>
-          <a:stretch>
-            <a:fillRect/>
-          </a:stretch>
-        </p:blipFill>
-        <p:spPr>
-          <a:xfrm>
-            <a:off x="13153654" y="94879"/>
-            <a:ext cx="2648691" cy="2648691"/>
-          </a:xfrm>
-          <a:prstGeom prst="rect">
-            <a:avLst/>
-          </a:prstGeom>
-        </p:spPr>
-      </p:pic>
-      <p:sp>
-        <p:nvSpPr>
-          <p:cNvPr id="6" name="Title 1"/>
-          <p:cNvSpPr>
-            <a:spLocks noGrp="1"/>
-          </p:cNvSpPr>
-          <p:nvPr>
-            <p:ph type="ctrTitle" hasCustomPrompt="1"/>
-          </p:nvPr>
-        </p:nvSpPr>
-        <p:spPr bwMode="white">
-          <a:xfrm>
-            <a:off x="1671638" y="2294619"/>
-            <a:ext cx="12319000" cy="852712"/>
-          </a:xfrm>
-        </p:spPr>
-        <p:txBody>
-          <a:bodyPr lIns="91440" tIns="91440" rIns="91440" bIns="91440" anchor="ctr"/>
-          <a:lstStyle>
-            <a:lvl1pPr>
-              <a:lnSpc>
-                <a:spcPct val="90000"/>
-              </a:lnSpc>
-              <a:defRPr sz="6400" b="1" spc="0" baseline="0">
-                <a:solidFill>
-                  <a:schemeClr val="accent1"/>
-                </a:solidFill>
-              </a:defRPr>
-            </a:lvl1pPr>
-          </a:lstStyle>
-          <a:p>
-            <a:r>
-              <a:rPr lang="en-US" dirty="0" smtClean="0"/>
-              <a:t>Problem</a:t>
-            </a:r>
-            <a:endParaRPr lang="en-US" dirty="0"/>
-          </a:p>
-        </p:txBody>
-      </p:sp>
-      <p:sp>
-        <p:nvSpPr>
-          <p:cNvPr id="10" name="Subtitle 2"/>
-          <p:cNvSpPr>
-            <a:spLocks noGrp="1"/>
-          </p:cNvSpPr>
-          <p:nvPr>
-            <p:ph type="subTitle" idx="1"/>
-          </p:nvPr>
-        </p:nvSpPr>
-        <p:spPr bwMode="white">
-          <a:xfrm>
-            <a:off x="1671638" y="3271838"/>
-            <a:ext cx="12319000" cy="3346421"/>
-          </a:xfrm>
-          <a:prstGeom prst="rect">
-            <a:avLst/>
-          </a:prstGeom>
-        </p:spPr>
-        <p:txBody>
-          <a:bodyPr lIns="91440" tIns="91440" rIns="91440" bIns="91440">
-            <a:noAutofit/>
-          </a:bodyPr>
-          <a:lstStyle>
-            <a:lvl1pPr marL="0" indent="0" algn="l">
-              <a:lnSpc>
-                <a:spcPct val="100000"/>
-              </a:lnSpc>
-              <a:spcBef>
-                <a:spcPts val="0"/>
-              </a:spcBef>
-              <a:buNone/>
-              <a:defRPr sz="2800" baseline="0">
-                <a:solidFill>
-                  <a:schemeClr val="accent3">
-                    <a:lumMod val="50000"/>
-                  </a:schemeClr>
-                </a:solidFill>
-              </a:defRPr>
-            </a:lvl1pPr>
-            <a:lvl2pPr marL="609561" indent="0" algn="ctr">
-              <a:buNone/>
-              <a:defRPr>
-                <a:solidFill>
-                  <a:schemeClr val="tx1">
-                    <a:tint val="75000"/>
-                  </a:schemeClr>
-                </a:solidFill>
-              </a:defRPr>
-            </a:lvl2pPr>
-            <a:lvl3pPr marL="1219120" indent="0" algn="ctr">
-              <a:buNone/>
-              <a:defRPr>
-                <a:solidFill>
-                  <a:schemeClr val="tx1">
-                    <a:tint val="75000"/>
-                  </a:schemeClr>
-                </a:solidFill>
-              </a:defRPr>
-            </a:lvl3pPr>
-            <a:lvl4pPr marL="1828681" indent="0" algn="ctr">
-              <a:buNone/>
-              <a:defRPr>
-                <a:solidFill>
-                  <a:schemeClr val="tx1">
-                    <a:tint val="75000"/>
-                  </a:schemeClr>
-                </a:solidFill>
-              </a:defRPr>
-            </a:lvl4pPr>
-            <a:lvl5pPr marL="2438242" indent="0" algn="ctr">
-              <a:buNone/>
-              <a:defRPr>
-                <a:solidFill>
-                  <a:schemeClr val="tx1">
-                    <a:tint val="75000"/>
-                  </a:schemeClr>
-                </a:solidFill>
-              </a:defRPr>
-            </a:lvl5pPr>
-            <a:lvl6pPr marL="3047802" indent="0" algn="ctr">
-              <a:buNone/>
-              <a:defRPr>
-                <a:solidFill>
-                  <a:schemeClr val="tx1">
-                    <a:tint val="75000"/>
-                  </a:schemeClr>
-                </a:solidFill>
-              </a:defRPr>
-            </a:lvl6pPr>
-            <a:lvl7pPr marL="3657362" indent="0" algn="ctr">
-              <a:buNone/>
-              <a:defRPr>
-                <a:solidFill>
-                  <a:schemeClr val="tx1">
-                    <a:tint val="75000"/>
-                  </a:schemeClr>
-                </a:solidFill>
-              </a:defRPr>
-            </a:lvl7pPr>
-            <a:lvl8pPr marL="4266923" indent="0" algn="ctr">
-              <a:buNone/>
-              <a:defRPr>
-                <a:solidFill>
-                  <a:schemeClr val="tx1">
-                    <a:tint val="75000"/>
-                  </a:schemeClr>
-                </a:solidFill>
-              </a:defRPr>
-            </a:lvl8pPr>
-            <a:lvl9pPr marL="4876483" indent="0" algn="ctr">
-              <a:buNone/>
-              <a:defRPr>
-                <a:solidFill>
-                  <a:schemeClr val="tx1">
-                    <a:tint val="75000"/>
-                  </a:schemeClr>
-                </a:solidFill>
-              </a:defRPr>
-            </a:lvl9pPr>
-          </a:lstStyle>
-          <a:p>
-            <a:r>
-              <a:rPr lang="en-US" dirty="0" smtClean="0"/>
-              <a:t>Click to edit Master subtitle style</a:t>
-            </a:r>
-          </a:p>
-        </p:txBody>
-      </p:sp>
-    </p:spTree>
-    <p:extLst>
-      <p:ext uri="{BB962C8B-B14F-4D97-AF65-F5344CB8AC3E}">
-        <p14:creationId xmlns:p14="http://schemas.microsoft.com/office/powerpoint/2010/main" val="247207333"/>
-      </p:ext>
-    </p:extLst>
-  </p:cSld>
-  <p:clrMapOvr>
-    <a:masterClrMapping/>
-  </p:clrMapOvr>
-  <p:transition xmlns:p14="http://schemas.microsoft.com/office/powerpoint/2010/main" spd="med">
-    <p:fade/>
-  </p:transition>
-</p:sldLayout>
-</file>
-
-<file path=ppt/slideLayouts/slideLayout17.xml><?xml version="1.0" encoding="utf-8"?>
-<p:sldLayout xmlns:a="http://schemas.openxmlformats.org/drawingml/2006/main" xmlns:r="http://schemas.openxmlformats.org/officeDocument/2006/relationships" xmlns:p="http://schemas.openxmlformats.org/presentationml/2006/main" preserve="1" userDrawn="1">
-  <p:cSld name="Docs">
-    <p:spTree>
-      <p:nvGrpSpPr>
-        <p:cNvPr id="1" name=""/>
-        <p:cNvGrpSpPr/>
-        <p:nvPr/>
-      </p:nvGrpSpPr>
-      <p:grpSpPr>
-        <a:xfrm>
-          <a:off x="0" y="0"/>
-          <a:ext cx="0" cy="0"/>
-          <a:chOff x="0" y="0"/>
-          <a:chExt cx="0" cy="0"/>
-        </a:xfrm>
-      </p:grpSpPr>
-      <p:sp>
-        <p:nvSpPr>
-          <p:cNvPr id="7" name="TextBox 6"/>
-          <p:cNvSpPr txBox="1"/>
-          <p:nvPr/>
-        </p:nvSpPr>
-        <p:spPr bwMode="white">
-          <a:xfrm>
-            <a:off x="136960" y="160072"/>
-            <a:ext cx="13917707" cy="2378219"/>
-          </a:xfrm>
-          <a:prstGeom prst="rect">
-            <a:avLst/>
-          </a:prstGeom>
-          <a:noFill/>
-          <a:ln>
-            <a:noFill/>
-          </a:ln>
-          <a:effectLst/>
-        </p:spPr>
-        <p:txBody>
-          <a:bodyPr lIns="121920" tIns="121920" rIns="121920" bIns="121920" anchor="ctr"/>
-          <a:lstStyle/>
-          <a:p>
-            <a:pPr defTabSz="1219120" fontAlgn="auto">
-              <a:spcBef>
-                <a:spcPts val="0"/>
-              </a:spcBef>
-              <a:spcAft>
-                <a:spcPts val="0"/>
-              </a:spcAft>
-              <a:defRPr/>
-            </a:pPr>
-            <a:r>
-              <a:rPr lang="en-US" sz="16933" dirty="0" smtClean="0">
-                <a:ln w="18415" cmpd="sng">
-                  <a:solidFill>
-                    <a:srgbClr val="FFFFFF"/>
-                  </a:solidFill>
-                  <a:prstDash val="solid"/>
-                </a:ln>
-                <a:solidFill>
-                  <a:schemeClr val="bg2">
-                    <a:lumMod val="95000"/>
-                    <a:alpha val="50000"/>
-                  </a:schemeClr>
-                </a:solidFill>
-                <a:latin typeface="+mn-lt"/>
-                <a:ea typeface="+mn-ea"/>
-                <a:cs typeface="+mn-cs"/>
-              </a:rPr>
-              <a:t>REFERENCE</a:t>
-            </a:r>
-            <a:endParaRPr lang="en-US" sz="16933" dirty="0">
-              <a:ln w="18415" cmpd="sng">
-                <a:solidFill>
-                  <a:srgbClr val="FFFFFF"/>
-                </a:solidFill>
-                <a:prstDash val="solid"/>
-              </a:ln>
-              <a:solidFill>
-                <a:schemeClr val="bg2">
-                  <a:lumMod val="95000"/>
-                  <a:alpha val="50000"/>
-                </a:schemeClr>
-              </a:solidFill>
-              <a:latin typeface="+mn-lt"/>
-              <a:ea typeface="+mn-ea"/>
-              <a:cs typeface="+mn-cs"/>
-            </a:endParaRPr>
-          </a:p>
-        </p:txBody>
-      </p:sp>
-      <p:pic>
-        <p:nvPicPr>
-          <p:cNvPr id="2" name="Picture 1" descr="reference.gif"/>
-          <p:cNvPicPr>
-            <a:picLocks noChangeAspect="1"/>
-          </p:cNvPicPr>
-          <p:nvPr userDrawn="1"/>
-        </p:nvPicPr>
-        <p:blipFill>
-          <a:blip r:embed="rId2">
-            <a:extLst>
-              <a:ext uri="{28A0092B-C50C-407E-A947-70E740481C1C}">
-                <a14:useLocalDpi xmlns:a14="http://schemas.microsoft.com/office/drawing/2010/main" val="0"/>
-              </a:ext>
-            </a:extLst>
-          </a:blip>
-          <a:stretch>
-            <a:fillRect/>
-          </a:stretch>
-        </p:blipFill>
-        <p:spPr>
-          <a:xfrm>
-            <a:off x="13383499" y="324724"/>
-            <a:ext cx="2189001" cy="2189001"/>
-          </a:xfrm>
-          <a:prstGeom prst="rect">
-            <a:avLst/>
-          </a:prstGeom>
-        </p:spPr>
-      </p:pic>
-      <p:sp>
-        <p:nvSpPr>
-          <p:cNvPr id="6" name="Title 1"/>
-          <p:cNvSpPr>
-            <a:spLocks noGrp="1"/>
-          </p:cNvSpPr>
-          <p:nvPr>
-            <p:ph type="ctrTitle" hasCustomPrompt="1"/>
-          </p:nvPr>
-        </p:nvSpPr>
-        <p:spPr bwMode="white">
-          <a:xfrm>
-            <a:off x="1671638" y="2294619"/>
-            <a:ext cx="12319000" cy="852712"/>
-          </a:xfrm>
-        </p:spPr>
-        <p:txBody>
-          <a:bodyPr lIns="91440" tIns="91440" rIns="91440" bIns="91440" anchor="ctr"/>
-          <a:lstStyle>
-            <a:lvl1pPr>
-              <a:lnSpc>
-                <a:spcPct val="90000"/>
-              </a:lnSpc>
-              <a:defRPr sz="6400" b="1" spc="0" baseline="0">
-                <a:solidFill>
-                  <a:schemeClr val="accent1"/>
-                </a:solidFill>
-              </a:defRPr>
-            </a:lvl1pPr>
-          </a:lstStyle>
-          <a:p>
-            <a:r>
-              <a:rPr lang="en-US" dirty="0" smtClean="0"/>
-              <a:t>Documentation</a:t>
-            </a:r>
-            <a:endParaRPr lang="en-US" dirty="0"/>
-          </a:p>
-        </p:txBody>
-      </p:sp>
-      <p:sp>
-        <p:nvSpPr>
-          <p:cNvPr id="12" name="Subtitle 2"/>
-          <p:cNvSpPr>
-            <a:spLocks noGrp="1"/>
-          </p:cNvSpPr>
-          <p:nvPr>
-            <p:ph type="subTitle" idx="1"/>
-          </p:nvPr>
-        </p:nvSpPr>
-        <p:spPr bwMode="white">
-          <a:xfrm>
-            <a:off x="1671638" y="3271838"/>
-            <a:ext cx="12319000" cy="3346421"/>
-          </a:xfrm>
-          <a:prstGeom prst="rect">
-            <a:avLst/>
-          </a:prstGeom>
-        </p:spPr>
-        <p:txBody>
-          <a:bodyPr lIns="91440" tIns="91440" rIns="91440" bIns="91440">
-            <a:noAutofit/>
-          </a:bodyPr>
-          <a:lstStyle>
-            <a:lvl1pPr marL="0" indent="0" algn="l">
-              <a:lnSpc>
-                <a:spcPct val="100000"/>
-              </a:lnSpc>
-              <a:spcBef>
-                <a:spcPts val="0"/>
-              </a:spcBef>
-              <a:buNone/>
-              <a:defRPr sz="2800" baseline="0">
-                <a:solidFill>
-                  <a:schemeClr val="accent3">
-                    <a:lumMod val="50000"/>
-                  </a:schemeClr>
-                </a:solidFill>
-              </a:defRPr>
-            </a:lvl1pPr>
-            <a:lvl2pPr marL="609561" indent="0" algn="ctr">
-              <a:buNone/>
-              <a:defRPr>
-                <a:solidFill>
-                  <a:schemeClr val="tx1">
-                    <a:tint val="75000"/>
-                  </a:schemeClr>
-                </a:solidFill>
-              </a:defRPr>
-            </a:lvl2pPr>
-            <a:lvl3pPr marL="1219120" indent="0" algn="ctr">
-              <a:buNone/>
-              <a:defRPr>
-                <a:solidFill>
-                  <a:schemeClr val="tx1">
-                    <a:tint val="75000"/>
-                  </a:schemeClr>
-                </a:solidFill>
-              </a:defRPr>
-            </a:lvl3pPr>
-            <a:lvl4pPr marL="1828681" indent="0" algn="ctr">
-              <a:buNone/>
-              <a:defRPr>
-                <a:solidFill>
-                  <a:schemeClr val="tx1">
-                    <a:tint val="75000"/>
-                  </a:schemeClr>
-                </a:solidFill>
-              </a:defRPr>
-            </a:lvl4pPr>
-            <a:lvl5pPr marL="2438242" indent="0" algn="ctr">
-              <a:buNone/>
-              <a:defRPr>
-                <a:solidFill>
-                  <a:schemeClr val="tx1">
-                    <a:tint val="75000"/>
-                  </a:schemeClr>
-                </a:solidFill>
-              </a:defRPr>
-            </a:lvl5pPr>
-            <a:lvl6pPr marL="3047802" indent="0" algn="ctr">
-              <a:buNone/>
-              <a:defRPr>
-                <a:solidFill>
-                  <a:schemeClr val="tx1">
-                    <a:tint val="75000"/>
-                  </a:schemeClr>
-                </a:solidFill>
-              </a:defRPr>
-            </a:lvl6pPr>
-            <a:lvl7pPr marL="3657362" indent="0" algn="ctr">
-              <a:buNone/>
-              <a:defRPr>
-                <a:solidFill>
-                  <a:schemeClr val="tx1">
-                    <a:tint val="75000"/>
-                  </a:schemeClr>
-                </a:solidFill>
-              </a:defRPr>
-            </a:lvl7pPr>
-            <a:lvl8pPr marL="4266923" indent="0" algn="ctr">
-              <a:buNone/>
-              <a:defRPr>
-                <a:solidFill>
-                  <a:schemeClr val="tx1">
-                    <a:tint val="75000"/>
-                  </a:schemeClr>
-                </a:solidFill>
-              </a:defRPr>
-            </a:lvl8pPr>
-            <a:lvl9pPr marL="4876483" indent="0" algn="ctr">
-              <a:buNone/>
-              <a:defRPr>
-                <a:solidFill>
-                  <a:schemeClr val="tx1">
-                    <a:tint val="75000"/>
-                  </a:schemeClr>
-                </a:solidFill>
-              </a:defRPr>
-            </a:lvl9pPr>
-          </a:lstStyle>
-          <a:p>
-            <a:r>
-              <a:rPr lang="en-US" dirty="0" smtClean="0"/>
-              <a:t>Click to edit Master subtitle style</a:t>
-            </a:r>
-          </a:p>
-        </p:txBody>
-      </p:sp>
-      <p:sp>
-        <p:nvSpPr>
-          <p:cNvPr id="10" name="Content Placeholder 3"/>
-          <p:cNvSpPr>
-            <a:spLocks noGrp="1"/>
-          </p:cNvSpPr>
-          <p:nvPr>
-            <p:ph sz="quarter" idx="13" hasCustomPrompt="1"/>
-          </p:nvPr>
-        </p:nvSpPr>
-        <p:spPr>
-          <a:xfrm>
-            <a:off x="3921498" y="7164200"/>
-            <a:ext cx="8917577" cy="524133"/>
-          </a:xfrm>
-          <a:prstGeom prst="rect">
-            <a:avLst/>
-          </a:prstGeom>
-        </p:spPr>
-        <p:txBody>
-          <a:bodyPr anchor="ctr"/>
-          <a:lstStyle>
-            <a:lvl1pPr marL="0" indent="0" algn="ctr">
-              <a:buNone/>
-              <a:defRPr sz="2400">
-                <a:solidFill>
-                  <a:schemeClr val="tx1"/>
-                </a:solidFill>
-              </a:defRPr>
-            </a:lvl1pPr>
-          </a:lstStyle>
-          <a:p>
-            <a:pPr lvl="0"/>
-            <a:r>
-              <a:rPr lang="en-US" dirty="0" smtClean="0"/>
-              <a:t>http://</a:t>
-            </a:r>
-            <a:r>
-              <a:rPr lang="en-US" dirty="0" err="1" smtClean="0"/>
-              <a:t>docs.chef.io</a:t>
-            </a:r>
-            <a:endParaRPr lang="en-US" dirty="0" smtClean="0"/>
-          </a:p>
-        </p:txBody>
-      </p:sp>
-    </p:spTree>
-    <p:extLst>
-      <p:ext uri="{BB962C8B-B14F-4D97-AF65-F5344CB8AC3E}">
-        <p14:creationId xmlns:p14="http://schemas.microsoft.com/office/powerpoint/2010/main" val="1970238568"/>
-      </p:ext>
-    </p:extLst>
-  </p:cSld>
-  <p:clrMapOvr>
-    <a:masterClrMapping/>
-  </p:clrMapOvr>
-  <p:transition xmlns:p14="http://schemas.microsoft.com/office/powerpoint/2010/main" spd="med">
-    <p:fade/>
-  </p:transition>
-</p:sldLayout>
-</file>
-
-<file path=ppt/slideLayouts/slideLayout18.xml><?xml version="1.0" encoding="utf-8"?>
-<p:sldLayout xmlns:a="http://schemas.openxmlformats.org/drawingml/2006/main" xmlns:r="http://schemas.openxmlformats.org/officeDocument/2006/relationships" xmlns:p="http://schemas.openxmlformats.org/presentationml/2006/main" preserve="1" userDrawn="1">
-  <p:cSld name="Concept">
-    <p:spTree>
-      <p:nvGrpSpPr>
-        <p:cNvPr id="1" name=""/>
-        <p:cNvGrpSpPr/>
-        <p:nvPr/>
-      </p:nvGrpSpPr>
-      <p:grpSpPr>
-        <a:xfrm>
-          <a:off x="0" y="0"/>
-          <a:ext cx="0" cy="0"/>
-          <a:chOff x="0" y="0"/>
-          <a:chExt cx="0" cy="0"/>
-        </a:xfrm>
-      </p:grpSpPr>
-      <p:sp>
-        <p:nvSpPr>
-          <p:cNvPr id="5" name="TextBox 4"/>
-          <p:cNvSpPr txBox="1"/>
-          <p:nvPr/>
-        </p:nvSpPr>
-        <p:spPr bwMode="white">
-          <a:xfrm>
-            <a:off x="136961" y="144390"/>
-            <a:ext cx="11554287" cy="2378219"/>
-          </a:xfrm>
-          <a:prstGeom prst="rect">
-            <a:avLst/>
-          </a:prstGeom>
-          <a:noFill/>
-          <a:ln>
-            <a:noFill/>
-          </a:ln>
-          <a:effectLst/>
-        </p:spPr>
-        <p:txBody>
-          <a:bodyPr lIns="121920" tIns="121920" rIns="121920" bIns="121920" anchor="ctr"/>
-          <a:lstStyle/>
-          <a:p>
-            <a:pPr defTabSz="1219120" fontAlgn="auto">
-              <a:spcBef>
-                <a:spcPts val="0"/>
-              </a:spcBef>
-              <a:spcAft>
-                <a:spcPts val="0"/>
-              </a:spcAft>
-              <a:defRPr/>
-            </a:pPr>
-            <a:r>
-              <a:rPr lang="en-US" sz="16933" dirty="0">
-                <a:ln w="18415" cmpd="sng">
-                  <a:solidFill>
-                    <a:srgbClr val="FFFFFF"/>
-                  </a:solidFill>
-                  <a:prstDash val="solid"/>
-                </a:ln>
-                <a:solidFill>
-                  <a:schemeClr val="bg2">
-                    <a:lumMod val="95000"/>
-                    <a:alpha val="50000"/>
-                  </a:schemeClr>
-                </a:solidFill>
-                <a:latin typeface="+mn-lt"/>
-                <a:ea typeface="+mn-ea"/>
-                <a:cs typeface="+mn-cs"/>
-              </a:rPr>
-              <a:t>CONCEPT</a:t>
-            </a:r>
-          </a:p>
-        </p:txBody>
-      </p:sp>
-      <p:pic>
-        <p:nvPicPr>
-          <p:cNvPr id="2" name="Picture 1" descr="concept.gif"/>
-          <p:cNvPicPr>
-            <a:picLocks noChangeAspect="1"/>
-          </p:cNvPicPr>
-          <p:nvPr userDrawn="1"/>
-        </p:nvPicPr>
-        <p:blipFill>
-          <a:blip r:embed="rId2">
-            <a:extLst>
-              <a:ext uri="{28A0092B-C50C-407E-A947-70E740481C1C}">
-                <a14:useLocalDpi xmlns:a14="http://schemas.microsoft.com/office/drawing/2010/main" val="0"/>
-              </a:ext>
-            </a:extLst>
-          </a:blip>
-          <a:stretch>
-            <a:fillRect/>
-          </a:stretch>
-        </p:blipFill>
-        <p:spPr>
-          <a:xfrm>
-            <a:off x="13119426" y="324724"/>
-            <a:ext cx="2717146" cy="2189001"/>
-          </a:xfrm>
-          <a:prstGeom prst="rect">
-            <a:avLst/>
-          </a:prstGeom>
-        </p:spPr>
-      </p:pic>
-      <p:sp>
-        <p:nvSpPr>
-          <p:cNvPr id="6" name="Title 1"/>
-          <p:cNvSpPr>
-            <a:spLocks noGrp="1"/>
-          </p:cNvSpPr>
-          <p:nvPr>
-            <p:ph type="ctrTitle" hasCustomPrompt="1"/>
-          </p:nvPr>
-        </p:nvSpPr>
-        <p:spPr bwMode="white">
-          <a:xfrm>
-            <a:off x="1671638" y="2294619"/>
-            <a:ext cx="12319000" cy="852712"/>
-          </a:xfrm>
-        </p:spPr>
-        <p:txBody>
-          <a:bodyPr lIns="91440" tIns="91440" rIns="91440" bIns="91440" anchor="ctr"/>
-          <a:lstStyle>
-            <a:lvl1pPr>
-              <a:lnSpc>
-                <a:spcPct val="90000"/>
-              </a:lnSpc>
-              <a:defRPr sz="6400" b="1" spc="0" baseline="0">
-                <a:solidFill>
-                  <a:schemeClr val="accent1"/>
-                </a:solidFill>
-              </a:defRPr>
-            </a:lvl1pPr>
-          </a:lstStyle>
-          <a:p>
-            <a:r>
-              <a:rPr lang="en-US" dirty="0" smtClean="0"/>
-              <a:t>Concept</a:t>
-            </a:r>
-            <a:endParaRPr lang="en-US" dirty="0"/>
-          </a:p>
-        </p:txBody>
-      </p:sp>
-      <p:sp>
-        <p:nvSpPr>
-          <p:cNvPr id="10" name="Subtitle 2"/>
-          <p:cNvSpPr>
-            <a:spLocks noGrp="1"/>
-          </p:cNvSpPr>
-          <p:nvPr>
-            <p:ph type="subTitle" idx="1"/>
-          </p:nvPr>
-        </p:nvSpPr>
-        <p:spPr bwMode="white">
-          <a:xfrm>
-            <a:off x="1671638" y="3271838"/>
-            <a:ext cx="12319000" cy="3346421"/>
-          </a:xfrm>
-          <a:prstGeom prst="rect">
-            <a:avLst/>
-          </a:prstGeom>
-        </p:spPr>
-        <p:txBody>
-          <a:bodyPr lIns="91440" tIns="91440" rIns="91440" bIns="91440">
-            <a:noAutofit/>
-          </a:bodyPr>
-          <a:lstStyle>
-            <a:lvl1pPr marL="0" indent="0" algn="l">
-              <a:lnSpc>
-                <a:spcPct val="100000"/>
-              </a:lnSpc>
-              <a:spcBef>
-                <a:spcPts val="0"/>
-              </a:spcBef>
-              <a:buNone/>
-              <a:defRPr sz="2800" baseline="0">
-                <a:solidFill>
-                  <a:schemeClr val="accent3">
-                    <a:lumMod val="50000"/>
-                  </a:schemeClr>
-                </a:solidFill>
-              </a:defRPr>
-            </a:lvl1pPr>
-            <a:lvl2pPr marL="609561" indent="0" algn="ctr">
-              <a:buNone/>
-              <a:defRPr>
-                <a:solidFill>
-                  <a:schemeClr val="tx1">
-                    <a:tint val="75000"/>
-                  </a:schemeClr>
-                </a:solidFill>
-              </a:defRPr>
-            </a:lvl2pPr>
-            <a:lvl3pPr marL="1219120" indent="0" algn="ctr">
-              <a:buNone/>
-              <a:defRPr>
-                <a:solidFill>
-                  <a:schemeClr val="tx1">
-                    <a:tint val="75000"/>
-                  </a:schemeClr>
-                </a:solidFill>
-              </a:defRPr>
-            </a:lvl3pPr>
-            <a:lvl4pPr marL="1828681" indent="0" algn="ctr">
-              <a:buNone/>
-              <a:defRPr>
-                <a:solidFill>
-                  <a:schemeClr val="tx1">
-                    <a:tint val="75000"/>
-                  </a:schemeClr>
-                </a:solidFill>
-              </a:defRPr>
-            </a:lvl4pPr>
-            <a:lvl5pPr marL="2438242" indent="0" algn="ctr">
-              <a:buNone/>
-              <a:defRPr>
-                <a:solidFill>
-                  <a:schemeClr val="tx1">
-                    <a:tint val="75000"/>
-                  </a:schemeClr>
-                </a:solidFill>
-              </a:defRPr>
-            </a:lvl5pPr>
-            <a:lvl6pPr marL="3047802" indent="0" algn="ctr">
-              <a:buNone/>
-              <a:defRPr>
-                <a:solidFill>
-                  <a:schemeClr val="tx1">
-                    <a:tint val="75000"/>
-                  </a:schemeClr>
-                </a:solidFill>
-              </a:defRPr>
-            </a:lvl6pPr>
-            <a:lvl7pPr marL="3657362" indent="0" algn="ctr">
-              <a:buNone/>
-              <a:defRPr>
-                <a:solidFill>
-                  <a:schemeClr val="tx1">
-                    <a:tint val="75000"/>
-                  </a:schemeClr>
-                </a:solidFill>
-              </a:defRPr>
-            </a:lvl7pPr>
-            <a:lvl8pPr marL="4266923" indent="0" algn="ctr">
-              <a:buNone/>
-              <a:defRPr>
-                <a:solidFill>
-                  <a:schemeClr val="tx1">
-                    <a:tint val="75000"/>
-                  </a:schemeClr>
-                </a:solidFill>
-              </a:defRPr>
-            </a:lvl8pPr>
-            <a:lvl9pPr marL="4876483" indent="0" algn="ctr">
-              <a:buNone/>
-              <a:defRPr>
-                <a:solidFill>
-                  <a:schemeClr val="tx1">
-                    <a:tint val="75000"/>
-                  </a:schemeClr>
-                </a:solidFill>
-              </a:defRPr>
-            </a:lvl9pPr>
-          </a:lstStyle>
-          <a:p>
-            <a:r>
-              <a:rPr lang="en-US" dirty="0" smtClean="0"/>
-              <a:t>Click to edit Master subtitle style</a:t>
-            </a:r>
-          </a:p>
-        </p:txBody>
-      </p:sp>
-    </p:spTree>
-    <p:extLst>
-      <p:ext uri="{BB962C8B-B14F-4D97-AF65-F5344CB8AC3E}">
-        <p14:creationId xmlns:p14="http://schemas.microsoft.com/office/powerpoint/2010/main" val="1995748560"/>
-      </p:ext>
-    </p:extLst>
-  </p:cSld>
-  <p:clrMapOvr>
-    <a:masterClrMapping/>
-  </p:clrMapOvr>
-  <p:transition xmlns:p14="http://schemas.microsoft.com/office/powerpoint/2010/main" spd="med">
-    <p:fade/>
-  </p:transition>
-</p:sldLayout>
-</file>
-
-<file path=ppt/slideLayouts/slideLayout19.xml><?xml version="1.0" encoding="utf-8"?>
-<p:sldLayout xmlns:a="http://schemas.openxmlformats.org/drawingml/2006/main" xmlns:r="http://schemas.openxmlformats.org/officeDocument/2006/relationships" xmlns:p="http://schemas.openxmlformats.org/presentationml/2006/main" preserve="1" userDrawn="1">
-  <p:cSld name="Group Exercise">
-    <p:spTree>
-      <p:nvGrpSpPr>
-        <p:cNvPr id="1" name=""/>
-        <p:cNvGrpSpPr/>
-        <p:nvPr/>
-      </p:nvGrpSpPr>
-      <p:grpSpPr>
-        <a:xfrm>
-          <a:off x="0" y="0"/>
-          <a:ext cx="0" cy="0"/>
-          <a:chOff x="0" y="0"/>
-          <a:chExt cx="0" cy="0"/>
-        </a:xfrm>
-      </p:grpSpPr>
-      <p:sp>
-        <p:nvSpPr>
-          <p:cNvPr id="7" name="TextBox 6"/>
-          <p:cNvSpPr txBox="1"/>
-          <p:nvPr userDrawn="1"/>
-        </p:nvSpPr>
-        <p:spPr bwMode="white">
-          <a:xfrm>
-            <a:off x="136960" y="144390"/>
-            <a:ext cx="12628487" cy="2378219"/>
-          </a:xfrm>
-          <a:prstGeom prst="rect">
-            <a:avLst/>
-          </a:prstGeom>
-          <a:noFill/>
-          <a:ln>
-            <a:noFill/>
-          </a:ln>
-          <a:effectLst/>
-        </p:spPr>
-        <p:txBody>
-          <a:bodyPr lIns="121920" tIns="121920" rIns="121920" bIns="121920" anchor="ctr"/>
-          <a:lstStyle/>
-          <a:p>
-            <a:pPr defTabSz="1219120" fontAlgn="auto">
-              <a:spcBef>
-                <a:spcPts val="0"/>
-              </a:spcBef>
-              <a:spcAft>
-                <a:spcPts val="0"/>
-              </a:spcAft>
-              <a:defRPr/>
-            </a:pPr>
-            <a:r>
-              <a:rPr lang="en-US" sz="16933" dirty="0">
-                <a:ln w="18415" cmpd="sng">
-                  <a:solidFill>
-                    <a:srgbClr val="FFFFFF"/>
-                  </a:solidFill>
-                  <a:prstDash val="solid"/>
-                </a:ln>
-                <a:solidFill>
-                  <a:schemeClr val="bg2">
-                    <a:lumMod val="95000"/>
-                    <a:alpha val="50000"/>
-                  </a:schemeClr>
-                </a:solidFill>
-                <a:latin typeface="+mn-lt"/>
-                <a:ea typeface="+mn-ea"/>
-                <a:cs typeface="+mn-cs"/>
-              </a:rPr>
-              <a:t>EXERCISE</a:t>
-            </a:r>
-          </a:p>
-        </p:txBody>
-      </p:sp>
-      <p:pic>
-        <p:nvPicPr>
-          <p:cNvPr id="3" name="Picture 2" descr="chef.gif"/>
-          <p:cNvPicPr>
-            <a:picLocks noChangeAspect="1"/>
-          </p:cNvPicPr>
-          <p:nvPr userDrawn="1"/>
-        </p:nvPicPr>
-        <p:blipFill>
-          <a:blip r:embed="rId2">
-            <a:extLst>
-              <a:ext uri="{28A0092B-C50C-407E-A947-70E740481C1C}">
-                <a14:useLocalDpi xmlns:a14="http://schemas.microsoft.com/office/drawing/2010/main" val="0"/>
-              </a:ext>
-            </a:extLst>
-          </a:blip>
-          <a:stretch>
-            <a:fillRect/>
-          </a:stretch>
-        </p:blipFill>
-        <p:spPr>
-          <a:xfrm>
-            <a:off x="13399010" y="324724"/>
-            <a:ext cx="2157980" cy="2189001"/>
-          </a:xfrm>
-          <a:prstGeom prst="rect">
-            <a:avLst/>
-          </a:prstGeom>
-        </p:spPr>
-      </p:pic>
-      <p:sp>
-        <p:nvSpPr>
-          <p:cNvPr id="6" name="Title 1"/>
-          <p:cNvSpPr>
-            <a:spLocks noGrp="1"/>
-          </p:cNvSpPr>
-          <p:nvPr>
-            <p:ph type="ctrTitle" hasCustomPrompt="1"/>
-          </p:nvPr>
-        </p:nvSpPr>
-        <p:spPr bwMode="white">
-          <a:xfrm>
-            <a:off x="1671637" y="2292126"/>
-            <a:ext cx="12319001" cy="852712"/>
-          </a:xfrm>
-        </p:spPr>
-        <p:txBody>
-          <a:bodyPr lIns="91440" tIns="91440" rIns="91440" bIns="91440" anchor="ctr"/>
-          <a:lstStyle>
-            <a:lvl1pPr>
-              <a:lnSpc>
-                <a:spcPct val="90000"/>
-              </a:lnSpc>
-              <a:defRPr sz="6400" b="1" spc="0" baseline="0">
-                <a:solidFill>
-                  <a:schemeClr val="accent1"/>
-                </a:solidFill>
-              </a:defRPr>
-            </a:lvl1pPr>
-          </a:lstStyle>
-          <a:p>
-            <a:r>
-              <a:rPr lang="en-US" dirty="0" smtClean="0"/>
-              <a:t>Group Exercise</a:t>
-            </a:r>
-            <a:endParaRPr lang="en-US" dirty="0"/>
-          </a:p>
-        </p:txBody>
-      </p:sp>
-      <p:sp>
-        <p:nvSpPr>
-          <p:cNvPr id="13" name="Content Placeholder 12"/>
-          <p:cNvSpPr>
-            <a:spLocks noGrp="1"/>
-          </p:cNvSpPr>
-          <p:nvPr>
-            <p:ph sz="quarter" idx="11"/>
-          </p:nvPr>
-        </p:nvSpPr>
-        <p:spPr>
-          <a:xfrm>
-            <a:off x="1671638" y="3260725"/>
-            <a:ext cx="12319000" cy="1528233"/>
-          </a:xfrm>
-          <a:prstGeom prst="rect">
-            <a:avLst/>
-          </a:prstGeom>
-        </p:spPr>
-        <p:txBody>
-          <a:bodyPr anchor="ctr">
-            <a:normAutofit/>
-          </a:bodyPr>
-          <a:lstStyle>
-            <a:lvl1pPr marL="121917" indent="0">
-              <a:spcBef>
-                <a:spcPts val="800"/>
-              </a:spcBef>
-              <a:buNone/>
-              <a:defRPr sz="2800" i="1" baseline="0">
-                <a:solidFill>
-                  <a:schemeClr val="bg1">
-                    <a:lumMod val="50000"/>
-                  </a:schemeClr>
-                </a:solidFill>
-              </a:defRPr>
-            </a:lvl1pPr>
-          </a:lstStyle>
-          <a:p>
-            <a:pPr lvl="0"/>
-            <a:r>
-              <a:rPr lang="en-US" dirty="0" smtClean="0"/>
-              <a:t>Click to edit Master text styles</a:t>
-            </a:r>
-          </a:p>
-        </p:txBody>
-      </p:sp>
-      <p:sp>
-        <p:nvSpPr>
-          <p:cNvPr id="10" name="TextBox 11"/>
-          <p:cNvSpPr txBox="1">
-            <a:spLocks noChangeArrowheads="1"/>
-          </p:cNvSpPr>
-          <p:nvPr/>
-        </p:nvSpPr>
-        <p:spPr bwMode="white">
-          <a:xfrm>
-            <a:off x="1671638" y="4917547"/>
-            <a:ext cx="11777663" cy="785812"/>
-          </a:xfrm>
-          <a:prstGeom prst="rect">
-            <a:avLst/>
-          </a:prstGeom>
-          <a:noFill/>
-          <a:ln>
-            <a:noFill/>
-          </a:ln>
-          <a:extLst>
-            <a:ext uri="{909E8E84-426E-40dd-AFC4-6F175D3DCCD1}">
-              <a14:hiddenFill xmlns:a14="http://schemas.microsoft.com/office/drawing/2010/main">
-                <a:solidFill>
-                  <a:srgbClr val="FFFFFF"/>
-                </a:solidFill>
-              </a14:hiddenFill>
-            </a:ext>
-            <a:ext uri="{91240B29-F687-4f45-9708-019B960494DF}">
-              <a14:hiddenLine xmlns:a14="http://schemas.microsoft.com/office/drawing/2010/main" w="9525">
-                <a:solidFill>
-                  <a:srgbClr val="000000"/>
-                </a:solidFill>
-                <a:miter lim="800000"/>
-                <a:headEnd/>
-                <a:tailEnd/>
-              </a14:hiddenLine>
-            </a:ext>
-          </a:extLst>
-        </p:spPr>
-        <p:txBody>
-          <a:bodyPr lIns="121920" tIns="121920" rIns="121920" bIns="121920"/>
-          <a:lstStyle>
-            <a:lvl1pPr>
-              <a:defRPr sz="2400">
-                <a:solidFill>
-                  <a:schemeClr val="tx1"/>
-                </a:solidFill>
-                <a:latin typeface="Arial" charset="0"/>
-                <a:ea typeface="ＭＳ Ｐゴシック" charset="0"/>
-                <a:cs typeface="ＭＳ Ｐゴシック" charset="0"/>
-              </a:defRPr>
-            </a:lvl1pPr>
-            <a:lvl2pPr marL="742950" indent="-285750">
-              <a:defRPr sz="2400">
-                <a:solidFill>
-                  <a:schemeClr val="tx1"/>
-                </a:solidFill>
-                <a:latin typeface="Arial" charset="0"/>
-                <a:ea typeface="ＭＳ Ｐゴシック" charset="0"/>
-              </a:defRPr>
-            </a:lvl2pPr>
-            <a:lvl3pPr marL="1143000" indent="-228600">
-              <a:defRPr sz="2400">
-                <a:solidFill>
-                  <a:schemeClr val="tx1"/>
-                </a:solidFill>
-                <a:latin typeface="Arial" charset="0"/>
-                <a:ea typeface="ＭＳ Ｐゴシック" charset="0"/>
-              </a:defRPr>
-            </a:lvl3pPr>
-            <a:lvl4pPr marL="1600200" indent="-228600">
-              <a:defRPr sz="2400">
-                <a:solidFill>
-                  <a:schemeClr val="tx1"/>
-                </a:solidFill>
-                <a:latin typeface="Arial" charset="0"/>
-                <a:ea typeface="ＭＳ Ｐゴシック" charset="0"/>
-              </a:defRPr>
-            </a:lvl4pPr>
-            <a:lvl5pPr marL="2057400" indent="-228600">
-              <a:defRPr sz="2400">
-                <a:solidFill>
-                  <a:schemeClr val="tx1"/>
-                </a:solidFill>
-                <a:latin typeface="Arial" charset="0"/>
-                <a:ea typeface="ＭＳ Ｐゴシック" charset="0"/>
-              </a:defRPr>
-            </a:lvl5pPr>
-            <a:lvl6pPr marL="2514600" indent="-228600" defTabSz="1217613" fontAlgn="base">
-              <a:spcBef>
-                <a:spcPct val="0"/>
-              </a:spcBef>
-              <a:spcAft>
-                <a:spcPct val="0"/>
-              </a:spcAft>
-              <a:defRPr sz="2400">
-                <a:solidFill>
-                  <a:schemeClr val="tx1"/>
-                </a:solidFill>
-                <a:latin typeface="Arial" charset="0"/>
-                <a:ea typeface="ＭＳ Ｐゴシック" charset="0"/>
-              </a:defRPr>
-            </a:lvl6pPr>
-            <a:lvl7pPr marL="2971800" indent="-228600" defTabSz="1217613" fontAlgn="base">
-              <a:spcBef>
-                <a:spcPct val="0"/>
-              </a:spcBef>
-              <a:spcAft>
-                <a:spcPct val="0"/>
-              </a:spcAft>
-              <a:defRPr sz="2400">
-                <a:solidFill>
-                  <a:schemeClr val="tx1"/>
-                </a:solidFill>
-                <a:latin typeface="Arial" charset="0"/>
-                <a:ea typeface="ＭＳ Ｐゴシック" charset="0"/>
-              </a:defRPr>
-            </a:lvl7pPr>
-            <a:lvl8pPr marL="3429000" indent="-228600" defTabSz="1217613" fontAlgn="base">
-              <a:spcBef>
-                <a:spcPct val="0"/>
-              </a:spcBef>
-              <a:spcAft>
-                <a:spcPct val="0"/>
-              </a:spcAft>
-              <a:defRPr sz="2400">
-                <a:solidFill>
-                  <a:schemeClr val="tx1"/>
-                </a:solidFill>
-                <a:latin typeface="Arial" charset="0"/>
-                <a:ea typeface="ＭＳ Ｐゴシック" charset="0"/>
-              </a:defRPr>
-            </a:lvl8pPr>
-            <a:lvl9pPr marL="3886200" indent="-228600" defTabSz="1217613" fontAlgn="base">
-              <a:spcBef>
-                <a:spcPct val="0"/>
-              </a:spcBef>
-              <a:spcAft>
-                <a:spcPct val="0"/>
-              </a:spcAft>
-              <a:defRPr sz="2400">
-                <a:solidFill>
-                  <a:schemeClr val="tx1"/>
-                </a:solidFill>
-                <a:latin typeface="Arial" charset="0"/>
-                <a:ea typeface="ＭＳ Ｐゴシック" charset="0"/>
-              </a:defRPr>
-            </a:lvl9pPr>
-          </a:lstStyle>
-          <a:p>
-            <a:r>
-              <a:rPr lang="en-US" sz="3200" b="1" dirty="0"/>
-              <a:t>Objective:</a:t>
-            </a:r>
-          </a:p>
-        </p:txBody>
-      </p:sp>
-      <p:sp>
-        <p:nvSpPr>
-          <p:cNvPr id="9" name="Text Placeholder 8"/>
-          <p:cNvSpPr>
-            <a:spLocks noGrp="1"/>
-          </p:cNvSpPr>
-          <p:nvPr>
-            <p:ph type="body" sz="quarter" idx="10"/>
-          </p:nvPr>
-        </p:nvSpPr>
-        <p:spPr>
-          <a:xfrm>
-            <a:off x="1671638" y="5650764"/>
-            <a:ext cx="12319000" cy="2445486"/>
-          </a:xfrm>
-          <a:prstGeom prst="rect">
-            <a:avLst/>
-          </a:prstGeom>
-        </p:spPr>
-        <p:txBody>
-          <a:bodyPr/>
-          <a:lstStyle>
-            <a:lvl1pPr marL="0" indent="0">
-              <a:buFont typeface="Wingdings" charset="2"/>
-              <a:buNone/>
-              <a:defRPr sz="2400" baseline="0"/>
-            </a:lvl1pPr>
-          </a:lstStyle>
-          <a:p>
-            <a:pPr lvl="0"/>
-            <a:r>
-              <a:rPr lang="en-US" dirty="0" smtClean="0"/>
-              <a:t>Click to edit Master text styles</a:t>
-            </a:r>
-          </a:p>
-          <a:p>
-            <a:pPr lvl="1"/>
-            <a:r>
-              <a:rPr lang="en-US" dirty="0" smtClean="0"/>
-              <a:t>Second level</a:t>
-            </a:r>
-          </a:p>
-          <a:p>
-            <a:pPr lvl="2"/>
-            <a:r>
-              <a:rPr lang="en-US" dirty="0" smtClean="0"/>
-              <a:t>Third level</a:t>
-            </a:r>
-          </a:p>
-          <a:p>
-            <a:pPr lvl="3"/>
-            <a:r>
-              <a:rPr lang="en-US" dirty="0" smtClean="0"/>
-              <a:t>Fourth level</a:t>
-            </a:r>
-          </a:p>
-        </p:txBody>
-      </p:sp>
-    </p:spTree>
-    <p:extLst>
-      <p:ext uri="{BB962C8B-B14F-4D97-AF65-F5344CB8AC3E}">
-        <p14:creationId xmlns:p14="http://schemas.microsoft.com/office/powerpoint/2010/main" val="1211677136"/>
-      </p:ext>
-    </p:extLst>
-  </p:cSld>
-  <p:clrMapOvr>
-    <a:masterClrMapping/>
-  </p:clrMapOvr>
-  <p:transition xmlns:p14="http://schemas.microsoft.com/office/powerpoint/2010/main" spd="med">
-    <p:fade/>
-  </p:transition>
-</p:sldLayout>
-</file>
-
-<file path=ppt/slideLayouts/slideLayout2.xml><?xml version="1.0" encoding="utf-8"?>
-<p:sldLayout xmlns:a="http://schemas.openxmlformats.org/drawingml/2006/main" xmlns:r="http://schemas.openxmlformats.org/officeDocument/2006/relationships" xmlns:p="http://schemas.openxmlformats.org/presentationml/2006/main" preserve="1" userDrawn="1">
-  <p:cSld name="Standard">
-    <p:bg>
-      <p:bgPr>
-        <a:gradFill rotWithShape="0">
-          <a:gsLst>
-            <a:gs pos="0">
-              <a:schemeClr val="bg1"/>
-            </a:gs>
-            <a:gs pos="100000">
-              <a:schemeClr val="bg2"/>
-            </a:gs>
-          </a:gsLst>
-          <a:lin ang="5400000" scaled="1"/>
-        </a:gradFill>
-        <a:effectLst/>
-      </p:bgPr>
-    </p:bg>
-    <p:spTree>
-      <p:nvGrpSpPr>
-        <p:cNvPr id="1" name=""/>
-        <p:cNvGrpSpPr/>
-        <p:nvPr/>
-      </p:nvGrpSpPr>
-      <p:grpSpPr>
-        <a:xfrm>
-          <a:off x="0" y="0"/>
-          <a:ext cx="0" cy="0"/>
-          <a:chOff x="0" y="0"/>
-          <a:chExt cx="0" cy="0"/>
-        </a:xfrm>
-      </p:grpSpPr>
-      <p:sp>
-        <p:nvSpPr>
-          <p:cNvPr id="13" name="Title 12"/>
-          <p:cNvSpPr>
-            <a:spLocks noGrp="1"/>
-          </p:cNvSpPr>
-          <p:nvPr>
-            <p:ph type="title"/>
-          </p:nvPr>
-        </p:nvSpPr>
-        <p:spPr/>
-        <p:txBody>
-          <a:bodyPr/>
-          <a:lstStyle/>
-          <a:p>
-            <a:r>
-              <a:rPr lang="en-US" smtClean="0"/>
-              <a:t>Click to edit Master title style</a:t>
-            </a:r>
-            <a:endParaRPr lang="en-US" dirty="0"/>
-          </a:p>
-        </p:txBody>
-      </p:sp>
-      <p:sp>
-        <p:nvSpPr>
-          <p:cNvPr id="17" name="Text Placeholder 4"/>
-          <p:cNvSpPr>
-            <a:spLocks noGrp="1"/>
-          </p:cNvSpPr>
-          <p:nvPr>
-            <p:ph type="body" sz="quarter" idx="12"/>
-          </p:nvPr>
-        </p:nvSpPr>
-        <p:spPr>
-          <a:xfrm>
-            <a:off x="650040" y="1856198"/>
-            <a:ext cx="14898624" cy="5345953"/>
-          </a:xfrm>
-        </p:spPr>
-        <p:txBody>
-          <a:bodyPr>
-            <a:noAutofit/>
-          </a:bodyPr>
-          <a:lstStyle>
-            <a:lvl1pPr>
-              <a:spcAft>
-                <a:spcPts val="800"/>
-              </a:spcAft>
-              <a:defRPr baseline="0">
-                <a:solidFill>
-                  <a:schemeClr val="accent3">
-                    <a:lumMod val="50000"/>
-                  </a:schemeClr>
-                </a:solidFill>
-              </a:defRPr>
-            </a:lvl1pPr>
-            <a:lvl2pPr>
-              <a:spcAft>
-                <a:spcPts val="800"/>
-              </a:spcAft>
-              <a:defRPr baseline="0">
-                <a:solidFill>
-                  <a:schemeClr val="accent3">
-                    <a:lumMod val="50000"/>
-                  </a:schemeClr>
-                </a:solidFill>
-              </a:defRPr>
-            </a:lvl2pPr>
-            <a:lvl3pPr>
-              <a:spcAft>
-                <a:spcPts val="800"/>
-              </a:spcAft>
-              <a:defRPr baseline="0">
-                <a:solidFill>
-                  <a:schemeClr val="accent3">
-                    <a:lumMod val="50000"/>
-                  </a:schemeClr>
-                </a:solidFill>
-              </a:defRPr>
-            </a:lvl3pPr>
-            <a:lvl4pPr>
-              <a:spcAft>
-                <a:spcPts val="800"/>
-              </a:spcAft>
-              <a:defRPr baseline="0">
-                <a:solidFill>
-                  <a:schemeClr val="accent3">
-                    <a:lumMod val="50000"/>
-                  </a:schemeClr>
-                </a:solidFill>
-              </a:defRPr>
-            </a:lvl4pPr>
-            <a:lvl5pPr>
-              <a:spcAft>
-                <a:spcPts val="800"/>
-              </a:spcAft>
-              <a:defRPr baseline="0">
-                <a:solidFill>
-                  <a:schemeClr val="accent3">
-                    <a:lumMod val="50000"/>
-                  </a:schemeClr>
-                </a:solidFill>
-              </a:defRPr>
-            </a:lvl5pPr>
-          </a:lstStyle>
-          <a:p>
-            <a:pPr lvl="0"/>
-            <a:r>
-              <a:rPr lang="en-US" smtClean="0"/>
-              <a:t>Click to edit Master text styles</a:t>
-            </a:r>
-          </a:p>
-          <a:p>
-            <a:pPr lvl="1"/>
-            <a:r>
-              <a:rPr lang="en-US" smtClean="0"/>
-              <a:t>Second level</a:t>
-            </a:r>
-          </a:p>
-          <a:p>
-            <a:pPr lvl="2"/>
-            <a:r>
-              <a:rPr lang="en-US" smtClean="0"/>
-              <a:t>Third level</a:t>
-            </a:r>
-          </a:p>
-        </p:txBody>
-      </p:sp>
-    </p:spTree>
-    <p:extLst>
-      <p:ext uri="{BB962C8B-B14F-4D97-AF65-F5344CB8AC3E}">
-        <p14:creationId xmlns:p14="http://schemas.microsoft.com/office/powerpoint/2010/main" val="2747942789"/>
-      </p:ext>
-    </p:extLst>
-  </p:cSld>
-  <p:clrMapOvr>
-    <a:masterClrMapping/>
-  </p:clrMapOvr>
-  <p:transition xmlns:p14="http://schemas.microsoft.com/office/powerpoint/2010/main" spd="med">
-    <p:fade/>
-  </p:transition>
-</p:sldLayout>
-</file>
-
-<file path=ppt/slideLayouts/slideLayout20.xml><?xml version="1.0" encoding="utf-8"?>
-<p:sldLayout xmlns:a="http://schemas.openxmlformats.org/drawingml/2006/main" xmlns:r="http://schemas.openxmlformats.org/officeDocument/2006/relationships" xmlns:p="http://schemas.openxmlformats.org/presentationml/2006/main" preserve="1" userDrawn="1">
-  <p:cSld name="Lab">
-    <p:spTree>
-      <p:nvGrpSpPr>
-        <p:cNvPr id="1" name=""/>
-        <p:cNvGrpSpPr/>
-        <p:nvPr/>
-      </p:nvGrpSpPr>
-      <p:grpSpPr>
-        <a:xfrm>
-          <a:off x="0" y="0"/>
-          <a:ext cx="0" cy="0"/>
-          <a:chOff x="0" y="0"/>
-          <a:chExt cx="0" cy="0"/>
-        </a:xfrm>
-      </p:grpSpPr>
-      <p:sp>
-        <p:nvSpPr>
-          <p:cNvPr id="5" name="TextBox 4"/>
-          <p:cNvSpPr txBox="1"/>
-          <p:nvPr/>
-        </p:nvSpPr>
-        <p:spPr bwMode="white">
-          <a:xfrm>
-            <a:off x="136961" y="144390"/>
-            <a:ext cx="12824551" cy="2378219"/>
-          </a:xfrm>
-          <a:prstGeom prst="rect">
-            <a:avLst/>
-          </a:prstGeom>
-          <a:noFill/>
-          <a:ln>
-            <a:noFill/>
-          </a:ln>
-          <a:effectLst/>
-        </p:spPr>
-        <p:txBody>
-          <a:bodyPr lIns="121920" tIns="121920" rIns="121920" bIns="121920" anchor="ctr"/>
-          <a:lstStyle/>
-          <a:p>
-            <a:pPr defTabSz="1219120" fontAlgn="auto">
-              <a:spcBef>
-                <a:spcPts val="0"/>
-              </a:spcBef>
-              <a:spcAft>
-                <a:spcPts val="0"/>
-              </a:spcAft>
-              <a:defRPr/>
-            </a:pPr>
-            <a:r>
-              <a:rPr lang="en-US" sz="16933" dirty="0">
-                <a:ln w="18415" cmpd="sng">
-                  <a:solidFill>
-                    <a:srgbClr val="FFFFFF"/>
-                  </a:solidFill>
-                  <a:prstDash val="solid"/>
-                </a:ln>
-                <a:solidFill>
-                  <a:schemeClr val="bg2">
-                    <a:lumMod val="95000"/>
-                    <a:alpha val="50000"/>
-                  </a:schemeClr>
-                </a:solidFill>
-                <a:latin typeface="+mn-lt"/>
-                <a:ea typeface="+mn-ea"/>
-                <a:cs typeface="+mn-cs"/>
-              </a:rPr>
-              <a:t>LAB</a:t>
-            </a:r>
-          </a:p>
-        </p:txBody>
-      </p:sp>
-      <p:pic>
-        <p:nvPicPr>
-          <p:cNvPr id="2" name="Picture 1" descr="lab.gif"/>
-          <p:cNvPicPr>
-            <a:picLocks noChangeAspect="1"/>
-          </p:cNvPicPr>
-          <p:nvPr userDrawn="1"/>
-        </p:nvPicPr>
-        <p:blipFill>
-          <a:blip r:embed="rId2">
-            <a:extLst>
-              <a:ext uri="{28A0092B-C50C-407E-A947-70E740481C1C}">
-                <a14:useLocalDpi xmlns:a14="http://schemas.microsoft.com/office/drawing/2010/main" val="0"/>
-              </a:ext>
-            </a:extLst>
-          </a:blip>
-          <a:stretch>
-            <a:fillRect/>
-          </a:stretch>
-        </p:blipFill>
-        <p:spPr>
-          <a:xfrm>
-            <a:off x="13274049" y="215274"/>
-            <a:ext cx="2407901" cy="2407901"/>
-          </a:xfrm>
-          <a:prstGeom prst="rect">
-            <a:avLst/>
-          </a:prstGeom>
-        </p:spPr>
-      </p:pic>
-      <p:sp>
-        <p:nvSpPr>
-          <p:cNvPr id="6" name="Title 1"/>
-          <p:cNvSpPr>
-            <a:spLocks noGrp="1"/>
-          </p:cNvSpPr>
-          <p:nvPr>
-            <p:ph type="ctrTitle" hasCustomPrompt="1"/>
-          </p:nvPr>
-        </p:nvSpPr>
-        <p:spPr bwMode="white">
-          <a:xfrm>
-            <a:off x="1660524" y="2294619"/>
-            <a:ext cx="12330113" cy="852712"/>
-          </a:xfrm>
-        </p:spPr>
-        <p:txBody>
-          <a:bodyPr lIns="91440" tIns="91440" rIns="91440" bIns="91440" anchor="ctr"/>
-          <a:lstStyle>
-            <a:lvl1pPr>
-              <a:lnSpc>
-                <a:spcPct val="90000"/>
-              </a:lnSpc>
-              <a:defRPr sz="6400" b="1" spc="0" baseline="0">
-                <a:solidFill>
-                  <a:schemeClr val="accent1"/>
-                </a:solidFill>
-              </a:defRPr>
-            </a:lvl1pPr>
-          </a:lstStyle>
-          <a:p>
-            <a:r>
-              <a:rPr lang="en-US" dirty="0" smtClean="0"/>
-              <a:t>Lab</a:t>
-            </a:r>
-            <a:endParaRPr lang="en-US" dirty="0"/>
-          </a:p>
-        </p:txBody>
-      </p:sp>
-      <p:sp>
-        <p:nvSpPr>
-          <p:cNvPr id="10" name="Subtitle 2"/>
-          <p:cNvSpPr>
-            <a:spLocks noGrp="1"/>
-          </p:cNvSpPr>
-          <p:nvPr>
-            <p:ph type="subTitle" idx="1"/>
-          </p:nvPr>
-        </p:nvSpPr>
-        <p:spPr bwMode="white">
-          <a:xfrm>
-            <a:off x="1671638" y="3260725"/>
-            <a:ext cx="12319000" cy="3346421"/>
-          </a:xfrm>
-          <a:prstGeom prst="rect">
-            <a:avLst/>
-          </a:prstGeom>
-        </p:spPr>
-        <p:txBody>
-          <a:bodyPr lIns="91440" tIns="91440" rIns="91440" bIns="91440">
-            <a:noAutofit/>
-          </a:bodyPr>
-          <a:lstStyle>
-            <a:lvl1pPr marL="571500" indent="-571500" algn="l">
-              <a:lnSpc>
-                <a:spcPct val="100000"/>
-              </a:lnSpc>
-              <a:spcBef>
-                <a:spcPts val="0"/>
-              </a:spcBef>
-              <a:buFont typeface="Wingdings" charset="2"/>
-              <a:buChar char="q"/>
-              <a:defRPr sz="2800" baseline="0">
-                <a:solidFill>
-                  <a:schemeClr val="accent3">
-                    <a:lumMod val="50000"/>
-                  </a:schemeClr>
-                </a:solidFill>
-              </a:defRPr>
-            </a:lvl1pPr>
-            <a:lvl2pPr marL="609561" indent="0" algn="ctr">
-              <a:buNone/>
-              <a:defRPr>
-                <a:solidFill>
-                  <a:schemeClr val="tx1">
-                    <a:tint val="75000"/>
-                  </a:schemeClr>
-                </a:solidFill>
-              </a:defRPr>
-            </a:lvl2pPr>
-            <a:lvl3pPr marL="1219120" indent="0" algn="ctr">
-              <a:buNone/>
-              <a:defRPr>
-                <a:solidFill>
-                  <a:schemeClr val="tx1">
-                    <a:tint val="75000"/>
-                  </a:schemeClr>
-                </a:solidFill>
-              </a:defRPr>
-            </a:lvl3pPr>
-            <a:lvl4pPr marL="1828681" indent="0" algn="ctr">
-              <a:buNone/>
-              <a:defRPr>
-                <a:solidFill>
-                  <a:schemeClr val="tx1">
-                    <a:tint val="75000"/>
-                  </a:schemeClr>
-                </a:solidFill>
-              </a:defRPr>
-            </a:lvl4pPr>
-            <a:lvl5pPr marL="2438242" indent="0" algn="ctr">
-              <a:buNone/>
-              <a:defRPr>
-                <a:solidFill>
-                  <a:schemeClr val="tx1">
-                    <a:tint val="75000"/>
-                  </a:schemeClr>
-                </a:solidFill>
-              </a:defRPr>
-            </a:lvl5pPr>
-            <a:lvl6pPr marL="3047802" indent="0" algn="ctr">
-              <a:buNone/>
-              <a:defRPr>
-                <a:solidFill>
-                  <a:schemeClr val="tx1">
-                    <a:tint val="75000"/>
-                  </a:schemeClr>
-                </a:solidFill>
-              </a:defRPr>
-            </a:lvl6pPr>
-            <a:lvl7pPr marL="3657362" indent="0" algn="ctr">
-              <a:buNone/>
-              <a:defRPr>
-                <a:solidFill>
-                  <a:schemeClr val="tx1">
-                    <a:tint val="75000"/>
-                  </a:schemeClr>
-                </a:solidFill>
-              </a:defRPr>
-            </a:lvl7pPr>
-            <a:lvl8pPr marL="4266923" indent="0" algn="ctr">
-              <a:buNone/>
-              <a:defRPr>
-                <a:solidFill>
-                  <a:schemeClr val="tx1">
-                    <a:tint val="75000"/>
-                  </a:schemeClr>
-                </a:solidFill>
-              </a:defRPr>
-            </a:lvl8pPr>
-            <a:lvl9pPr marL="4876483" indent="0" algn="ctr">
-              <a:buNone/>
-              <a:defRPr>
-                <a:solidFill>
-                  <a:schemeClr val="tx1">
-                    <a:tint val="75000"/>
-                  </a:schemeClr>
-                </a:solidFill>
-              </a:defRPr>
-            </a:lvl9pPr>
-          </a:lstStyle>
-          <a:p>
-            <a:r>
-              <a:rPr lang="en-US" dirty="0" smtClean="0"/>
-              <a:t>Click to edit Master subtitle style</a:t>
-            </a:r>
-          </a:p>
-        </p:txBody>
-      </p:sp>
-    </p:spTree>
-    <p:extLst>
-      <p:ext uri="{BB962C8B-B14F-4D97-AF65-F5344CB8AC3E}">
         <p14:creationId xmlns:p14="http://schemas.microsoft.com/office/powerpoint/2010/main" val="952892369"/>
       </p:ext>
     </p:extLst>
@@ -13621,13 +12707,13 @@
   <p:clrMapOvr>
     <a:masterClrMapping/>
   </p:clrMapOvr>
-  <p:transition xmlns:p14="http://schemas.microsoft.com/office/powerpoint/2010/main" spd="med">
+  <p:transition spd="med">
     <p:fade/>
   </p:transition>
 </p:sldLayout>
 </file>
 
-<file path=ppt/slideLayouts/slideLayout21.xml><?xml version="1.0" encoding="utf-8"?>
+<file path=ppt/slideLayouts/slideLayout19.xml><?xml version="1.0" encoding="utf-8"?>
 <p:sldLayout xmlns:a="http://schemas.openxmlformats.org/drawingml/2006/main" xmlns:r="http://schemas.openxmlformats.org/officeDocument/2006/relationships" xmlns:p="http://schemas.openxmlformats.org/presentationml/2006/main" preserve="1" userDrawn="1">
   <p:cSld name="Version Control">
     <p:spTree>
@@ -13933,13 +13019,190 @@
   <p:clrMapOvr>
     <a:masterClrMapping/>
   </p:clrMapOvr>
-  <p:transition xmlns:p14="http://schemas.microsoft.com/office/powerpoint/2010/main" spd="med">
+  <p:transition spd="med">
     <p:fade/>
   </p:transition>
 </p:sldLayout>
 </file>
 
-<file path=ppt/slideLayouts/slideLayout22.xml><?xml version="1.0" encoding="utf-8"?>
+<file path=ppt/slideLayouts/slideLayout2.xml><?xml version="1.0" encoding="utf-8"?>
+<p:sldLayout xmlns:a="http://schemas.openxmlformats.org/drawingml/2006/main" xmlns:r="http://schemas.openxmlformats.org/officeDocument/2006/relationships" xmlns:p="http://schemas.openxmlformats.org/presentationml/2006/main" preserve="1" userDrawn="1">
+  <p:cSld name="Standard">
+    <p:bg>
+      <p:bgPr>
+        <a:gradFill rotWithShape="0">
+          <a:gsLst>
+            <a:gs pos="0">
+              <a:schemeClr val="bg1"/>
+            </a:gs>
+            <a:gs pos="100000">
+              <a:schemeClr val="bg2"/>
+            </a:gs>
+          </a:gsLst>
+          <a:lin ang="5400000" scaled="1"/>
+        </a:gradFill>
+        <a:effectLst/>
+      </p:bgPr>
+    </p:bg>
+    <p:spTree>
+      <p:nvGrpSpPr>
+        <p:cNvPr id="1" name=""/>
+        <p:cNvGrpSpPr/>
+        <p:nvPr/>
+      </p:nvGrpSpPr>
+      <p:grpSpPr>
+        <a:xfrm>
+          <a:off x="0" y="0"/>
+          <a:ext cx="0" cy="0"/>
+          <a:chOff x="0" y="0"/>
+          <a:chExt cx="0" cy="0"/>
+        </a:xfrm>
+      </p:grpSpPr>
+      <p:sp>
+        <p:nvSpPr>
+          <p:cNvPr id="13" name="Title 12"/>
+          <p:cNvSpPr>
+            <a:spLocks noGrp="1"/>
+          </p:cNvSpPr>
+          <p:nvPr>
+            <p:ph type="title"/>
+          </p:nvPr>
+        </p:nvSpPr>
+        <p:spPr/>
+        <p:txBody>
+          <a:bodyPr/>
+          <a:lstStyle/>
+          <a:p>
+            <a:r>
+              <a:rPr lang="en-US" smtClean="0"/>
+              <a:t>Click to edit Master title style</a:t>
+            </a:r>
+            <a:endParaRPr lang="en-US" dirty="0"/>
+          </a:p>
+        </p:txBody>
+      </p:sp>
+      <p:sp>
+        <p:nvSpPr>
+          <p:cNvPr id="17" name="Text Placeholder 4"/>
+          <p:cNvSpPr>
+            <a:spLocks noGrp="1"/>
+          </p:cNvSpPr>
+          <p:nvPr>
+            <p:ph type="body" sz="quarter" idx="12"/>
+          </p:nvPr>
+        </p:nvSpPr>
+        <p:spPr>
+          <a:xfrm>
+            <a:off x="650040" y="1856198"/>
+            <a:ext cx="14898624" cy="5345953"/>
+          </a:xfrm>
+        </p:spPr>
+        <p:txBody>
+          <a:bodyPr>
+            <a:noAutofit/>
+          </a:bodyPr>
+          <a:lstStyle>
+            <a:lvl1pPr>
+              <a:spcAft>
+                <a:spcPts val="800"/>
+              </a:spcAft>
+              <a:defRPr baseline="0">
+                <a:solidFill>
+                  <a:schemeClr val="accent3">
+                    <a:lumMod val="50000"/>
+                  </a:schemeClr>
+                </a:solidFill>
+              </a:defRPr>
+            </a:lvl1pPr>
+            <a:lvl2pPr>
+              <a:spcAft>
+                <a:spcPts val="800"/>
+              </a:spcAft>
+              <a:defRPr baseline="0">
+                <a:solidFill>
+                  <a:schemeClr val="accent3">
+                    <a:lumMod val="50000"/>
+                  </a:schemeClr>
+                </a:solidFill>
+              </a:defRPr>
+            </a:lvl2pPr>
+            <a:lvl3pPr>
+              <a:spcAft>
+                <a:spcPts val="800"/>
+              </a:spcAft>
+              <a:defRPr baseline="0">
+                <a:solidFill>
+                  <a:schemeClr val="accent3">
+                    <a:lumMod val="50000"/>
+                  </a:schemeClr>
+                </a:solidFill>
+              </a:defRPr>
+            </a:lvl3pPr>
+            <a:lvl4pPr>
+              <a:spcAft>
+                <a:spcPts val="800"/>
+              </a:spcAft>
+              <a:defRPr baseline="0">
+                <a:solidFill>
+                  <a:schemeClr val="accent3">
+                    <a:lumMod val="50000"/>
+                  </a:schemeClr>
+                </a:solidFill>
+              </a:defRPr>
+            </a:lvl4pPr>
+            <a:lvl5pPr>
+              <a:spcAft>
+                <a:spcPts val="800"/>
+              </a:spcAft>
+              <a:defRPr baseline="0">
+                <a:solidFill>
+                  <a:schemeClr val="accent3">
+                    <a:lumMod val="50000"/>
+                  </a:schemeClr>
+                </a:solidFill>
+              </a:defRPr>
+            </a:lvl5pPr>
+          </a:lstStyle>
+          <a:p>
+            <a:pPr lvl="0"/>
+            <a:r>
+              <a:rPr lang="en-US" smtClean="0"/>
+              <a:t>Click to edit Master text styles</a:t>
+            </a:r>
+          </a:p>
+          <a:p>
+            <a:pPr lvl="1"/>
+            <a:r>
+              <a:rPr lang="en-US" smtClean="0"/>
+              <a:t>Second level</a:t>
+            </a:r>
+          </a:p>
+          <a:p>
+            <a:pPr lvl="2"/>
+            <a:r>
+              <a:rPr lang="en-US" smtClean="0"/>
+              <a:t>Third level</a:t>
+            </a:r>
+          </a:p>
+        </p:txBody>
+      </p:sp>
+    </p:spTree>
+    <p:extLst>
+      <p:ext uri="{BB962C8B-B14F-4D97-AF65-F5344CB8AC3E}">
+        <p14:creationId xmlns:p14="http://schemas.microsoft.com/office/powerpoint/2010/main" val="2747942789"/>
+      </p:ext>
+    </p:extLst>
+  </p:cSld>
+  <p:clrMapOvr>
+    <a:masterClrMapping/>
+  </p:clrMapOvr>
+  <p:transition spd="med">
+    <p:fade/>
+  </p:transition>
+</p:sldLayout>
+</file>
+
+<file path=ppt/slideLayouts/slideLayout20.xml><?xml version="1.0" encoding="utf-8"?>
 <p:sldLayout xmlns:a="http://schemas.openxmlformats.org/drawingml/2006/main" xmlns:r="http://schemas.openxmlformats.org/officeDocument/2006/relationships" xmlns:p="http://schemas.openxmlformats.org/presentationml/2006/main" preserve="1" userDrawn="1">
   <p:cSld name="Discussion">
     <p:spTree>
@@ -14237,703 +13500,7 @@
   <p:clrMapOvr>
     <a:masterClrMapping/>
   </p:clrMapOvr>
-  <p:transition xmlns:p14="http://schemas.microsoft.com/office/powerpoint/2010/main" spd="med">
-    <p:fade/>
-  </p:transition>
-</p:sldLayout>
-</file>
-
-<file path=ppt/slideLayouts/slideLayout23.xml><?xml version="1.0" encoding="utf-8"?>
-<p:sldLayout xmlns:a="http://schemas.openxmlformats.org/drawingml/2006/main" xmlns:r="http://schemas.openxmlformats.org/officeDocument/2006/relationships" xmlns:p="http://schemas.openxmlformats.org/presentationml/2006/main" userDrawn="1">
-  <p:cSld name="File">
-    <p:bg>
-      <p:bgPr>
-        <a:gradFill>
-          <a:gsLst>
-            <a:gs pos="0">
-              <a:schemeClr val="bg2">
-                <a:lumMod val="95000"/>
-              </a:schemeClr>
-            </a:gs>
-            <a:gs pos="100000">
-              <a:schemeClr val="bg2"/>
-            </a:gs>
-          </a:gsLst>
-          <a:lin ang="5400000" scaled="1"/>
-        </a:gradFill>
-        <a:effectLst/>
-      </p:bgPr>
-    </p:bg>
-    <p:spTree>
-      <p:nvGrpSpPr>
-        <p:cNvPr id="1" name=""/>
-        <p:cNvGrpSpPr/>
-        <p:nvPr/>
-      </p:nvGrpSpPr>
-      <p:grpSpPr>
-        <a:xfrm>
-          <a:off x="0" y="0"/>
-          <a:ext cx="0" cy="0"/>
-          <a:chOff x="0" y="0"/>
-          <a:chExt cx="0" cy="0"/>
-        </a:xfrm>
-      </p:grpSpPr>
-      <p:pic>
-        <p:nvPicPr>
-          <p:cNvPr id="7" name="Picture 8"/>
-          <p:cNvPicPr>
-            <a:picLocks noChangeAspect="1"/>
-          </p:cNvPicPr>
-          <p:nvPr/>
-        </p:nvPicPr>
-        <p:blipFill>
-          <a:blip r:embed="rId2">
-            <a:extLst>
-              <a:ext uri="{28A0092B-C50C-407E-A947-70E740481C1C}">
-                <a14:useLocalDpi xmlns:a14="http://schemas.microsoft.com/office/drawing/2010/main" val="0"/>
-              </a:ext>
-            </a:extLst>
-          </a:blip>
-          <a:srcRect/>
-          <a:stretch>
-            <a:fillRect/>
-          </a:stretch>
-        </p:blipFill>
-        <p:spPr bwMode="auto">
-          <a:xfrm>
-            <a:off x="603250" y="1336675"/>
-            <a:ext cx="412750" cy="571500"/>
-          </a:xfrm>
-          <a:prstGeom prst="rect">
-            <a:avLst/>
-          </a:prstGeom>
-          <a:noFill/>
-          <a:ln>
-            <a:noFill/>
-          </a:ln>
-          <a:extLst>
-            <a:ext uri="{909E8E84-426E-40dd-AFC4-6F175D3DCCD1}">
-              <a14:hiddenFill xmlns:a14="http://schemas.microsoft.com/office/drawing/2010/main">
-                <a:solidFill>
-                  <a:srgbClr val="FFFFFF"/>
-                </a:solidFill>
-              </a14:hiddenFill>
-            </a:ext>
-            <a:ext uri="{91240B29-F687-4f45-9708-019B960494DF}">
-              <a14:hiddenLine xmlns:a14="http://schemas.microsoft.com/office/drawing/2010/main" w="9525">
-                <a:solidFill>
-                  <a:srgbClr val="000000"/>
-                </a:solidFill>
-                <a:miter lim="800000"/>
-                <a:headEnd/>
-                <a:tailEnd/>
-              </a14:hiddenLine>
-            </a:ext>
-          </a:extLst>
-        </p:spPr>
-      </p:pic>
-      <p:sp>
-        <p:nvSpPr>
-          <p:cNvPr id="2" name="Title 1"/>
-          <p:cNvSpPr>
-            <a:spLocks noGrp="1"/>
-          </p:cNvSpPr>
-          <p:nvPr>
-            <p:ph type="title"/>
-          </p:nvPr>
-        </p:nvSpPr>
-        <p:spPr>
-          <a:xfrm>
-            <a:off x="609600" y="304800"/>
-            <a:ext cx="14935200" cy="827577"/>
-          </a:xfrm>
-        </p:spPr>
-        <p:txBody>
-          <a:bodyPr/>
-          <a:lstStyle>
-            <a:lvl1pPr>
-              <a:defRPr sz="5867"/>
-            </a:lvl1pPr>
-          </a:lstStyle>
-          <a:p>
-            <a:r>
-              <a:rPr lang="en-US" smtClean="0"/>
-              <a:t>Click to edit Master title style</a:t>
-            </a:r>
-            <a:endParaRPr lang="en-US" dirty="0"/>
-          </a:p>
-        </p:txBody>
-      </p:sp>
-      <p:sp>
-        <p:nvSpPr>
-          <p:cNvPr id="16" name="Content Placeholder 3"/>
-          <p:cNvSpPr>
-            <a:spLocks noGrp="1"/>
-          </p:cNvSpPr>
-          <p:nvPr>
-            <p:ph sz="quarter" idx="10" hasCustomPrompt="1"/>
-          </p:nvPr>
-        </p:nvSpPr>
-        <p:spPr>
-          <a:xfrm>
-            <a:off x="1121104" y="2113747"/>
-            <a:ext cx="14423693" cy="5951611"/>
-          </a:xfrm>
-          <a:prstGeom prst="rect">
-            <a:avLst/>
-          </a:prstGeom>
-          <a:ln w="12700">
-            <a:solidFill>
-              <a:schemeClr val="tx2"/>
-            </a:solidFill>
-            <a:prstDash val="dash"/>
-          </a:ln>
-        </p:spPr>
-        <p:txBody>
-          <a:bodyPr lIns="91440" tIns="45720" rIns="91440" bIns="45720">
-            <a:normAutofit/>
-          </a:bodyPr>
-          <a:lstStyle>
-            <a:lvl1pPr marL="0" marR="0" indent="0" algn="l" defTabSz="1219120" rtl="0" eaLnBrk="1" fontAlgn="auto" latinLnBrk="0" hangingPunct="1">
-              <a:lnSpc>
-                <a:spcPct val="100000"/>
-              </a:lnSpc>
-              <a:spcBef>
-                <a:spcPts val="800"/>
-              </a:spcBef>
-              <a:spcAft>
-                <a:spcPts val="0"/>
-              </a:spcAft>
-              <a:buClrTx/>
-              <a:buSzPct val="90000"/>
-              <a:buFont typeface="Arial" pitchFamily="34" charset="0"/>
-              <a:buNone/>
-              <a:tabLst/>
-              <a:defRPr sz="2800" b="1">
-                <a:latin typeface="Courier New" panose="02070309020205020404" pitchFamily="49" charset="0"/>
-                <a:cs typeface="Courier New" panose="02070309020205020404" pitchFamily="49" charset="0"/>
-              </a:defRPr>
-            </a:lvl1pPr>
-            <a:lvl2pPr>
-              <a:defRPr sz="3200"/>
-            </a:lvl2pPr>
-            <a:lvl3pPr>
-              <a:defRPr sz="3200"/>
-            </a:lvl3pPr>
-            <a:lvl4pPr>
-              <a:defRPr sz="3200"/>
-            </a:lvl4pPr>
-            <a:lvl5pPr>
-              <a:defRPr sz="3200"/>
-            </a:lvl5pPr>
-          </a:lstStyle>
-          <a:p>
-            <a:pPr lvl="0"/>
-            <a:r>
-              <a:rPr lang="en-US" dirty="0" smtClean="0"/>
-              <a:t>SOURCE</a:t>
-            </a:r>
-          </a:p>
-        </p:txBody>
-      </p:sp>
-      <p:sp>
-        <p:nvSpPr>
-          <p:cNvPr id="5" name="Text Placeholder 4"/>
-          <p:cNvSpPr>
-            <a:spLocks noGrp="1"/>
-          </p:cNvSpPr>
-          <p:nvPr>
-            <p:ph type="body" sz="quarter" idx="11" hasCustomPrompt="1"/>
-          </p:nvPr>
-        </p:nvSpPr>
-        <p:spPr>
-          <a:xfrm>
-            <a:off x="1121104" y="1337150"/>
-            <a:ext cx="14422528" cy="566391"/>
-          </a:xfrm>
-          <a:prstGeom prst="rect">
-            <a:avLst/>
-          </a:prstGeom>
-          <a:solidFill>
-            <a:schemeClr val="bg1">
-              <a:lumMod val="85000"/>
-              <a:alpha val="50000"/>
-            </a:schemeClr>
-          </a:solidFill>
-        </p:spPr>
-        <p:txBody>
-          <a:bodyPr lIns="91440" bIns="91440" anchor="ctr" anchorCtr="0">
-            <a:noAutofit/>
-          </a:bodyPr>
-          <a:lstStyle>
-            <a:lvl1pPr marL="0" indent="0">
-              <a:buNone/>
-              <a:defRPr sz="2800" b="1">
-                <a:latin typeface="Courier New" panose="02070309020205020404" pitchFamily="49" charset="0"/>
-                <a:cs typeface="Courier New" panose="02070309020205020404" pitchFamily="49" charset="0"/>
-              </a:defRPr>
-            </a:lvl1pPr>
-          </a:lstStyle>
-          <a:p>
-            <a:pPr lvl="0"/>
-            <a:r>
-              <a:rPr lang="en-US" dirty="0" smtClean="0"/>
-              <a:t>/</a:t>
-            </a:r>
-            <a:r>
-              <a:rPr lang="en-US" dirty="0" err="1" smtClean="0"/>
-              <a:t>filepath</a:t>
-            </a:r>
-            <a:r>
-              <a:rPr lang="en-US" dirty="0" smtClean="0"/>
-              <a:t>/</a:t>
-            </a:r>
-            <a:r>
-              <a:rPr lang="en-US" dirty="0" err="1" smtClean="0"/>
-              <a:t>file.rb</a:t>
-            </a:r>
-            <a:endParaRPr lang="en-US" dirty="0" smtClean="0"/>
-          </a:p>
-        </p:txBody>
-      </p:sp>
-      <p:sp>
-        <p:nvSpPr>
-          <p:cNvPr id="19" name="Text Placeholder 13"/>
-          <p:cNvSpPr>
-            <a:spLocks noGrp="1"/>
-          </p:cNvSpPr>
-          <p:nvPr>
-            <p:ph type="body" sz="quarter" idx="12" hasCustomPrompt="1"/>
-          </p:nvPr>
-        </p:nvSpPr>
-        <p:spPr>
-          <a:xfrm>
-            <a:off x="1124446" y="3538306"/>
-            <a:ext cx="14404273" cy="659007"/>
-          </a:xfrm>
-          <a:prstGeom prst="rect">
-            <a:avLst/>
-          </a:prstGeom>
-          <a:solidFill>
-            <a:srgbClr val="FF0000">
-              <a:alpha val="25000"/>
-            </a:srgbClr>
-          </a:solidFill>
-        </p:spPr>
-        <p:txBody>
-          <a:bodyPr rIns="91440" bIns="594360">
-            <a:noAutofit/>
-          </a:bodyPr>
-          <a:lstStyle>
-            <a:lvl1pPr marL="0" indent="0" algn="r">
-              <a:buFontTx/>
-              <a:buNone/>
-              <a:defRPr sz="4267">
-                <a:latin typeface="Courier New"/>
-                <a:cs typeface="Courier New"/>
-              </a:defRPr>
-            </a:lvl1pPr>
-          </a:lstStyle>
-          <a:p>
-            <a:pPr lvl="0"/>
-            <a:r>
-              <a:rPr lang="en-US" dirty="0" smtClean="0"/>
-              <a:t>-</a:t>
-            </a:r>
-          </a:p>
-        </p:txBody>
-      </p:sp>
-      <p:sp>
-        <p:nvSpPr>
-          <p:cNvPr id="20" name="Text Placeholder 13"/>
-          <p:cNvSpPr>
-            <a:spLocks noGrp="1"/>
-          </p:cNvSpPr>
-          <p:nvPr>
-            <p:ph type="body" sz="quarter" idx="13" hasCustomPrompt="1"/>
-          </p:nvPr>
-        </p:nvSpPr>
-        <p:spPr>
-          <a:xfrm>
-            <a:off x="1135042" y="4206982"/>
-            <a:ext cx="14404273" cy="626533"/>
-          </a:xfrm>
-          <a:prstGeom prst="rect">
-            <a:avLst/>
-          </a:prstGeom>
-          <a:solidFill>
-            <a:srgbClr val="008000">
-              <a:alpha val="25000"/>
-            </a:srgbClr>
-          </a:solidFill>
-        </p:spPr>
-        <p:txBody>
-          <a:bodyPr rIns="91440" bIns="594360">
-            <a:noAutofit/>
-          </a:bodyPr>
-          <a:lstStyle>
-            <a:lvl1pPr marL="0" indent="0" algn="r">
-              <a:buFontTx/>
-              <a:buNone/>
-              <a:defRPr sz="4267">
-                <a:latin typeface="Courier New"/>
-                <a:cs typeface="Courier New"/>
-              </a:defRPr>
-            </a:lvl1pPr>
-          </a:lstStyle>
-          <a:p>
-            <a:pPr lvl="0"/>
-            <a:r>
-              <a:rPr lang="en-US" dirty="0" smtClean="0"/>
-              <a:t>+</a:t>
-            </a:r>
-          </a:p>
-        </p:txBody>
-      </p:sp>
-    </p:spTree>
-    <p:extLst>
-      <p:ext uri="{BB962C8B-B14F-4D97-AF65-F5344CB8AC3E}">
-        <p14:creationId xmlns:p14="http://schemas.microsoft.com/office/powerpoint/2010/main" val="3282417694"/>
-      </p:ext>
-    </p:extLst>
-  </p:cSld>
-  <p:clrMapOvr>
-    <a:overrideClrMapping bg1="lt1" tx1="dk1" bg2="lt2" tx2="dk2" accent1="accent1" accent2="accent2" accent3="accent3" accent4="accent4" accent5="accent5" accent6="accent6" hlink="hlink" folHlink="folHlink"/>
-  </p:clrMapOvr>
-  <p:transition xmlns:p14="http://schemas.microsoft.com/office/powerpoint/2010/main" spd="med">
-    <p:fade/>
-  </p:transition>
-</p:sldLayout>
-</file>
-
-<file path=ppt/slideLayouts/slideLayout24.xml><?xml version="1.0" encoding="utf-8"?>
-<p:sldLayout xmlns:a="http://schemas.openxmlformats.org/drawingml/2006/main" xmlns:r="http://schemas.openxmlformats.org/officeDocument/2006/relationships" xmlns:p="http://schemas.openxmlformats.org/presentationml/2006/main" userDrawn="1">
-  <p:cSld name="Command - Black">
-    <p:bg>
-      <p:bgPr>
-        <a:gradFill>
-          <a:gsLst>
-            <a:gs pos="0">
-              <a:schemeClr val="bg2">
-                <a:lumMod val="95000"/>
-              </a:schemeClr>
-            </a:gs>
-            <a:gs pos="100000">
-              <a:schemeClr val="bg2"/>
-            </a:gs>
-          </a:gsLst>
-          <a:lin ang="5400000" scaled="1"/>
-        </a:gradFill>
-        <a:effectLst/>
-      </p:bgPr>
-    </p:bg>
-    <p:spTree>
-      <p:nvGrpSpPr>
-        <p:cNvPr id="1" name=""/>
-        <p:cNvGrpSpPr/>
-        <p:nvPr/>
-      </p:nvGrpSpPr>
-      <p:grpSpPr>
-        <a:xfrm>
-          <a:off x="0" y="0"/>
-          <a:ext cx="0" cy="0"/>
-          <a:chOff x="0" y="0"/>
-          <a:chExt cx="0" cy="0"/>
-        </a:xfrm>
-      </p:grpSpPr>
-      <p:pic>
-        <p:nvPicPr>
-          <p:cNvPr id="7" name="Picture 8"/>
-          <p:cNvPicPr>
-            <a:picLocks noChangeAspect="1"/>
-          </p:cNvPicPr>
-          <p:nvPr/>
-        </p:nvPicPr>
-        <p:blipFill>
-          <a:blip r:embed="rId2">
-            <a:extLst>
-              <a:ext uri="{28A0092B-C50C-407E-A947-70E740481C1C}">
-                <a14:useLocalDpi xmlns:a14="http://schemas.microsoft.com/office/drawing/2010/main" val="0"/>
-              </a:ext>
-            </a:extLst>
-          </a:blip>
-          <a:srcRect/>
-          <a:stretch>
-            <a:fillRect/>
-          </a:stretch>
-        </p:blipFill>
-        <p:spPr bwMode="auto">
-          <a:xfrm>
-            <a:off x="246063" y="1433513"/>
-            <a:ext cx="703262" cy="538162"/>
-          </a:xfrm>
-          <a:prstGeom prst="rect">
-            <a:avLst/>
-          </a:prstGeom>
-          <a:noFill/>
-          <a:ln>
-            <a:noFill/>
-          </a:ln>
-          <a:extLst>
-            <a:ext uri="{909E8E84-426E-40dd-AFC4-6F175D3DCCD1}">
-              <a14:hiddenFill xmlns:a14="http://schemas.microsoft.com/office/drawing/2010/main">
-                <a:solidFill>
-                  <a:srgbClr val="FFFFFF"/>
-                </a:solidFill>
-              </a14:hiddenFill>
-            </a:ext>
-            <a:ext uri="{91240B29-F687-4f45-9708-019B960494DF}">
-              <a14:hiddenLine xmlns:a14="http://schemas.microsoft.com/office/drawing/2010/main" w="9525">
-                <a:solidFill>
-                  <a:srgbClr val="000000"/>
-                </a:solidFill>
-                <a:miter lim="800000"/>
-                <a:headEnd/>
-                <a:tailEnd/>
-              </a14:hiddenLine>
-            </a:ext>
-          </a:extLst>
-        </p:spPr>
-      </p:pic>
-      <p:sp>
-        <p:nvSpPr>
-          <p:cNvPr id="16" name="Content Placeholder 3"/>
-          <p:cNvSpPr>
-            <a:spLocks noGrp="1"/>
-          </p:cNvSpPr>
-          <p:nvPr>
-            <p:ph sz="quarter" idx="10" hasCustomPrompt="1"/>
-          </p:nvPr>
-        </p:nvSpPr>
-        <p:spPr>
-          <a:xfrm>
-            <a:off x="1121104" y="2315963"/>
-            <a:ext cx="14423693" cy="5580480"/>
-          </a:xfrm>
-          <a:prstGeom prst="rect">
-            <a:avLst/>
-          </a:prstGeom>
-          <a:solidFill>
-            <a:schemeClr val="tx2"/>
-          </a:solidFill>
-          <a:ln w="12700">
-            <a:solidFill>
-              <a:schemeClr val="tx2"/>
-            </a:solidFill>
-            <a:prstDash val="dash"/>
-          </a:ln>
-        </p:spPr>
-        <p:txBody>
-          <a:bodyPr lIns="91440" tIns="45720" rIns="91440" bIns="45720">
-            <a:noAutofit/>
-          </a:bodyPr>
-          <a:lstStyle>
-            <a:lvl1pPr marL="0" marR="0" indent="0" algn="l" defTabSz="1219120" rtl="0" eaLnBrk="1" fontAlgn="auto" latinLnBrk="0" hangingPunct="1">
-              <a:lnSpc>
-                <a:spcPct val="100000"/>
-              </a:lnSpc>
-              <a:spcBef>
-                <a:spcPts val="800"/>
-              </a:spcBef>
-              <a:spcAft>
-                <a:spcPts val="0"/>
-              </a:spcAft>
-              <a:buClrTx/>
-              <a:buSzPct val="90000"/>
-              <a:buFont typeface="Arial" pitchFamily="34" charset="0"/>
-              <a:buNone/>
-              <a:tabLst/>
-              <a:defRPr sz="2800" b="1">
-                <a:solidFill>
-                  <a:srgbClr val="FFFFFF"/>
-                </a:solidFill>
-                <a:latin typeface="Courier New"/>
-                <a:cs typeface="Courier New"/>
-              </a:defRPr>
-            </a:lvl1pPr>
-            <a:lvl2pPr>
-              <a:defRPr>
-                <a:solidFill>
-                  <a:srgbClr val="FFFFFF"/>
-                </a:solidFill>
-              </a:defRPr>
-            </a:lvl2pPr>
-            <a:lvl3pPr>
-              <a:defRPr>
-                <a:solidFill>
-                  <a:srgbClr val="FFFFFF"/>
-                </a:solidFill>
-              </a:defRPr>
-            </a:lvl3pPr>
-            <a:lvl4pPr>
-              <a:defRPr>
-                <a:solidFill>
-                  <a:srgbClr val="FFFFFF"/>
-                </a:solidFill>
-              </a:defRPr>
-            </a:lvl4pPr>
-            <a:lvl5pPr>
-              <a:defRPr>
-                <a:solidFill>
-                  <a:srgbClr val="FFFFFF"/>
-                </a:solidFill>
-              </a:defRPr>
-            </a:lvl5pPr>
-          </a:lstStyle>
-          <a:p>
-            <a:pPr lvl="0"/>
-            <a:r>
-              <a:rPr lang="en-US" dirty="0" smtClean="0"/>
-              <a:t>RESULT</a:t>
-            </a:r>
-          </a:p>
-        </p:txBody>
-      </p:sp>
-      <p:sp>
-        <p:nvSpPr>
-          <p:cNvPr id="5" name="Text Placeholder 4"/>
-          <p:cNvSpPr>
-            <a:spLocks noGrp="1"/>
-          </p:cNvSpPr>
-          <p:nvPr>
-            <p:ph type="body" sz="quarter" idx="11" hasCustomPrompt="1"/>
-          </p:nvPr>
-        </p:nvSpPr>
-        <p:spPr>
-          <a:xfrm>
-            <a:off x="1121104" y="1337149"/>
-            <a:ext cx="14422528" cy="729785"/>
-          </a:xfrm>
-          <a:prstGeom prst="rect">
-            <a:avLst/>
-          </a:prstGeom>
-          <a:solidFill>
-            <a:schemeClr val="tx2"/>
-          </a:solidFill>
-        </p:spPr>
-        <p:txBody>
-          <a:bodyPr lIns="91440" anchor="ctr" anchorCtr="0">
-            <a:noAutofit/>
-          </a:bodyPr>
-          <a:lstStyle>
-            <a:lvl1pPr marL="0" indent="0">
-              <a:lnSpc>
-                <a:spcPct val="100000"/>
-              </a:lnSpc>
-              <a:buNone/>
-              <a:defRPr sz="2800" b="1">
-                <a:solidFill>
-                  <a:schemeClr val="bg1"/>
-                </a:solidFill>
-                <a:latin typeface="Courier New"/>
-                <a:cs typeface="Courier New"/>
-              </a:defRPr>
-            </a:lvl1pPr>
-          </a:lstStyle>
-          <a:p>
-            <a:pPr lvl="0"/>
-            <a:r>
-              <a:rPr lang="en-US" dirty="0" smtClean="0"/>
-              <a:t>&gt; command</a:t>
-            </a:r>
-          </a:p>
-        </p:txBody>
-      </p:sp>
-      <p:sp>
-        <p:nvSpPr>
-          <p:cNvPr id="6" name="Content Placeholder 5"/>
-          <p:cNvSpPr>
-            <a:spLocks noGrp="1"/>
-          </p:cNvSpPr>
-          <p:nvPr>
-            <p:ph sz="quarter" idx="12" hasCustomPrompt="1"/>
-          </p:nvPr>
-        </p:nvSpPr>
-        <p:spPr>
-          <a:xfrm>
-            <a:off x="1127883" y="3228515"/>
-            <a:ext cx="14420850" cy="557213"/>
-          </a:xfrm>
-          <a:prstGeom prst="rect">
-            <a:avLst/>
-          </a:prstGeom>
-          <a:solidFill>
-            <a:schemeClr val="accent1">
-              <a:alpha val="60000"/>
-            </a:schemeClr>
-          </a:solidFill>
-          <a:ln>
-            <a:solidFill>
-              <a:schemeClr val="accent1">
-                <a:lumMod val="75000"/>
-              </a:schemeClr>
-            </a:solidFill>
-          </a:ln>
-        </p:spPr>
-        <p:txBody>
-          <a:bodyPr anchor="ctr">
-            <a:noAutofit/>
-          </a:bodyPr>
-          <a:lstStyle>
-            <a:lvl1pPr algn="l">
-              <a:defRPr sz="4200" baseline="0">
-                <a:solidFill>
-                  <a:schemeClr val="bg2"/>
-                </a:solidFill>
-                <a:latin typeface="Courier New"/>
-                <a:cs typeface="Courier New"/>
-              </a:defRPr>
-            </a:lvl1pPr>
-          </a:lstStyle>
-          <a:p>
-            <a:pPr lvl="0"/>
-            <a:r>
-              <a:rPr lang="en-US" dirty="0" smtClean="0"/>
-              <a:t> </a:t>
-            </a:r>
-          </a:p>
-        </p:txBody>
-      </p:sp>
-      <p:sp>
-        <p:nvSpPr>
-          <p:cNvPr id="2" name="Title 1"/>
-          <p:cNvSpPr>
-            <a:spLocks noGrp="1"/>
-          </p:cNvSpPr>
-          <p:nvPr>
-            <p:ph type="title"/>
-          </p:nvPr>
-        </p:nvSpPr>
-        <p:spPr/>
-        <p:txBody>
-          <a:bodyPr>
-            <a:normAutofit/>
-          </a:bodyPr>
-          <a:lstStyle>
-            <a:lvl1pPr>
-              <a:defRPr sz="5870"/>
-            </a:lvl1pPr>
-          </a:lstStyle>
-          <a:p>
-            <a:r>
-              <a:rPr lang="en-US" smtClean="0"/>
-              <a:t>Click to edit Master title style</a:t>
-            </a:r>
-            <a:endParaRPr lang="en-US" dirty="0"/>
-          </a:p>
-        </p:txBody>
-      </p:sp>
-    </p:spTree>
-    <p:extLst>
-      <p:ext uri="{BB962C8B-B14F-4D97-AF65-F5344CB8AC3E}">
-        <p14:creationId xmlns:p14="http://schemas.microsoft.com/office/powerpoint/2010/main" val="3243204036"/>
-      </p:ext>
-    </p:extLst>
-  </p:cSld>
-  <p:clrMapOvr>
-    <a:overrideClrMapping bg1="lt1" tx1="dk1" bg2="lt2" tx2="dk2" accent1="accent1" accent2="accent2" accent3="accent3" accent4="accent4" accent5="accent5" accent6="accent6" hlink="hlink" folHlink="folHlink"/>
-  </p:clrMapOvr>
-  <p:transition xmlns:p14="http://schemas.microsoft.com/office/powerpoint/2010/main" spd="med">
+  <p:transition spd="med">
     <p:fade/>
   </p:transition>
 </p:sldLayout>
@@ -15009,14 +13576,14 @@
           </a:ln>
           <a:extLst>
             <a:ext uri="{909E8E84-426E-40dd-AFC4-6F175D3DCCD1}">
-              <a14:hiddenFill xmlns:a14="http://schemas.microsoft.com/office/drawing/2010/main">
+              <a14:hiddenFill xmlns:a14="http://schemas.microsoft.com/office/drawing/2010/main" xmlns="">
                 <a:solidFill>
                   <a:srgbClr val="FFFFFF"/>
                 </a:solidFill>
               </a14:hiddenFill>
             </a:ext>
             <a:ext uri="{91240B29-F687-4f45-9708-019B960494DF}">
-              <a14:hiddenLine xmlns:a14="http://schemas.microsoft.com/office/drawing/2010/main" w="9525">
+              <a14:hiddenLine xmlns:a14="http://schemas.microsoft.com/office/drawing/2010/main" xmlns="" w="9525">
                 <a:solidFill>
                   <a:srgbClr val="000000"/>
                 </a:solidFill>
@@ -15257,7 +13824,7 @@
   <p:clrMapOvr>
     <a:overrideClrMapping bg1="lt1" tx1="dk1" bg2="lt2" tx2="dk2" accent1="accent1" accent2="accent2" accent3="accent3" accent4="accent4" accent5="accent5" accent6="accent6" hlink="hlink" folHlink="folHlink"/>
   </p:clrMapOvr>
-  <p:transition xmlns:p14="http://schemas.microsoft.com/office/powerpoint/2010/main" spd="med">
+  <p:transition spd="med">
     <p:fade/>
   </p:transition>
 </p:sldLayout>
@@ -15463,7 +14030,7 @@
   <p:clrMapOvr>
     <a:overrideClrMapping bg1="lt1" tx1="dk1" bg2="lt2" tx2="dk2" accent1="accent1" accent2="accent2" accent3="accent3" accent4="accent4" accent5="accent5" accent6="accent6" hlink="hlink" folHlink="folHlink"/>
   </p:clrMapOvr>
-  <p:transition xmlns:p14="http://schemas.microsoft.com/office/powerpoint/2010/main" spd="med">
+  <p:transition spd="med">
     <p:fade/>
   </p:transition>
 </p:sldLayout>
@@ -15539,14 +14106,14 @@
           </a:ln>
           <a:extLst>
             <a:ext uri="{909E8E84-426E-40dd-AFC4-6F175D3DCCD1}">
-              <a14:hiddenFill xmlns:a14="http://schemas.microsoft.com/office/drawing/2010/main">
+              <a14:hiddenFill xmlns:a14="http://schemas.microsoft.com/office/drawing/2010/main" xmlns="">
                 <a:solidFill>
                   <a:srgbClr val="FFFFFF"/>
                 </a:solidFill>
               </a14:hiddenFill>
             </a:ext>
             <a:ext uri="{91240B29-F687-4f45-9708-019B960494DF}">
-              <a14:hiddenLine xmlns:a14="http://schemas.microsoft.com/office/drawing/2010/main" w="9525">
+              <a14:hiddenLine xmlns:a14="http://schemas.microsoft.com/office/drawing/2010/main" xmlns="" w="9525">
                 <a:solidFill>
                   <a:srgbClr val="000000"/>
                 </a:solidFill>
@@ -15794,7 +14361,7 @@
   <p:clrMapOvr>
     <a:overrideClrMapping bg1="lt1" tx1="dk1" bg2="lt2" tx2="dk2" accent1="accent1" accent2="accent2" accent3="accent3" accent4="accent4" accent5="accent5" accent6="accent6" hlink="hlink" folHlink="folHlink"/>
   </p:clrMapOvr>
-  <p:transition xmlns:p14="http://schemas.microsoft.com/office/powerpoint/2010/main" spd="med">
+  <p:transition spd="med">
     <p:fade/>
   </p:transition>
 </p:sldLayout>
@@ -16002,7 +14569,7 @@
   <p:clrMapOvr>
     <a:overrideClrMapping bg1="lt1" tx1="dk1" bg2="lt2" tx2="dk2" accent1="accent1" accent2="accent2" accent3="accent3" accent4="accent4" accent5="accent5" accent6="accent6" hlink="hlink" folHlink="folHlink"/>
   </p:clrMapOvr>
-  <p:transition xmlns:p14="http://schemas.microsoft.com/office/powerpoint/2010/main" spd="med">
+  <p:transition spd="med">
     <p:fade/>
   </p:transition>
 </p:sldLayout>
@@ -16078,14 +14645,14 @@
           </a:ln>
           <a:extLst>
             <a:ext uri="{909E8E84-426E-40dd-AFC4-6F175D3DCCD1}">
-              <a14:hiddenFill xmlns:a14="http://schemas.microsoft.com/office/drawing/2010/main">
+              <a14:hiddenFill xmlns:a14="http://schemas.microsoft.com/office/drawing/2010/main" xmlns="">
                 <a:solidFill>
                   <a:srgbClr val="FFFFFF"/>
                 </a:solidFill>
               </a14:hiddenFill>
             </a:ext>
             <a:ext uri="{91240B29-F687-4f45-9708-019B960494DF}">
-              <a14:hiddenLine xmlns:a14="http://schemas.microsoft.com/office/drawing/2010/main" w="9525">
+              <a14:hiddenLine xmlns:a14="http://schemas.microsoft.com/office/drawing/2010/main" xmlns="" w="9525">
                 <a:solidFill>
                   <a:srgbClr val="000000"/>
                 </a:solidFill>
@@ -16353,7 +14920,7 @@
   <p:clrMapOvr>
     <a:overrideClrMapping bg1="lt1" tx1="dk1" bg2="lt2" tx2="dk2" accent1="accent1" accent2="accent2" accent3="accent3" accent4="accent4" accent5="accent5" accent6="accent6" hlink="hlink" folHlink="folHlink"/>
   </p:clrMapOvr>
-  <p:transition xmlns:p14="http://schemas.microsoft.com/office/powerpoint/2010/main" spd="med">
+  <p:transition spd="med">
     <p:fade/>
   </p:transition>
 </p:sldLayout>
@@ -16581,7 +15148,7 @@
   <p:clrMapOvr>
     <a:overrideClrMapping bg1="lt1" tx1="dk1" bg2="lt2" tx2="dk2" accent1="accent1" accent2="accent2" accent3="accent3" accent4="accent4" accent5="accent5" accent6="accent6" hlink="hlink" folHlink="folHlink"/>
   </p:clrMapOvr>
-  <p:transition xmlns:p14="http://schemas.microsoft.com/office/powerpoint/2010/main" spd="med">
+  <p:transition spd="med">
     <p:fade/>
   </p:transition>
 </p:sldLayout>
@@ -16869,7 +15436,7 @@
   <p:clrMapOvr>
     <a:overrideClrMapping bg1="lt1" tx1="dk1" bg2="lt2" tx2="dk2" accent1="accent1" accent2="accent2" accent3="accent3" accent4="accent4" accent5="accent5" accent6="accent6" hlink="hlink" folHlink="folHlink"/>
   </p:clrMapOvr>
-  <p:transition xmlns:p14="http://schemas.microsoft.com/office/powerpoint/2010/main" spd="med">
+  <p:transition spd="med">
     <p:fade/>
   </p:transition>
 </p:sldLayout>
@@ -16999,7 +15566,7 @@
           <p:nvPr/>
         </p:nvPicPr>
         <p:blipFill>
-          <a:blip r:embed="rId16">
+          <a:blip r:embed="rId14">
             <a:extLst>
               <a:ext uri="{28A0092B-C50C-407E-A947-70E740481C1C}">
                 <a14:useLocalDpi xmlns:a14="http://schemas.microsoft.com/office/drawing/2010/main" val="0"/>
@@ -17025,14 +15592,14 @@
           </a:ln>
           <a:extLst>
             <a:ext uri="{909E8E84-426E-40dd-AFC4-6F175D3DCCD1}">
-              <a14:hiddenFill xmlns:a14="http://schemas.microsoft.com/office/drawing/2010/main">
+              <a14:hiddenFill xmlns:a14="http://schemas.microsoft.com/office/drawing/2010/main" xmlns="">
                 <a:solidFill>
                   <a:srgbClr val="FFFFFF"/>
                 </a:solidFill>
               </a14:hiddenFill>
             </a:ext>
             <a:ext uri="{91240B29-F687-4f45-9708-019B960494DF}">
-              <a14:hiddenLine xmlns:a14="http://schemas.microsoft.com/office/drawing/2010/main" w="9525">
+              <a14:hiddenLine xmlns:a14="http://schemas.microsoft.com/office/drawing/2010/main" xmlns="" w="9525">
                 <a:solidFill>
                   <a:srgbClr val="000000"/>
                 </a:solidFill>
@@ -17210,7 +15777,7 @@
                 <a:ea typeface="+mn-ea"/>
                 <a:cs typeface="+mn-cs"/>
               </a:rPr>
-              <a:t>3</a:t>
+              <a:t>4</a:t>
             </a:r>
             <a:r>
               <a:rPr lang="en-US" dirty="0" smtClean="0">
@@ -17224,7 +15791,7 @@
               <a:t>-</a:t>
             </a:r>
             <a:fld id="{F0B79B2F-E1DD-4D43-95B3-EA08C411D807}" type="slidenum">
-              <a:rPr lang="en-US">
+              <a:rPr lang="en-US" smtClean="0">
                 <a:solidFill>
                   <a:srgbClr val="7F7F7F"/>
                 </a:solidFill>
@@ -17270,16 +15837,14 @@
     <p:sldLayoutId id="2147483840" r:id="rId10"/>
     <p:sldLayoutId id="2147483841" r:id="rId11"/>
     <p:sldLayoutId id="2147483843" r:id="rId12"/>
-    <p:sldLayoutId id="2147483867" r:id="rId13"/>
-    <p:sldLayoutId id="2147483870" r:id="rId14"/>
   </p:sldLayoutIdLst>
-  <p:transition xmlns:p14="http://schemas.microsoft.com/office/powerpoint/2010/main" spd="med">
+  <p:transition spd="med">
     <p:fade/>
   </p:transition>
   <p:timing>
     <p:tnLst>
       <p:par>
-        <p:cTn xmlns:p14="http://schemas.microsoft.com/office/powerpoint/2010/main" id="1" dur="indefinite" restart="never" nodeType="tmRoot"/>
+        <p:cTn id="1" dur="indefinite" restart="never" nodeType="tmRoot"/>
       </p:par>
     </p:tnLst>
   </p:timing>
@@ -17781,7 +16346,7 @@
           <p:nvPr/>
         </p:nvPicPr>
         <p:blipFill>
-          <a:blip r:embed="rId12">
+          <a:blip r:embed="rId10">
             <a:extLst>
               <a:ext uri="{28A0092B-C50C-407E-A947-70E740481C1C}">
                 <a14:useLocalDpi xmlns:a14="http://schemas.microsoft.com/office/drawing/2010/main" val="0"/>
@@ -17807,14 +16372,14 @@
           </a:ln>
           <a:extLst>
             <a:ext uri="{909E8E84-426E-40dd-AFC4-6F175D3DCCD1}">
-              <a14:hiddenFill xmlns:a14="http://schemas.microsoft.com/office/drawing/2010/main">
+              <a14:hiddenFill xmlns:a14="http://schemas.microsoft.com/office/drawing/2010/main" xmlns="">
                 <a:solidFill>
                   <a:srgbClr val="FFFFFF"/>
                 </a:solidFill>
               </a14:hiddenFill>
             </a:ext>
             <a:ext uri="{91240B29-F687-4f45-9708-019B960494DF}">
-              <a14:hiddenLine xmlns:a14="http://schemas.microsoft.com/office/drawing/2010/main" w="9525">
+              <a14:hiddenLine xmlns:a14="http://schemas.microsoft.com/office/drawing/2010/main" xmlns="" w="9525">
                 <a:solidFill>
                   <a:srgbClr val="000000"/>
                 </a:solidFill>
@@ -17947,17 +16512,6 @@
               <a:defRPr/>
             </a:pPr>
             <a:r>
-              <a:rPr lang="en-US" dirty="0">
-                <a:solidFill>
-                  <a:srgbClr val="7F7F7F"/>
-                </a:solidFill>
-                <a:latin typeface="+mn-lt"/>
-                <a:ea typeface="+mn-ea"/>
-                <a:cs typeface="+mn-cs"/>
-              </a:rPr>
-              <a:t>3</a:t>
-            </a:r>
-            <a:r>
               <a:rPr lang="en-US" dirty="0" smtClean="0">
                 <a:solidFill>
                   <a:srgbClr val="7F7F7F"/>
@@ -17966,10 +16520,10 @@
                 <a:ea typeface="+mn-ea"/>
                 <a:cs typeface="+mn-cs"/>
               </a:rPr>
-              <a:t>-</a:t>
+              <a:t>4-</a:t>
             </a:r>
             <a:fld id="{F0B79B2F-E1DD-4D43-95B3-EA08C411D807}" type="slidenum">
-              <a:rPr lang="en-US">
+              <a:rPr lang="en-US" smtClean="0">
                 <a:solidFill>
                   <a:srgbClr val="7F7F7F"/>
                 </a:solidFill>
@@ -18123,16 +16677,14 @@
     <p:sldLayoutId id="2147483855" r:id="rId6"/>
     <p:sldLayoutId id="2147483856" r:id="rId7"/>
     <p:sldLayoutId id="2147483866" r:id="rId8"/>
-    <p:sldLayoutId id="2147483868" r:id="rId9"/>
-    <p:sldLayoutId id="2147483869" r:id="rId10"/>
   </p:sldLayoutIdLst>
-  <p:transition xmlns:p14="http://schemas.microsoft.com/office/powerpoint/2010/main" spd="med">
+  <p:transition spd="med">
     <p:fade/>
   </p:transition>
   <p:timing>
     <p:tnLst>
       <p:par>
-        <p:cTn xmlns:p14="http://schemas.microsoft.com/office/powerpoint/2010/main" id="1" dur="indefinite" restart="never" nodeType="tmRoot"/>
+        <p:cTn id="1" dur="indefinite" restart="never" nodeType="tmRoot"/>
       </p:par>
     </p:tnLst>
   </p:timing>
@@ -18626,13 +17178,13 @@
   <p:clrMapOvr>
     <a:masterClrMapping/>
   </p:clrMapOvr>
-  <p:transition xmlns:p14="http://schemas.microsoft.com/office/powerpoint/2010/main" spd="med">
+  <p:transition spd="med">
     <p:fade/>
   </p:transition>
   <p:timing>
     <p:tnLst>
       <p:par>
-        <p:cTn xmlns:p14="http://schemas.microsoft.com/office/powerpoint/2010/main" id="1" dur="indefinite" restart="never" nodeType="tmRoot"/>
+        <p:cTn id="1" dur="indefinite" restart="never" nodeType="tmRoot"/>
       </p:par>
     </p:tnLst>
   </p:timing>
@@ -18764,11 +17316,7 @@
             </a:r>
             <a:r>
               <a:rPr lang="en-US" sz="2000" dirty="0" smtClean="0"/>
-              <a:t>/apache/</a:t>
-            </a:r>
-            <a:r>
-              <a:rPr lang="en-US" sz="2000" dirty="0" smtClean="0"/>
-              <a:t>admins/html')</a:t>
+              <a:t>/apache/admins/html')</a:t>
             </a:r>
             <a:endParaRPr lang="en-US" sz="2000" dirty="0"/>
           </a:p>
@@ -18913,11 +17461,7 @@
             </a:r>
             <a:r>
               <a:rPr lang="en-US" sz="2000" dirty="0" smtClean="0"/>
-              <a:t>/apache/</a:t>
-            </a:r>
-            <a:r>
-              <a:rPr lang="en-US" sz="2000" dirty="0" smtClean="0"/>
-              <a:t>admins/html/</a:t>
+              <a:t>/apache/admins/html/</a:t>
             </a:r>
             <a:r>
               <a:rPr lang="en-US" sz="2000" dirty="0" err="1" smtClean="0"/>
@@ -18978,11 +17522,7 @@
           <a:p>
             <a:r>
               <a:rPr lang="en-US" dirty="0" smtClean="0"/>
-              <a:t>~</a:t>
-            </a:r>
-            <a:r>
-              <a:rPr lang="en-US" dirty="0" smtClean="0"/>
-              <a:t>/</a:t>
+              <a:t>~/</a:t>
             </a:r>
             <a:r>
               <a:rPr lang="en-US" dirty="0" err="1" smtClean="0"/>
@@ -18990,11 +17530,7 @@
             </a:r>
             <a:r>
               <a:rPr lang="en-US" dirty="0" smtClean="0"/>
-              <a:t>/</a:t>
-            </a:r>
-            <a:r>
-              <a:rPr lang="en-US" dirty="0" smtClean="0"/>
-              <a:t>spec/unit/recipes/</a:t>
+              <a:t>/spec/unit/recipes/</a:t>
             </a:r>
             <a:r>
               <a:rPr lang="en-US" dirty="0" err="1" smtClean="0"/>
@@ -19014,13 +17550,13 @@
   <p:clrMapOvr>
     <a:masterClrMapping/>
   </p:clrMapOvr>
-  <p:transition xmlns:p14="http://schemas.microsoft.com/office/powerpoint/2010/main" spd="med">
+  <p:transition spd="med">
     <p:fade/>
   </p:transition>
   <p:timing>
     <p:tnLst>
       <p:par>
-        <p:cTn xmlns:p14="http://schemas.microsoft.com/office/powerpoint/2010/main" id="1" dur="indefinite" restart="never" nodeType="tmRoot"/>
+        <p:cTn id="1" dur="indefinite" restart="never" nodeType="tmRoot"/>
       </p:par>
     </p:tnLst>
   </p:timing>
@@ -19112,11 +17648,7 @@
           <a:p>
             <a:r>
               <a:rPr lang="en-US" sz="2000" dirty="0" smtClean="0"/>
-              <a:t>end # describe </a:t>
-            </a:r>
-            <a:r>
-              <a:rPr lang="en-US" sz="2000" dirty="0" smtClean="0"/>
-              <a:t>'</a:t>
+              <a:t>end # describe '</a:t>
             </a:r>
             <a:r>
               <a:rPr lang="en-US" sz="2000" dirty="0" err="1" smtClean="0"/>
@@ -19124,11 +17656,7 @@
             </a:r>
             <a:r>
               <a:rPr lang="en-US" sz="2000" dirty="0" smtClean="0"/>
-              <a:t>:</a:t>
-            </a:r>
-            <a:r>
-              <a:rPr lang="en-US" sz="2000" dirty="0" smtClean="0"/>
-              <a:t>:default</a:t>
+              <a:t>::default</a:t>
             </a:r>
             <a:r>
               <a:rPr lang="en-US" sz="2000" dirty="0"/>
@@ -19155,11 +17683,7 @@
           <a:p>
             <a:r>
               <a:rPr lang="en-US" dirty="0" smtClean="0"/>
-              <a:t>~</a:t>
-            </a:r>
-            <a:r>
-              <a:rPr lang="en-US" dirty="0" smtClean="0"/>
-              <a:t>/</a:t>
+              <a:t>~/</a:t>
             </a:r>
             <a:r>
               <a:rPr lang="en-US" dirty="0" err="1" smtClean="0"/>
@@ -19167,11 +17691,7 @@
             </a:r>
             <a:r>
               <a:rPr lang="en-US" dirty="0" smtClean="0"/>
-              <a:t>/</a:t>
-            </a:r>
-            <a:r>
-              <a:rPr lang="en-US" dirty="0" smtClean="0"/>
-              <a:t>spec/unit/recipes/</a:t>
+              <a:t>/spec/unit/recipes/</a:t>
             </a:r>
             <a:r>
               <a:rPr lang="en-US" dirty="0" err="1" smtClean="0"/>
@@ -19191,13 +17711,13 @@
   <p:clrMapOvr>
     <a:masterClrMapping/>
   </p:clrMapOvr>
-  <p:transition xmlns:p14="http://schemas.microsoft.com/office/powerpoint/2010/main" spd="med">
+  <p:transition spd="med">
     <p:fade/>
   </p:transition>
   <p:timing>
     <p:tnLst>
       <p:par>
-        <p:cTn xmlns:p14="http://schemas.microsoft.com/office/powerpoint/2010/main" id="1" dur="indefinite" restart="never" nodeType="tmRoot"/>
+        <p:cTn id="1" dur="indefinite" restart="never" nodeType="tmRoot"/>
       </p:par>
     </p:tnLst>
   </p:timing>
@@ -19255,7 +17775,6 @@
               <a:rPr lang="en-US" dirty="0"/>
               <a:t>8 examples, 0 failures</a:t>
             </a:r>
-            <a:endParaRPr lang="en-US" dirty="0"/>
           </a:p>
         </p:txBody>
       </p:sp>
@@ -19319,7 +17838,7 @@
   <p:clrMapOvr>
     <a:masterClrMapping/>
   </p:clrMapOvr>
-  <p:transition xmlns:p14="http://schemas.microsoft.com/office/powerpoint/2010/main" spd="med">
+  <p:transition spd="med">
     <p:fade/>
   </p:transition>
 </p:sld>
@@ -19460,13 +17979,13 @@
   <p:clrMapOvr>
     <a:masterClrMapping/>
   </p:clrMapOvr>
-  <p:transition xmlns:p14="http://schemas.microsoft.com/office/powerpoint/2010/main" spd="med">
+  <p:transition spd="med">
     <p:fade/>
   </p:transition>
   <p:timing>
     <p:tnLst>
       <p:par>
-        <p:cTn xmlns:p14="http://schemas.microsoft.com/office/powerpoint/2010/main" id="1" dur="indefinite" restart="never" nodeType="tmRoot"/>
+        <p:cTn id="1" dur="indefinite" restart="never" nodeType="tmRoot"/>
       </p:par>
     </p:tnLst>
   </p:timing>
@@ -19712,11 +18231,7 @@
           <a:p>
             <a:r>
               <a:rPr lang="en-US" dirty="0" smtClean="0"/>
-              <a:t>~</a:t>
-            </a:r>
-            <a:r>
-              <a:rPr lang="en-US" dirty="0" smtClean="0"/>
-              <a:t>/</a:t>
+              <a:t>~/</a:t>
             </a:r>
             <a:r>
               <a:rPr lang="en-US" dirty="0" err="1" smtClean="0"/>
@@ -19724,11 +18239,7 @@
             </a:r>
             <a:r>
               <a:rPr lang="en-US" dirty="0" smtClean="0"/>
-              <a:t>/</a:t>
-            </a:r>
-            <a:r>
-              <a:rPr lang="en-US" dirty="0" smtClean="0"/>
-              <a:t>recipes/</a:t>
+              <a:t>/recipes/</a:t>
             </a:r>
             <a:r>
               <a:rPr lang="en-US" dirty="0" err="1" smtClean="0"/>
@@ -19748,7 +18259,7 @@
   <p:clrMapOvr>
     <a:masterClrMapping/>
   </p:clrMapOvr>
-  <p:transition xmlns:p14="http://schemas.microsoft.com/office/powerpoint/2010/main" spd="med">
+  <p:transition spd="med">
     <p:fade/>
   </p:transition>
 </p:sld>
@@ -19999,11 +18510,7 @@
             </a:r>
             <a:r>
               <a:rPr lang="en-US" sz="2000" dirty="0" smtClean="0"/>
-              <a:t>'</a:t>
-            </a:r>
-            <a:r>
-              <a:rPr lang="en-US" sz="2000" dirty="0" smtClean="0"/>
-              <a:t>/</a:t>
+              <a:t>'/</a:t>
             </a:r>
             <a:r>
               <a:rPr lang="en-US" sz="2000" dirty="0" err="1" smtClean="0"/>
@@ -20011,15 +18518,7 @@
             </a:r>
             <a:r>
               <a:rPr lang="en-US" sz="2000" dirty="0" smtClean="0"/>
-              <a:t>/apache/admins/html', </a:t>
-            </a:r>
-            <a:r>
-              <a:rPr lang="en-US" sz="2000" dirty="0" smtClean="0"/>
-              <a:t>port: </a:t>
-            </a:r>
-            <a:r>
-              <a:rPr lang="en-US" sz="2000" dirty="0" smtClean="0"/>
-              <a:t>8080)</a:t>
+              <a:t>/apache/admins/html', port: 8080)</a:t>
             </a:r>
             <a:endParaRPr lang="en-US" sz="2000" dirty="0"/>
           </a:p>
@@ -20158,11 +18657,7 @@
           <a:p>
             <a:r>
               <a:rPr lang="en-US" dirty="0" smtClean="0"/>
-              <a:t>~</a:t>
-            </a:r>
-            <a:r>
-              <a:rPr lang="en-US" dirty="0" smtClean="0"/>
-              <a:t>/</a:t>
+              <a:t>~/</a:t>
             </a:r>
             <a:r>
               <a:rPr lang="en-US" dirty="0" err="1" smtClean="0"/>
@@ -20170,11 +18665,7 @@
             </a:r>
             <a:r>
               <a:rPr lang="en-US" dirty="0" smtClean="0"/>
-              <a:t>/</a:t>
-            </a:r>
-            <a:r>
-              <a:rPr lang="en-US" dirty="0" smtClean="0"/>
-              <a:t>recipes/</a:t>
+              <a:t>/recipes/</a:t>
             </a:r>
             <a:r>
               <a:rPr lang="en-US" dirty="0" err="1" smtClean="0"/>
@@ -20194,13 +18685,13 @@
   <p:clrMapOvr>
     <a:masterClrMapping/>
   </p:clrMapOvr>
-  <p:transition xmlns:p14="http://schemas.microsoft.com/office/powerpoint/2010/main" spd="med">
+  <p:transition spd="med">
     <p:fade/>
   </p:transition>
   <p:timing>
     <p:tnLst>
       <p:par>
-        <p:cTn xmlns:p14="http://schemas.microsoft.com/office/powerpoint/2010/main" id="1" dur="indefinite" restart="never" nodeType="tmRoot"/>
+        <p:cTn id="1" dur="indefinite" restart="never" nodeType="tmRoot"/>
       </p:par>
     </p:tnLst>
   </p:timing>
@@ -20358,11 +18849,7 @@
           <a:p>
             <a:r>
               <a:rPr lang="en-US" dirty="0" smtClean="0"/>
-              <a:t>~</a:t>
-            </a:r>
-            <a:r>
-              <a:rPr lang="en-US" dirty="0" smtClean="0"/>
-              <a:t>/</a:t>
+              <a:t>~/</a:t>
             </a:r>
             <a:r>
               <a:rPr lang="en-US" dirty="0" err="1" smtClean="0"/>
@@ -20370,11 +18857,7 @@
             </a:r>
             <a:r>
               <a:rPr lang="en-US" dirty="0" smtClean="0"/>
-              <a:t>/</a:t>
-            </a:r>
-            <a:r>
-              <a:rPr lang="en-US" dirty="0" smtClean="0"/>
-              <a:t>recipes/</a:t>
+              <a:t>/recipes/</a:t>
             </a:r>
             <a:r>
               <a:rPr lang="en-US" dirty="0" err="1" smtClean="0"/>
@@ -20394,13 +18877,13 @@
   <p:clrMapOvr>
     <a:masterClrMapping/>
   </p:clrMapOvr>
-  <p:transition xmlns:p14="http://schemas.microsoft.com/office/powerpoint/2010/main" spd="med">
+  <p:transition spd="med">
     <p:fade/>
   </p:transition>
   <p:timing>
     <p:tnLst>
       <p:par>
-        <p:cTn xmlns:p14="http://schemas.microsoft.com/office/powerpoint/2010/main" id="1" dur="indefinite" restart="never" nodeType="tmRoot"/>
+        <p:cTn id="1" dur="indefinite" restart="never" nodeType="tmRoot"/>
       </p:par>
     </p:tnLst>
   </p:timing>
@@ -20542,13 +19025,13 @@
   <p:clrMapOvr>
     <a:masterClrMapping/>
   </p:clrMapOvr>
-  <p:transition xmlns:p14="http://schemas.microsoft.com/office/powerpoint/2010/main" spd="med">
+  <p:transition spd="med">
     <p:fade/>
   </p:transition>
   <p:timing>
     <p:tnLst>
       <p:par>
-        <p:cTn xmlns:p14="http://schemas.microsoft.com/office/powerpoint/2010/main" id="1" dur="indefinite" restart="never" nodeType="tmRoot"/>
+        <p:cTn id="1" dur="indefinite" restart="never" nodeType="tmRoot"/>
       </p:par>
     </p:tnLst>
   </p:timing>
@@ -20673,13 +19156,13 @@
   <p:clrMapOvr>
     <a:masterClrMapping/>
   </p:clrMapOvr>
-  <p:transition xmlns:p14="http://schemas.microsoft.com/office/powerpoint/2010/main" spd="med">
+  <p:transition spd="med">
     <p:fade/>
   </p:transition>
   <p:timing>
     <p:tnLst>
       <p:par>
-        <p:cTn xmlns:p14="http://schemas.microsoft.com/office/powerpoint/2010/main" id="1" dur="indefinite" restart="never" nodeType="tmRoot"/>
+        <p:cTn id="1" dur="indefinite" restart="never" nodeType="tmRoot"/>
       </p:par>
     </p:tnLst>
   </p:timing>
@@ -21056,7 +19539,7 @@
   <p:clrMapOvr>
     <a:masterClrMapping/>
   </p:clrMapOvr>
-  <p:transition xmlns:p14="http://schemas.microsoft.com/office/powerpoint/2010/main" spd="med">
+  <p:transition spd="med">
     <p:fade/>
   </p:transition>
 </p:sld>
@@ -21186,13 +19669,13 @@
   <p:clrMapOvr>
     <a:masterClrMapping/>
   </p:clrMapOvr>
-  <p:transition xmlns:p14="http://schemas.microsoft.com/office/powerpoint/2010/main" spd="med">
+  <p:transition spd="med">
     <p:fade/>
   </p:transition>
   <p:timing>
     <p:tnLst>
       <p:par>
-        <p:cTn xmlns:p14="http://schemas.microsoft.com/office/powerpoint/2010/main" id="1" dur="indefinite" restart="never" nodeType="tmRoot"/>
+        <p:cTn id="1" dur="indefinite" restart="never" nodeType="tmRoot"/>
       </p:par>
     </p:tnLst>
   </p:timing>
@@ -21307,7 +19790,7 @@
   <p:clrMapOvr>
     <a:masterClrMapping/>
   </p:clrMapOvr>
-  <p:transition xmlns:p14="http://schemas.microsoft.com/office/powerpoint/2010/main" spd="med">
+  <p:transition spd="med">
     <p:fade/>
   </p:transition>
 </p:sld>
@@ -21402,11 +19885,7 @@
           <a:p>
             <a:r>
               <a:rPr lang="en-US" dirty="0" smtClean="0"/>
-              <a:t>~</a:t>
-            </a:r>
-            <a:r>
-              <a:rPr lang="en-US" dirty="0" smtClean="0"/>
-              <a:t>/</a:t>
+              <a:t>~/</a:t>
             </a:r>
             <a:r>
               <a:rPr lang="en-US" dirty="0" err="1" smtClean="0"/>
@@ -21414,11 +19893,7 @@
             </a:r>
             <a:r>
               <a:rPr lang="en-US" dirty="0" smtClean="0"/>
-              <a:t>/</a:t>
-            </a:r>
-            <a:r>
-              <a:rPr lang="en-US" dirty="0" smtClean="0"/>
-              <a:t>resources/</a:t>
+              <a:t>/resources/</a:t>
             </a:r>
             <a:r>
               <a:rPr lang="en-US" dirty="0" err="1" smtClean="0"/>
@@ -21462,7 +19937,7 @@
   <p:clrMapOvr>
     <a:masterClrMapping/>
   </p:clrMapOvr>
-  <p:transition xmlns:p14="http://schemas.microsoft.com/office/powerpoint/2010/main" spd="med">
+  <p:transition spd="med">
     <p:fade/>
   </p:transition>
 </p:sld>
@@ -21700,15 +20175,7 @@
             </a:r>
             <a:r>
               <a:rPr lang="en-US" sz="2000" dirty="0" smtClean="0"/>
-              <a:t>: </a:t>
-            </a:r>
-            <a:r>
-              <a:rPr lang="en-US" sz="2000" dirty="0" smtClean="0"/>
-              <a:t>'</a:t>
-            </a:r>
-            <a:r>
-              <a:rPr lang="en-US" sz="2000" dirty="0" smtClean="0"/>
-              <a:t>/</a:t>
+              <a:t>: '/</a:t>
             </a:r>
             <a:r>
               <a:rPr lang="en-US" sz="2000" dirty="0" err="1" smtClean="0"/>
@@ -21720,23 +20187,11 @@
             </a:r>
             <a:r>
               <a:rPr lang="en-US" sz="2000" dirty="0" err="1" smtClean="0"/>
-              <a:t>html'</a:t>
-            </a:r>
-            <a:r>
-              <a:rPr lang="en-US" sz="2000" dirty="0" err="1" smtClean="0"/>
-              <a:t>,port</a:t>
+              <a:t>html',port</a:t>
             </a:r>
             <a:r>
               <a:rPr lang="en-US" sz="2000" dirty="0" smtClean="0"/>
-              <a:t>: </a:t>
-            </a:r>
-            <a:r>
-              <a:rPr lang="en-US" sz="2000" dirty="0" smtClean="0"/>
-              <a:t>8080</a:t>
-            </a:r>
-            <a:r>
-              <a:rPr lang="en-US" sz="2000" dirty="0" smtClean="0"/>
-              <a:t>)</a:t>
+              <a:t>: 8080)</a:t>
             </a:r>
             <a:endParaRPr lang="en-US" sz="2000" dirty="0"/>
           </a:p>
@@ -21875,11 +20330,7 @@
           <a:p>
             <a:r>
               <a:rPr lang="en-US" dirty="0" smtClean="0"/>
-              <a:t>~</a:t>
-            </a:r>
-            <a:r>
-              <a:rPr lang="en-US" dirty="0" smtClean="0"/>
-              <a:t>/</a:t>
+              <a:t>~/</a:t>
             </a:r>
             <a:r>
               <a:rPr lang="en-US" dirty="0" err="1" smtClean="0"/>
@@ -21887,11 +20338,7 @@
             </a:r>
             <a:r>
               <a:rPr lang="en-US" dirty="0" smtClean="0"/>
-              <a:t>/</a:t>
-            </a:r>
-            <a:r>
-              <a:rPr lang="en-US" dirty="0" smtClean="0"/>
-              <a:t>resources/</a:t>
+              <a:t>/resources/</a:t>
             </a:r>
             <a:r>
               <a:rPr lang="en-US" dirty="0" err="1" smtClean="0"/>
@@ -21935,7 +20382,7 @@
   <p:clrMapOvr>
     <a:masterClrMapping/>
   </p:clrMapOvr>
-  <p:transition xmlns:p14="http://schemas.microsoft.com/office/powerpoint/2010/main" spd="med">
+  <p:transition spd="med">
     <p:fade/>
   </p:transition>
 </p:sld>
@@ -22268,11 +20715,7 @@
           <a:p>
             <a:r>
               <a:rPr lang="en-US" dirty="0" smtClean="0"/>
-              <a:t>~</a:t>
-            </a:r>
-            <a:r>
-              <a:rPr lang="en-US" dirty="0" smtClean="0"/>
-              <a:t>/</a:t>
+              <a:t>~/</a:t>
             </a:r>
             <a:r>
               <a:rPr lang="en-US" dirty="0" err="1" smtClean="0"/>
@@ -22280,11 +20723,7 @@
             </a:r>
             <a:r>
               <a:rPr lang="en-US" dirty="0" smtClean="0"/>
-              <a:t>/</a:t>
-            </a:r>
-            <a:r>
-              <a:rPr lang="en-US" dirty="0" smtClean="0"/>
-              <a:t>recipes/</a:t>
+              <a:t>/recipes/</a:t>
             </a:r>
             <a:r>
               <a:rPr lang="en-US" dirty="0" err="1" smtClean="0"/>
@@ -22328,7 +20767,7 @@
   <p:clrMapOvr>
     <a:masterClrMapping/>
   </p:clrMapOvr>
-  <p:transition xmlns:p14="http://schemas.microsoft.com/office/powerpoint/2010/main" spd="med">
+  <p:transition spd="med">
     <p:fade/>
   </p:transition>
 </p:sld>
@@ -22498,15 +20937,7 @@
             </a:r>
             <a:r>
               <a:rPr lang="en-US" sz="2000" dirty="0" smtClean="0"/>
-              <a:t>: </a:t>
-            </a:r>
-            <a:r>
-              <a:rPr lang="en-US" sz="2000" dirty="0" smtClean="0"/>
-              <a:t>'</a:t>
-            </a:r>
-            <a:r>
-              <a:rPr lang="en-US" sz="2000" dirty="0" smtClean="0"/>
-              <a:t>/</a:t>
+              <a:t>: '/</a:t>
             </a:r>
             <a:r>
               <a:rPr lang="en-US" sz="2000" dirty="0" err="1" smtClean="0"/>
@@ -22712,11 +21143,7 @@
           <a:p>
             <a:r>
               <a:rPr lang="en-US" dirty="0" smtClean="0"/>
-              <a:t>~</a:t>
-            </a:r>
-            <a:r>
-              <a:rPr lang="en-US" dirty="0" smtClean="0"/>
-              <a:t>/</a:t>
+              <a:t>~/</a:t>
             </a:r>
             <a:r>
               <a:rPr lang="en-US" dirty="0" err="1" smtClean="0"/>
@@ -22724,11 +21151,7 @@
             </a:r>
             <a:r>
               <a:rPr lang="en-US" dirty="0" smtClean="0"/>
-              <a:t>/</a:t>
-            </a:r>
-            <a:r>
-              <a:rPr lang="en-US" dirty="0" smtClean="0"/>
-              <a:t>recipes/</a:t>
+              <a:t>/recipes/</a:t>
             </a:r>
             <a:r>
               <a:rPr lang="en-US" dirty="0" err="1" smtClean="0"/>
@@ -22772,7 +21195,7 @@
   <p:clrMapOvr>
     <a:masterClrMapping/>
   </p:clrMapOvr>
-  <p:transition xmlns:p14="http://schemas.microsoft.com/office/powerpoint/2010/main" spd="med">
+  <p:transition spd="med">
     <p:fade/>
   </p:transition>
 </p:sld>
@@ -22938,11 +21361,7 @@
             </a:r>
             <a:r>
               <a:rPr lang="en-US" sz="2000" dirty="0" smtClean="0"/>
-              <a:t> </a:t>
-            </a:r>
-            <a:r>
-              <a:rPr lang="en-US" sz="2000" dirty="0" smtClean="0"/>
-              <a:t>'admins' </a:t>
+              <a:t> 'admins' </a:t>
             </a:r>
             <a:r>
               <a:rPr lang="en-US" sz="2000" dirty="0"/>
@@ -23039,11 +21458,7 @@
           <a:p>
             <a:r>
               <a:rPr lang="en-US" dirty="0" smtClean="0"/>
-              <a:t>~</a:t>
-            </a:r>
-            <a:r>
-              <a:rPr lang="en-US" dirty="0" smtClean="0"/>
-              <a:t>/</a:t>
+              <a:t>~/</a:t>
             </a:r>
             <a:r>
               <a:rPr lang="en-US" dirty="0" err="1" smtClean="0"/>
@@ -23051,11 +21466,7 @@
             </a:r>
             <a:r>
               <a:rPr lang="en-US" dirty="0" smtClean="0"/>
-              <a:t>/</a:t>
-            </a:r>
-            <a:r>
-              <a:rPr lang="en-US" dirty="0" smtClean="0"/>
-              <a:t>recipes/</a:t>
+              <a:t>/recipes/</a:t>
             </a:r>
             <a:r>
               <a:rPr lang="en-US" dirty="0" err="1" smtClean="0"/>
@@ -23099,7 +21510,7 @@
   <p:clrMapOvr>
     <a:masterClrMapping/>
   </p:clrMapOvr>
-  <p:transition xmlns:p14="http://schemas.microsoft.com/office/powerpoint/2010/main" spd="med">
+  <p:transition spd="med">
     <p:fade/>
   </p:transition>
 </p:sld>
@@ -23221,7 +21632,6 @@
               <a:rPr lang="en-US" sz="2000" dirty="0"/>
               <a:t>::default When all attributes are default, on an unspecified platform for the admin site creates a new home page</a:t>
             </a:r>
-            <a:endParaRPr lang="en-US" sz="2000" dirty="0"/>
           </a:p>
         </p:txBody>
       </p:sp>
@@ -23309,7 +21719,7 @@
   <p:clrMapOvr>
     <a:masterClrMapping/>
   </p:clrMapOvr>
-  <p:transition xmlns:p14="http://schemas.microsoft.com/office/powerpoint/2010/main" spd="med">
+  <p:transition spd="med">
     <p:fade/>
   </p:transition>
 </p:sld>
@@ -23459,11 +21869,7 @@
             </a:r>
             <a:r>
               <a:rPr lang="en-US" dirty="0" smtClean="0"/>
-              <a:t>: [</a:t>
-            </a:r>
-            <a:r>
-              <a:rPr lang="en-US" dirty="0" smtClean="0"/>
-              <a:t>'</a:t>
+              <a:t>: ['</a:t>
             </a:r>
             <a:r>
               <a:rPr lang="en-US" dirty="0" err="1" smtClean="0"/>
@@ -23579,11 +21985,7 @@
           <a:p>
             <a:r>
               <a:rPr lang="en-US" dirty="0" smtClean="0"/>
-              <a:t>~</a:t>
-            </a:r>
-            <a:r>
-              <a:rPr lang="en-US" dirty="0" smtClean="0"/>
-              <a:t>/</a:t>
+              <a:t>~/</a:t>
             </a:r>
             <a:r>
               <a:rPr lang="en-US" dirty="0" err="1" smtClean="0"/>
@@ -23591,11 +21993,7 @@
             </a:r>
             <a:r>
               <a:rPr lang="en-US" dirty="0" smtClean="0"/>
-              <a:t>/</a:t>
-            </a:r>
-            <a:r>
-              <a:rPr lang="en-US" dirty="0" smtClean="0"/>
-              <a:t>spec/unit/recipes/</a:t>
+              <a:t>/spec/unit/recipes/</a:t>
             </a:r>
             <a:r>
               <a:rPr lang="en-US" dirty="0" err="1" smtClean="0"/>
@@ -23639,7 +22037,7 @@
   <p:clrMapOvr>
     <a:masterClrMapping/>
   </p:clrMapOvr>
-  <p:transition xmlns:p14="http://schemas.microsoft.com/office/powerpoint/2010/main" spd="med">
+  <p:transition spd="med">
     <p:fade/>
   </p:transition>
 </p:sld>
@@ -23696,7 +22094,6 @@
               <a:rPr lang="en-US" sz="2000" dirty="0"/>
               <a:t>8 examples, 0 failures</a:t>
             </a:r>
-            <a:endParaRPr lang="en-US" sz="2000" dirty="0"/>
           </a:p>
         </p:txBody>
       </p:sp>
@@ -23784,13 +22181,13 @@
   <p:clrMapOvr>
     <a:masterClrMapping/>
   </p:clrMapOvr>
-  <p:transition xmlns:p14="http://schemas.microsoft.com/office/powerpoint/2010/main" spd="med">
+  <p:transition spd="med">
     <p:fade/>
   </p:transition>
   <p:timing>
     <p:tnLst>
       <p:par>
-        <p:cTn xmlns:p14="http://schemas.microsoft.com/office/powerpoint/2010/main" id="1" dur="indefinite" restart="never" nodeType="tmRoot"/>
+        <p:cTn id="1" dur="indefinite" restart="never" nodeType="tmRoot"/>
       </p:par>
     </p:tnLst>
   </p:timing>
@@ -23990,13 +22387,13 @@
   <p:clrMapOvr>
     <a:masterClrMapping/>
   </p:clrMapOvr>
-  <p:transition xmlns:p14="http://schemas.microsoft.com/office/powerpoint/2010/main" spd="med">
+  <p:transition spd="med">
     <p:fade/>
   </p:transition>
   <p:timing>
     <p:tnLst>
       <p:par>
-        <p:cTn xmlns:p14="http://schemas.microsoft.com/office/powerpoint/2010/main" id="1" dur="indefinite" restart="never" nodeType="tmRoot"/>
+        <p:cTn id="1" dur="indefinite" restart="never" nodeType="tmRoot"/>
       </p:par>
     </p:tnLst>
   </p:timing>
@@ -24138,13 +22535,13 @@
   <p:clrMapOvr>
     <a:masterClrMapping/>
   </p:clrMapOvr>
-  <p:transition xmlns:p14="http://schemas.microsoft.com/office/powerpoint/2010/main" spd="med">
+  <p:transition spd="med">
     <p:fade/>
   </p:transition>
   <p:timing>
     <p:tnLst>
       <p:par>
-        <p:cTn xmlns:p14="http://schemas.microsoft.com/office/powerpoint/2010/main" id="1" dur="indefinite" restart="never" nodeType="tmRoot"/>
+        <p:cTn id="1" dur="indefinite" restart="never" nodeType="tmRoot"/>
       </p:par>
     </p:tnLst>
   </p:timing>
@@ -24378,7 +22775,6 @@
               <a:rPr lang="en-US" sz="2000" dirty="0"/>
               <a:t>-----&gt; Kitchen is finished. (0m1.82s)</a:t>
             </a:r>
-            <a:endParaRPr lang="en-US" sz="2000" dirty="0"/>
           </a:p>
         </p:txBody>
       </p:sp>
@@ -24462,7 +22858,7 @@
   <p:clrMapOvr>
     <a:masterClrMapping/>
   </p:clrMapOvr>
-  <p:transition xmlns:p14="http://schemas.microsoft.com/office/powerpoint/2010/main" spd="med">
+  <p:transition spd="med">
     <p:fade/>
   </p:transition>
 </p:sld>
@@ -24690,7 +23086,6 @@
               <a:rPr lang="en-US" sz="2000" dirty="0"/>
               <a:t>-----&gt; Kitchen is finished. (2m22.49s)</a:t>
             </a:r>
-            <a:endParaRPr lang="en-US" sz="2000" dirty="0"/>
           </a:p>
         </p:txBody>
       </p:sp>
@@ -24774,7 +23169,7 @@
   <p:clrMapOvr>
     <a:masterClrMapping/>
   </p:clrMapOvr>
-  <p:transition xmlns:p14="http://schemas.microsoft.com/office/powerpoint/2010/main" spd="med">
+  <p:transition spd="med">
     <p:fade/>
   </p:transition>
 </p:sld>
@@ -24897,13 +23292,13 @@
   <p:clrMapOvr>
     <a:masterClrMapping/>
   </p:clrMapOvr>
-  <p:transition xmlns:p14="http://schemas.microsoft.com/office/powerpoint/2010/main" spd="med">
+  <p:transition spd="med">
     <p:fade/>
   </p:transition>
   <p:timing>
     <p:tnLst>
       <p:par>
-        <p:cTn xmlns:p14="http://schemas.microsoft.com/office/powerpoint/2010/main" id="1" dur="indefinite" restart="never" nodeType="tmRoot"/>
+        <p:cTn id="1" dur="indefinite" restart="never" nodeType="tmRoot"/>
       </p:par>
     </p:tnLst>
   </p:timing>
@@ -25215,15 +23610,7 @@
             </a:r>
             <a:r>
               <a:rPr lang="en-US" sz="2000" dirty="0" smtClean="0"/>
-              <a:t>, </a:t>
-            </a:r>
-            <a:r>
-              <a:rPr lang="en-US" sz="2000" dirty="0" smtClean="0"/>
-              <a:t>port: </a:t>
-            </a:r>
-            <a:r>
-              <a:rPr lang="en-US" sz="2000" dirty="0" smtClean="0"/>
-              <a:t>8080)</a:t>
+              <a:t>, port: 8080)</a:t>
             </a:r>
           </a:p>
           <a:p>
@@ -25306,11 +23693,7 @@
           <a:p>
             <a:r>
               <a:rPr lang="en-US" dirty="0" smtClean="0"/>
-              <a:t>~</a:t>
-            </a:r>
-            <a:r>
-              <a:rPr lang="en-US" dirty="0" smtClean="0"/>
-              <a:t>/</a:t>
+              <a:t>~/</a:t>
             </a:r>
             <a:r>
               <a:rPr lang="en-US" dirty="0" err="1" smtClean="0"/>
@@ -25318,11 +23701,7 @@
             </a:r>
             <a:r>
               <a:rPr lang="en-US" dirty="0" smtClean="0"/>
-              <a:t>/</a:t>
-            </a:r>
-            <a:r>
-              <a:rPr lang="en-US" dirty="0" smtClean="0"/>
-              <a:t>resource/</a:t>
+              <a:t>/resource/</a:t>
             </a:r>
             <a:r>
               <a:rPr lang="en-US" dirty="0" err="1" smtClean="0"/>
@@ -25366,7 +23745,7 @@
   <p:clrMapOvr>
     <a:masterClrMapping/>
   </p:clrMapOvr>
-  <p:transition xmlns:p14="http://schemas.microsoft.com/office/powerpoint/2010/main" spd="med">
+  <p:transition spd="med">
     <p:fade/>
   </p:transition>
 </p:sld>
@@ -25660,15 +24039,7 @@
             </a:r>
             <a:r>
               <a:rPr lang="en-US" sz="2000" dirty="0" smtClean="0"/>
-              <a:t>, </a:t>
-            </a:r>
-            <a:r>
-              <a:rPr lang="en-US" sz="2000" dirty="0" smtClean="0"/>
-              <a:t>port: </a:t>
-            </a:r>
-            <a:r>
-              <a:rPr lang="en-US" sz="2000" dirty="0" smtClean="0"/>
-              <a:t>8080)</a:t>
+              <a:t>, port: 8080)</a:t>
             </a:r>
             <a:endParaRPr lang="en-US" sz="2000" dirty="0"/>
           </a:p>
@@ -25803,11 +24174,7 @@
           <a:p>
             <a:r>
               <a:rPr lang="en-US" dirty="0" smtClean="0"/>
-              <a:t>~</a:t>
-            </a:r>
-            <a:r>
-              <a:rPr lang="en-US" dirty="0" smtClean="0"/>
-              <a:t>/</a:t>
+              <a:t>~/</a:t>
             </a:r>
             <a:r>
               <a:rPr lang="en-US" dirty="0" err="1" smtClean="0"/>
@@ -25815,11 +24182,7 @@
             </a:r>
             <a:r>
               <a:rPr lang="en-US" dirty="0" smtClean="0"/>
-              <a:t>/</a:t>
-            </a:r>
-            <a:r>
-              <a:rPr lang="en-US" dirty="0" smtClean="0"/>
-              <a:t>resource/</a:t>
+              <a:t>/resource/</a:t>
             </a:r>
             <a:r>
               <a:rPr lang="en-US" dirty="0" err="1" smtClean="0"/>
@@ -26058,7 +24421,7 @@
   <p:clrMapOvr>
     <a:masterClrMapping/>
   </p:clrMapOvr>
-  <p:transition xmlns:p14="http://schemas.microsoft.com/office/powerpoint/2010/main" spd="med">
+  <p:transition spd="med">
     <p:fade/>
   </p:transition>
 </p:sld>
@@ -26191,11 +24554,7 @@
             </a:r>
             <a:r>
               <a:rPr lang="en-US" dirty="0" smtClean="0"/>
-              <a:t> </a:t>
-            </a:r>
-            <a:r>
-              <a:rPr lang="en-US" dirty="0" smtClean="0"/>
-              <a:t>'admins' </a:t>
+              <a:t> 'admins' </a:t>
             </a:r>
             <a:r>
               <a:rPr lang="en-US" dirty="0"/>
@@ -26280,11 +24639,7 @@
           <a:p>
             <a:r>
               <a:rPr lang="en-US" dirty="0" smtClean="0"/>
-              <a:t>~</a:t>
-            </a:r>
-            <a:r>
-              <a:rPr lang="en-US" dirty="0" smtClean="0"/>
-              <a:t>/</a:t>
+              <a:t>~/</a:t>
             </a:r>
             <a:r>
               <a:rPr lang="en-US" dirty="0" err="1" smtClean="0"/>
@@ -26292,11 +24647,7 @@
             </a:r>
             <a:r>
               <a:rPr lang="en-US" dirty="0" smtClean="0"/>
-              <a:t>/</a:t>
-            </a:r>
-            <a:r>
-              <a:rPr lang="en-US" dirty="0" smtClean="0"/>
-              <a:t>recipes/</a:t>
+              <a:t>/recipes/</a:t>
             </a:r>
             <a:r>
               <a:rPr lang="en-US" dirty="0" err="1" smtClean="0"/>
@@ -26340,7 +24691,7 @@
   <p:clrMapOvr>
     <a:masterClrMapping/>
   </p:clrMapOvr>
-  <p:transition xmlns:p14="http://schemas.microsoft.com/office/powerpoint/2010/main" spd="med">
+  <p:transition spd="med">
     <p:fade/>
   </p:transition>
 </p:sld>
@@ -26485,13 +24836,13 @@
   <p:clrMapOvr>
     <a:masterClrMapping/>
   </p:clrMapOvr>
-  <p:transition xmlns:p14="http://schemas.microsoft.com/office/powerpoint/2010/main" spd="med">
+  <p:transition spd="med">
     <p:fade/>
   </p:transition>
   <p:timing>
     <p:tnLst>
       <p:par>
-        <p:cTn xmlns:p14="http://schemas.microsoft.com/office/powerpoint/2010/main" id="1" dur="indefinite" restart="never" nodeType="tmRoot"/>
+        <p:cTn id="1" dur="indefinite" restart="never" nodeType="tmRoot"/>
       </p:par>
     </p:tnLst>
   </p:timing>
@@ -26688,7 +25039,6 @@
               <a:rPr lang="en-US" sz="2000" dirty="0"/>
               <a:t>-----&gt; Kitchen is finished. (2m42.37s)</a:t>
             </a:r>
-            <a:endParaRPr lang="en-US" sz="2000" dirty="0"/>
           </a:p>
         </p:txBody>
       </p:sp>
@@ -26774,7 +25124,7 @@
   <p:clrMapOvr>
     <a:masterClrMapping/>
   </p:clrMapOvr>
-  <p:transition xmlns:p14="http://schemas.microsoft.com/office/powerpoint/2010/main" spd="med">
+  <p:transition spd="med">
     <p:fade/>
   </p:transition>
 </p:sld>
@@ -26895,13 +25245,13 @@
   <p:clrMapOvr>
     <a:masterClrMapping/>
   </p:clrMapOvr>
-  <p:transition xmlns:p14="http://schemas.microsoft.com/office/powerpoint/2010/main" spd="med">
+  <p:transition spd="med">
     <p:fade/>
   </p:transition>
   <p:timing>
     <p:tnLst>
       <p:par>
-        <p:cTn xmlns:p14="http://schemas.microsoft.com/office/powerpoint/2010/main" id="1" dur="indefinite" restart="never" nodeType="tmRoot"/>
+        <p:cTn id="1" dur="indefinite" restart="never" nodeType="tmRoot"/>
       </p:par>
     </p:tnLst>
   </p:timing>
@@ -26948,11 +25298,7 @@
             </a:r>
             <a:r>
               <a:rPr lang="en-US" dirty="0" smtClean="0"/>
-              <a:t> </a:t>
-            </a:r>
-            <a:r>
-              <a:rPr lang="en-US" dirty="0" smtClean="0"/>
-              <a:t>- </a:t>
+              <a:t> - </a:t>
             </a:r>
             <a:r>
               <a:rPr lang="en-US" dirty="0" err="1"/>
@@ -27051,7 +25397,7 @@
   <p:clrMapOvr>
     <a:masterClrMapping/>
   </p:clrMapOvr>
-  <p:transition xmlns:p14="http://schemas.microsoft.com/office/powerpoint/2010/main" spd="med">
+  <p:transition spd="med">
     <p:fade/>
   </p:transition>
 </p:sld>
@@ -27239,11 +25585,7 @@
           <a:p>
             <a:r>
               <a:rPr lang="en-US" dirty="0" smtClean="0"/>
-              <a:t>~</a:t>
-            </a:r>
-            <a:r>
-              <a:rPr lang="en-US" dirty="0" smtClean="0"/>
-              <a:t>/</a:t>
+              <a:t>~/</a:t>
             </a:r>
             <a:r>
               <a:rPr lang="en-US" dirty="0" err="1" smtClean="0"/>
@@ -27251,11 +25593,7 @@
             </a:r>
             <a:r>
               <a:rPr lang="en-US" dirty="0" smtClean="0"/>
-              <a:t>/</a:t>
-            </a:r>
-            <a:r>
-              <a:rPr lang="en-US" dirty="0" smtClean="0"/>
-              <a:t>test/recipes/</a:t>
+              <a:t>/test/recipes/</a:t>
             </a:r>
             <a:r>
               <a:rPr lang="en-US" dirty="0" err="1" smtClean="0"/>
@@ -27275,13 +25613,13 @@
   <p:clrMapOvr>
     <a:masterClrMapping/>
   </p:clrMapOvr>
-  <p:transition xmlns:p14="http://schemas.microsoft.com/office/powerpoint/2010/main" spd="med">
+  <p:transition spd="med">
     <p:fade/>
   </p:transition>
   <p:timing>
     <p:tnLst>
       <p:par>
-        <p:cTn xmlns:p14="http://schemas.microsoft.com/office/powerpoint/2010/main" id="1" dur="indefinite" restart="never" nodeType="tmRoot"/>
+        <p:cTn id="1" dur="indefinite" restart="never" nodeType="tmRoot"/>
       </p:par>
     </p:tnLst>
   </p:timing>
@@ -27579,11 +25917,7 @@
             </a:r>
             <a:r>
               <a:rPr lang="en-US" sz="2000" dirty="0" smtClean="0"/>
-              <a:t>: </a:t>
-            </a:r>
-            <a:r>
-              <a:rPr lang="en-US" sz="2000" dirty="0" smtClean="0"/>
-              <a:t>"/</a:t>
+              <a:t>: "/</a:t>
             </a:r>
             <a:r>
               <a:rPr lang="en-US" sz="2000" dirty="0" err="1" smtClean="0"/>
@@ -27599,11 +25933,7 @@
             </a:r>
             <a:r>
               <a:rPr lang="en-US" sz="2000" dirty="0" smtClean="0"/>
-              <a:t>}/html", </a:t>
-            </a:r>
-            <a:r>
-              <a:rPr lang="en-US" sz="2000" dirty="0" smtClean="0"/>
-              <a:t>port: </a:t>
+              <a:t>}/html", port: </a:t>
             </a:r>
             <a:r>
               <a:rPr lang="en-US" sz="2000" dirty="0" err="1" smtClean="0"/>
@@ -27684,11 +26014,7 @@
           <a:p>
             <a:r>
               <a:rPr lang="en-US" dirty="0" smtClean="0"/>
-              <a:t>~</a:t>
-            </a:r>
-            <a:r>
-              <a:rPr lang="en-US" dirty="0" smtClean="0"/>
-              <a:t>/</a:t>
+              <a:t>~/</a:t>
             </a:r>
             <a:r>
               <a:rPr lang="en-US" dirty="0" err="1" smtClean="0"/>
@@ -27696,11 +26022,7 @@
             </a:r>
             <a:r>
               <a:rPr lang="en-US" dirty="0" smtClean="0"/>
-              <a:t>/</a:t>
-            </a:r>
-            <a:r>
-              <a:rPr lang="en-US" dirty="0" smtClean="0"/>
-              <a:t>resource/</a:t>
+              <a:t>/resource/</a:t>
             </a:r>
             <a:r>
               <a:rPr lang="en-US" dirty="0" err="1" smtClean="0"/>
@@ -27809,7 +26131,7 @@
   <p:clrMapOvr>
     <a:masterClrMapping/>
   </p:clrMapOvr>
-  <p:transition xmlns:p14="http://schemas.microsoft.com/office/powerpoint/2010/main" spd="med">
+  <p:transition spd="med">
     <p:fade/>
   </p:transition>
 </p:sld>
@@ -27942,11 +26264,7 @@
             </a:r>
             <a:r>
               <a:rPr lang="en-US" dirty="0" smtClean="0"/>
-              <a:t> </a:t>
-            </a:r>
-            <a:r>
-              <a:rPr lang="en-US" dirty="0" smtClean="0"/>
-              <a:t>'admins' </a:t>
+              <a:t> 'admins' </a:t>
             </a:r>
             <a:r>
               <a:rPr lang="en-US" dirty="0"/>
@@ -28049,11 +26367,7 @@
           <a:p>
             <a:r>
               <a:rPr lang="en-US" dirty="0" smtClean="0"/>
-              <a:t>~</a:t>
-            </a:r>
-            <a:r>
-              <a:rPr lang="en-US" dirty="0" smtClean="0"/>
-              <a:t>/</a:t>
+              <a:t>~/</a:t>
             </a:r>
             <a:r>
               <a:rPr lang="en-US" dirty="0" err="1" smtClean="0"/>
@@ -28061,11 +26375,7 @@
             </a:r>
             <a:r>
               <a:rPr lang="en-US" dirty="0" smtClean="0"/>
-              <a:t>/</a:t>
-            </a:r>
-            <a:r>
-              <a:rPr lang="en-US" dirty="0" smtClean="0"/>
-              <a:t>recipes/</a:t>
+              <a:t>/recipes/</a:t>
             </a:r>
             <a:r>
               <a:rPr lang="en-US" dirty="0" err="1" smtClean="0"/>
@@ -28109,7 +26419,7 @@
   <p:clrMapOvr>
     <a:masterClrMapping/>
   </p:clrMapOvr>
-  <p:transition xmlns:p14="http://schemas.microsoft.com/office/powerpoint/2010/main" spd="med">
+  <p:transition spd="med">
     <p:fade/>
   </p:transition>
 </p:sld>
@@ -28254,13 +26564,13 @@
   <p:clrMapOvr>
     <a:masterClrMapping/>
   </p:clrMapOvr>
-  <p:transition xmlns:p14="http://schemas.microsoft.com/office/powerpoint/2010/main" spd="med">
+  <p:transition spd="med">
     <p:fade/>
   </p:transition>
   <p:timing>
     <p:tnLst>
       <p:par>
-        <p:cTn xmlns:p14="http://schemas.microsoft.com/office/powerpoint/2010/main" id="1" dur="indefinite" restart="never" nodeType="tmRoot"/>
+        <p:cTn id="1" dur="indefinite" restart="never" nodeType="tmRoot"/>
       </p:par>
     </p:tnLst>
   </p:timing>
@@ -28457,7 +26767,6 @@
               <a:rPr lang="en-US" sz="2000" dirty="0"/>
               <a:t>-----&gt; Kitchen is finished. (2m42.37s)</a:t>
             </a:r>
-            <a:endParaRPr lang="en-US" sz="2000" dirty="0"/>
           </a:p>
         </p:txBody>
       </p:sp>
@@ -28543,7 +26852,7 @@
   <p:clrMapOvr>
     <a:masterClrMapping/>
   </p:clrMapOvr>
-  <p:transition xmlns:p14="http://schemas.microsoft.com/office/powerpoint/2010/main" spd="med">
+  <p:transition spd="med">
     <p:fade/>
   </p:transition>
 </p:sld>
@@ -28585,11 +26894,7 @@
           <a:p>
             <a:r>
               <a:rPr lang="en-US" dirty="0" err="1" smtClean="0"/>
-              <a:t>httpd</a:t>
-            </a:r>
-            <a:r>
-              <a:rPr lang="en-US" dirty="0" err="1" smtClean="0"/>
-              <a:t>_</a:t>
+              <a:t>httpd_</a:t>
             </a:r>
             <a:r>
               <a:rPr lang="en-US" dirty="0" err="1"/>
@@ -28704,7 +27009,7 @@
   <p:clrMapOvr>
     <a:masterClrMapping/>
   </p:clrMapOvr>
-  <p:transition xmlns:p14="http://schemas.microsoft.com/office/powerpoint/2010/main" spd="med">
+  <p:transition spd="med">
     <p:fade/>
   </p:transition>
 </p:sld>
@@ -28746,11 +27051,7 @@
           <a:p>
             <a:r>
               <a:rPr lang="en-US" dirty="0" err="1" smtClean="0"/>
-              <a:t>httpd</a:t>
-            </a:r>
-            <a:r>
-              <a:rPr lang="en-US" dirty="0" err="1" smtClean="0"/>
-              <a:t>_</a:t>
+              <a:t>httpd_</a:t>
             </a:r>
             <a:r>
               <a:rPr lang="en-US" dirty="0" err="1"/>
@@ -28762,11 +27063,7 @@
             </a:r>
             <a:r>
               <a:rPr lang="en-US" dirty="0" smtClean="0"/>
-              <a:t> </a:t>
-            </a:r>
-            <a:r>
-              <a:rPr lang="en-US" dirty="0" smtClean="0"/>
-              <a:t>Remove Action</a:t>
+              <a:t> Remove Action</a:t>
             </a:r>
             <a:endParaRPr lang="en-US" dirty="0"/>
           </a:p>
@@ -28807,11 +27104,7 @@
             </a:r>
             <a:r>
               <a:rPr lang="en-US" dirty="0" smtClean="0"/>
-              <a:t> </a:t>
-            </a:r>
-            <a:r>
-              <a:rPr lang="en-US" dirty="0" smtClean="0"/>
-              <a:t>resource that:</a:t>
+              <a:t> resource that:</a:t>
             </a:r>
           </a:p>
           <a:p>
@@ -28826,51 +27119,22 @@
                   <a:schemeClr val="tx1"/>
                 </a:solidFill>
               </a:rPr>
-              <a:t>Removes the directory that is </a:t>
-            </a:r>
+              <a:t>Removes the directory that is created with the directory resource</a:t>
+            </a:r>
+          </a:p>
+          <a:p>
+            <a:pPr lvl="1" algn="l">
+              <a:lnSpc>
+                <a:spcPct val="150000"/>
+              </a:lnSpc>
+            </a:pPr>
             <a:r>
               <a:rPr lang="en-US" sz="2400" i="1" dirty="0" smtClean="0">
                 <a:solidFill>
                   <a:schemeClr val="tx1"/>
                 </a:solidFill>
               </a:rPr>
-              <a:t>created </a:t>
-            </a:r>
-            <a:r>
-              <a:rPr lang="en-US" sz="2400" i="1" dirty="0" smtClean="0">
-                <a:solidFill>
-                  <a:schemeClr val="tx1"/>
-                </a:solidFill>
-              </a:rPr>
-              <a:t>with the directory resource</a:t>
-            </a:r>
-            <a:endParaRPr lang="en-US" sz="2400" i="1" dirty="0" smtClean="0">
-              <a:solidFill>
-                <a:schemeClr val="tx1"/>
-              </a:solidFill>
-            </a:endParaRPr>
-          </a:p>
-          <a:p>
-            <a:pPr lvl="1" algn="l">
-              <a:lnSpc>
-                <a:spcPct val="150000"/>
-              </a:lnSpc>
-            </a:pPr>
-            <a:r>
-              <a:rPr lang="en-US" sz="2400" i="1" dirty="0" smtClean="0">
-                <a:solidFill>
-                  <a:schemeClr val="tx1"/>
-                </a:solidFill>
-              </a:rPr>
-              <a:t>Removes the configuration </a:t>
-            </a:r>
-            <a:r>
-              <a:rPr lang="en-US" sz="2400" i="1" dirty="0" smtClean="0">
-                <a:solidFill>
-                  <a:schemeClr val="tx1"/>
-                </a:solidFill>
-              </a:rPr>
-              <a:t>file that is created with the template resourc</a:t>
+              <a:t>Removes the configuration file that is created with the template resourc</a:t>
             </a:r>
             <a:r>
               <a:rPr lang="en-US" sz="2400" i="1" dirty="0">
@@ -29012,7 +27276,7 @@
   <p:clrMapOvr>
     <a:masterClrMapping/>
   </p:clrMapOvr>
-  <p:transition xmlns:p14="http://schemas.microsoft.com/office/powerpoint/2010/main" spd="med">
+  <p:transition spd="med">
     <p:fade/>
   </p:transition>
 </p:sld>
@@ -29227,11 +27491,7 @@
           <a:p>
             <a:r>
               <a:rPr lang="en-US" dirty="0" smtClean="0"/>
-              <a:t>~</a:t>
-            </a:r>
-            <a:r>
-              <a:rPr lang="en-US" dirty="0" smtClean="0"/>
-              <a:t>/</a:t>
+              <a:t>~/</a:t>
             </a:r>
             <a:r>
               <a:rPr lang="en-US" dirty="0" err="1" smtClean="0"/>
@@ -29239,11 +27499,7 @@
             </a:r>
             <a:r>
               <a:rPr lang="en-US" dirty="0" smtClean="0"/>
-              <a:t>/</a:t>
-            </a:r>
-            <a:r>
-              <a:rPr lang="en-US" dirty="0" smtClean="0"/>
-              <a:t>resources/</a:t>
+              <a:t>/resources/</a:t>
             </a:r>
             <a:r>
               <a:rPr lang="en-US" dirty="0" err="1" smtClean="0"/>
@@ -29287,7 +27543,7 @@
   <p:clrMapOvr>
     <a:masterClrMapping/>
   </p:clrMapOvr>
-  <p:transition xmlns:p14="http://schemas.microsoft.com/office/powerpoint/2010/main" spd="med">
+  <p:transition spd="med">
     <p:fade/>
   </p:transition>
 </p:sld>
@@ -29453,11 +27709,7 @@
             </a:r>
             <a:r>
               <a:rPr lang="en-US" sz="2000" dirty="0" smtClean="0"/>
-              <a:t> </a:t>
-            </a:r>
-            <a:r>
-              <a:rPr lang="en-US" sz="2000" dirty="0" smtClean="0"/>
-              <a:t>'admins' </a:t>
+              <a:t> 'admins' </a:t>
             </a:r>
             <a:r>
               <a:rPr lang="en-US" sz="2000" dirty="0"/>
@@ -29605,11 +27857,7 @@
           <a:p>
             <a:r>
               <a:rPr lang="en-US" dirty="0" smtClean="0"/>
-              <a:t>~</a:t>
-            </a:r>
-            <a:r>
-              <a:rPr lang="en-US" dirty="0" smtClean="0"/>
-              <a:t>/</a:t>
+              <a:t>~/</a:t>
             </a:r>
             <a:r>
               <a:rPr lang="en-US" dirty="0" err="1" smtClean="0"/>
@@ -29617,11 +27865,7 @@
             </a:r>
             <a:r>
               <a:rPr lang="en-US" dirty="0" smtClean="0"/>
-              <a:t>/</a:t>
-            </a:r>
-            <a:r>
-              <a:rPr lang="en-US" dirty="0" smtClean="0"/>
-              <a:t>recipes/</a:t>
+              <a:t>/recipes/</a:t>
             </a:r>
             <a:r>
               <a:rPr lang="en-US" dirty="0" err="1" smtClean="0"/>
@@ -29665,7 +27909,7 @@
   <p:clrMapOvr>
     <a:masterClrMapping/>
   </p:clrMapOvr>
-  <p:transition xmlns:p14="http://schemas.microsoft.com/office/powerpoint/2010/main" spd="med">
+  <p:transition spd="med">
     <p:fade/>
   </p:transition>
 </p:sld>
@@ -29841,11 +28085,7 @@
             </a:r>
             <a:r>
               <a:rPr lang="en-US" sz="2000" dirty="0" smtClean="0"/>
-              <a:t> </a:t>
-            </a:r>
-            <a:r>
-              <a:rPr lang="en-US" sz="2000" dirty="0" smtClean="0"/>
-              <a:t>'admins' </a:t>
+              <a:t> 'admins' </a:t>
             </a:r>
             <a:r>
               <a:rPr lang="en-US" sz="2000" dirty="0"/>
@@ -29985,11 +28225,7 @@
           <a:p>
             <a:r>
               <a:rPr lang="en-US" dirty="0" smtClean="0"/>
-              <a:t>~</a:t>
-            </a:r>
-            <a:r>
-              <a:rPr lang="en-US" dirty="0" smtClean="0"/>
-              <a:t>/</a:t>
+              <a:t>~/</a:t>
             </a:r>
             <a:r>
               <a:rPr lang="en-US" dirty="0" err="1" smtClean="0"/>
@@ -29997,11 +28233,7 @@
             </a:r>
             <a:r>
               <a:rPr lang="en-US" dirty="0" smtClean="0"/>
-              <a:t>/</a:t>
-            </a:r>
-            <a:r>
-              <a:rPr lang="en-US" dirty="0" smtClean="0"/>
-              <a:t>recipes/</a:t>
+              <a:t>/recipes/</a:t>
             </a:r>
             <a:r>
               <a:rPr lang="en-US" dirty="0" err="1" smtClean="0"/>
@@ -30049,7 +28281,7 @@
   <p:clrMapOvr>
     <a:masterClrMapping/>
   </p:clrMapOvr>
-  <p:transition xmlns:p14="http://schemas.microsoft.com/office/powerpoint/2010/main" spd="med">
+  <p:transition spd="med">
     <p:fade/>
   </p:transition>
 </p:sld>
@@ -30167,11 +28399,7 @@
             </a:r>
             <a:r>
               <a:rPr lang="en-US" sz="2000" dirty="0" smtClean="0"/>
-              <a:t> </a:t>
-            </a:r>
-            <a:r>
-              <a:rPr lang="en-US" sz="2000" dirty="0" smtClean="0"/>
-              <a:t>'users' do</a:t>
+              <a:t> 'users' do</a:t>
             </a:r>
           </a:p>
           <a:p>
@@ -30232,11 +28460,7 @@
             </a:r>
             <a:r>
               <a:rPr lang="en-US" sz="2000" dirty="0" smtClean="0"/>
-              <a:t> </a:t>
-            </a:r>
-            <a:r>
-              <a:rPr lang="en-US" sz="2000" dirty="0" smtClean="0"/>
-              <a:t>'admins' </a:t>
+              <a:t> 'admins' </a:t>
             </a:r>
             <a:r>
               <a:rPr lang="en-US" sz="2000" dirty="0"/>
@@ -30286,11 +28510,7 @@
           <a:p>
             <a:r>
               <a:rPr lang="en-US" dirty="0" smtClean="0"/>
-              <a:t>~</a:t>
-            </a:r>
-            <a:r>
-              <a:rPr lang="en-US" dirty="0" smtClean="0"/>
-              <a:t>/</a:t>
+              <a:t>~/</a:t>
             </a:r>
             <a:r>
               <a:rPr lang="en-US" dirty="0" err="1" smtClean="0"/>
@@ -30298,11 +28518,7 @@
             </a:r>
             <a:r>
               <a:rPr lang="en-US" dirty="0" smtClean="0"/>
-              <a:t>/</a:t>
-            </a:r>
-            <a:r>
-              <a:rPr lang="en-US" dirty="0" smtClean="0"/>
-              <a:t>recipes/</a:t>
+              <a:t>/recipes/</a:t>
             </a:r>
             <a:r>
               <a:rPr lang="en-US" dirty="0" err="1" smtClean="0"/>
@@ -30346,7 +28562,7 @@
   <p:clrMapOvr>
     <a:masterClrMapping/>
   </p:clrMapOvr>
-  <p:transition xmlns:p14="http://schemas.microsoft.com/office/powerpoint/2010/main" spd="med">
+  <p:transition spd="med">
     <p:fade/>
   </p:transition>
 </p:sld>
@@ -30456,7 +28672,6 @@
               <a:rPr lang="en-US" dirty="0"/>
               <a:t>-----&gt; Kitchen is finished. (0m7.37s)</a:t>
             </a:r>
-            <a:endParaRPr lang="en-US" dirty="0"/>
           </a:p>
         </p:txBody>
       </p:sp>
@@ -30516,13 +28731,13 @@
   <p:clrMapOvr>
     <a:masterClrMapping/>
   </p:clrMapOvr>
-  <p:transition xmlns:p14="http://schemas.microsoft.com/office/powerpoint/2010/main" spd="med">
+  <p:transition spd="med">
     <p:fade/>
   </p:transition>
   <p:timing>
     <p:tnLst>
       <p:par>
-        <p:cTn xmlns:p14="http://schemas.microsoft.com/office/powerpoint/2010/main" id="1" dur="indefinite" restart="never" nodeType="tmRoot"/>
+        <p:cTn id="1" dur="indefinite" restart="never" nodeType="tmRoot"/>
       </p:par>
     </p:tnLst>
   </p:timing>
@@ -30766,11 +28981,7 @@
           <a:p>
             <a:r>
               <a:rPr lang="en-US" dirty="0" smtClean="0"/>
-              <a:t>~</a:t>
-            </a:r>
-            <a:r>
-              <a:rPr lang="en-US" dirty="0" smtClean="0"/>
-              <a:t>/</a:t>
+              <a:t>~/</a:t>
             </a:r>
             <a:r>
               <a:rPr lang="en-US" dirty="0" err="1" smtClean="0"/>
@@ -30778,11 +28989,7 @@
             </a:r>
             <a:r>
               <a:rPr lang="en-US" dirty="0" smtClean="0"/>
-              <a:t>/</a:t>
-            </a:r>
-            <a:r>
-              <a:rPr lang="en-US" dirty="0" smtClean="0"/>
-              <a:t>spec/unit/recipes/</a:t>
+              <a:t>/spec/unit/recipes/</a:t>
             </a:r>
             <a:r>
               <a:rPr lang="en-US" dirty="0" err="1" smtClean="0"/>
@@ -30826,7 +29033,7 @@
   <p:clrMapOvr>
     <a:masterClrMapping/>
   </p:clrMapOvr>
-  <p:transition xmlns:p14="http://schemas.microsoft.com/office/powerpoint/2010/main" spd="med">
+  <p:transition spd="med">
     <p:fade/>
   </p:transition>
 </p:sld>
@@ -30909,11 +29116,7 @@
             </a:r>
             <a:r>
               <a:rPr lang="en-US" sz="2000" dirty="0" smtClean="0"/>
-              <a:t>users </a:t>
-            </a:r>
-            <a:r>
-              <a:rPr lang="en-US" sz="2000" dirty="0" smtClean="0"/>
-              <a:t>site</a:t>
+              <a:t>users site</a:t>
             </a:r>
             <a:r>
               <a:rPr lang="en-US" sz="2000" dirty="0"/>
@@ -31168,11 +29371,7 @@
           <a:p>
             <a:r>
               <a:rPr lang="en-US" dirty="0" smtClean="0"/>
-              <a:t>~</a:t>
-            </a:r>
-            <a:r>
-              <a:rPr lang="en-US" dirty="0" smtClean="0"/>
-              <a:t>/</a:t>
+              <a:t>~/</a:t>
             </a:r>
             <a:r>
               <a:rPr lang="en-US" dirty="0" err="1" smtClean="0"/>
@@ -31180,11 +29379,7 @@
             </a:r>
             <a:r>
               <a:rPr lang="en-US" dirty="0" smtClean="0"/>
-              <a:t>/</a:t>
-            </a:r>
-            <a:r>
-              <a:rPr lang="en-US" dirty="0" smtClean="0"/>
-              <a:t>spec/unit/recipes/</a:t>
+              <a:t>/spec/unit/recipes/</a:t>
             </a:r>
             <a:r>
               <a:rPr lang="en-US" dirty="0" err="1" smtClean="0"/>
@@ -31228,13 +29423,13 @@
   <p:clrMapOvr>
     <a:masterClrMapping/>
   </p:clrMapOvr>
-  <p:transition xmlns:p14="http://schemas.microsoft.com/office/powerpoint/2010/main" spd="med">
+  <p:transition spd="med">
     <p:fade/>
   </p:transition>
   <p:timing>
     <p:tnLst>
       <p:par>
-        <p:cTn xmlns:p14="http://schemas.microsoft.com/office/powerpoint/2010/main" id="1" dur="indefinite" restart="never" nodeType="tmRoot"/>
+        <p:cTn id="1" dur="indefinite" restart="never" nodeType="tmRoot"/>
       </p:par>
     </p:tnLst>
   </p:timing>
@@ -31292,7 +29487,6 @@
               <a:rPr lang="en-US" dirty="0"/>
               <a:t>10 examples, 0 failures</a:t>
             </a:r>
-            <a:endParaRPr lang="en-US" dirty="0"/>
           </a:p>
         </p:txBody>
       </p:sp>
@@ -31356,13 +29550,13 @@
   <p:clrMapOvr>
     <a:masterClrMapping/>
   </p:clrMapOvr>
-  <p:transition xmlns:p14="http://schemas.microsoft.com/office/powerpoint/2010/main" spd="med">
+  <p:transition spd="med">
     <p:fade/>
   </p:transition>
   <p:timing>
     <p:tnLst>
       <p:par>
-        <p:cTn xmlns:p14="http://schemas.microsoft.com/office/powerpoint/2010/main" id="1" dur="indefinite" restart="never" nodeType="tmRoot"/>
+        <p:cTn id="1" dur="indefinite" restart="never" nodeType="tmRoot"/>
       </p:par>
     </p:tnLst>
   </p:timing>
@@ -31489,7 +29683,6 @@
               <a:rPr lang="en-US" dirty="0"/>
               <a:t>end</a:t>
             </a:r>
-            <a:endParaRPr lang="en-US" dirty="0"/>
           </a:p>
         </p:txBody>
       </p:sp>
@@ -31510,11 +29703,7 @@
           <a:p>
             <a:r>
               <a:rPr lang="en-US" dirty="0" smtClean="0"/>
-              <a:t>~</a:t>
-            </a:r>
-            <a:r>
-              <a:rPr lang="en-US" dirty="0" smtClean="0"/>
-              <a:t>/</a:t>
+              <a:t>~/</a:t>
             </a:r>
             <a:r>
               <a:rPr lang="en-US" dirty="0" err="1" smtClean="0"/>
@@ -31522,15 +29711,7 @@
             </a:r>
             <a:r>
               <a:rPr lang="en-US" dirty="0" smtClean="0"/>
-              <a:t>/</a:t>
-            </a:r>
-            <a:r>
-              <a:rPr lang="en-US" dirty="0" smtClean="0"/>
-              <a:t>test</a:t>
-            </a:r>
-            <a:r>
-              <a:rPr lang="en-US" dirty="0" smtClean="0"/>
-              <a:t>/recipes/</a:t>
+              <a:t>/test/recipes/</a:t>
             </a:r>
             <a:r>
               <a:rPr lang="en-US" dirty="0" err="1" smtClean="0"/>
@@ -31574,7 +29755,7 @@
   <p:clrMapOvr>
     <a:masterClrMapping/>
   </p:clrMapOvr>
-  <p:transition xmlns:p14="http://schemas.microsoft.com/office/powerpoint/2010/main" spd="med">
+  <p:transition spd="med">
     <p:fade/>
   </p:transition>
 </p:sld>
@@ -31775,7 +29956,6 @@
               <a:rPr lang="en-US" sz="2000" dirty="0"/>
               <a:t>-----&gt; Kitchen is finished. (2m42.37s)</a:t>
             </a:r>
-            <a:endParaRPr lang="en-US" sz="2000" dirty="0"/>
           </a:p>
         </p:txBody>
       </p:sp>
@@ -31837,7 +30017,7 @@
   <p:clrMapOvr>
     <a:masterClrMapping/>
   </p:clrMapOvr>
-  <p:transition xmlns:p14="http://schemas.microsoft.com/office/powerpoint/2010/main" spd="med">
+  <p:transition spd="med">
     <p:fade/>
   </p:transition>
 </p:sld>
@@ -31883,11 +30063,7 @@
             </a:r>
             <a:r>
               <a:rPr lang="en-US" dirty="0" smtClean="0"/>
-              <a:t> </a:t>
-            </a:r>
-            <a:r>
-              <a:rPr lang="en-US" dirty="0" smtClean="0"/>
-              <a:t>Remove Action</a:t>
+              <a:t> Remove Action</a:t>
             </a:r>
             <a:endParaRPr lang="en-US" dirty="0"/>
           </a:p>
@@ -31930,11 +30106,7 @@
             </a:r>
             <a:r>
               <a:rPr lang="en-US" dirty="0" smtClean="0"/>
-              <a:t> </a:t>
-            </a:r>
-            <a:r>
-              <a:rPr lang="en-US" dirty="0" smtClean="0"/>
-              <a:t>resource that:</a:t>
+              <a:t> resource that:</a:t>
             </a:r>
           </a:p>
           <a:p>
@@ -32096,7 +30268,7 @@
   <p:clrMapOvr>
     <a:masterClrMapping/>
   </p:clrMapOvr>
-  <p:transition xmlns:p14="http://schemas.microsoft.com/office/powerpoint/2010/main" spd="med">
+  <p:transition spd="med">
     <p:fade/>
   </p:transition>
 </p:sld>
@@ -32197,13 +30369,13 @@
   <p:clrMapOvr>
     <a:masterClrMapping/>
   </p:clrMapOvr>
-  <p:transition xmlns:p14="http://schemas.microsoft.com/office/powerpoint/2010/main" spd="med">
+  <p:transition spd="med">
     <p:fade/>
   </p:transition>
   <p:timing>
     <p:tnLst>
       <p:par>
-        <p:cTn xmlns:p14="http://schemas.microsoft.com/office/powerpoint/2010/main" id="1" dur="indefinite" restart="never" nodeType="tmRoot"/>
+        <p:cTn id="1" dur="indefinite" restart="never" nodeType="tmRoot"/>
       </p:par>
     </p:tnLst>
   </p:timing>
@@ -32285,13 +30457,13 @@
   <p:clrMapOvr>
     <a:masterClrMapping/>
   </p:clrMapOvr>
-  <p:transition xmlns:p14="http://schemas.microsoft.com/office/powerpoint/2010/main" spd="med">
+  <p:transition spd="med">
     <p:fade/>
   </p:transition>
   <p:timing>
     <p:tnLst>
       <p:par>
-        <p:cTn xmlns:p14="http://schemas.microsoft.com/office/powerpoint/2010/main" id="1" dur="indefinite" restart="never" nodeType="tmRoot"/>
+        <p:cTn id="1" dur="indefinite" restart="never" nodeType="tmRoot"/>
       </p:par>
     </p:tnLst>
   </p:timing>
@@ -32325,7 +30497,7 @@
   <p:clrMapOvr>
     <a:masterClrMapping/>
   </p:clrMapOvr>
-  <p:transition xmlns:p14="http://schemas.microsoft.com/office/powerpoint/2010/main" spd="med">
+  <p:transition spd="med">
     <p:fade/>
   </p:transition>
 </p:sld>
@@ -32466,13 +30638,13 @@
   <p:clrMapOvr>
     <a:masterClrMapping/>
   </p:clrMapOvr>
-  <p:transition xmlns:p14="http://schemas.microsoft.com/office/powerpoint/2010/main" spd="med">
+  <p:transition spd="med">
     <p:fade/>
   </p:transition>
   <p:timing>
     <p:tnLst>
       <p:par>
-        <p:cTn xmlns:p14="http://schemas.microsoft.com/office/powerpoint/2010/main" id="1" dur="indefinite" restart="never" nodeType="tmRoot"/>
+        <p:cTn id="1" dur="indefinite" restart="never" nodeType="tmRoot"/>
       </p:par>
     </p:tnLst>
   </p:timing>
@@ -32736,11 +30908,7 @@
           <a:p>
             <a:r>
               <a:rPr lang="en-US" dirty="0" smtClean="0"/>
-              <a:t>~</a:t>
-            </a:r>
-            <a:r>
-              <a:rPr lang="en-US" dirty="0" smtClean="0"/>
-              <a:t>/</a:t>
+              <a:t>~/</a:t>
             </a:r>
             <a:r>
               <a:rPr lang="en-US" dirty="0" err="1" smtClean="0"/>
@@ -32748,11 +30916,7 @@
             </a:r>
             <a:r>
               <a:rPr lang="en-US" dirty="0" smtClean="0"/>
-              <a:t>/</a:t>
-            </a:r>
-            <a:r>
-              <a:rPr lang="en-US" dirty="0" smtClean="0"/>
-              <a:t>spec/unit/recipes/</a:t>
+              <a:t>/spec/unit/recipes/</a:t>
             </a:r>
             <a:r>
               <a:rPr lang="en-US" dirty="0" err="1" smtClean="0"/>
@@ -32772,13 +30936,13 @@
   <p:clrMapOvr>
     <a:masterClrMapping/>
   </p:clrMapOvr>
-  <p:transition xmlns:p14="http://schemas.microsoft.com/office/powerpoint/2010/main" spd="med">
+  <p:transition spd="med">
     <p:fade/>
   </p:transition>
   <p:timing>
     <p:tnLst>
       <p:par>
-        <p:cTn xmlns:p14="http://schemas.microsoft.com/office/powerpoint/2010/main" id="1" dur="indefinite" restart="never" nodeType="tmRoot"/>
+        <p:cTn id="1" dur="indefinite" restart="never" nodeType="tmRoot"/>
       </p:par>
     </p:tnLst>
   </p:timing>
@@ -33039,11 +31203,7 @@
           <a:p>
             <a:r>
               <a:rPr lang="en-US" dirty="0" smtClean="0"/>
-              <a:t>~</a:t>
-            </a:r>
-            <a:r>
-              <a:rPr lang="en-US" dirty="0" smtClean="0"/>
-              <a:t>/</a:t>
+              <a:t>~/</a:t>
             </a:r>
             <a:r>
               <a:rPr lang="en-US" dirty="0" err="1" smtClean="0"/>
@@ -33051,11 +31211,7 @@
             </a:r>
             <a:r>
               <a:rPr lang="en-US" dirty="0" smtClean="0"/>
-              <a:t>/</a:t>
-            </a:r>
-            <a:r>
-              <a:rPr lang="en-US" dirty="0" smtClean="0"/>
-              <a:t>spec/unit/recipes/</a:t>
+              <a:t>/spec/unit/recipes/</a:t>
             </a:r>
             <a:r>
               <a:rPr lang="en-US" dirty="0" err="1" smtClean="0"/>
@@ -33075,13 +31231,13 @@
   <p:clrMapOvr>
     <a:masterClrMapping/>
   </p:clrMapOvr>
-  <p:transition xmlns:p14="http://schemas.microsoft.com/office/powerpoint/2010/main" spd="med">
+  <p:transition spd="med">
     <p:fade/>
   </p:transition>
   <p:timing>
     <p:tnLst>
       <p:par>
-        <p:cTn xmlns:p14="http://schemas.microsoft.com/office/powerpoint/2010/main" id="1" dur="indefinite" restart="never" nodeType="tmRoot"/>
+        <p:cTn id="1" dur="indefinite" restart="never" nodeType="tmRoot"/>
       </p:par>
     </p:tnLst>
   </p:timing>
@@ -33285,11 +31441,7 @@
           <a:p>
             <a:r>
               <a:rPr lang="en-US" dirty="0" smtClean="0"/>
-              <a:t>~</a:t>
-            </a:r>
-            <a:r>
-              <a:rPr lang="en-US" dirty="0" smtClean="0"/>
-              <a:t>/</a:t>
+              <a:t>~/</a:t>
             </a:r>
             <a:r>
               <a:rPr lang="en-US" dirty="0" err="1" smtClean="0"/>
@@ -33297,11 +31449,7 @@
             </a:r>
             <a:r>
               <a:rPr lang="en-US" dirty="0" smtClean="0"/>
-              <a:t>/</a:t>
-            </a:r>
-            <a:r>
-              <a:rPr lang="en-US" dirty="0" smtClean="0"/>
-              <a:t>spec/unit/recipes/</a:t>
+              <a:t>/spec/unit/recipes/</a:t>
             </a:r>
             <a:r>
               <a:rPr lang="en-US" dirty="0" err="1" smtClean="0"/>
@@ -33321,13 +31469,13 @@
   <p:clrMapOvr>
     <a:masterClrMapping/>
   </p:clrMapOvr>
-  <p:transition xmlns:p14="http://schemas.microsoft.com/office/powerpoint/2010/main" spd="med">
+  <p:transition spd="med">
     <p:fade/>
   </p:transition>
   <p:timing>
     <p:tnLst>
       <p:par>
-        <p:cTn xmlns:p14="http://schemas.microsoft.com/office/powerpoint/2010/main" id="1" dur="indefinite" restart="never" nodeType="tmRoot"/>
+        <p:cTn id="1" dur="indefinite" restart="never" nodeType="tmRoot"/>
       </p:par>
     </p:tnLst>
   </p:timing>
@@ -33710,7 +31858,7 @@
   <a:extraClrSchemeLst/>
   <a:extLst>
     <a:ext uri="{05A4C25C-085E-4340-85A3-A5531E510DB2}">
-      <thm15:themeFamily xmlns:thm15="http://schemas.microsoft.com/office/thememl/2012/main" xmlns="" name="Chef-TemplateComps_v09-16x9-Light.potx" id="{078CEFDB-FA7A-4E36-9964-13EF367585CB}" vid="{8B87B0F3-7308-43D5-8388-E1B49EA02652}"/>
+      <thm15:themeFamily xmlns:thm15="http://schemas.microsoft.com/office/thememl/2012/main" name="Chef-TemplateComps_v09-16x9-Light.potx" id="{078CEFDB-FA7A-4E36-9964-13EF367585CB}" vid="{8B87B0F3-7308-43D5-8388-E1B49EA02652}"/>
     </a:ext>
   </a:extLst>
 </a:theme>
@@ -34092,7 +32240,7 @@
   <a:extraClrSchemeLst/>
   <a:extLst>
     <a:ext uri="{05A4C25C-085E-4340-85A3-A5531E510DB2}">
-      <thm15:themeFamily xmlns:thm15="http://schemas.microsoft.com/office/thememl/2012/main" xmlns="" name="Chef-TemplateComps_v09-16x9-Light.potx" id="{078CEFDB-FA7A-4E36-9964-13EF367585CB}" vid="{8B87B0F3-7308-43D5-8388-E1B49EA02652}"/>
+      <thm15:themeFamily xmlns:thm15="http://schemas.microsoft.com/office/thememl/2012/main" name="Chef-TemplateComps_v09-16x9-Light.potx" id="{078CEFDB-FA7A-4E36-9964-13EF367585CB}" vid="{8B87B0F3-7308-43D5-8388-E1B49EA02652}"/>
     </a:ext>
   </a:extLst>
 </a:theme>

--- a/04-creating_a_custom_resource.pptx
+++ b/04-creating_a_custom_resource.pptx
@@ -14,7 +14,7 @@
   <p:sldIdLst>
     <p:sldId id="256" r:id="rId7"/>
     <p:sldId id="257" r:id="rId8"/>
-    <p:sldId id="258" r:id="rId9"/>
+    <p:sldId id="341" r:id="rId9"/>
     <p:sldId id="267" r:id="rId10"/>
     <p:sldId id="269" r:id="rId11"/>
     <p:sldId id="299" r:id="rId12"/>
@@ -200,7 +200,7 @@
   </p:defaultTextStyle>
   <p:extLst>
     <p:ext uri="{EFAFB233-063F-42B5-8137-9DF3F51BA10A}">
-      <p15:sldGuideLst xmlns:p15="http://schemas.microsoft.com/office/powerpoint/2012/main">
+      <p15:sldGuideLst xmlns="" xmlns:p15="http://schemas.microsoft.com/office/powerpoint/2012/main">
         <p15:guide id="1" orient="horz" pos="894">
           <p15:clr>
             <a:srgbClr val="A4A3A4"/>
@@ -214,7 +214,7 @@
       </p15:sldGuideLst>
     </p:ext>
     <p:ext uri="{2D200454-40CA-4A62-9FC3-DE9A4176ACB9}">
-      <p15:notesGuideLst xmlns:p15="http://schemas.microsoft.com/office/powerpoint/2012/main"/>
+      <p15:notesGuideLst xmlns="" xmlns:p15="http://schemas.microsoft.com/office/powerpoint/2012/main"/>
     </p:ext>
   </p:extLst>
 </p:presentation>
@@ -331,7 +331,7 @@
               <a:pPr>
                 <a:defRPr/>
               </a:pPr>
-              <a:t>2016-10-05</a:t>
+              <a:t>10/11/16</a:t>
             </a:fld>
             <a:endParaRPr lang="en-US" dirty="0"/>
           </a:p>
@@ -514,7 +514,7 @@
               <a:pPr>
                 <a:defRPr/>
               </a:pPr>
-              <a:t>2016-10-05</a:t>
+              <a:t>10/11/16</a:t>
             </a:fld>
             <a:endParaRPr lang="en-US" dirty="0"/>
           </a:p>
@@ -9713,7 +9713,7 @@
   <p:clrMapOvr>
     <a:masterClrMapping/>
   </p:clrMapOvr>
-  <p:transition spd="med">
+  <p:transition xmlns:p14="http://schemas.microsoft.com/office/powerpoint/2010/main" spd="med">
     <p:fade/>
   </p:transition>
 </p:sldLayout>
@@ -10008,7 +10008,7 @@
   <p:clrMapOvr>
     <a:overrideClrMapping bg1="lt1" tx1="dk1" bg2="lt2" tx2="dk2" accent1="accent1" accent2="accent2" accent3="accent3" accent4="accent4" accent5="accent5" accent6="accent6" hlink="hlink" folHlink="folHlink"/>
   </p:clrMapOvr>
-  <p:transition spd="med">
+  <p:transition xmlns:p14="http://schemas.microsoft.com/office/powerpoint/2010/main" spd="med">
     <p:fade/>
   </p:transition>
 </p:sldLayout>
@@ -10141,14 +10141,14 @@
           </a:ln>
           <a:extLst>
             <a:ext uri="{909E8E84-426E-40dd-AFC4-6F175D3DCCD1}">
-              <a14:hiddenFill xmlns:a14="http://schemas.microsoft.com/office/drawing/2010/main" xmlns="">
+              <a14:hiddenFill xmlns:a14="http://schemas.microsoft.com/office/drawing/2010/main">
                 <a:solidFill>
                   <a:srgbClr val="FFFFFF"/>
                 </a:solidFill>
               </a14:hiddenFill>
             </a:ext>
             <a:ext uri="{91240B29-F687-4f45-9708-019B960494DF}">
-              <a14:hiddenLine xmlns:a14="http://schemas.microsoft.com/office/drawing/2010/main" xmlns="" w="9525">
+              <a14:hiddenLine xmlns:a14="http://schemas.microsoft.com/office/drawing/2010/main" w="9525">
                 <a:solidFill>
                   <a:srgbClr val="000000"/>
                 </a:solidFill>
@@ -10296,14 +10296,14 @@
           </a:ln>
           <a:extLst>
             <a:ext uri="{909E8E84-426E-40dd-AFC4-6F175D3DCCD1}">
-              <a14:hiddenFill xmlns:a14="http://schemas.microsoft.com/office/drawing/2010/main" xmlns="">
+              <a14:hiddenFill xmlns:a14="http://schemas.microsoft.com/office/drawing/2010/main">
                 <a:solidFill>
                   <a:srgbClr val="FFFFFF"/>
                 </a:solidFill>
               </a14:hiddenFill>
             </a:ext>
             <a:ext uri="{91240B29-F687-4f45-9708-019B960494DF}">
-              <a14:hiddenLine xmlns:a14="http://schemas.microsoft.com/office/drawing/2010/main" xmlns="" w="9525">
+              <a14:hiddenLine xmlns:a14="http://schemas.microsoft.com/office/drawing/2010/main" w="9525">
                 <a:solidFill>
                   <a:srgbClr val="000000"/>
                 </a:solidFill>
@@ -10701,7 +10701,7 @@
   <p:clrMapOvr>
     <a:overrideClrMapping bg1="lt1" tx1="dk1" bg2="lt2" tx2="dk2" accent1="accent1" accent2="accent2" accent3="accent3" accent4="accent4" accent5="accent5" accent6="accent6" hlink="hlink" folHlink="folHlink"/>
   </p:clrMapOvr>
-  <p:transition spd="med">
+  <p:transition xmlns:p14="http://schemas.microsoft.com/office/powerpoint/2010/main" spd="med">
     <p:fade/>
   </p:transition>
 </p:sldLayout>
@@ -10759,14 +10759,14 @@
           </a:ln>
           <a:extLst>
             <a:ext uri="{909E8E84-426E-40dd-AFC4-6F175D3DCCD1}">
-              <a14:hiddenFill xmlns:a14="http://schemas.microsoft.com/office/drawing/2010/main" xmlns="">
+              <a14:hiddenFill xmlns:a14="http://schemas.microsoft.com/office/drawing/2010/main">
                 <a:solidFill>
                   <a:srgbClr val="FFFFFF"/>
                 </a:solidFill>
               </a14:hiddenFill>
             </a:ext>
             <a:ext uri="{91240B29-F687-4f45-9708-019B960494DF}">
-              <a14:hiddenLine xmlns:a14="http://schemas.microsoft.com/office/drawing/2010/main" xmlns="" w="9525">
+              <a14:hiddenLine xmlns:a14="http://schemas.microsoft.com/office/drawing/2010/main" w="9525">
                 <a:solidFill>
                   <a:srgbClr val="000000"/>
                 </a:solidFill>
@@ -10788,7 +10788,7 @@
   <p:clrMapOvr>
     <a:masterClrMapping/>
   </p:clrMapOvr>
-  <p:transition spd="med">
+  <p:transition xmlns:p14="http://schemas.microsoft.com/office/powerpoint/2010/main" spd="med">
     <p:fade/>
   </p:transition>
 </p:sldLayout>
@@ -11075,7 +11075,7 @@
   <p:clrMapOvr>
     <a:masterClrMapping/>
   </p:clrMapOvr>
-  <p:transition spd="med">
+  <p:transition xmlns:p14="http://schemas.microsoft.com/office/powerpoint/2010/main" spd="med">
     <p:fade/>
   </p:transition>
 </p:sldLayout>
@@ -11362,7 +11362,7 @@
   <p:clrMapOvr>
     <a:masterClrMapping/>
   </p:clrMapOvr>
-  <p:transition spd="med">
+  <p:transition xmlns:p14="http://schemas.microsoft.com/office/powerpoint/2010/main" spd="med">
     <p:fade/>
   </p:transition>
 </p:sldLayout>
@@ -11711,7 +11711,7 @@
   <p:clrMapOvr>
     <a:masterClrMapping/>
   </p:clrMapOvr>
-  <p:transition spd="med">
+  <p:transition xmlns:p14="http://schemas.microsoft.com/office/powerpoint/2010/main" spd="med">
     <p:fade/>
   </p:transition>
 </p:sldLayout>
@@ -11998,7 +11998,7 @@
   <p:clrMapOvr>
     <a:masterClrMapping/>
   </p:clrMapOvr>
-  <p:transition spd="med">
+  <p:transition xmlns:p14="http://schemas.microsoft.com/office/powerpoint/2010/main" spd="med">
     <p:fade/>
   </p:transition>
 </p:sldLayout>
@@ -12215,14 +12215,14 @@
           </a:ln>
           <a:extLst>
             <a:ext uri="{909E8E84-426E-40dd-AFC4-6F175D3DCCD1}">
-              <a14:hiddenFill xmlns:a14="http://schemas.microsoft.com/office/drawing/2010/main" xmlns="">
+              <a14:hiddenFill xmlns:a14="http://schemas.microsoft.com/office/drawing/2010/main">
                 <a:solidFill>
                   <a:srgbClr val="FFFFFF"/>
                 </a:solidFill>
               </a14:hiddenFill>
             </a:ext>
             <a:ext uri="{91240B29-F687-4f45-9708-019B960494DF}">
-              <a14:hiddenLine xmlns:a14="http://schemas.microsoft.com/office/drawing/2010/main" xmlns="" w="9525">
+              <a14:hiddenLine xmlns:a14="http://schemas.microsoft.com/office/drawing/2010/main" w="9525">
                 <a:solidFill>
                   <a:srgbClr val="000000"/>
                 </a:solidFill>
@@ -12419,7 +12419,7 @@
   <p:clrMapOvr>
     <a:masterClrMapping/>
   </p:clrMapOvr>
-  <p:transition spd="med">
+  <p:transition xmlns:p14="http://schemas.microsoft.com/office/powerpoint/2010/main" spd="med">
     <p:fade/>
   </p:transition>
 </p:sldLayout>
@@ -12707,7 +12707,7 @@
   <p:clrMapOvr>
     <a:masterClrMapping/>
   </p:clrMapOvr>
-  <p:transition spd="med">
+  <p:transition xmlns:p14="http://schemas.microsoft.com/office/powerpoint/2010/main" spd="med">
     <p:fade/>
   </p:transition>
 </p:sldLayout>
@@ -13019,7 +13019,7 @@
   <p:clrMapOvr>
     <a:masterClrMapping/>
   </p:clrMapOvr>
-  <p:transition spd="med">
+  <p:transition xmlns:p14="http://schemas.microsoft.com/office/powerpoint/2010/main" spd="med">
     <p:fade/>
   </p:transition>
 </p:sldLayout>
@@ -13196,7 +13196,7 @@
   <p:clrMapOvr>
     <a:masterClrMapping/>
   </p:clrMapOvr>
-  <p:transition spd="med">
+  <p:transition xmlns:p14="http://schemas.microsoft.com/office/powerpoint/2010/main" spd="med">
     <p:fade/>
   </p:transition>
 </p:sldLayout>
@@ -13500,7 +13500,7 @@
   <p:clrMapOvr>
     <a:masterClrMapping/>
   </p:clrMapOvr>
-  <p:transition spd="med">
+  <p:transition xmlns:p14="http://schemas.microsoft.com/office/powerpoint/2010/main" spd="med">
     <p:fade/>
   </p:transition>
 </p:sldLayout>
@@ -13576,14 +13576,14 @@
           </a:ln>
           <a:extLst>
             <a:ext uri="{909E8E84-426E-40dd-AFC4-6F175D3DCCD1}">
-              <a14:hiddenFill xmlns:a14="http://schemas.microsoft.com/office/drawing/2010/main" xmlns="">
+              <a14:hiddenFill xmlns:a14="http://schemas.microsoft.com/office/drawing/2010/main">
                 <a:solidFill>
                   <a:srgbClr val="FFFFFF"/>
                 </a:solidFill>
               </a14:hiddenFill>
             </a:ext>
             <a:ext uri="{91240B29-F687-4f45-9708-019B960494DF}">
-              <a14:hiddenLine xmlns:a14="http://schemas.microsoft.com/office/drawing/2010/main" xmlns="" w="9525">
+              <a14:hiddenLine xmlns:a14="http://schemas.microsoft.com/office/drawing/2010/main" w="9525">
                 <a:solidFill>
                   <a:srgbClr val="000000"/>
                 </a:solidFill>
@@ -13824,7 +13824,7 @@
   <p:clrMapOvr>
     <a:overrideClrMapping bg1="lt1" tx1="dk1" bg2="lt2" tx2="dk2" accent1="accent1" accent2="accent2" accent3="accent3" accent4="accent4" accent5="accent5" accent6="accent6" hlink="hlink" folHlink="folHlink"/>
   </p:clrMapOvr>
-  <p:transition spd="med">
+  <p:transition xmlns:p14="http://schemas.microsoft.com/office/powerpoint/2010/main" spd="med">
     <p:fade/>
   </p:transition>
 </p:sldLayout>
@@ -14030,7 +14030,7 @@
   <p:clrMapOvr>
     <a:overrideClrMapping bg1="lt1" tx1="dk1" bg2="lt2" tx2="dk2" accent1="accent1" accent2="accent2" accent3="accent3" accent4="accent4" accent5="accent5" accent6="accent6" hlink="hlink" folHlink="folHlink"/>
   </p:clrMapOvr>
-  <p:transition spd="med">
+  <p:transition xmlns:p14="http://schemas.microsoft.com/office/powerpoint/2010/main" spd="med">
     <p:fade/>
   </p:transition>
 </p:sldLayout>
@@ -14106,14 +14106,14 @@
           </a:ln>
           <a:extLst>
             <a:ext uri="{909E8E84-426E-40dd-AFC4-6F175D3DCCD1}">
-              <a14:hiddenFill xmlns:a14="http://schemas.microsoft.com/office/drawing/2010/main" xmlns="">
+              <a14:hiddenFill xmlns:a14="http://schemas.microsoft.com/office/drawing/2010/main">
                 <a:solidFill>
                   <a:srgbClr val="FFFFFF"/>
                 </a:solidFill>
               </a14:hiddenFill>
             </a:ext>
             <a:ext uri="{91240B29-F687-4f45-9708-019B960494DF}">
-              <a14:hiddenLine xmlns:a14="http://schemas.microsoft.com/office/drawing/2010/main" xmlns="" w="9525">
+              <a14:hiddenLine xmlns:a14="http://schemas.microsoft.com/office/drawing/2010/main" w="9525">
                 <a:solidFill>
                   <a:srgbClr val="000000"/>
                 </a:solidFill>
@@ -14361,7 +14361,7 @@
   <p:clrMapOvr>
     <a:overrideClrMapping bg1="lt1" tx1="dk1" bg2="lt2" tx2="dk2" accent1="accent1" accent2="accent2" accent3="accent3" accent4="accent4" accent5="accent5" accent6="accent6" hlink="hlink" folHlink="folHlink"/>
   </p:clrMapOvr>
-  <p:transition spd="med">
+  <p:transition xmlns:p14="http://schemas.microsoft.com/office/powerpoint/2010/main" spd="med">
     <p:fade/>
   </p:transition>
 </p:sldLayout>
@@ -14569,7 +14569,7 @@
   <p:clrMapOvr>
     <a:overrideClrMapping bg1="lt1" tx1="dk1" bg2="lt2" tx2="dk2" accent1="accent1" accent2="accent2" accent3="accent3" accent4="accent4" accent5="accent5" accent6="accent6" hlink="hlink" folHlink="folHlink"/>
   </p:clrMapOvr>
-  <p:transition spd="med">
+  <p:transition xmlns:p14="http://schemas.microsoft.com/office/powerpoint/2010/main" spd="med">
     <p:fade/>
   </p:transition>
 </p:sldLayout>
@@ -14645,14 +14645,14 @@
           </a:ln>
           <a:extLst>
             <a:ext uri="{909E8E84-426E-40dd-AFC4-6F175D3DCCD1}">
-              <a14:hiddenFill xmlns:a14="http://schemas.microsoft.com/office/drawing/2010/main" xmlns="">
+              <a14:hiddenFill xmlns:a14="http://schemas.microsoft.com/office/drawing/2010/main">
                 <a:solidFill>
                   <a:srgbClr val="FFFFFF"/>
                 </a:solidFill>
               </a14:hiddenFill>
             </a:ext>
             <a:ext uri="{91240B29-F687-4f45-9708-019B960494DF}">
-              <a14:hiddenLine xmlns:a14="http://schemas.microsoft.com/office/drawing/2010/main" xmlns="" w="9525">
+              <a14:hiddenLine xmlns:a14="http://schemas.microsoft.com/office/drawing/2010/main" w="9525">
                 <a:solidFill>
                   <a:srgbClr val="000000"/>
                 </a:solidFill>
@@ -14920,7 +14920,7 @@
   <p:clrMapOvr>
     <a:overrideClrMapping bg1="lt1" tx1="dk1" bg2="lt2" tx2="dk2" accent1="accent1" accent2="accent2" accent3="accent3" accent4="accent4" accent5="accent5" accent6="accent6" hlink="hlink" folHlink="folHlink"/>
   </p:clrMapOvr>
-  <p:transition spd="med">
+  <p:transition xmlns:p14="http://schemas.microsoft.com/office/powerpoint/2010/main" spd="med">
     <p:fade/>
   </p:transition>
 </p:sldLayout>
@@ -15148,7 +15148,7 @@
   <p:clrMapOvr>
     <a:overrideClrMapping bg1="lt1" tx1="dk1" bg2="lt2" tx2="dk2" accent1="accent1" accent2="accent2" accent3="accent3" accent4="accent4" accent5="accent5" accent6="accent6" hlink="hlink" folHlink="folHlink"/>
   </p:clrMapOvr>
-  <p:transition spd="med">
+  <p:transition xmlns:p14="http://schemas.microsoft.com/office/powerpoint/2010/main" spd="med">
     <p:fade/>
   </p:transition>
 </p:sldLayout>
@@ -15436,7 +15436,7 @@
   <p:clrMapOvr>
     <a:overrideClrMapping bg1="lt1" tx1="dk1" bg2="lt2" tx2="dk2" accent1="accent1" accent2="accent2" accent3="accent3" accent4="accent4" accent5="accent5" accent6="accent6" hlink="hlink" folHlink="folHlink"/>
   </p:clrMapOvr>
-  <p:transition spd="med">
+  <p:transition xmlns:p14="http://schemas.microsoft.com/office/powerpoint/2010/main" spd="med">
     <p:fade/>
   </p:transition>
 </p:sldLayout>
@@ -15592,14 +15592,14 @@
           </a:ln>
           <a:extLst>
             <a:ext uri="{909E8E84-426E-40dd-AFC4-6F175D3DCCD1}">
-              <a14:hiddenFill xmlns:a14="http://schemas.microsoft.com/office/drawing/2010/main" xmlns="">
+              <a14:hiddenFill xmlns:a14="http://schemas.microsoft.com/office/drawing/2010/main">
                 <a:solidFill>
                   <a:srgbClr val="FFFFFF"/>
                 </a:solidFill>
               </a14:hiddenFill>
             </a:ext>
             <a:ext uri="{91240B29-F687-4f45-9708-019B960494DF}">
-              <a14:hiddenLine xmlns:a14="http://schemas.microsoft.com/office/drawing/2010/main" xmlns="" w="9525">
+              <a14:hiddenLine xmlns:a14="http://schemas.microsoft.com/office/drawing/2010/main" w="9525">
                 <a:solidFill>
                   <a:srgbClr val="000000"/>
                 </a:solidFill>
@@ -15838,13 +15838,13 @@
     <p:sldLayoutId id="2147483841" r:id="rId11"/>
     <p:sldLayoutId id="2147483843" r:id="rId12"/>
   </p:sldLayoutIdLst>
-  <p:transition spd="med">
+  <p:transition xmlns:p14="http://schemas.microsoft.com/office/powerpoint/2010/main" spd="med">
     <p:fade/>
   </p:transition>
   <p:timing>
     <p:tnLst>
       <p:par>
-        <p:cTn id="1" dur="indefinite" restart="never" nodeType="tmRoot"/>
+        <p:cTn xmlns:p14="http://schemas.microsoft.com/office/powerpoint/2010/main" id="1" dur="indefinite" restart="never" nodeType="tmRoot"/>
       </p:par>
     </p:tnLst>
   </p:timing>
@@ -16372,14 +16372,14 @@
           </a:ln>
           <a:extLst>
             <a:ext uri="{909E8E84-426E-40dd-AFC4-6F175D3DCCD1}">
-              <a14:hiddenFill xmlns:a14="http://schemas.microsoft.com/office/drawing/2010/main" xmlns="">
+              <a14:hiddenFill xmlns:a14="http://schemas.microsoft.com/office/drawing/2010/main">
                 <a:solidFill>
                   <a:srgbClr val="FFFFFF"/>
                 </a:solidFill>
               </a14:hiddenFill>
             </a:ext>
             <a:ext uri="{91240B29-F687-4f45-9708-019B960494DF}">
-              <a14:hiddenLine xmlns:a14="http://schemas.microsoft.com/office/drawing/2010/main" xmlns="" w="9525">
+              <a14:hiddenLine xmlns:a14="http://schemas.microsoft.com/office/drawing/2010/main" w="9525">
                 <a:solidFill>
                   <a:srgbClr val="000000"/>
                 </a:solidFill>
@@ -16678,13 +16678,13 @@
     <p:sldLayoutId id="2147483856" r:id="rId7"/>
     <p:sldLayoutId id="2147483866" r:id="rId8"/>
   </p:sldLayoutIdLst>
-  <p:transition spd="med">
+  <p:transition xmlns:p14="http://schemas.microsoft.com/office/powerpoint/2010/main" spd="med">
     <p:fade/>
   </p:transition>
   <p:timing>
     <p:tnLst>
       <p:par>
-        <p:cTn id="1" dur="indefinite" restart="never" nodeType="tmRoot"/>
+        <p:cTn xmlns:p14="http://schemas.microsoft.com/office/powerpoint/2010/main" id="1" dur="indefinite" restart="never" nodeType="tmRoot"/>
       </p:par>
     </p:tnLst>
   </p:timing>
@@ -17178,13 +17178,13 @@
   <p:clrMapOvr>
     <a:masterClrMapping/>
   </p:clrMapOvr>
-  <p:transition spd="med">
+  <p:transition xmlns:p14="http://schemas.microsoft.com/office/powerpoint/2010/main" spd="med">
     <p:fade/>
   </p:transition>
   <p:timing>
     <p:tnLst>
       <p:par>
-        <p:cTn id="1" dur="indefinite" restart="never" nodeType="tmRoot"/>
+        <p:cTn xmlns:p14="http://schemas.microsoft.com/office/powerpoint/2010/main" id="1" dur="indefinite" restart="never" nodeType="tmRoot"/>
       </p:par>
     </p:tnLst>
   </p:timing>
@@ -17550,13 +17550,13 @@
   <p:clrMapOvr>
     <a:masterClrMapping/>
   </p:clrMapOvr>
-  <p:transition spd="med">
+  <p:transition xmlns:p14="http://schemas.microsoft.com/office/powerpoint/2010/main" spd="med">
     <p:fade/>
   </p:transition>
   <p:timing>
     <p:tnLst>
       <p:par>
-        <p:cTn id="1" dur="indefinite" restart="never" nodeType="tmRoot"/>
+        <p:cTn xmlns:p14="http://schemas.microsoft.com/office/powerpoint/2010/main" id="1" dur="indefinite" restart="never" nodeType="tmRoot"/>
       </p:par>
     </p:tnLst>
   </p:timing>
@@ -17711,13 +17711,13 @@
   <p:clrMapOvr>
     <a:masterClrMapping/>
   </p:clrMapOvr>
-  <p:transition spd="med">
+  <p:transition xmlns:p14="http://schemas.microsoft.com/office/powerpoint/2010/main" spd="med">
     <p:fade/>
   </p:transition>
   <p:timing>
     <p:tnLst>
       <p:par>
-        <p:cTn id="1" dur="indefinite" restart="never" nodeType="tmRoot"/>
+        <p:cTn xmlns:p14="http://schemas.microsoft.com/office/powerpoint/2010/main" id="1" dur="indefinite" restart="never" nodeType="tmRoot"/>
       </p:par>
     </p:tnLst>
   </p:timing>
@@ -17838,7 +17838,7 @@
   <p:clrMapOvr>
     <a:masterClrMapping/>
   </p:clrMapOvr>
-  <p:transition spd="med">
+  <p:transition xmlns:p14="http://schemas.microsoft.com/office/powerpoint/2010/main" spd="med">
     <p:fade/>
   </p:transition>
 </p:sld>
@@ -17979,13 +17979,13 @@
   <p:clrMapOvr>
     <a:masterClrMapping/>
   </p:clrMapOvr>
-  <p:transition spd="med">
+  <p:transition xmlns:p14="http://schemas.microsoft.com/office/powerpoint/2010/main" spd="med">
     <p:fade/>
   </p:transition>
   <p:timing>
     <p:tnLst>
       <p:par>
-        <p:cTn id="1" dur="indefinite" restart="never" nodeType="tmRoot"/>
+        <p:cTn xmlns:p14="http://schemas.microsoft.com/office/powerpoint/2010/main" id="1" dur="indefinite" restart="never" nodeType="tmRoot"/>
       </p:par>
     </p:tnLst>
   </p:timing>
@@ -18259,7 +18259,7 @@
   <p:clrMapOvr>
     <a:masterClrMapping/>
   </p:clrMapOvr>
-  <p:transition spd="med">
+  <p:transition xmlns:p14="http://schemas.microsoft.com/office/powerpoint/2010/main" spd="med">
     <p:fade/>
   </p:transition>
 </p:sld>
@@ -18685,13 +18685,13 @@
   <p:clrMapOvr>
     <a:masterClrMapping/>
   </p:clrMapOvr>
-  <p:transition spd="med">
+  <p:transition xmlns:p14="http://schemas.microsoft.com/office/powerpoint/2010/main" spd="med">
     <p:fade/>
   </p:transition>
   <p:timing>
     <p:tnLst>
       <p:par>
-        <p:cTn id="1" dur="indefinite" restart="never" nodeType="tmRoot"/>
+        <p:cTn xmlns:p14="http://schemas.microsoft.com/office/powerpoint/2010/main" id="1" dur="indefinite" restart="never" nodeType="tmRoot"/>
       </p:par>
     </p:tnLst>
   </p:timing>
@@ -18877,13 +18877,13 @@
   <p:clrMapOvr>
     <a:masterClrMapping/>
   </p:clrMapOvr>
-  <p:transition spd="med">
+  <p:transition xmlns:p14="http://schemas.microsoft.com/office/powerpoint/2010/main" spd="med">
     <p:fade/>
   </p:transition>
   <p:timing>
     <p:tnLst>
       <p:par>
-        <p:cTn id="1" dur="indefinite" restart="never" nodeType="tmRoot"/>
+        <p:cTn xmlns:p14="http://schemas.microsoft.com/office/powerpoint/2010/main" id="1" dur="indefinite" restart="never" nodeType="tmRoot"/>
       </p:par>
     </p:tnLst>
   </p:timing>
@@ -19025,13 +19025,13 @@
   <p:clrMapOvr>
     <a:masterClrMapping/>
   </p:clrMapOvr>
-  <p:transition spd="med">
+  <p:transition xmlns:p14="http://schemas.microsoft.com/office/powerpoint/2010/main" spd="med">
     <p:fade/>
   </p:transition>
   <p:timing>
     <p:tnLst>
       <p:par>
-        <p:cTn id="1" dur="indefinite" restart="never" nodeType="tmRoot"/>
+        <p:cTn xmlns:p14="http://schemas.microsoft.com/office/powerpoint/2010/main" id="1" dur="indefinite" restart="never" nodeType="tmRoot"/>
       </p:par>
     </p:tnLst>
   </p:timing>
@@ -19156,13 +19156,13 @@
   <p:clrMapOvr>
     <a:masterClrMapping/>
   </p:clrMapOvr>
-  <p:transition spd="med">
+  <p:transition xmlns:p14="http://schemas.microsoft.com/office/powerpoint/2010/main" spd="med">
     <p:fade/>
   </p:transition>
   <p:timing>
     <p:tnLst>
       <p:par>
-        <p:cTn id="1" dur="indefinite" restart="never" nodeType="tmRoot"/>
+        <p:cTn xmlns:p14="http://schemas.microsoft.com/office/powerpoint/2010/main" id="1" dur="indefinite" restart="never" nodeType="tmRoot"/>
       </p:par>
     </p:tnLst>
   </p:timing>
@@ -19539,7 +19539,7 @@
   <p:clrMapOvr>
     <a:masterClrMapping/>
   </p:clrMapOvr>
-  <p:transition spd="med">
+  <p:transition xmlns:p14="http://schemas.microsoft.com/office/powerpoint/2010/main" spd="med">
     <p:fade/>
   </p:transition>
 </p:sld>
@@ -19669,13 +19669,13 @@
   <p:clrMapOvr>
     <a:masterClrMapping/>
   </p:clrMapOvr>
-  <p:transition spd="med">
+  <p:transition xmlns:p14="http://schemas.microsoft.com/office/powerpoint/2010/main" spd="med">
     <p:fade/>
   </p:transition>
   <p:timing>
     <p:tnLst>
       <p:par>
-        <p:cTn id="1" dur="indefinite" restart="never" nodeType="tmRoot"/>
+        <p:cTn xmlns:p14="http://schemas.microsoft.com/office/powerpoint/2010/main" id="1" dur="indefinite" restart="never" nodeType="tmRoot"/>
       </p:par>
     </p:tnLst>
   </p:timing>
@@ -19790,7 +19790,7 @@
   <p:clrMapOvr>
     <a:masterClrMapping/>
   </p:clrMapOvr>
-  <p:transition spd="med">
+  <p:transition xmlns:p14="http://schemas.microsoft.com/office/powerpoint/2010/main" spd="med">
     <p:fade/>
   </p:transition>
 </p:sld>
@@ -19937,7 +19937,7 @@
   <p:clrMapOvr>
     <a:masterClrMapping/>
   </p:clrMapOvr>
-  <p:transition spd="med">
+  <p:transition xmlns:p14="http://schemas.microsoft.com/office/powerpoint/2010/main" spd="med">
     <p:fade/>
   </p:transition>
 </p:sld>
@@ -20382,7 +20382,7 @@
   <p:clrMapOvr>
     <a:masterClrMapping/>
   </p:clrMapOvr>
-  <p:transition spd="med">
+  <p:transition xmlns:p14="http://schemas.microsoft.com/office/powerpoint/2010/main" spd="med">
     <p:fade/>
   </p:transition>
 </p:sld>
@@ -20767,7 +20767,7 @@
   <p:clrMapOvr>
     <a:masterClrMapping/>
   </p:clrMapOvr>
-  <p:transition spd="med">
+  <p:transition xmlns:p14="http://schemas.microsoft.com/office/powerpoint/2010/main" spd="med">
     <p:fade/>
   </p:transition>
 </p:sld>
@@ -21195,7 +21195,7 @@
   <p:clrMapOvr>
     <a:masterClrMapping/>
   </p:clrMapOvr>
-  <p:transition spd="med">
+  <p:transition xmlns:p14="http://schemas.microsoft.com/office/powerpoint/2010/main" spd="med">
     <p:fade/>
   </p:transition>
 </p:sld>
@@ -21510,7 +21510,7 @@
   <p:clrMapOvr>
     <a:masterClrMapping/>
   </p:clrMapOvr>
-  <p:transition spd="med">
+  <p:transition xmlns:p14="http://schemas.microsoft.com/office/powerpoint/2010/main" spd="med">
     <p:fade/>
   </p:transition>
 </p:sld>
@@ -21719,7 +21719,7 @@
   <p:clrMapOvr>
     <a:masterClrMapping/>
   </p:clrMapOvr>
-  <p:transition spd="med">
+  <p:transition xmlns:p14="http://schemas.microsoft.com/office/powerpoint/2010/main" spd="med">
     <p:fade/>
   </p:transition>
 </p:sld>
@@ -22037,7 +22037,7 @@
   <p:clrMapOvr>
     <a:masterClrMapping/>
   </p:clrMapOvr>
-  <p:transition spd="med">
+  <p:transition xmlns:p14="http://schemas.microsoft.com/office/powerpoint/2010/main" spd="med">
     <p:fade/>
   </p:transition>
 </p:sld>
@@ -22181,13 +22181,13 @@
   <p:clrMapOvr>
     <a:masterClrMapping/>
   </p:clrMapOvr>
-  <p:transition spd="med">
+  <p:transition xmlns:p14="http://schemas.microsoft.com/office/powerpoint/2010/main" spd="med">
     <p:fade/>
   </p:transition>
   <p:timing>
     <p:tnLst>
       <p:par>
-        <p:cTn id="1" dur="indefinite" restart="never" nodeType="tmRoot"/>
+        <p:cTn xmlns:p14="http://schemas.microsoft.com/office/powerpoint/2010/main" id="1" dur="indefinite" restart="never" nodeType="tmRoot"/>
       </p:par>
     </p:tnLst>
   </p:timing>
@@ -22387,13 +22387,13 @@
   <p:clrMapOvr>
     <a:masterClrMapping/>
   </p:clrMapOvr>
-  <p:transition spd="med">
+  <p:transition xmlns:p14="http://schemas.microsoft.com/office/powerpoint/2010/main" spd="med">
     <p:fade/>
   </p:transition>
   <p:timing>
     <p:tnLst>
       <p:par>
-        <p:cTn id="1" dur="indefinite" restart="never" nodeType="tmRoot"/>
+        <p:cTn xmlns:p14="http://schemas.microsoft.com/office/powerpoint/2010/main" id="1" dur="indefinite" restart="never" nodeType="tmRoot"/>
       </p:par>
     </p:tnLst>
   </p:timing>
@@ -22528,20 +22528,20 @@
     </p:spTree>
     <p:extLst>
       <p:ext uri="{BB962C8B-B14F-4D97-AF65-F5344CB8AC3E}">
-        <p14:creationId xmlns:p14="http://schemas.microsoft.com/office/powerpoint/2010/main" val="622816027"/>
+        <p14:creationId xmlns:p14="http://schemas.microsoft.com/office/powerpoint/2010/main" val="3354019736"/>
       </p:ext>
     </p:extLst>
   </p:cSld>
   <p:clrMapOvr>
     <a:masterClrMapping/>
   </p:clrMapOvr>
-  <p:transition spd="med">
+  <p:transition xmlns:p14="http://schemas.microsoft.com/office/powerpoint/2010/main" spd="med">
     <p:fade/>
   </p:transition>
   <p:timing>
     <p:tnLst>
       <p:par>
-        <p:cTn id="1" dur="indefinite" restart="never" nodeType="tmRoot"/>
+        <p:cTn xmlns:p14="http://schemas.microsoft.com/office/powerpoint/2010/main" id="1" dur="indefinite" restart="never" nodeType="tmRoot"/>
       </p:par>
     </p:tnLst>
   </p:timing>
@@ -22858,7 +22858,7 @@
   <p:clrMapOvr>
     <a:masterClrMapping/>
   </p:clrMapOvr>
-  <p:transition spd="med">
+  <p:transition xmlns:p14="http://schemas.microsoft.com/office/powerpoint/2010/main" spd="med">
     <p:fade/>
   </p:transition>
 </p:sld>
@@ -23169,7 +23169,7 @@
   <p:clrMapOvr>
     <a:masterClrMapping/>
   </p:clrMapOvr>
-  <p:transition spd="med">
+  <p:transition xmlns:p14="http://schemas.microsoft.com/office/powerpoint/2010/main" spd="med">
     <p:fade/>
   </p:transition>
 </p:sld>
@@ -23292,13 +23292,13 @@
   <p:clrMapOvr>
     <a:masterClrMapping/>
   </p:clrMapOvr>
-  <p:transition spd="med">
+  <p:transition xmlns:p14="http://schemas.microsoft.com/office/powerpoint/2010/main" spd="med">
     <p:fade/>
   </p:transition>
   <p:timing>
     <p:tnLst>
       <p:par>
-        <p:cTn id="1" dur="indefinite" restart="never" nodeType="tmRoot"/>
+        <p:cTn xmlns:p14="http://schemas.microsoft.com/office/powerpoint/2010/main" id="1" dur="indefinite" restart="never" nodeType="tmRoot"/>
       </p:par>
     </p:tnLst>
   </p:timing>
@@ -23745,7 +23745,7 @@
   <p:clrMapOvr>
     <a:masterClrMapping/>
   </p:clrMapOvr>
-  <p:transition spd="med">
+  <p:transition xmlns:p14="http://schemas.microsoft.com/office/powerpoint/2010/main" spd="med">
     <p:fade/>
   </p:transition>
 </p:sld>
@@ -24421,7 +24421,7 @@
   <p:clrMapOvr>
     <a:masterClrMapping/>
   </p:clrMapOvr>
-  <p:transition spd="med">
+  <p:transition xmlns:p14="http://schemas.microsoft.com/office/powerpoint/2010/main" spd="med">
     <p:fade/>
   </p:transition>
 </p:sld>
@@ -24691,7 +24691,7 @@
   <p:clrMapOvr>
     <a:masterClrMapping/>
   </p:clrMapOvr>
-  <p:transition spd="med">
+  <p:transition xmlns:p14="http://schemas.microsoft.com/office/powerpoint/2010/main" spd="med">
     <p:fade/>
   </p:transition>
 </p:sld>
@@ -24836,13 +24836,13 @@
   <p:clrMapOvr>
     <a:masterClrMapping/>
   </p:clrMapOvr>
-  <p:transition spd="med">
+  <p:transition xmlns:p14="http://schemas.microsoft.com/office/powerpoint/2010/main" spd="med">
     <p:fade/>
   </p:transition>
   <p:timing>
     <p:tnLst>
       <p:par>
-        <p:cTn id="1" dur="indefinite" restart="never" nodeType="tmRoot"/>
+        <p:cTn xmlns:p14="http://schemas.microsoft.com/office/powerpoint/2010/main" id="1" dur="indefinite" restart="never" nodeType="tmRoot"/>
       </p:par>
     </p:tnLst>
   </p:timing>
@@ -25124,7 +25124,7 @@
   <p:clrMapOvr>
     <a:masterClrMapping/>
   </p:clrMapOvr>
-  <p:transition spd="med">
+  <p:transition xmlns:p14="http://schemas.microsoft.com/office/powerpoint/2010/main" spd="med">
     <p:fade/>
   </p:transition>
 </p:sld>
@@ -25245,13 +25245,13 @@
   <p:clrMapOvr>
     <a:masterClrMapping/>
   </p:clrMapOvr>
-  <p:transition spd="med">
+  <p:transition xmlns:p14="http://schemas.microsoft.com/office/powerpoint/2010/main" spd="med">
     <p:fade/>
   </p:transition>
   <p:timing>
     <p:tnLst>
       <p:par>
-        <p:cTn id="1" dur="indefinite" restart="never" nodeType="tmRoot"/>
+        <p:cTn xmlns:p14="http://schemas.microsoft.com/office/powerpoint/2010/main" id="1" dur="indefinite" restart="never" nodeType="tmRoot"/>
       </p:par>
     </p:tnLst>
   </p:timing>
@@ -25397,7 +25397,7 @@
   <p:clrMapOvr>
     <a:masterClrMapping/>
   </p:clrMapOvr>
-  <p:transition spd="med">
+  <p:transition xmlns:p14="http://schemas.microsoft.com/office/powerpoint/2010/main" spd="med">
     <p:fade/>
   </p:transition>
 </p:sld>
@@ -25613,13 +25613,13 @@
   <p:clrMapOvr>
     <a:masterClrMapping/>
   </p:clrMapOvr>
-  <p:transition spd="med">
+  <p:transition xmlns:p14="http://schemas.microsoft.com/office/powerpoint/2010/main" spd="med">
     <p:fade/>
   </p:transition>
   <p:timing>
     <p:tnLst>
       <p:par>
-        <p:cTn id="1" dur="indefinite" restart="never" nodeType="tmRoot"/>
+        <p:cTn xmlns:p14="http://schemas.microsoft.com/office/powerpoint/2010/main" id="1" dur="indefinite" restart="never" nodeType="tmRoot"/>
       </p:par>
     </p:tnLst>
   </p:timing>
@@ -26131,7 +26131,7 @@
   <p:clrMapOvr>
     <a:masterClrMapping/>
   </p:clrMapOvr>
-  <p:transition spd="med">
+  <p:transition xmlns:p14="http://schemas.microsoft.com/office/powerpoint/2010/main" spd="med">
     <p:fade/>
   </p:transition>
 </p:sld>
@@ -26419,7 +26419,7 @@
   <p:clrMapOvr>
     <a:masterClrMapping/>
   </p:clrMapOvr>
-  <p:transition spd="med">
+  <p:transition xmlns:p14="http://schemas.microsoft.com/office/powerpoint/2010/main" spd="med">
     <p:fade/>
   </p:transition>
 </p:sld>
@@ -26564,13 +26564,13 @@
   <p:clrMapOvr>
     <a:masterClrMapping/>
   </p:clrMapOvr>
-  <p:transition spd="med">
+  <p:transition xmlns:p14="http://schemas.microsoft.com/office/powerpoint/2010/main" spd="med">
     <p:fade/>
   </p:transition>
   <p:timing>
     <p:tnLst>
       <p:par>
-        <p:cTn id="1" dur="indefinite" restart="never" nodeType="tmRoot"/>
+        <p:cTn xmlns:p14="http://schemas.microsoft.com/office/powerpoint/2010/main" id="1" dur="indefinite" restart="never" nodeType="tmRoot"/>
       </p:par>
     </p:tnLst>
   </p:timing>
@@ -26852,7 +26852,7 @@
   <p:clrMapOvr>
     <a:masterClrMapping/>
   </p:clrMapOvr>
-  <p:transition spd="med">
+  <p:transition xmlns:p14="http://schemas.microsoft.com/office/powerpoint/2010/main" spd="med">
     <p:fade/>
   </p:transition>
 </p:sld>
@@ -27009,7 +27009,7 @@
   <p:clrMapOvr>
     <a:masterClrMapping/>
   </p:clrMapOvr>
-  <p:transition spd="med">
+  <p:transition xmlns:p14="http://schemas.microsoft.com/office/powerpoint/2010/main" spd="med">
     <p:fade/>
   </p:transition>
 </p:sld>
@@ -27276,7 +27276,7 @@
   <p:clrMapOvr>
     <a:masterClrMapping/>
   </p:clrMapOvr>
-  <p:transition spd="med">
+  <p:transition xmlns:p14="http://schemas.microsoft.com/office/powerpoint/2010/main" spd="med">
     <p:fade/>
   </p:transition>
 </p:sld>
@@ -27543,7 +27543,7 @@
   <p:clrMapOvr>
     <a:masterClrMapping/>
   </p:clrMapOvr>
-  <p:transition spd="med">
+  <p:transition xmlns:p14="http://schemas.microsoft.com/office/powerpoint/2010/main" spd="med">
     <p:fade/>
   </p:transition>
 </p:sld>
@@ -27909,7 +27909,7 @@
   <p:clrMapOvr>
     <a:masterClrMapping/>
   </p:clrMapOvr>
-  <p:transition spd="med">
+  <p:transition xmlns:p14="http://schemas.microsoft.com/office/powerpoint/2010/main" spd="med">
     <p:fade/>
   </p:transition>
 </p:sld>
@@ -28281,7 +28281,7 @@
   <p:clrMapOvr>
     <a:masterClrMapping/>
   </p:clrMapOvr>
-  <p:transition spd="med">
+  <p:transition xmlns:p14="http://schemas.microsoft.com/office/powerpoint/2010/main" spd="med">
     <p:fade/>
   </p:transition>
 </p:sld>
@@ -28562,7 +28562,7 @@
   <p:clrMapOvr>
     <a:masterClrMapping/>
   </p:clrMapOvr>
-  <p:transition spd="med">
+  <p:transition xmlns:p14="http://schemas.microsoft.com/office/powerpoint/2010/main" spd="med">
     <p:fade/>
   </p:transition>
 </p:sld>
@@ -28731,13 +28731,13 @@
   <p:clrMapOvr>
     <a:masterClrMapping/>
   </p:clrMapOvr>
-  <p:transition spd="med">
+  <p:transition xmlns:p14="http://schemas.microsoft.com/office/powerpoint/2010/main" spd="med">
     <p:fade/>
   </p:transition>
   <p:timing>
     <p:tnLst>
       <p:par>
-        <p:cTn id="1" dur="indefinite" restart="never" nodeType="tmRoot"/>
+        <p:cTn xmlns:p14="http://schemas.microsoft.com/office/powerpoint/2010/main" id="1" dur="indefinite" restart="never" nodeType="tmRoot"/>
       </p:par>
     </p:tnLst>
   </p:timing>
@@ -29033,7 +29033,7 @@
   <p:clrMapOvr>
     <a:masterClrMapping/>
   </p:clrMapOvr>
-  <p:transition spd="med">
+  <p:transition xmlns:p14="http://schemas.microsoft.com/office/powerpoint/2010/main" spd="med">
     <p:fade/>
   </p:transition>
 </p:sld>
@@ -29423,13 +29423,13 @@
   <p:clrMapOvr>
     <a:masterClrMapping/>
   </p:clrMapOvr>
-  <p:transition spd="med">
+  <p:transition xmlns:p14="http://schemas.microsoft.com/office/powerpoint/2010/main" spd="med">
     <p:fade/>
   </p:transition>
   <p:timing>
     <p:tnLst>
       <p:par>
-        <p:cTn id="1" dur="indefinite" restart="never" nodeType="tmRoot"/>
+        <p:cTn xmlns:p14="http://schemas.microsoft.com/office/powerpoint/2010/main" id="1" dur="indefinite" restart="never" nodeType="tmRoot"/>
       </p:par>
     </p:tnLst>
   </p:timing>
@@ -29550,13 +29550,13 @@
   <p:clrMapOvr>
     <a:masterClrMapping/>
   </p:clrMapOvr>
-  <p:transition spd="med">
+  <p:transition xmlns:p14="http://schemas.microsoft.com/office/powerpoint/2010/main" spd="med">
     <p:fade/>
   </p:transition>
   <p:timing>
     <p:tnLst>
       <p:par>
-        <p:cTn id="1" dur="indefinite" restart="never" nodeType="tmRoot"/>
+        <p:cTn xmlns:p14="http://schemas.microsoft.com/office/powerpoint/2010/main" id="1" dur="indefinite" restart="never" nodeType="tmRoot"/>
       </p:par>
     </p:tnLst>
   </p:timing>
@@ -29755,7 +29755,7 @@
   <p:clrMapOvr>
     <a:masterClrMapping/>
   </p:clrMapOvr>
-  <p:transition spd="med">
+  <p:transition xmlns:p14="http://schemas.microsoft.com/office/powerpoint/2010/main" spd="med">
     <p:fade/>
   </p:transition>
 </p:sld>
@@ -30017,7 +30017,7 @@
   <p:clrMapOvr>
     <a:masterClrMapping/>
   </p:clrMapOvr>
-  <p:transition spd="med">
+  <p:transition xmlns:p14="http://schemas.microsoft.com/office/powerpoint/2010/main" spd="med">
     <p:fade/>
   </p:transition>
 </p:sld>
@@ -30268,7 +30268,7 @@
   <p:clrMapOvr>
     <a:masterClrMapping/>
   </p:clrMapOvr>
-  <p:transition spd="med">
+  <p:transition xmlns:p14="http://schemas.microsoft.com/office/powerpoint/2010/main" spd="med">
     <p:fade/>
   </p:transition>
 </p:sld>
@@ -30369,13 +30369,13 @@
   <p:clrMapOvr>
     <a:masterClrMapping/>
   </p:clrMapOvr>
-  <p:transition spd="med">
+  <p:transition xmlns:p14="http://schemas.microsoft.com/office/powerpoint/2010/main" spd="med">
     <p:fade/>
   </p:transition>
   <p:timing>
     <p:tnLst>
       <p:par>
-        <p:cTn id="1" dur="indefinite" restart="never" nodeType="tmRoot"/>
+        <p:cTn xmlns:p14="http://schemas.microsoft.com/office/powerpoint/2010/main" id="1" dur="indefinite" restart="never" nodeType="tmRoot"/>
       </p:par>
     </p:tnLst>
   </p:timing>
@@ -30457,13 +30457,13 @@
   <p:clrMapOvr>
     <a:masterClrMapping/>
   </p:clrMapOvr>
-  <p:transition spd="med">
+  <p:transition xmlns:p14="http://schemas.microsoft.com/office/powerpoint/2010/main" spd="med">
     <p:fade/>
   </p:transition>
   <p:timing>
     <p:tnLst>
       <p:par>
-        <p:cTn id="1" dur="indefinite" restart="never" nodeType="tmRoot"/>
+        <p:cTn xmlns:p14="http://schemas.microsoft.com/office/powerpoint/2010/main" id="1" dur="indefinite" restart="never" nodeType="tmRoot"/>
       </p:par>
     </p:tnLst>
   </p:timing>
@@ -30497,7 +30497,7 @@
   <p:clrMapOvr>
     <a:masterClrMapping/>
   </p:clrMapOvr>
-  <p:transition spd="med">
+  <p:transition xmlns:p14="http://schemas.microsoft.com/office/powerpoint/2010/main" spd="med">
     <p:fade/>
   </p:transition>
 </p:sld>
@@ -30638,13 +30638,13 @@
   <p:clrMapOvr>
     <a:masterClrMapping/>
   </p:clrMapOvr>
-  <p:transition spd="med">
+  <p:transition xmlns:p14="http://schemas.microsoft.com/office/powerpoint/2010/main" spd="med">
     <p:fade/>
   </p:transition>
   <p:timing>
     <p:tnLst>
       <p:par>
-        <p:cTn id="1" dur="indefinite" restart="never" nodeType="tmRoot"/>
+        <p:cTn xmlns:p14="http://schemas.microsoft.com/office/powerpoint/2010/main" id="1" dur="indefinite" restart="never" nodeType="tmRoot"/>
       </p:par>
     </p:tnLst>
   </p:timing>
@@ -30936,13 +30936,13 @@
   <p:clrMapOvr>
     <a:masterClrMapping/>
   </p:clrMapOvr>
-  <p:transition spd="med">
+  <p:transition xmlns:p14="http://schemas.microsoft.com/office/powerpoint/2010/main" spd="med">
     <p:fade/>
   </p:transition>
   <p:timing>
     <p:tnLst>
       <p:par>
-        <p:cTn id="1" dur="indefinite" restart="never" nodeType="tmRoot"/>
+        <p:cTn xmlns:p14="http://schemas.microsoft.com/office/powerpoint/2010/main" id="1" dur="indefinite" restart="never" nodeType="tmRoot"/>
       </p:par>
     </p:tnLst>
   </p:timing>
@@ -31017,12 +31017,19 @@
             </a:r>
           </a:p>
           <a:p>
-            <a:endParaRPr lang="en-US" sz="2000" dirty="0"/>
-          </a:p>
-          <a:p>
             <a:r>
               <a:rPr lang="en-US" sz="2000" dirty="0" smtClean="0"/>
-              <a:t>    it </a:t>
+              <a:t> </a:t>
+            </a:r>
+          </a:p>
+          <a:p>
+            <a:r>
+              <a:rPr lang="en-US" sz="2000" dirty="0"/>
+              <a:t> </a:t>
+            </a:r>
+            <a:r>
+              <a:rPr lang="en-US" sz="2000" dirty="0" smtClean="0"/>
+              <a:t>   it </a:t>
             </a:r>
             <a:r>
               <a:rPr lang="en-US" sz="2000" dirty="0"/>
@@ -31231,13 +31238,13 @@
   <p:clrMapOvr>
     <a:masterClrMapping/>
   </p:clrMapOvr>
-  <p:transition spd="med">
+  <p:transition xmlns:p14="http://schemas.microsoft.com/office/powerpoint/2010/main" spd="med">
     <p:fade/>
   </p:transition>
   <p:timing>
     <p:tnLst>
       <p:par>
-        <p:cTn id="1" dur="indefinite" restart="never" nodeType="tmRoot"/>
+        <p:cTn xmlns:p14="http://schemas.microsoft.com/office/powerpoint/2010/main" id="1" dur="indefinite" restart="never" nodeType="tmRoot"/>
       </p:par>
     </p:tnLst>
   </p:timing>
@@ -31469,13 +31476,13 @@
   <p:clrMapOvr>
     <a:masterClrMapping/>
   </p:clrMapOvr>
-  <p:transition spd="med">
+  <p:transition xmlns:p14="http://schemas.microsoft.com/office/powerpoint/2010/main" spd="med">
     <p:fade/>
   </p:transition>
   <p:timing>
     <p:tnLst>
       <p:par>
-        <p:cTn id="1" dur="indefinite" restart="never" nodeType="tmRoot"/>
+        <p:cTn xmlns:p14="http://schemas.microsoft.com/office/powerpoint/2010/main" id="1" dur="indefinite" restart="never" nodeType="tmRoot"/>
       </p:par>
     </p:tnLst>
   </p:timing>
@@ -31858,7 +31865,7 @@
   <a:extraClrSchemeLst/>
   <a:extLst>
     <a:ext uri="{05A4C25C-085E-4340-85A3-A5531E510DB2}">
-      <thm15:themeFamily xmlns:thm15="http://schemas.microsoft.com/office/thememl/2012/main" name="Chef-TemplateComps_v09-16x9-Light.potx" id="{078CEFDB-FA7A-4E36-9964-13EF367585CB}" vid="{8B87B0F3-7308-43D5-8388-E1B49EA02652}"/>
+      <thm15:themeFamily xmlns="" xmlns:thm15="http://schemas.microsoft.com/office/thememl/2012/main" name="Chef-TemplateComps_v09-16x9-Light.potx" id="{078CEFDB-FA7A-4E36-9964-13EF367585CB}" vid="{8B87B0F3-7308-43D5-8388-E1B49EA02652}"/>
     </a:ext>
   </a:extLst>
 </a:theme>
@@ -32240,7 +32247,7 @@
   <a:extraClrSchemeLst/>
   <a:extLst>
     <a:ext uri="{05A4C25C-085E-4340-85A3-A5531E510DB2}">
-      <thm15:themeFamily xmlns:thm15="http://schemas.microsoft.com/office/thememl/2012/main" name="Chef-TemplateComps_v09-16x9-Light.potx" id="{078CEFDB-FA7A-4E36-9964-13EF367585CB}" vid="{8B87B0F3-7308-43D5-8388-E1B49EA02652}"/>
+      <thm15:themeFamily xmlns="" xmlns:thm15="http://schemas.microsoft.com/office/thememl/2012/main" name="Chef-TemplateComps_v09-16x9-Light.potx" id="{078CEFDB-FA7A-4E36-9964-13EF367585CB}" vid="{8B87B0F3-7308-43D5-8388-E1B49EA02652}"/>
     </a:ext>
   </a:extLst>
 </a:theme>

--- a/04-creating_a_custom_resource.pptx
+++ b/04-creating_a_custom_resource.pptx
@@ -6,10 +6,10 @@
     <p:sldMasterId id="2147483847" r:id="rId6"/>
   </p:sldMasterIdLst>
   <p:notesMasterIdLst>
-    <p:notesMasterId r:id="rId73"/>
+    <p:notesMasterId r:id="rId72"/>
   </p:notesMasterIdLst>
   <p:handoutMasterIdLst>
-    <p:handoutMasterId r:id="rId74"/>
+    <p:handoutMasterId r:id="rId73"/>
   </p:handoutMasterIdLst>
   <p:sldIdLst>
     <p:sldId id="256" r:id="rId7"/>
@@ -73,11 +73,10 @@
     <p:sldId id="327" r:id="rId65"/>
     <p:sldId id="326" r:id="rId66"/>
     <p:sldId id="328" r:id="rId67"/>
-    <p:sldId id="336" r:id="rId68"/>
-    <p:sldId id="349" r:id="rId69"/>
-    <p:sldId id="264" r:id="rId70"/>
-    <p:sldId id="266" r:id="rId71"/>
-    <p:sldId id="265" r:id="rId72"/>
+    <p:sldId id="349" r:id="rId68"/>
+    <p:sldId id="264" r:id="rId69"/>
+    <p:sldId id="266" r:id="rId70"/>
+    <p:sldId id="265" r:id="rId71"/>
   </p:sldIdLst>
   <p:sldSz cx="16256000" cy="9144000"/>
   <p:notesSz cx="6858000" cy="9144000"/>
@@ -339,7 +338,7 @@
               <a:pPr>
                 <a:defRPr/>
               </a:pPr>
-              <a:t>2016-10-18</a:t>
+              <a:t>2016-10-23</a:t>
             </a:fld>
             <a:endParaRPr lang="en-US" dirty="0"/>
           </a:p>
@@ -522,7 +521,7 @@
               <a:pPr>
                 <a:defRPr/>
               </a:pPr>
-              <a:t>2016-10-18</a:t>
+              <a:t>2016-10-23</a:t>
             </a:fld>
             <a:endParaRPr lang="en-US" dirty="0"/>
           </a:p>
@@ -5154,11 +5153,7 @@
             </a:r>
             <a:r>
               <a:rPr lang="en-US" baseline="0" dirty="0" smtClean="0"/>
-              <a:t> same file as you define the resource actions. Generally these are defined at the top of the file to make them immediately visible. A property is defined by specifying a method named property with two required parameters and a third set of optional parameters. The name of the property is defined as a Ruby Symbol. The type is a Ruby class name. This type enforces what kind of values are supported by this property; typically it is </a:t>
-            </a:r>
-            <a:r>
-              <a:rPr lang="en-US" baseline="0" dirty="0" smtClean="0"/>
-              <a:t>a String for text and a </a:t>
+              <a:t> same file as you define the resource actions. Generally these are defined at the top of the file to make them immediately visible. A property is defined by specifying a method named property with two required parameters and a third set of optional parameters. The name of the property is defined as a Ruby Symbol. The type is a Ruby class name. This type enforces what kind of values are supported by this property; typically it is a String for text and a </a:t>
             </a:r>
             <a:r>
               <a:rPr lang="en-US" baseline="0" dirty="0" err="1" smtClean="0"/>
@@ -7955,15 +7950,7 @@
           <a:p>
             <a:r>
               <a:rPr lang="en-US" dirty="0" smtClean="0"/>
-              <a:t>The remove action </a:t>
-            </a:r>
-            <a:r>
-              <a:rPr lang="en-US" dirty="0" smtClean="0"/>
-              <a:t>asks </a:t>
-            </a:r>
-            <a:r>
-              <a:rPr lang="en-US" dirty="0" smtClean="0"/>
-              <a:t>that you remove the directory</a:t>
+              <a:t>The remove action asks that you remove the directory</a:t>
             </a:r>
             <a:r>
               <a:rPr lang="en-US" baseline="0" dirty="0" smtClean="0"/>
@@ -8274,7 +8261,6 @@
               <a:rPr lang="en-US" baseline="0" dirty="0" smtClean="0"/>
               <a:t>The resource now has two actions and we have removed the initial welcome site.</a:t>
             </a:r>
-            <a:endParaRPr lang="en-US" baseline="0" dirty="0" smtClean="0"/>
           </a:p>
         </p:txBody>
       </p:sp>
@@ -9722,6 +9708,23 @@
           <a:lstStyle/>
           <a:p>
             <a:r>
+              <a:rPr lang="en-US" dirty="0" smtClean="0"/>
+              <a:t>The initial</a:t>
+            </a:r>
+            <a:r>
+              <a:rPr lang="en-US" baseline="0" dirty="0" smtClean="0"/>
+              <a:t> file resource has now been removed and we are creating a new apache virtual host on port 80 for our users' site. We have also updated all the expectations to correctly verify the state of the run list. Finally we also updated the tests that were executed on the virtual </a:t>
+            </a:r>
+            <a:r>
+              <a:rPr lang="en-US" baseline="0" dirty="0" smtClean="0"/>
+              <a:t>machine</a:t>
+            </a:r>
+          </a:p>
+          <a:p>
+            <a:endParaRPr lang="en-US" baseline="0" dirty="0" smtClean="0"/>
+          </a:p>
+          <a:p>
+            <a:r>
               <a:rPr lang="en-US" baseline="0" dirty="0" smtClean="0"/>
               <a:t>Congratulations! </a:t>
             </a:r>
@@ -9731,18 +9734,16 @@
             </a:r>
             <a:r>
               <a:rPr lang="en-US" baseline="0" dirty="0" smtClean="0"/>
-              <a:t> custom resource now is able to create sites and remove them.</a:t>
-            </a:r>
-          </a:p>
-          <a:p>
+              <a:t> custom resource now is able to create sites and remove them. There are still more things to learn about custom resources that we will explore in the next module.</a:t>
+            </a:r>
+            <a:endParaRPr lang="en-US" dirty="0" smtClean="0"/>
+          </a:p>
+          <a:p>
+            <a:r>
+              <a:rPr lang="en-US" baseline="0" dirty="0" smtClean="0"/>
+              <a:t>.</a:t>
+            </a:r>
             <a:endParaRPr lang="en-US" baseline="0" dirty="0" smtClean="0"/>
-          </a:p>
-          <a:p>
-            <a:r>
-              <a:rPr lang="en-US" baseline="0" dirty="0" smtClean="0"/>
-              <a:t>There are still more things to learn about custom resources that we will explore in the next module.</a:t>
-            </a:r>
-            <a:endParaRPr lang="en-US" dirty="0"/>
           </a:p>
         </p:txBody>
       </p:sp>
@@ -9822,7 +9823,7 @@
     </p:spTree>
     <p:extLst>
       <p:ext uri="{BB962C8B-B14F-4D97-AF65-F5344CB8AC3E}">
-        <p14:creationId xmlns:p14="http://schemas.microsoft.com/office/powerpoint/2010/main" val="336022930"/>
+        <p14:creationId xmlns:p14="http://schemas.microsoft.com/office/powerpoint/2010/main" val="855420164"/>
       </p:ext>
     </p:extLst>
   </p:cSld>
@@ -9876,15 +9877,110 @@
           <a:bodyPr/>
           <a:lstStyle/>
           <a:p>
+            <a:pPr marL="0" marR="0" indent="0" algn="l" defTabSz="1217613" rtl="0" eaLnBrk="1" fontAlgn="base" latinLnBrk="0" hangingPunct="1">
+              <a:lnSpc>
+                <a:spcPct val="90000"/>
+              </a:lnSpc>
+              <a:spcBef>
+                <a:spcPct val="30000"/>
+              </a:spcBef>
+              <a:spcAft>
+                <a:spcPts val="450"/>
+              </a:spcAft>
+              <a:buClrTx/>
+              <a:buSzTx/>
+              <a:buFontTx/>
+              <a:buNone/>
+              <a:tabLst/>
+              <a:defRPr/>
+            </a:pPr>
             <a:r>
               <a:rPr lang="en-US" dirty="0" smtClean="0"/>
-              <a:t>The initial</a:t>
+              <a:t>Let's finish this module with a discussion.</a:t>
             </a:r>
             <a:r>
               <a:rPr lang="en-US" baseline="0" dirty="0" smtClean="0"/>
-              <a:t> file resource has now been removed and we are creating a new apache virtual host on port 80 for our users' site. We have also updated all the expectations to correctly verify the state of the run list. Finally we also updated the tests that were executed on the virtual machine.</a:t>
-            </a:r>
-            <a:endParaRPr lang="en-US" baseline="0" dirty="0" smtClean="0"/>
+              <a:t> </a:t>
+            </a:r>
+            <a:r>
+              <a:rPr lang="en-US" dirty="0" smtClean="0"/>
+              <a:t>Answer these questions.</a:t>
+            </a:r>
+            <a:r>
+              <a:rPr lang="en-US" baseline="0" dirty="0" smtClean="0"/>
+              <a:t> </a:t>
+            </a:r>
+            <a:r>
+              <a:rPr lang="en-US" dirty="0" smtClean="0"/>
+              <a:t>Remember that the answer "I don't know! That's why I'm here!" is a great answer.</a:t>
+            </a:r>
+          </a:p>
+          <a:p>
+            <a:pPr marL="0" marR="0" indent="0" algn="l" defTabSz="1217613" rtl="0" eaLnBrk="1" fontAlgn="base" latinLnBrk="0" hangingPunct="1">
+              <a:lnSpc>
+                <a:spcPct val="90000"/>
+              </a:lnSpc>
+              <a:spcBef>
+                <a:spcPct val="30000"/>
+              </a:spcBef>
+              <a:spcAft>
+                <a:spcPts val="450"/>
+              </a:spcAft>
+              <a:buClrTx/>
+              <a:buSzTx/>
+              <a:buFontTx/>
+              <a:buNone/>
+              <a:tabLst/>
+              <a:defRPr/>
+            </a:pPr>
+            <a:endParaRPr lang="en-US" dirty="0" smtClean="0"/>
+          </a:p>
+          <a:p>
+            <a:pPr marL="0" marR="0" indent="0" algn="l" defTabSz="1219090" rtl="0" eaLnBrk="1" fontAlgn="auto" latinLnBrk="0" hangingPunct="1">
+              <a:lnSpc>
+                <a:spcPct val="90000"/>
+              </a:lnSpc>
+              <a:spcBef>
+                <a:spcPts val="0"/>
+              </a:spcBef>
+              <a:spcAft>
+                <a:spcPts val="444"/>
+              </a:spcAft>
+              <a:buClrTx/>
+              <a:buSzTx/>
+              <a:buFontTx/>
+              <a:buNone/>
+              <a:tabLst/>
+              <a:defRPr/>
+            </a:pPr>
+            <a:r>
+              <a:rPr lang="en-US" baseline="0" dirty="0" smtClean="0"/>
+              <a:t>Instructor Note: With large groups I often find it better to have individuals turn to the individuals around them, form groups of whatever size they feel comfortable, and have them take turns asking and answering the questions. When all the groups are done I then open the discussion up to the entire group allowing each group or individuals to share their answers.</a:t>
+            </a:r>
+            <a:endParaRPr lang="en-US" dirty="0" smtClean="0"/>
+          </a:p>
+          <a:p>
+            <a:endParaRPr lang="en-US" dirty="0" smtClean="0"/>
+          </a:p>
+          <a:p>
+            <a:pPr marL="0" marR="0" indent="0" algn="l" defTabSz="1217613" rtl="0" eaLnBrk="1" fontAlgn="base" latinLnBrk="0" hangingPunct="1">
+              <a:lnSpc>
+                <a:spcPct val="90000"/>
+              </a:lnSpc>
+              <a:spcBef>
+                <a:spcPct val="30000"/>
+              </a:spcBef>
+              <a:spcAft>
+                <a:spcPts val="450"/>
+              </a:spcAft>
+              <a:buClrTx/>
+              <a:buSzTx/>
+              <a:buFontTx/>
+              <a:buNone/>
+              <a:tabLst/>
+              <a:defRPr/>
+            </a:pPr>
+            <a:endParaRPr lang="en-US" dirty="0" smtClean="0"/>
           </a:p>
         </p:txBody>
       </p:sp>
@@ -9964,7 +10060,7 @@
     </p:spTree>
     <p:extLst>
       <p:ext uri="{BB962C8B-B14F-4D97-AF65-F5344CB8AC3E}">
-        <p14:creationId xmlns:p14="http://schemas.microsoft.com/office/powerpoint/2010/main" val="855420164"/>
+        <p14:creationId xmlns:p14="http://schemas.microsoft.com/office/powerpoint/2010/main" val="1601642993"/>
       </p:ext>
     </p:extLst>
   </p:cSld>
@@ -10018,109 +10114,10 @@
           <a:bodyPr/>
           <a:lstStyle/>
           <a:p>
-            <a:pPr marL="0" marR="0" indent="0" algn="l" defTabSz="1217613" rtl="0" eaLnBrk="1" fontAlgn="base" latinLnBrk="0" hangingPunct="1">
-              <a:lnSpc>
-                <a:spcPct val="90000"/>
-              </a:lnSpc>
-              <a:spcBef>
-                <a:spcPct val="30000"/>
-              </a:spcBef>
-              <a:spcAft>
-                <a:spcPts val="450"/>
-              </a:spcAft>
-              <a:buClrTx/>
-              <a:buSzTx/>
-              <a:buFontTx/>
-              <a:buNone/>
-              <a:tabLst/>
-              <a:defRPr/>
-            </a:pPr>
-            <a:r>
-              <a:rPr lang="en-US" dirty="0" smtClean="0"/>
-              <a:t>Let's finish this module with a discussion.</a:t>
-            </a:r>
-            <a:r>
-              <a:rPr lang="en-US" baseline="0" dirty="0" smtClean="0"/>
-              <a:t> </a:t>
-            </a:r>
-            <a:r>
-              <a:rPr lang="en-US" dirty="0" smtClean="0"/>
-              <a:t>Answer these questions.</a:t>
-            </a:r>
-            <a:r>
-              <a:rPr lang="en-US" baseline="0" dirty="0" smtClean="0"/>
-              <a:t> </a:t>
-            </a:r>
-            <a:r>
-              <a:rPr lang="en-US" dirty="0" smtClean="0"/>
-              <a:t>Remember that the answer "I don't know! That's why I'm here!" is a great answer.</a:t>
-            </a:r>
-          </a:p>
-          <a:p>
-            <a:pPr marL="0" marR="0" indent="0" algn="l" defTabSz="1217613" rtl="0" eaLnBrk="1" fontAlgn="base" latinLnBrk="0" hangingPunct="1">
-              <a:lnSpc>
-                <a:spcPct val="90000"/>
-              </a:lnSpc>
-              <a:spcBef>
-                <a:spcPct val="30000"/>
-              </a:spcBef>
-              <a:spcAft>
-                <a:spcPts val="450"/>
-              </a:spcAft>
-              <a:buClrTx/>
-              <a:buSzTx/>
-              <a:buFontTx/>
-              <a:buNone/>
-              <a:tabLst/>
-              <a:defRPr/>
-            </a:pPr>
-            <a:endParaRPr lang="en-US" dirty="0" smtClean="0"/>
-          </a:p>
-          <a:p>
-            <a:pPr marL="0" marR="0" indent="0" algn="l" defTabSz="1219090" rtl="0" eaLnBrk="1" fontAlgn="auto" latinLnBrk="0" hangingPunct="1">
-              <a:lnSpc>
-                <a:spcPct val="90000"/>
-              </a:lnSpc>
-              <a:spcBef>
-                <a:spcPts val="0"/>
-              </a:spcBef>
-              <a:spcAft>
-                <a:spcPts val="444"/>
-              </a:spcAft>
-              <a:buClrTx/>
-              <a:buSzTx/>
-              <a:buFontTx/>
-              <a:buNone/>
-              <a:tabLst/>
-              <a:defRPr/>
-            </a:pPr>
-            <a:r>
-              <a:rPr lang="en-US" baseline="0" dirty="0" smtClean="0"/>
-              <a:t>Instructor Note: With large groups I often find it better to have individuals turn to the individuals around them, form groups of whatever size they feel comfortable, and have them take turns asking and answering the questions. When all the groups are done I then open the discussion up to the entire group allowing each group or individuals to share their answers.</a:t>
-            </a:r>
-            <a:endParaRPr lang="en-US" dirty="0" smtClean="0"/>
-          </a:p>
-          <a:p>
-            <a:endParaRPr lang="en-US" dirty="0" smtClean="0"/>
-          </a:p>
-          <a:p>
-            <a:pPr marL="0" marR="0" indent="0" algn="l" defTabSz="1217613" rtl="0" eaLnBrk="1" fontAlgn="base" latinLnBrk="0" hangingPunct="1">
-              <a:lnSpc>
-                <a:spcPct val="90000"/>
-              </a:lnSpc>
-              <a:spcBef>
-                <a:spcPct val="30000"/>
-              </a:spcBef>
-              <a:spcAft>
-                <a:spcPts val="450"/>
-              </a:spcAft>
-              <a:buClrTx/>
-              <a:buSzTx/>
-              <a:buFontTx/>
-              <a:buNone/>
-              <a:tabLst/>
-              <a:defRPr/>
-            </a:pPr>
+            <a:r>
+              <a:rPr lang="en-US" smtClean="0"/>
+              <a:t>What questions can we answer for you?</a:t>
+            </a:r>
             <a:endParaRPr lang="en-US" dirty="0" smtClean="0"/>
           </a:p>
         </p:txBody>
@@ -10149,144 +10146,6 @@
                 <a:defRPr/>
               </a:pPr>
               <a:t>64</a:t>
-            </a:fld>
-            <a:endParaRPr lang="en-US" dirty="0"/>
-          </a:p>
-        </p:txBody>
-      </p:sp>
-      <p:sp>
-        <p:nvSpPr>
-          <p:cNvPr id="5" name="Header Placeholder 4"/>
-          <p:cNvSpPr>
-            <a:spLocks noGrp="1"/>
-          </p:cNvSpPr>
-          <p:nvPr>
-            <p:ph type="hdr" sz="quarter" idx="11"/>
-          </p:nvPr>
-        </p:nvSpPr>
-        <p:spPr/>
-        <p:txBody>
-          <a:bodyPr/>
-          <a:lstStyle/>
-          <a:p>
-            <a:pPr>
-              <a:defRPr/>
-            </a:pPr>
-            <a:endParaRPr lang="en-US"/>
-          </a:p>
-        </p:txBody>
-      </p:sp>
-      <p:sp>
-        <p:nvSpPr>
-          <p:cNvPr id="6" name="Footer Placeholder 5"/>
-          <p:cNvSpPr>
-            <a:spLocks noGrp="1"/>
-          </p:cNvSpPr>
-          <p:nvPr>
-            <p:ph type="ftr" sz="quarter" idx="12"/>
-          </p:nvPr>
-        </p:nvSpPr>
-        <p:spPr/>
-        <p:txBody>
-          <a:bodyPr/>
-          <a:lstStyle/>
-          <a:p>
-            <a:pPr>
-              <a:defRPr/>
-            </a:pPr>
-            <a:endParaRPr lang="en-US"/>
-          </a:p>
-        </p:txBody>
-      </p:sp>
-    </p:spTree>
-    <p:extLst>
-      <p:ext uri="{BB962C8B-B14F-4D97-AF65-F5344CB8AC3E}">
-        <p14:creationId xmlns:p14="http://schemas.microsoft.com/office/powerpoint/2010/main" val="1601642993"/>
-      </p:ext>
-    </p:extLst>
-  </p:cSld>
-  <p:clrMapOvr>
-    <a:masterClrMapping/>
-  </p:clrMapOvr>
-</p:notes>
-</file>
-
-<file path=ppt/notesSlides/notesSlide65.xml><?xml version="1.0" encoding="utf-8"?>
-<p:notes xmlns:a="http://schemas.openxmlformats.org/drawingml/2006/main" xmlns:r="http://schemas.openxmlformats.org/officeDocument/2006/relationships" xmlns:p="http://schemas.openxmlformats.org/presentationml/2006/main">
-  <p:cSld>
-    <p:spTree>
-      <p:nvGrpSpPr>
-        <p:cNvPr id="1" name=""/>
-        <p:cNvGrpSpPr/>
-        <p:nvPr/>
-      </p:nvGrpSpPr>
-      <p:grpSpPr>
-        <a:xfrm>
-          <a:off x="0" y="0"/>
-          <a:ext cx="0" cy="0"/>
-          <a:chOff x="0" y="0"/>
-          <a:chExt cx="0" cy="0"/>
-        </a:xfrm>
-      </p:grpSpPr>
-      <p:sp>
-        <p:nvSpPr>
-          <p:cNvPr id="2" name="Slide Image Placeholder 1"/>
-          <p:cNvSpPr>
-            <a:spLocks noGrp="1" noRot="1" noChangeAspect="1"/>
-          </p:cNvSpPr>
-          <p:nvPr>
-            <p:ph type="sldImg"/>
-          </p:nvPr>
-        </p:nvSpPr>
-        <p:spPr/>
-      </p:sp>
-      <p:sp>
-        <p:nvSpPr>
-          <p:cNvPr id="3" name="Notes Placeholder 2"/>
-          <p:cNvSpPr>
-            <a:spLocks noGrp="1"/>
-          </p:cNvSpPr>
-          <p:nvPr>
-            <p:ph type="body" idx="1"/>
-          </p:nvPr>
-        </p:nvSpPr>
-        <p:spPr/>
-        <p:txBody>
-          <a:bodyPr/>
-          <a:lstStyle/>
-          <a:p>
-            <a:r>
-              <a:rPr lang="en-US" smtClean="0"/>
-              <a:t>What questions can we answer for you?</a:t>
-            </a:r>
-            <a:endParaRPr lang="en-US" dirty="0" smtClean="0"/>
-          </a:p>
-        </p:txBody>
-      </p:sp>
-      <p:sp>
-        <p:nvSpPr>
-          <p:cNvPr id="4" name="Slide Number Placeholder 3"/>
-          <p:cNvSpPr>
-            <a:spLocks noGrp="1"/>
-          </p:cNvSpPr>
-          <p:nvPr>
-            <p:ph type="sldNum" sz="quarter" idx="10"/>
-          </p:nvPr>
-        </p:nvSpPr>
-        <p:spPr/>
-        <p:txBody>
-          <a:bodyPr/>
-          <a:lstStyle/>
-          <a:p>
-            <a:pPr>
-              <a:defRPr/>
-            </a:pPr>
-            <a:fld id="{DC3734AA-3150-D947-AC52-2F5DF48BFCD5}" type="slidenum">
-              <a:rPr lang="en-US" smtClean="0"/>
-              <a:pPr>
-                <a:defRPr/>
-              </a:pPr>
-              <a:t>65</a:t>
             </a:fld>
             <a:endParaRPr lang="en-US" dirty="0"/>
           </a:p>
@@ -11340,14 +11199,14 @@
           </a:ln>
           <a:extLst>
             <a:ext uri="{909E8E84-426E-40dd-AFC4-6F175D3DCCD1}">
-              <a14:hiddenFill xmlns="" xmlns:a14="http://schemas.microsoft.com/office/drawing/2010/main">
+              <a14:hiddenFill xmlns:a14="http://schemas.microsoft.com/office/drawing/2010/main" xmlns="">
                 <a:solidFill>
                   <a:srgbClr val="FFFFFF"/>
                 </a:solidFill>
               </a14:hiddenFill>
             </a:ext>
             <a:ext uri="{91240B29-F687-4f45-9708-019B960494DF}">
-              <a14:hiddenLine xmlns="" xmlns:a14="http://schemas.microsoft.com/office/drawing/2010/main" w="9525">
+              <a14:hiddenLine xmlns:a14="http://schemas.microsoft.com/office/drawing/2010/main" xmlns="" w="9525">
                 <a:solidFill>
                   <a:srgbClr val="000000"/>
                 </a:solidFill>
@@ -11495,14 +11354,14 @@
           </a:ln>
           <a:extLst>
             <a:ext uri="{909E8E84-426E-40dd-AFC4-6F175D3DCCD1}">
-              <a14:hiddenFill xmlns="" xmlns:a14="http://schemas.microsoft.com/office/drawing/2010/main">
+              <a14:hiddenFill xmlns:a14="http://schemas.microsoft.com/office/drawing/2010/main" xmlns="">
                 <a:solidFill>
                   <a:srgbClr val="FFFFFF"/>
                 </a:solidFill>
               </a14:hiddenFill>
             </a:ext>
             <a:ext uri="{91240B29-F687-4f45-9708-019B960494DF}">
-              <a14:hiddenLine xmlns="" xmlns:a14="http://schemas.microsoft.com/office/drawing/2010/main" w="9525">
+              <a14:hiddenLine xmlns:a14="http://schemas.microsoft.com/office/drawing/2010/main" xmlns="" w="9525">
                 <a:solidFill>
                   <a:srgbClr val="000000"/>
                 </a:solidFill>
@@ -11958,14 +11817,14 @@
           </a:ln>
           <a:extLst>
             <a:ext uri="{909E8E84-426E-40dd-AFC4-6F175D3DCCD1}">
-              <a14:hiddenFill xmlns="" xmlns:a14="http://schemas.microsoft.com/office/drawing/2010/main">
+              <a14:hiddenFill xmlns:a14="http://schemas.microsoft.com/office/drawing/2010/main" xmlns="">
                 <a:solidFill>
                   <a:srgbClr val="FFFFFF"/>
                 </a:solidFill>
               </a14:hiddenFill>
             </a:ext>
             <a:ext uri="{91240B29-F687-4f45-9708-019B960494DF}">
-              <a14:hiddenLine xmlns="" xmlns:a14="http://schemas.microsoft.com/office/drawing/2010/main" w="9525">
+              <a14:hiddenLine xmlns:a14="http://schemas.microsoft.com/office/drawing/2010/main" xmlns="" w="9525">
                 <a:solidFill>
                   <a:srgbClr val="000000"/>
                 </a:solidFill>
@@ -13414,14 +13273,14 @@
           </a:ln>
           <a:extLst>
             <a:ext uri="{909E8E84-426E-40dd-AFC4-6F175D3DCCD1}">
-              <a14:hiddenFill xmlns="" xmlns:a14="http://schemas.microsoft.com/office/drawing/2010/main">
+              <a14:hiddenFill xmlns:a14="http://schemas.microsoft.com/office/drawing/2010/main" xmlns="">
                 <a:solidFill>
                   <a:srgbClr val="FFFFFF"/>
                 </a:solidFill>
               </a14:hiddenFill>
             </a:ext>
             <a:ext uri="{91240B29-F687-4f45-9708-019B960494DF}">
-              <a14:hiddenLine xmlns="" xmlns:a14="http://schemas.microsoft.com/office/drawing/2010/main" w="9525">
+              <a14:hiddenLine xmlns:a14="http://schemas.microsoft.com/office/drawing/2010/main" xmlns="" w="9525">
                 <a:solidFill>
                   <a:srgbClr val="000000"/>
                 </a:solidFill>
@@ -14775,14 +14634,14 @@
           </a:ln>
           <a:extLst>
             <a:ext uri="{909E8E84-426E-40dd-AFC4-6F175D3DCCD1}">
-              <a14:hiddenFill xmlns="" xmlns:a14="http://schemas.microsoft.com/office/drawing/2010/main">
+              <a14:hiddenFill xmlns:a14="http://schemas.microsoft.com/office/drawing/2010/main" xmlns="">
                 <a:solidFill>
                   <a:srgbClr val="FFFFFF"/>
                 </a:solidFill>
               </a14:hiddenFill>
             </a:ext>
             <a:ext uri="{91240B29-F687-4f45-9708-019B960494DF}">
-              <a14:hiddenLine xmlns="" xmlns:a14="http://schemas.microsoft.com/office/drawing/2010/main" w="9525">
+              <a14:hiddenLine xmlns:a14="http://schemas.microsoft.com/office/drawing/2010/main" xmlns="" w="9525">
                 <a:solidFill>
                   <a:srgbClr val="000000"/>
                 </a:solidFill>
@@ -15305,14 +15164,14 @@
           </a:ln>
           <a:extLst>
             <a:ext uri="{909E8E84-426E-40dd-AFC4-6F175D3DCCD1}">
-              <a14:hiddenFill xmlns="" xmlns:a14="http://schemas.microsoft.com/office/drawing/2010/main">
+              <a14:hiddenFill xmlns:a14="http://schemas.microsoft.com/office/drawing/2010/main" xmlns="">
                 <a:solidFill>
                   <a:srgbClr val="FFFFFF"/>
                 </a:solidFill>
               </a14:hiddenFill>
             </a:ext>
             <a:ext uri="{91240B29-F687-4f45-9708-019B960494DF}">
-              <a14:hiddenLine xmlns="" xmlns:a14="http://schemas.microsoft.com/office/drawing/2010/main" w="9525">
+              <a14:hiddenLine xmlns:a14="http://schemas.microsoft.com/office/drawing/2010/main" xmlns="" w="9525">
                 <a:solidFill>
                   <a:srgbClr val="000000"/>
                 </a:solidFill>
@@ -15844,14 +15703,14 @@
           </a:ln>
           <a:extLst>
             <a:ext uri="{909E8E84-426E-40dd-AFC4-6F175D3DCCD1}">
-              <a14:hiddenFill xmlns="" xmlns:a14="http://schemas.microsoft.com/office/drawing/2010/main">
+              <a14:hiddenFill xmlns:a14="http://schemas.microsoft.com/office/drawing/2010/main" xmlns="">
                 <a:solidFill>
                   <a:srgbClr val="FFFFFF"/>
                 </a:solidFill>
               </a14:hiddenFill>
             </a:ext>
             <a:ext uri="{91240B29-F687-4f45-9708-019B960494DF}">
-              <a14:hiddenLine xmlns="" xmlns:a14="http://schemas.microsoft.com/office/drawing/2010/main" w="9525">
+              <a14:hiddenLine xmlns:a14="http://schemas.microsoft.com/office/drawing/2010/main" xmlns="" w="9525">
                 <a:solidFill>
                   <a:srgbClr val="000000"/>
                 </a:solidFill>
@@ -16791,14 +16650,14 @@
           </a:ln>
           <a:extLst>
             <a:ext uri="{909E8E84-426E-40dd-AFC4-6F175D3DCCD1}">
-              <a14:hiddenFill xmlns="" xmlns:a14="http://schemas.microsoft.com/office/drawing/2010/main">
+              <a14:hiddenFill xmlns:a14="http://schemas.microsoft.com/office/drawing/2010/main" xmlns="">
                 <a:solidFill>
                   <a:srgbClr val="FFFFFF"/>
                 </a:solidFill>
               </a14:hiddenFill>
             </a:ext>
             <a:ext uri="{91240B29-F687-4f45-9708-019B960494DF}">
-              <a14:hiddenLine xmlns="" xmlns:a14="http://schemas.microsoft.com/office/drawing/2010/main" w="9525">
+              <a14:hiddenLine xmlns:a14="http://schemas.microsoft.com/office/drawing/2010/main" xmlns="" w="9525">
                 <a:solidFill>
                   <a:srgbClr val="000000"/>
                 </a:solidFill>
@@ -17571,14 +17430,14 @@
           </a:ln>
           <a:extLst>
             <a:ext uri="{909E8E84-426E-40dd-AFC4-6F175D3DCCD1}">
-              <a14:hiddenFill xmlns="" xmlns:a14="http://schemas.microsoft.com/office/drawing/2010/main">
+              <a14:hiddenFill xmlns:a14="http://schemas.microsoft.com/office/drawing/2010/main" xmlns="">
                 <a:solidFill>
                   <a:srgbClr val="FFFFFF"/>
                 </a:solidFill>
               </a14:hiddenFill>
             </a:ext>
             <a:ext uri="{91240B29-F687-4f45-9708-019B960494DF}">
-              <a14:hiddenLine xmlns="" xmlns:a14="http://schemas.microsoft.com/office/drawing/2010/main" w="9525">
+              <a14:hiddenLine xmlns:a14="http://schemas.microsoft.com/office/drawing/2010/main" xmlns="" w="9525">
                 <a:solidFill>
                   <a:srgbClr val="000000"/>
                 </a:solidFill>
@@ -18612,15 +18471,7 @@
             </a:r>
             <a:r>
               <a:rPr lang="en-US" sz="2000" dirty="0" smtClean="0"/>
-              <a:t>  </a:t>
-            </a:r>
-            <a:r>
-              <a:rPr lang="en-US" sz="2000" dirty="0" smtClean="0"/>
-              <a:t> </a:t>
-            </a:r>
-            <a:r>
-              <a:rPr lang="en-US" sz="2000" dirty="0" smtClean="0"/>
-              <a:t>end</a:t>
+              <a:t>   end</a:t>
             </a:r>
             <a:endParaRPr lang="en-US" sz="2000" dirty="0"/>
           </a:p>
@@ -29725,21 +29576,8 @@
                   <a:schemeClr val="bg1"/>
                 </a:solidFill>
               </a:rPr>
-              <a:t>t</a:t>
-            </a:r>
-            <a:r>
-              <a:rPr lang="en-US" sz="2800" dirty="0" smtClean="0">
-                <a:solidFill>
-                  <a:schemeClr val="bg1"/>
-                </a:solidFill>
-              </a:rPr>
-              <a:t>ype</a:t>
-            </a:r>
-            <a:endParaRPr lang="en-US" sz="2800" dirty="0" smtClean="0">
-              <a:solidFill>
-                <a:schemeClr val="bg1"/>
-              </a:solidFill>
-            </a:endParaRPr>
+              <a:t>type</a:t>
+            </a:r>
           </a:p>
         </p:txBody>
       </p:sp>
@@ -30074,19 +29912,6 @@
               </a:rPr>
               <a:t>1</a:t>
             </a:r>
-            <a:endParaRPr lang="en-US" sz="2400" b="1" dirty="0" smtClean="0">
-              <a:gradFill>
-                <a:gsLst>
-                  <a:gs pos="0">
-                    <a:srgbClr val="FFFFFF"/>
-                  </a:gs>
-                  <a:gs pos="100000">
-                    <a:srgbClr val="FFFFFF"/>
-                  </a:gs>
-                </a:gsLst>
-                <a:lin ang="5400000" scaled="0"/>
-              </a:gradFill>
-            </a:endParaRPr>
           </a:p>
         </p:txBody>
       </p:sp>
@@ -30232,19 +30057,6 @@
               </a:rPr>
               <a:t>1</a:t>
             </a:r>
-            <a:endParaRPr lang="en-US" sz="2400" b="1" dirty="0" smtClean="0">
-              <a:gradFill>
-                <a:gsLst>
-                  <a:gs pos="0">
-                    <a:srgbClr val="FFFFFF"/>
-                  </a:gs>
-                  <a:gs pos="100000">
-                    <a:srgbClr val="FFFFFF"/>
-                  </a:gs>
-                </a:gsLst>
-                <a:lin ang="5400000" scaled="0"/>
-              </a:gradFill>
-            </a:endParaRPr>
           </a:p>
         </p:txBody>
       </p:sp>
@@ -30563,11 +30375,6 @@
               </a:rPr>
               <a:t>end</a:t>
             </a:r>
-            <a:endParaRPr lang="en-US" b="1" dirty="0">
-              <a:latin typeface="Courier New" charset="0"/>
-              <a:ea typeface="Courier New" charset="0"/>
-              <a:cs typeface="Courier New" charset="0"/>
-            </a:endParaRPr>
           </a:p>
         </p:txBody>
       </p:sp>
@@ -31489,11 +31296,7 @@
             </a:r>
             <a:r>
               <a:rPr lang="en-US" sz="2000" dirty="0" smtClean="0"/>
-              <a:t>, port: 8080</a:t>
-            </a:r>
-            <a:r>
-              <a:rPr lang="en-US" sz="2000" dirty="0" smtClean="0"/>
-              <a:t>)</a:t>
+              <a:t>, port: 8080)</a:t>
             </a:r>
           </a:p>
           <a:p>
@@ -35002,15 +34805,7 @@
             </a:pPr>
             <a:r>
               <a:rPr lang="en-US" dirty="0" smtClean="0"/>
-              <a:t>Define the 'remove' </a:t>
-            </a:r>
-            <a:r>
-              <a:rPr lang="en-US" dirty="0" smtClean="0"/>
-              <a:t>action </a:t>
-            </a:r>
-            <a:r>
-              <a:rPr lang="en-US" dirty="0" smtClean="0"/>
-              <a:t>for </a:t>
+              <a:t>Define the 'remove' action for </a:t>
             </a:r>
             <a:r>
               <a:rPr lang="en-US" dirty="0" err="1" smtClean="0"/>
@@ -35018,11 +34813,7 @@
             </a:r>
             <a:r>
               <a:rPr lang="en-US" dirty="0" smtClean="0"/>
-              <a:t> that </a:t>
-            </a:r>
-            <a:r>
-              <a:rPr lang="en-US" dirty="0" smtClean="0"/>
-              <a:t>defines the policy:</a:t>
+              <a:t> that defines the policy:</a:t>
             </a:r>
           </a:p>
           <a:p>
@@ -35215,11 +35006,7 @@
             </a:pPr>
             <a:r>
               <a:rPr lang="en-US" dirty="0" smtClean="0"/>
-              <a:t>Update </a:t>
-            </a:r>
-            <a:r>
-              <a:rPr lang="en-US" dirty="0" smtClean="0"/>
-              <a:t>the default recipe's policy to include a new resource:</a:t>
+              <a:t>Update the default recipe's policy to include a new resource:</a:t>
             </a:r>
           </a:p>
           <a:p>
@@ -36529,11 +36316,7 @@
             </a:r>
             <a:r>
               <a:rPr lang="en-US" dirty="0" smtClean="0"/>
-              <a:t> resource named '</a:t>
-            </a:r>
-            <a:r>
-              <a:rPr lang="en-US" smtClean="0"/>
-              <a:t>users'</a:t>
+              <a:t> resource named 'users'</a:t>
             </a:r>
             <a:endParaRPr lang="en-US" dirty="0"/>
           </a:p>
@@ -38735,7 +38518,15 @@
           <a:p>
             <a:r>
               <a:rPr lang="en-US" dirty="0" err="1" smtClean="0"/>
-              <a:t>httpd_vhost</a:t>
+              <a:t>httpd_</a:t>
+            </a:r>
+            <a:r>
+              <a:rPr lang="en-US" dirty="0" err="1"/>
+              <a:t>v</a:t>
+            </a:r>
+            <a:r>
+              <a:rPr lang="en-US" dirty="0" err="1" smtClean="0"/>
+              <a:t>host</a:t>
             </a:r>
             <a:r>
               <a:rPr lang="en-US" dirty="0" smtClean="0"/>
@@ -38758,7 +38549,7 @@
         <p:spPr>
           <a:xfrm>
             <a:off x="1671638" y="3260725"/>
-            <a:ext cx="12319000" cy="4573090"/>
+            <a:ext cx="12319000" cy="4738164"/>
           </a:xfrm>
         </p:spPr>
         <p:txBody>
@@ -38774,47 +38565,133 @@
             </a:pPr>
             <a:r>
               <a:rPr lang="en-US" dirty="0" smtClean="0"/>
-              <a:t>Add a new 'remove' action to the </a:t>
-            </a:r>
-            <a:r>
-              <a:rPr lang="en-US" dirty="0" err="1" smtClean="0"/>
-              <a:t>httpd_vhost</a:t>
+              <a:t>Update </a:t>
+            </a:r>
+            <a:r>
+              <a:rPr lang="en-US" dirty="0"/>
+              <a:t>the default recipe's </a:t>
             </a:r>
             <a:r>
               <a:rPr lang="en-US" dirty="0" smtClean="0"/>
-              <a:t> resource that:</a:t>
-            </a:r>
-          </a:p>
-          <a:p>
-            <a:pPr lvl="1" algn="l">
+              <a:t>policy:</a:t>
+            </a:r>
+            <a:endParaRPr lang="en-US" dirty="0"/>
+          </a:p>
+          <a:p>
+            <a:pPr lvl="2" algn="l">
               <a:lnSpc>
                 <a:spcPct val="150000"/>
               </a:lnSpc>
             </a:pPr>
             <a:r>
-              <a:rPr lang="en-US" sz="2400" i="1" dirty="0" smtClean="0">
+              <a:rPr lang="en-US" dirty="0" smtClean="0">
                 <a:solidFill>
-                  <a:schemeClr val="tx1"/>
+                  <a:srgbClr val="3E4346"/>
                 </a:solidFill>
               </a:rPr>
-              <a:t>Removes the directory that is created</a:t>
-            </a:r>
-          </a:p>
-          <a:p>
-            <a:pPr lvl="1" algn="l">
+              <a:t>Remove the file resource named </a:t>
+            </a:r>
+            <a:r>
+              <a:rPr lang="en-US" dirty="0">
+                <a:solidFill>
+                  <a:srgbClr val="3E4346"/>
+                </a:solidFill>
+              </a:rPr>
+              <a:t>'/</a:t>
+            </a:r>
+            <a:r>
+              <a:rPr lang="en-US" dirty="0" err="1">
+                <a:solidFill>
+                  <a:srgbClr val="3E4346"/>
+                </a:solidFill>
+              </a:rPr>
+              <a:t>var</a:t>
+            </a:r>
+            <a:r>
+              <a:rPr lang="en-US" dirty="0">
+                <a:solidFill>
+                  <a:srgbClr val="3E4346"/>
+                </a:solidFill>
+              </a:rPr>
+              <a:t>/www/html/</a:t>
+            </a:r>
+            <a:r>
+              <a:rPr lang="en-US" dirty="0" err="1">
+                <a:solidFill>
+                  <a:srgbClr val="3E4346"/>
+                </a:solidFill>
+              </a:rPr>
+              <a:t>index.html</a:t>
+            </a:r>
+            <a:r>
+              <a:rPr lang="en-US" dirty="0">
+                <a:solidFill>
+                  <a:srgbClr val="3E4346"/>
+                </a:solidFill>
+              </a:rPr>
+              <a:t>'</a:t>
+            </a:r>
+            <a:endParaRPr lang="en-US" dirty="0" smtClean="0">
+              <a:solidFill>
+                <a:srgbClr val="3E4346"/>
+              </a:solidFill>
+            </a:endParaRPr>
+          </a:p>
+          <a:p>
+            <a:pPr lvl="2" algn="l">
               <a:lnSpc>
                 <a:spcPct val="150000"/>
               </a:lnSpc>
             </a:pPr>
             <a:r>
-              <a:rPr lang="en-US" sz="2400" i="1" dirty="0" smtClean="0">
+              <a:rPr lang="en-US" dirty="0" smtClean="0">
                 <a:solidFill>
-                  <a:schemeClr val="tx1"/>
+                  <a:srgbClr val="3E4346"/>
                 </a:solidFill>
               </a:rPr>
-              <a:t>Removes the configuration file</a:t>
-            </a:r>
-            <a:endParaRPr lang="en-US" i="1" dirty="0" smtClean="0"/>
+              <a:t>Add an </a:t>
+            </a:r>
+            <a:r>
+              <a:rPr lang="en-US" dirty="0" err="1">
+                <a:solidFill>
+                  <a:srgbClr val="3E4346"/>
+                </a:solidFill>
+              </a:rPr>
+              <a:t>httpd_vhost</a:t>
+            </a:r>
+            <a:r>
+              <a:rPr lang="en-US" dirty="0">
+                <a:solidFill>
+                  <a:srgbClr val="3E4346"/>
+                </a:solidFill>
+              </a:rPr>
+              <a:t> resource named </a:t>
+            </a:r>
+            <a:r>
+              <a:rPr lang="en-US" dirty="0" smtClean="0">
+                <a:solidFill>
+                  <a:srgbClr val="3E4346"/>
+                </a:solidFill>
+              </a:rPr>
+              <a:t>'users' is created with the </a:t>
+            </a:r>
+            <a:r>
+              <a:rPr lang="en-US" dirty="0" err="1" smtClean="0">
+                <a:solidFill>
+                  <a:srgbClr val="3E4346"/>
+                </a:solidFill>
+              </a:rPr>
+              <a:t>site_port</a:t>
+            </a:r>
+            <a:r>
+              <a:rPr lang="en-US" dirty="0" smtClean="0">
+                <a:solidFill>
+                  <a:srgbClr val="3E4346"/>
+                </a:solidFill>
+              </a:rPr>
+              <a:t> 80</a:t>
+            </a:r>
+            <a:endParaRPr lang="en-US" dirty="0" smtClean="0"/>
           </a:p>
           <a:p>
             <a:pPr>
@@ -38825,65 +38702,30 @@
               <a:buChar char="ü"/>
             </a:pPr>
             <a:r>
+              <a:rPr lang="en-US" dirty="0" smtClean="0"/>
+              <a:t>Update </a:t>
+            </a:r>
+            <a:r>
+              <a:rPr lang="en-US" dirty="0"/>
+              <a:t>the </a:t>
+            </a:r>
+            <a:r>
               <a:rPr lang="en-US" dirty="0" err="1" smtClean="0"/>
-              <a:t>Removae</a:t>
+              <a:t>ChefSpec</a:t>
             </a:r>
             <a:r>
               <a:rPr lang="en-US" dirty="0" smtClean="0"/>
-              <a:t> </a:t>
+              <a:t> tests to stop expecting the file resource and start expecting the new resources found within the </a:t>
+            </a:r>
+            <a:r>
+              <a:rPr lang="en-US" dirty="0" err="1" smtClean="0"/>
+              <a:t>httpd_vhost</a:t>
             </a:r>
             <a:r>
               <a:rPr lang="en-US" dirty="0" smtClean="0"/>
-              <a:t>the default site by removing the 'welcome' </a:t>
-            </a:r>
-            <a:r>
-              <a:rPr lang="en-US" dirty="0" err="1" smtClean="0"/>
-              <a:t>httpd</a:t>
-            </a:r>
-            <a:r>
-              <a:rPr lang="en-US" dirty="0" smtClean="0"/>
-              <a:t> </a:t>
-            </a:r>
-            <a:r>
-              <a:rPr lang="en-US" dirty="0" err="1" smtClean="0"/>
-              <a:t>vhost</a:t>
-            </a:r>
-            <a:endParaRPr lang="en-US" dirty="0" smtClean="0"/>
-          </a:p>
-          <a:p>
-            <a:pPr marL="609559" lvl="2" algn="l">
-              <a:lnSpc>
-                <a:spcPct val="150000"/>
-              </a:lnSpc>
-              <a:spcBef>
-                <a:spcPts val="0"/>
-              </a:spcBef>
-            </a:pPr>
-            <a:r>
-              <a:rPr lang="en-US" i="1" dirty="0" smtClean="0">
-                <a:solidFill>
-                  <a:schemeClr val="tx1"/>
-                </a:solidFill>
-              </a:rPr>
-              <a:t>Ensure </a:t>
-            </a:r>
-            <a:r>
-              <a:rPr lang="en-US" i="1" dirty="0">
-                <a:solidFill>
-                  <a:schemeClr val="tx1"/>
-                </a:solidFill>
-              </a:rPr>
-              <a:t>if this resource takes action it will restart the Apache </a:t>
-            </a:r>
-            <a:r>
-              <a:rPr lang="en-US" i="1" dirty="0" smtClean="0">
-                <a:solidFill>
-                  <a:schemeClr val="tx1"/>
-                </a:solidFill>
-              </a:rPr>
-              <a:t>service</a:t>
-            </a:r>
-            <a:endParaRPr lang="en-US" i="1" dirty="0" smtClean="0"/>
+              <a:t> resource named 'users'</a:t>
+            </a:r>
+            <a:endParaRPr lang="en-US" dirty="0"/>
           </a:p>
           <a:p>
             <a:pPr>
@@ -38895,44 +38737,19 @@
             </a:pPr>
             <a:r>
               <a:rPr lang="en-US" dirty="0" smtClean="0"/>
-              <a:t>Add a 'users' </a:t>
+              <a:t>Update the </a:t>
             </a:r>
             <a:r>
               <a:rPr lang="en-US" dirty="0" err="1" smtClean="0"/>
-              <a:t>httpd</a:t>
+              <a:t>InSpec</a:t>
             </a:r>
             <a:r>
               <a:rPr lang="en-US" dirty="0" smtClean="0"/>
-              <a:t> </a:t>
-            </a:r>
-            <a:r>
-              <a:rPr lang="en-US" dirty="0" err="1" smtClean="0"/>
-              <a:t>vhost</a:t>
-            </a:r>
-            <a:r>
-              <a:rPr lang="en-US" dirty="0" smtClean="0"/>
-              <a:t> that is available on port 80</a:t>
-            </a:r>
-          </a:p>
-          <a:p>
-            <a:pPr>
-              <a:lnSpc>
-                <a:spcPct val="150000"/>
-              </a:lnSpc>
-              <a:buFont typeface="Wingdings" charset="2"/>
-              <a:buChar char="ü"/>
-            </a:pPr>
+              <a:t> tests to expect </a:t>
+            </a:r>
             <a:r>
               <a:rPr lang="en-US" dirty="0"/>
-              <a:t>Update the </a:t>
-            </a:r>
-            <a:r>
-              <a:rPr lang="en-US" dirty="0" smtClean="0"/>
-              <a:t>tests </a:t>
-            </a:r>
-            <a:r>
-              <a:rPr lang="en-US" dirty="0"/>
-              <a:t>to set expect the default site to "</a:t>
+              <a:t>the default site to "</a:t>
             </a:r>
             <a:r>
               <a:rPr lang="en-US" dirty="0" smtClean="0"/>
@@ -38945,7 +38762,7 @@
     </p:spTree>
     <p:extLst>
       <p:ext uri="{BB962C8B-B14F-4D97-AF65-F5344CB8AC3E}">
-        <p14:creationId xmlns:p14="http://schemas.microsoft.com/office/powerpoint/2010/main" val="1957429357"/>
+        <p14:creationId xmlns:p14="http://schemas.microsoft.com/office/powerpoint/2010/main" val="1747221206"/>
       </p:ext>
     </p:extLst>
   </p:cSld>
@@ -39000,20 +38817,8 @@
           <a:lstStyle/>
           <a:p>
             <a:r>
-              <a:rPr lang="en-US" dirty="0" err="1" smtClean="0"/>
-              <a:t>httpd_</a:t>
-            </a:r>
-            <a:r>
-              <a:rPr lang="en-US" dirty="0" err="1"/>
-              <a:t>v</a:t>
-            </a:r>
-            <a:r>
-              <a:rPr lang="en-US" dirty="0" err="1" smtClean="0"/>
-              <a:t>host</a:t>
-            </a:r>
-            <a:r>
               <a:rPr lang="en-US" dirty="0" smtClean="0"/>
-              <a:t> Remove Action</a:t>
+              <a:t>Discussion</a:t>
             </a:r>
             <a:endParaRPr lang="en-US" dirty="0"/>
           </a:p>
@@ -39029,215 +38834,35 @@
             <p:ph type="subTitle" idx="1"/>
           </p:nvPr>
         </p:nvSpPr>
-        <p:spPr>
-          <a:xfrm>
-            <a:off x="1671638" y="3260725"/>
-            <a:ext cx="12319000" cy="4738164"/>
-          </a:xfrm>
-        </p:spPr>
+        <p:spPr/>
         <p:txBody>
           <a:bodyPr/>
           <a:lstStyle/>
           <a:p>
-            <a:pPr>
-              <a:lnSpc>
-                <a:spcPct val="150000"/>
-              </a:lnSpc>
-              <a:buFont typeface="Wingdings" charset="2"/>
-              <a:buChar char="ü"/>
-            </a:pPr>
             <a:r>
               <a:rPr lang="en-US" dirty="0" smtClean="0"/>
-              <a:t>Update </a:t>
+              <a:t>What are the benefits of using a custom resource to manage the virtual hosts?</a:t>
             </a:r>
             <a:r>
               <a:rPr lang="en-US" dirty="0"/>
-              <a:t>the default recipe's </a:t>
+              <a:t> </a:t>
             </a:r>
             <a:r>
               <a:rPr lang="en-US" dirty="0" smtClean="0"/>
-              <a:t>policy:</a:t>
-            </a:r>
+              <a:t>What are the drawbacks of using a custom resource?</a:t>
+            </a:r>
+          </a:p>
+          <a:p>
             <a:endParaRPr lang="en-US" dirty="0"/>
           </a:p>
           <a:p>
-            <a:pPr lvl="2" algn="l">
-              <a:lnSpc>
-                <a:spcPct val="150000"/>
-              </a:lnSpc>
-            </a:pPr>
-            <a:r>
-              <a:rPr lang="en-US" dirty="0" smtClean="0">
-                <a:solidFill>
-                  <a:srgbClr val="3E4346"/>
-                </a:solidFill>
-              </a:rPr>
-              <a:t>Remove the file resource named </a:t>
-            </a:r>
-            <a:r>
-              <a:rPr lang="en-US" dirty="0">
-                <a:solidFill>
-                  <a:srgbClr val="3E4346"/>
-                </a:solidFill>
-              </a:rPr>
-              <a:t>'/</a:t>
-            </a:r>
-            <a:r>
-              <a:rPr lang="en-US" dirty="0" err="1">
-                <a:solidFill>
-                  <a:srgbClr val="3E4346"/>
-                </a:solidFill>
-              </a:rPr>
-              <a:t>var</a:t>
-            </a:r>
-            <a:r>
-              <a:rPr lang="en-US" dirty="0">
-                <a:solidFill>
-                  <a:srgbClr val="3E4346"/>
-                </a:solidFill>
-              </a:rPr>
-              <a:t>/www/html/</a:t>
-            </a:r>
-            <a:r>
-              <a:rPr lang="en-US" dirty="0" err="1">
-                <a:solidFill>
-                  <a:srgbClr val="3E4346"/>
-                </a:solidFill>
-              </a:rPr>
-              <a:t>index.html</a:t>
-            </a:r>
-            <a:r>
-              <a:rPr lang="en-US" dirty="0">
-                <a:solidFill>
-                  <a:srgbClr val="3E4346"/>
-                </a:solidFill>
-              </a:rPr>
-              <a:t>'</a:t>
-            </a:r>
-            <a:endParaRPr lang="en-US" dirty="0" smtClean="0">
-              <a:solidFill>
-                <a:srgbClr val="3E4346"/>
-              </a:solidFill>
-            </a:endParaRPr>
-          </a:p>
-          <a:p>
-            <a:pPr lvl="2" algn="l">
-              <a:lnSpc>
-                <a:spcPct val="150000"/>
-              </a:lnSpc>
-            </a:pPr>
-            <a:r>
-              <a:rPr lang="en-US" dirty="0" smtClean="0">
-                <a:solidFill>
-                  <a:srgbClr val="3E4346"/>
-                </a:solidFill>
-              </a:rPr>
-              <a:t>Add an </a:t>
-            </a:r>
-            <a:r>
-              <a:rPr lang="en-US" dirty="0" err="1">
-                <a:solidFill>
-                  <a:srgbClr val="3E4346"/>
-                </a:solidFill>
-              </a:rPr>
-              <a:t>httpd_vhost</a:t>
-            </a:r>
-            <a:r>
-              <a:rPr lang="en-US" dirty="0">
-                <a:solidFill>
-                  <a:srgbClr val="3E4346"/>
-                </a:solidFill>
-              </a:rPr>
-              <a:t> resource named </a:t>
-            </a:r>
-            <a:r>
-              <a:rPr lang="en-US" dirty="0" smtClean="0">
-                <a:solidFill>
-                  <a:srgbClr val="3E4346"/>
-                </a:solidFill>
-              </a:rPr>
-              <a:t>'users' is created with the </a:t>
-            </a:r>
-            <a:r>
-              <a:rPr lang="en-US" dirty="0" err="1" smtClean="0">
-                <a:solidFill>
-                  <a:srgbClr val="3E4346"/>
-                </a:solidFill>
-              </a:rPr>
-              <a:t>site_port</a:t>
-            </a:r>
-            <a:r>
-              <a:rPr lang="en-US" dirty="0" smtClean="0">
-                <a:solidFill>
-                  <a:srgbClr val="3E4346"/>
-                </a:solidFill>
-              </a:rPr>
-              <a:t> 80</a:t>
-            </a:r>
-            <a:endParaRPr lang="en-US" dirty="0" smtClean="0"/>
-          </a:p>
-          <a:p>
-            <a:pPr>
-              <a:lnSpc>
-                <a:spcPct val="150000"/>
-              </a:lnSpc>
-              <a:buFont typeface="Wingdings" charset="2"/>
-              <a:buChar char="ü"/>
-            </a:pPr>
             <a:r>
               <a:rPr lang="en-US" dirty="0" smtClean="0"/>
-              <a:t>Update </a:t>
-            </a:r>
-            <a:r>
-              <a:rPr lang="en-US" dirty="0"/>
-              <a:t>the </a:t>
-            </a:r>
-            <a:r>
-              <a:rPr lang="en-US" dirty="0" err="1" smtClean="0"/>
-              <a:t>ChefSpec</a:t>
-            </a:r>
-            <a:r>
-              <a:rPr lang="en-US" dirty="0" smtClean="0"/>
-              <a:t> tests to stop expecting the file resource and start expecting the new resources found within the </a:t>
-            </a:r>
-            <a:r>
-              <a:rPr lang="en-US" dirty="0" err="1" smtClean="0"/>
-              <a:t>httpd_vhost</a:t>
-            </a:r>
-            <a:r>
-              <a:rPr lang="en-US" dirty="0" smtClean="0"/>
-              <a:t> resource named 'users'</a:t>
+              <a:t>What does the resource collection look like when using a custom resource?</a:t>
             </a:r>
             <a:endParaRPr lang="en-US" dirty="0"/>
           </a:p>
           <a:p>
-            <a:pPr>
-              <a:lnSpc>
-                <a:spcPct val="150000"/>
-              </a:lnSpc>
-              <a:buFont typeface="Wingdings" charset="2"/>
-              <a:buChar char="ü"/>
-            </a:pPr>
-            <a:r>
-              <a:rPr lang="en-US" dirty="0" smtClean="0"/>
-              <a:t>Update the </a:t>
-            </a:r>
-            <a:r>
-              <a:rPr lang="en-US" dirty="0" err="1" smtClean="0"/>
-              <a:t>InSpec</a:t>
-            </a:r>
-            <a:r>
-              <a:rPr lang="en-US" dirty="0" smtClean="0"/>
-              <a:t> tests to expect </a:t>
-            </a:r>
-            <a:r>
-              <a:rPr lang="en-US" dirty="0"/>
-              <a:t>the default site to "</a:t>
-            </a:r>
-            <a:r>
-              <a:rPr lang="en-US" dirty="0" smtClean="0"/>
-              <a:t>Welcome users!"</a:t>
-            </a:r>
             <a:endParaRPr lang="en-US" dirty="0"/>
           </a:p>
         </p:txBody>
@@ -39245,7 +38870,7 @@
     </p:spTree>
     <p:extLst>
       <p:ext uri="{BB962C8B-B14F-4D97-AF65-F5344CB8AC3E}">
-        <p14:creationId xmlns:p14="http://schemas.microsoft.com/office/powerpoint/2010/main" val="1747221206"/>
+        <p14:creationId xmlns:p14="http://schemas.microsoft.com/office/powerpoint/2010/main" val="504990886"/>
       </p:ext>
     </p:extLst>
   </p:cSld>
@@ -39301,114 +38926,6 @@
           <a:p>
             <a:r>
               <a:rPr lang="en-US" dirty="0" smtClean="0"/>
-              <a:t>Discussion</a:t>
-            </a:r>
-            <a:endParaRPr lang="en-US" dirty="0"/>
-          </a:p>
-        </p:txBody>
-      </p:sp>
-      <p:sp>
-        <p:nvSpPr>
-          <p:cNvPr id="3" name="Subtitle 2"/>
-          <p:cNvSpPr>
-            <a:spLocks noGrp="1"/>
-          </p:cNvSpPr>
-          <p:nvPr>
-            <p:ph type="subTitle" idx="1"/>
-          </p:nvPr>
-        </p:nvSpPr>
-        <p:spPr/>
-        <p:txBody>
-          <a:bodyPr/>
-          <a:lstStyle/>
-          <a:p>
-            <a:r>
-              <a:rPr lang="en-US" dirty="0" smtClean="0"/>
-              <a:t>What are the benefits of using a custom resource to manage the virtual hosts?</a:t>
-            </a:r>
-            <a:r>
-              <a:rPr lang="en-US" dirty="0"/>
-              <a:t> </a:t>
-            </a:r>
-            <a:r>
-              <a:rPr lang="en-US" dirty="0" smtClean="0"/>
-              <a:t>What are the drawbacks of using a custom resource?</a:t>
-            </a:r>
-          </a:p>
-          <a:p>
-            <a:endParaRPr lang="en-US" dirty="0"/>
-          </a:p>
-          <a:p>
-            <a:r>
-              <a:rPr lang="en-US" dirty="0" smtClean="0"/>
-              <a:t>What does the resource collection look like when using a custom resource?</a:t>
-            </a:r>
-            <a:endParaRPr lang="en-US" dirty="0"/>
-          </a:p>
-          <a:p>
-            <a:endParaRPr lang="en-US" dirty="0"/>
-          </a:p>
-        </p:txBody>
-      </p:sp>
-    </p:spTree>
-    <p:extLst>
-      <p:ext uri="{BB962C8B-B14F-4D97-AF65-F5344CB8AC3E}">
-        <p14:creationId xmlns:p14="http://schemas.microsoft.com/office/powerpoint/2010/main" val="504990886"/>
-      </p:ext>
-    </p:extLst>
-  </p:cSld>
-  <p:clrMapOvr>
-    <a:masterClrMapping/>
-  </p:clrMapOvr>
-  <p:transition spd="med">
-    <p:fade/>
-  </p:transition>
-  <p:timing>
-    <p:tnLst>
-      <p:par>
-        <p:cTn id="1" dur="indefinite" restart="never" nodeType="tmRoot"/>
-      </p:par>
-    </p:tnLst>
-  </p:timing>
-</p:sld>
-</file>
-
-<file path=ppt/slides/slide65.xml><?xml version="1.0" encoding="utf-8"?>
-<p:sld xmlns:a="http://schemas.openxmlformats.org/drawingml/2006/main" xmlns:r="http://schemas.openxmlformats.org/officeDocument/2006/relationships" xmlns:p="http://schemas.openxmlformats.org/presentationml/2006/main">
-  <p:cSld>
-    <p:spTree>
-      <p:nvGrpSpPr>
-        <p:cNvPr id="1" name=""/>
-        <p:cNvGrpSpPr/>
-        <p:nvPr/>
-      </p:nvGrpSpPr>
-      <p:grpSpPr>
-        <a:xfrm>
-          <a:off x="0" y="0"/>
-          <a:ext cx="0" cy="0"/>
-          <a:chOff x="0" y="0"/>
-          <a:chExt cx="0" cy="0"/>
-        </a:xfrm>
-      </p:grpSpPr>
-      <p:sp>
-        <p:nvSpPr>
-          <p:cNvPr id="2" name="Title 1"/>
-          <p:cNvSpPr>
-            <a:spLocks noGrp="1"/>
-          </p:cNvSpPr>
-          <p:nvPr>
-            <p:ph type="ctrTitle"/>
-          </p:nvPr>
-        </p:nvSpPr>
-        <p:spPr/>
-        <p:txBody>
-          <a:bodyPr>
-            <a:normAutofit fontScale="90000"/>
-          </a:bodyPr>
-          <a:lstStyle/>
-          <a:p>
-            <a:r>
-              <a:rPr lang="en-US" dirty="0" smtClean="0"/>
               <a:t>Q&amp;A</a:t>
             </a:r>
             <a:endParaRPr lang="en-US" dirty="0"/>
@@ -39461,7 +38978,7 @@
 </p:sld>
 </file>
 
-<file path=ppt/slides/slide66.xml><?xml version="1.0" encoding="utf-8"?>
+<file path=ppt/slides/slide65.xml><?xml version="1.0" encoding="utf-8"?>
 <p:sld xmlns:a="http://schemas.openxmlformats.org/drawingml/2006/main" xmlns:r="http://schemas.openxmlformats.org/officeDocument/2006/relationships" xmlns:p="http://schemas.openxmlformats.org/presentationml/2006/main">
   <p:cSld>
     <p:spTree>

--- a/04-creating_a_custom_resource.pptx
+++ b/04-creating_a_custom_resource.pptx
@@ -289,6 +289,10 @@
             <a:pPr>
               <a:defRPr/>
             </a:pPr>
+            <a:r>
+              <a:rPr lang="en-US" smtClean="0"/>
+              <a:t>Extending Cookbooks</a:t>
+            </a:r>
             <a:endParaRPr lang="en-US"/>
           </a:p>
         </p:txBody>
@@ -333,13 +337,10 @@
             <a:pPr>
               <a:defRPr/>
             </a:pPr>
-            <a:fld id="{04CB1577-BF96-2D40-B4CA-2BF6DA80CBA7}" type="datetime1">
-              <a:rPr lang="en-CA"/>
-              <a:pPr>
-                <a:defRPr/>
-              </a:pPr>
-              <a:t>2016-10-23</a:t>
-            </a:fld>
+            <a:r>
+              <a:rPr lang="en-US" smtClean="0"/>
+              <a:t>Chef Software, Inc.</a:t>
+            </a:r>
             <a:endParaRPr lang="en-US" dirty="0"/>
           </a:p>
         </p:txBody>
@@ -450,7 +451,7 @@
     </p:extLst>
   </p:cSld>
   <p:clrMap bg1="lt1" tx1="dk1" bg2="lt2" tx2="dk2" accent1="accent1" accent2="accent2" accent3="accent3" accent4="accent4" accent5="accent5" accent6="accent6" hlink="hlink" folHlink="folHlink"/>
-  <p:hf dt="0"/>
+  <p:hf sldNum="0" ftr="0"/>
 </p:handoutMaster>
 </file>
 
@@ -488,7 +489,7 @@
         </p:nvSpPr>
         <p:spPr>
           <a:xfrm>
-            <a:off x="3884613" y="0"/>
+            <a:off x="3884613" y="96250"/>
             <a:ext cx="2971800" cy="457200"/>
           </a:xfrm>
           <a:prstGeom prst="rect">
@@ -516,13 +517,10 @@
             <a:pPr>
               <a:defRPr/>
             </a:pPr>
-            <a:fld id="{72FDBE47-C34F-CF4A-9709-1411AD5B3286}" type="datetime1">
-              <a:rPr lang="en-CA"/>
-              <a:pPr>
-                <a:defRPr/>
-              </a:pPr>
-              <a:t>2016-10-23</a:t>
-            </a:fld>
+            <a:r>
+              <a:rPr lang="en-US" smtClean="0"/>
+              <a:t>Chef Software, Inc.</a:t>
+            </a:r>
             <a:endParaRPr lang="en-US" dirty="0"/>
           </a:p>
         </p:txBody>
@@ -573,8 +571,8 @@
         </p:nvSpPr>
         <p:spPr>
           <a:xfrm>
-            <a:off x="685800" y="4343400"/>
-            <a:ext cx="5486400" cy="4114800"/>
+            <a:off x="381000" y="4343400"/>
+            <a:ext cx="6096000" cy="4492592"/>
           </a:xfrm>
           <a:prstGeom prst="rect">
             <a:avLst/>
@@ -625,68 +623,17 @@
       </p:sp>
       <p:sp>
         <p:nvSpPr>
-          <p:cNvPr id="7" name="Slide Number Placeholder 6"/>
-          <p:cNvSpPr>
-            <a:spLocks noGrp="1"/>
-          </p:cNvSpPr>
-          <p:nvPr>
-            <p:ph type="sldNum" sz="quarter" idx="5"/>
+          <p:cNvPr id="8" name="Header Placeholder 1"/>
+          <p:cNvSpPr>
+            <a:spLocks noGrp="1"/>
+          </p:cNvSpPr>
+          <p:nvPr>
+            <p:ph type="hdr" sz="quarter"/>
           </p:nvPr>
         </p:nvSpPr>
         <p:spPr>
           <a:xfrm>
-            <a:off x="6172200" y="8685213"/>
-            <a:ext cx="684213" cy="457200"/>
-          </a:xfrm>
-          <a:prstGeom prst="rect">
-            <a:avLst/>
-          </a:prstGeom>
-        </p:spPr>
-        <p:txBody>
-          <a:bodyPr vert="horz" lIns="91440" tIns="45720" rIns="91440" bIns="45720" rtlCol="0" anchor="b"/>
-          <a:lstStyle>
-            <a:lvl1pPr algn="r" defTabSz="1219120" fontAlgn="auto">
-              <a:spcBef>
-                <a:spcPts val="0"/>
-              </a:spcBef>
-              <a:spcAft>
-                <a:spcPts val="0"/>
-              </a:spcAft>
-              <a:defRPr sz="1200" smtClean="0">
-                <a:latin typeface="Arial" panose="020B0604020202020204" pitchFamily="34" charset="0"/>
-                <a:ea typeface="+mn-ea"/>
-                <a:cs typeface="Arial" panose="020B0604020202020204" pitchFamily="34" charset="0"/>
-              </a:defRPr>
-            </a:lvl1pPr>
-          </a:lstStyle>
-          <a:p>
-            <a:pPr>
-              <a:defRPr/>
-            </a:pPr>
-            <a:fld id="{DC3734AA-3150-D947-AC52-2F5DF48BFCD5}" type="slidenum">
-              <a:rPr lang="en-US"/>
-              <a:pPr>
-                <a:defRPr/>
-              </a:pPr>
-              <a:t>‹#›</a:t>
-            </a:fld>
-            <a:endParaRPr lang="en-US" dirty="0"/>
-          </a:p>
-        </p:txBody>
-      </p:sp>
-      <p:sp>
-        <p:nvSpPr>
-          <p:cNvPr id="8" name="Header Placeholder 1"/>
-          <p:cNvSpPr>
-            <a:spLocks noGrp="1"/>
-          </p:cNvSpPr>
-          <p:nvPr>
-            <p:ph type="hdr" sz="quarter"/>
-          </p:nvPr>
-        </p:nvSpPr>
-        <p:spPr>
-          <a:xfrm>
-            <a:off x="0" y="0"/>
+            <a:off x="0" y="96250"/>
             <a:ext cx="2971800" cy="457200"/>
           </a:xfrm>
           <a:prstGeom prst="rect">
@@ -714,53 +661,10 @@
             <a:pPr>
               <a:defRPr/>
             </a:pPr>
-            <a:endParaRPr lang="en-US"/>
-          </a:p>
-        </p:txBody>
-      </p:sp>
-      <p:sp>
-        <p:nvSpPr>
-          <p:cNvPr id="9" name="Footer Placeholder 3"/>
-          <p:cNvSpPr>
-            <a:spLocks noGrp="1"/>
-          </p:cNvSpPr>
-          <p:nvPr>
-            <p:ph type="ftr" sz="quarter" idx="4"/>
-          </p:nvPr>
-        </p:nvSpPr>
-        <p:spPr>
-          <a:xfrm>
-            <a:off x="0" y="8685213"/>
-            <a:ext cx="6248400" cy="457200"/>
-          </a:xfrm>
-          <a:prstGeom prst="rect">
-            <a:avLst/>
-          </a:prstGeom>
-        </p:spPr>
-        <p:txBody>
-          <a:bodyPr vert="horz" lIns="91440" tIns="45720" rIns="91440" bIns="45720" rtlCol="0" anchor="b"/>
-          <a:lstStyle>
-            <a:lvl1pPr algn="l" defTabSz="1219120" fontAlgn="auto">
-              <a:spcBef>
-                <a:spcPts val="0"/>
-              </a:spcBef>
-              <a:spcAft>
-                <a:spcPts val="0"/>
-              </a:spcAft>
-              <a:defRPr sz="900" dirty="0" smtClean="0">
-                <a:solidFill>
-                  <a:srgbClr val="000000"/>
-                </a:solidFill>
-                <a:latin typeface="Arial" panose="020B0604020202020204" pitchFamily="34" charset="0"/>
-                <a:ea typeface="+mn-ea"/>
-                <a:cs typeface="Arial" panose="020B0604020202020204" pitchFamily="34" charset="0"/>
-              </a:defRPr>
-            </a:lvl1pPr>
-          </a:lstStyle>
-          <a:p>
-            <a:pPr>
-              <a:defRPr/>
-            </a:pPr>
+            <a:r>
+              <a:rPr lang="en-US" smtClean="0"/>
+              <a:t>Extending Cookbooks</a:t>
+            </a:r>
             <a:endParaRPr lang="en-US"/>
           </a:p>
         </p:txBody>
@@ -773,7 +677,7 @@
     </p:extLst>
   </p:cSld>
   <p:clrMap bg1="lt1" tx1="dk1" bg2="lt2" tx2="dk2" accent1="accent1" accent2="accent2" accent3="accent3" accent4="accent4" accent5="accent5" accent6="accent6" hlink="hlink" folHlink="folHlink"/>
-  <p:hf dt="0"/>
+  <p:hf sldNum="0" ftr="0"/>
   <p:notesStyle>
     <a:lvl1pPr algn="l" defTabSz="1217613" rtl="0" fontAlgn="base">
       <a:lnSpc>
@@ -972,12 +876,12 @@
       </p:sp>
       <p:sp>
         <p:nvSpPr>
-          <p:cNvPr id="4" name="Slide Number Placeholder 3"/>
-          <p:cNvSpPr>
-            <a:spLocks noGrp="1"/>
-          </p:cNvSpPr>
-          <p:nvPr>
-            <p:ph type="sldNum" sz="quarter" idx="10"/>
+          <p:cNvPr id="5" name="Header Placeholder 4"/>
+          <p:cNvSpPr>
+            <a:spLocks noGrp="1"/>
+          </p:cNvSpPr>
+          <p:nvPr>
+            <p:ph type="hdr" sz="quarter" idx="11"/>
           </p:nvPr>
         </p:nvSpPr>
         <p:spPr/>
@@ -988,25 +892,22 @@
             <a:pPr>
               <a:defRPr/>
             </a:pPr>
-            <a:fld id="{DC3734AA-3150-D947-AC52-2F5DF48BFCD5}" type="slidenum">
+            <a:r>
               <a:rPr lang="en-US" smtClean="0"/>
-              <a:pPr>
-                <a:defRPr/>
-              </a:pPr>
-              <a:t>1</a:t>
-            </a:fld>
-            <a:endParaRPr lang="en-US" dirty="0"/>
-          </a:p>
-        </p:txBody>
-      </p:sp>
-      <p:sp>
-        <p:nvSpPr>
-          <p:cNvPr id="5" name="Header Placeholder 4"/>
-          <p:cNvSpPr>
-            <a:spLocks noGrp="1"/>
-          </p:cNvSpPr>
-          <p:nvPr>
-            <p:ph type="hdr" sz="quarter" idx="11"/>
+              <a:t>Extending Cookbooks</a:t>
+            </a:r>
+            <a:endParaRPr lang="en-US"/>
+          </a:p>
+        </p:txBody>
+      </p:sp>
+      <p:sp>
+        <p:nvSpPr>
+          <p:cNvPr id="7" name="Date Placeholder 6"/>
+          <p:cNvSpPr>
+            <a:spLocks noGrp="1"/>
+          </p:cNvSpPr>
+          <p:nvPr>
+            <p:ph type="dt" idx="13"/>
           </p:nvPr>
         </p:nvSpPr>
         <p:spPr/>
@@ -1017,29 +918,11 @@
             <a:pPr>
               <a:defRPr/>
             </a:pPr>
-            <a:endParaRPr lang="en-US"/>
-          </a:p>
-        </p:txBody>
-      </p:sp>
-      <p:sp>
-        <p:nvSpPr>
-          <p:cNvPr id="6" name="Footer Placeholder 5"/>
-          <p:cNvSpPr>
-            <a:spLocks noGrp="1"/>
-          </p:cNvSpPr>
-          <p:nvPr>
-            <p:ph type="ftr" sz="quarter" idx="12"/>
-          </p:nvPr>
-        </p:nvSpPr>
-        <p:spPr/>
-        <p:txBody>
-          <a:bodyPr/>
-          <a:lstStyle/>
-          <a:p>
-            <a:pPr>
-              <a:defRPr/>
-            </a:pPr>
-            <a:endParaRPr lang="en-US"/>
+            <a:r>
+              <a:rPr lang="en-US" smtClean="0"/>
+              <a:t>Chef Software, Inc.</a:t>
+            </a:r>
+            <a:endParaRPr lang="en-US" dirty="0"/>
           </a:p>
         </p:txBody>
       </p:sp>
@@ -1114,12 +997,12 @@
       </p:sp>
       <p:sp>
         <p:nvSpPr>
-          <p:cNvPr id="4" name="Slide Number Placeholder 3"/>
-          <p:cNvSpPr>
-            <a:spLocks noGrp="1"/>
-          </p:cNvSpPr>
-          <p:nvPr>
-            <p:ph type="sldNum" sz="quarter" idx="10"/>
+          <p:cNvPr id="5" name="Header Placeholder 4"/>
+          <p:cNvSpPr>
+            <a:spLocks noGrp="1"/>
+          </p:cNvSpPr>
+          <p:nvPr>
+            <p:ph type="hdr" sz="quarter" idx="11"/>
           </p:nvPr>
         </p:nvSpPr>
         <p:spPr/>
@@ -1130,25 +1013,22 @@
             <a:pPr>
               <a:defRPr/>
             </a:pPr>
-            <a:fld id="{DC3734AA-3150-D947-AC52-2F5DF48BFCD5}" type="slidenum">
+            <a:r>
               <a:rPr lang="en-US" smtClean="0"/>
-              <a:pPr>
-                <a:defRPr/>
-              </a:pPr>
-              <a:t>10</a:t>
-            </a:fld>
-            <a:endParaRPr lang="en-US" dirty="0"/>
-          </a:p>
-        </p:txBody>
-      </p:sp>
-      <p:sp>
-        <p:nvSpPr>
-          <p:cNvPr id="5" name="Header Placeholder 4"/>
-          <p:cNvSpPr>
-            <a:spLocks noGrp="1"/>
-          </p:cNvSpPr>
-          <p:nvPr>
-            <p:ph type="hdr" sz="quarter" idx="11"/>
+              <a:t>Extending Cookbooks</a:t>
+            </a:r>
+            <a:endParaRPr lang="en-US"/>
+          </a:p>
+        </p:txBody>
+      </p:sp>
+      <p:sp>
+        <p:nvSpPr>
+          <p:cNvPr id="7" name="Date Placeholder 6"/>
+          <p:cNvSpPr>
+            <a:spLocks noGrp="1"/>
+          </p:cNvSpPr>
+          <p:nvPr>
+            <p:ph type="dt" idx="13"/>
           </p:nvPr>
         </p:nvSpPr>
         <p:spPr/>
@@ -1159,29 +1039,11 @@
             <a:pPr>
               <a:defRPr/>
             </a:pPr>
-            <a:endParaRPr lang="en-US"/>
-          </a:p>
-        </p:txBody>
-      </p:sp>
-      <p:sp>
-        <p:nvSpPr>
-          <p:cNvPr id="6" name="Footer Placeholder 5"/>
-          <p:cNvSpPr>
-            <a:spLocks noGrp="1"/>
-          </p:cNvSpPr>
-          <p:nvPr>
-            <p:ph type="ftr" sz="quarter" idx="12"/>
-          </p:nvPr>
-        </p:nvSpPr>
-        <p:spPr/>
-        <p:txBody>
-          <a:bodyPr/>
-          <a:lstStyle/>
-          <a:p>
-            <a:pPr>
-              <a:defRPr/>
-            </a:pPr>
-            <a:endParaRPr lang="en-US"/>
+            <a:r>
+              <a:rPr lang="en-US" smtClean="0"/>
+              <a:t>Chef Software, Inc.</a:t>
+            </a:r>
+            <a:endParaRPr lang="en-US" dirty="0"/>
           </a:p>
         </p:txBody>
       </p:sp>
@@ -1256,12 +1118,12 @@
       </p:sp>
       <p:sp>
         <p:nvSpPr>
-          <p:cNvPr id="4" name="Slide Number Placeholder 3"/>
-          <p:cNvSpPr>
-            <a:spLocks noGrp="1"/>
-          </p:cNvSpPr>
-          <p:nvPr>
-            <p:ph type="sldNum" sz="quarter" idx="10"/>
+          <p:cNvPr id="5" name="Header Placeholder 4"/>
+          <p:cNvSpPr>
+            <a:spLocks noGrp="1"/>
+          </p:cNvSpPr>
+          <p:nvPr>
+            <p:ph type="hdr" sz="quarter" idx="11"/>
           </p:nvPr>
         </p:nvSpPr>
         <p:spPr/>
@@ -1272,25 +1134,22 @@
             <a:pPr>
               <a:defRPr/>
             </a:pPr>
-            <a:fld id="{DC3734AA-3150-D947-AC52-2F5DF48BFCD5}" type="slidenum">
+            <a:r>
               <a:rPr lang="en-US" smtClean="0"/>
-              <a:pPr>
-                <a:defRPr/>
-              </a:pPr>
-              <a:t>11</a:t>
-            </a:fld>
-            <a:endParaRPr lang="en-US" dirty="0"/>
-          </a:p>
-        </p:txBody>
-      </p:sp>
-      <p:sp>
-        <p:nvSpPr>
-          <p:cNvPr id="5" name="Header Placeholder 4"/>
-          <p:cNvSpPr>
-            <a:spLocks noGrp="1"/>
-          </p:cNvSpPr>
-          <p:nvPr>
-            <p:ph type="hdr" sz="quarter" idx="11"/>
+              <a:t>Extending Cookbooks</a:t>
+            </a:r>
+            <a:endParaRPr lang="en-US"/>
+          </a:p>
+        </p:txBody>
+      </p:sp>
+      <p:sp>
+        <p:nvSpPr>
+          <p:cNvPr id="7" name="Date Placeholder 6"/>
+          <p:cNvSpPr>
+            <a:spLocks noGrp="1"/>
+          </p:cNvSpPr>
+          <p:nvPr>
+            <p:ph type="dt" idx="13"/>
           </p:nvPr>
         </p:nvSpPr>
         <p:spPr/>
@@ -1301,29 +1160,11 @@
             <a:pPr>
               <a:defRPr/>
             </a:pPr>
-            <a:endParaRPr lang="en-US"/>
-          </a:p>
-        </p:txBody>
-      </p:sp>
-      <p:sp>
-        <p:nvSpPr>
-          <p:cNvPr id="6" name="Footer Placeholder 5"/>
-          <p:cNvSpPr>
-            <a:spLocks noGrp="1"/>
-          </p:cNvSpPr>
-          <p:nvPr>
-            <p:ph type="ftr" sz="quarter" idx="12"/>
-          </p:nvPr>
-        </p:nvSpPr>
-        <p:spPr/>
-        <p:txBody>
-          <a:bodyPr/>
-          <a:lstStyle/>
-          <a:p>
-            <a:pPr>
-              <a:defRPr/>
-            </a:pPr>
-            <a:endParaRPr lang="en-US"/>
+            <a:r>
+              <a:rPr lang="en-US" smtClean="0"/>
+              <a:t>Chef Software, Inc.</a:t>
+            </a:r>
+            <a:endParaRPr lang="en-US" dirty="0"/>
           </a:p>
         </p:txBody>
       </p:sp>
@@ -1398,12 +1239,12 @@
       </p:sp>
       <p:sp>
         <p:nvSpPr>
-          <p:cNvPr id="4" name="Slide Number Placeholder 3"/>
-          <p:cNvSpPr>
-            <a:spLocks noGrp="1"/>
-          </p:cNvSpPr>
-          <p:nvPr>
-            <p:ph type="sldNum" sz="quarter" idx="10"/>
+          <p:cNvPr id="5" name="Header Placeholder 4"/>
+          <p:cNvSpPr>
+            <a:spLocks noGrp="1"/>
+          </p:cNvSpPr>
+          <p:nvPr>
+            <p:ph type="hdr" sz="quarter" idx="11"/>
           </p:nvPr>
         </p:nvSpPr>
         <p:spPr/>
@@ -1414,25 +1255,22 @@
             <a:pPr>
               <a:defRPr/>
             </a:pPr>
-            <a:fld id="{DC3734AA-3150-D947-AC52-2F5DF48BFCD5}" type="slidenum">
+            <a:r>
               <a:rPr lang="en-US" smtClean="0"/>
-              <a:pPr>
-                <a:defRPr/>
-              </a:pPr>
-              <a:t>12</a:t>
-            </a:fld>
-            <a:endParaRPr lang="en-US" dirty="0"/>
-          </a:p>
-        </p:txBody>
-      </p:sp>
-      <p:sp>
-        <p:nvSpPr>
-          <p:cNvPr id="5" name="Header Placeholder 4"/>
-          <p:cNvSpPr>
-            <a:spLocks noGrp="1"/>
-          </p:cNvSpPr>
-          <p:nvPr>
-            <p:ph type="hdr" sz="quarter" idx="11"/>
+              <a:t>Extending Cookbooks</a:t>
+            </a:r>
+            <a:endParaRPr lang="en-US"/>
+          </a:p>
+        </p:txBody>
+      </p:sp>
+      <p:sp>
+        <p:nvSpPr>
+          <p:cNvPr id="7" name="Date Placeholder 6"/>
+          <p:cNvSpPr>
+            <a:spLocks noGrp="1"/>
+          </p:cNvSpPr>
+          <p:nvPr>
+            <p:ph type="dt" idx="13"/>
           </p:nvPr>
         </p:nvSpPr>
         <p:spPr/>
@@ -1443,29 +1281,11 @@
             <a:pPr>
               <a:defRPr/>
             </a:pPr>
-            <a:endParaRPr lang="en-US"/>
-          </a:p>
-        </p:txBody>
-      </p:sp>
-      <p:sp>
-        <p:nvSpPr>
-          <p:cNvPr id="6" name="Footer Placeholder 5"/>
-          <p:cNvSpPr>
-            <a:spLocks noGrp="1"/>
-          </p:cNvSpPr>
-          <p:nvPr>
-            <p:ph type="ftr" sz="quarter" idx="12"/>
-          </p:nvPr>
-        </p:nvSpPr>
-        <p:spPr/>
-        <p:txBody>
-          <a:bodyPr/>
-          <a:lstStyle/>
-          <a:p>
-            <a:pPr>
-              <a:defRPr/>
-            </a:pPr>
-            <a:endParaRPr lang="en-US"/>
+            <a:r>
+              <a:rPr lang="en-US" smtClean="0"/>
+              <a:t>Chef Software, Inc.</a:t>
+            </a:r>
+            <a:endParaRPr lang="en-US" dirty="0"/>
           </a:p>
         </p:txBody>
       </p:sp>
@@ -1540,12 +1360,12 @@
       </p:sp>
       <p:sp>
         <p:nvSpPr>
-          <p:cNvPr id="4" name="Slide Number Placeholder 3"/>
-          <p:cNvSpPr>
-            <a:spLocks noGrp="1"/>
-          </p:cNvSpPr>
-          <p:nvPr>
-            <p:ph type="sldNum" sz="quarter" idx="10"/>
+          <p:cNvPr id="5" name="Header Placeholder 4"/>
+          <p:cNvSpPr>
+            <a:spLocks noGrp="1"/>
+          </p:cNvSpPr>
+          <p:nvPr>
+            <p:ph type="hdr" sz="quarter" idx="11"/>
           </p:nvPr>
         </p:nvSpPr>
         <p:spPr/>
@@ -1556,25 +1376,22 @@
             <a:pPr>
               <a:defRPr/>
             </a:pPr>
-            <a:fld id="{DC3734AA-3150-D947-AC52-2F5DF48BFCD5}" type="slidenum">
+            <a:r>
               <a:rPr lang="en-US" smtClean="0"/>
-              <a:pPr>
-                <a:defRPr/>
-              </a:pPr>
-              <a:t>13</a:t>
-            </a:fld>
-            <a:endParaRPr lang="en-US" dirty="0"/>
-          </a:p>
-        </p:txBody>
-      </p:sp>
-      <p:sp>
-        <p:nvSpPr>
-          <p:cNvPr id="5" name="Header Placeholder 4"/>
-          <p:cNvSpPr>
-            <a:spLocks noGrp="1"/>
-          </p:cNvSpPr>
-          <p:nvPr>
-            <p:ph type="hdr" sz="quarter" idx="11"/>
+              <a:t>Extending Cookbooks</a:t>
+            </a:r>
+            <a:endParaRPr lang="en-US"/>
+          </a:p>
+        </p:txBody>
+      </p:sp>
+      <p:sp>
+        <p:nvSpPr>
+          <p:cNvPr id="7" name="Date Placeholder 6"/>
+          <p:cNvSpPr>
+            <a:spLocks noGrp="1"/>
+          </p:cNvSpPr>
+          <p:nvPr>
+            <p:ph type="dt" idx="13"/>
           </p:nvPr>
         </p:nvSpPr>
         <p:spPr/>
@@ -1585,29 +1402,11 @@
             <a:pPr>
               <a:defRPr/>
             </a:pPr>
-            <a:endParaRPr lang="en-US"/>
-          </a:p>
-        </p:txBody>
-      </p:sp>
-      <p:sp>
-        <p:nvSpPr>
-          <p:cNvPr id="6" name="Footer Placeholder 5"/>
-          <p:cNvSpPr>
-            <a:spLocks noGrp="1"/>
-          </p:cNvSpPr>
-          <p:nvPr>
-            <p:ph type="ftr" sz="quarter" idx="12"/>
-          </p:nvPr>
-        </p:nvSpPr>
-        <p:spPr/>
-        <p:txBody>
-          <a:bodyPr/>
-          <a:lstStyle/>
-          <a:p>
-            <a:pPr>
-              <a:defRPr/>
-            </a:pPr>
-            <a:endParaRPr lang="en-US"/>
+            <a:r>
+              <a:rPr lang="en-US" smtClean="0"/>
+              <a:t>Chef Software, Inc.</a:t>
+            </a:r>
+            <a:endParaRPr lang="en-US" dirty="0"/>
           </a:p>
         </p:txBody>
       </p:sp>
@@ -1682,12 +1481,12 @@
       </p:sp>
       <p:sp>
         <p:nvSpPr>
-          <p:cNvPr id="4" name="Slide Number Placeholder 3"/>
-          <p:cNvSpPr>
-            <a:spLocks noGrp="1"/>
-          </p:cNvSpPr>
-          <p:nvPr>
-            <p:ph type="sldNum" sz="quarter" idx="10"/>
+          <p:cNvPr id="5" name="Header Placeholder 4"/>
+          <p:cNvSpPr>
+            <a:spLocks noGrp="1"/>
+          </p:cNvSpPr>
+          <p:nvPr>
+            <p:ph type="hdr" sz="quarter" idx="11"/>
           </p:nvPr>
         </p:nvSpPr>
         <p:spPr/>
@@ -1698,25 +1497,22 @@
             <a:pPr>
               <a:defRPr/>
             </a:pPr>
-            <a:fld id="{DC3734AA-3150-D947-AC52-2F5DF48BFCD5}" type="slidenum">
+            <a:r>
               <a:rPr lang="en-US" smtClean="0"/>
-              <a:pPr>
-                <a:defRPr/>
-              </a:pPr>
-              <a:t>14</a:t>
-            </a:fld>
-            <a:endParaRPr lang="en-US" dirty="0"/>
-          </a:p>
-        </p:txBody>
-      </p:sp>
-      <p:sp>
-        <p:nvSpPr>
-          <p:cNvPr id="5" name="Header Placeholder 4"/>
-          <p:cNvSpPr>
-            <a:spLocks noGrp="1"/>
-          </p:cNvSpPr>
-          <p:nvPr>
-            <p:ph type="hdr" sz="quarter" idx="11"/>
+              <a:t>Extending Cookbooks</a:t>
+            </a:r>
+            <a:endParaRPr lang="en-US"/>
+          </a:p>
+        </p:txBody>
+      </p:sp>
+      <p:sp>
+        <p:nvSpPr>
+          <p:cNvPr id="7" name="Date Placeholder 6"/>
+          <p:cNvSpPr>
+            <a:spLocks noGrp="1"/>
+          </p:cNvSpPr>
+          <p:nvPr>
+            <p:ph type="dt" idx="13"/>
           </p:nvPr>
         </p:nvSpPr>
         <p:spPr/>
@@ -1727,29 +1523,11 @@
             <a:pPr>
               <a:defRPr/>
             </a:pPr>
-            <a:endParaRPr lang="en-US"/>
-          </a:p>
-        </p:txBody>
-      </p:sp>
-      <p:sp>
-        <p:nvSpPr>
-          <p:cNvPr id="6" name="Footer Placeholder 5"/>
-          <p:cNvSpPr>
-            <a:spLocks noGrp="1"/>
-          </p:cNvSpPr>
-          <p:nvPr>
-            <p:ph type="ftr" sz="quarter" idx="12"/>
-          </p:nvPr>
-        </p:nvSpPr>
-        <p:spPr/>
-        <p:txBody>
-          <a:bodyPr/>
-          <a:lstStyle/>
-          <a:p>
-            <a:pPr>
-              <a:defRPr/>
-            </a:pPr>
-            <a:endParaRPr lang="en-US"/>
+            <a:r>
+              <a:rPr lang="en-US" smtClean="0"/>
+              <a:t>Chef Software, Inc.</a:t>
+            </a:r>
+            <a:endParaRPr lang="en-US" dirty="0"/>
           </a:p>
         </p:txBody>
       </p:sp>
@@ -1824,12 +1602,12 @@
       </p:sp>
       <p:sp>
         <p:nvSpPr>
-          <p:cNvPr id="4" name="Slide Number Placeholder 3"/>
-          <p:cNvSpPr>
-            <a:spLocks noGrp="1"/>
-          </p:cNvSpPr>
-          <p:nvPr>
-            <p:ph type="sldNum" sz="quarter" idx="10"/>
+          <p:cNvPr id="5" name="Header Placeholder 4"/>
+          <p:cNvSpPr>
+            <a:spLocks noGrp="1"/>
+          </p:cNvSpPr>
+          <p:nvPr>
+            <p:ph type="hdr" sz="quarter" idx="11"/>
           </p:nvPr>
         </p:nvSpPr>
         <p:spPr/>
@@ -1840,25 +1618,22 @@
             <a:pPr>
               <a:defRPr/>
             </a:pPr>
-            <a:fld id="{DC3734AA-3150-D947-AC52-2F5DF48BFCD5}" type="slidenum">
+            <a:r>
               <a:rPr lang="en-US" smtClean="0"/>
-              <a:pPr>
-                <a:defRPr/>
-              </a:pPr>
-              <a:t>15</a:t>
-            </a:fld>
-            <a:endParaRPr lang="en-US" dirty="0"/>
-          </a:p>
-        </p:txBody>
-      </p:sp>
-      <p:sp>
-        <p:nvSpPr>
-          <p:cNvPr id="5" name="Header Placeholder 4"/>
-          <p:cNvSpPr>
-            <a:spLocks noGrp="1"/>
-          </p:cNvSpPr>
-          <p:nvPr>
-            <p:ph type="hdr" sz="quarter" idx="11"/>
+              <a:t>Extending Cookbooks</a:t>
+            </a:r>
+            <a:endParaRPr lang="en-US"/>
+          </a:p>
+        </p:txBody>
+      </p:sp>
+      <p:sp>
+        <p:nvSpPr>
+          <p:cNvPr id="7" name="Date Placeholder 6"/>
+          <p:cNvSpPr>
+            <a:spLocks noGrp="1"/>
+          </p:cNvSpPr>
+          <p:nvPr>
+            <p:ph type="dt" idx="13"/>
           </p:nvPr>
         </p:nvSpPr>
         <p:spPr/>
@@ -1869,29 +1644,11 @@
             <a:pPr>
               <a:defRPr/>
             </a:pPr>
-            <a:endParaRPr lang="en-US"/>
-          </a:p>
-        </p:txBody>
-      </p:sp>
-      <p:sp>
-        <p:nvSpPr>
-          <p:cNvPr id="6" name="Footer Placeholder 5"/>
-          <p:cNvSpPr>
-            <a:spLocks noGrp="1"/>
-          </p:cNvSpPr>
-          <p:nvPr>
-            <p:ph type="ftr" sz="quarter" idx="12"/>
-          </p:nvPr>
-        </p:nvSpPr>
-        <p:spPr/>
-        <p:txBody>
-          <a:bodyPr/>
-          <a:lstStyle/>
-          <a:p>
-            <a:pPr>
-              <a:defRPr/>
-            </a:pPr>
-            <a:endParaRPr lang="en-US"/>
+            <a:r>
+              <a:rPr lang="en-US" smtClean="0"/>
+              <a:t>Chef Software, Inc.</a:t>
+            </a:r>
+            <a:endParaRPr lang="en-US" dirty="0"/>
           </a:p>
         </p:txBody>
       </p:sp>
@@ -1966,12 +1723,12 @@
       </p:sp>
       <p:sp>
         <p:nvSpPr>
-          <p:cNvPr id="4" name="Slide Number Placeholder 3"/>
-          <p:cNvSpPr>
-            <a:spLocks noGrp="1"/>
-          </p:cNvSpPr>
-          <p:nvPr>
-            <p:ph type="sldNum" sz="quarter" idx="10"/>
+          <p:cNvPr id="5" name="Header Placeholder 4"/>
+          <p:cNvSpPr>
+            <a:spLocks noGrp="1"/>
+          </p:cNvSpPr>
+          <p:nvPr>
+            <p:ph type="hdr" sz="quarter" idx="11"/>
           </p:nvPr>
         </p:nvSpPr>
         <p:spPr/>
@@ -1982,25 +1739,22 @@
             <a:pPr>
               <a:defRPr/>
             </a:pPr>
-            <a:fld id="{DC3734AA-3150-D947-AC52-2F5DF48BFCD5}" type="slidenum">
+            <a:r>
               <a:rPr lang="en-US" smtClean="0"/>
-              <a:pPr>
-                <a:defRPr/>
-              </a:pPr>
-              <a:t>16</a:t>
-            </a:fld>
-            <a:endParaRPr lang="en-US" dirty="0"/>
-          </a:p>
-        </p:txBody>
-      </p:sp>
-      <p:sp>
-        <p:nvSpPr>
-          <p:cNvPr id="5" name="Header Placeholder 4"/>
-          <p:cNvSpPr>
-            <a:spLocks noGrp="1"/>
-          </p:cNvSpPr>
-          <p:nvPr>
-            <p:ph type="hdr" sz="quarter" idx="11"/>
+              <a:t>Extending Cookbooks</a:t>
+            </a:r>
+            <a:endParaRPr lang="en-US"/>
+          </a:p>
+        </p:txBody>
+      </p:sp>
+      <p:sp>
+        <p:nvSpPr>
+          <p:cNvPr id="7" name="Date Placeholder 6"/>
+          <p:cNvSpPr>
+            <a:spLocks noGrp="1"/>
+          </p:cNvSpPr>
+          <p:nvPr>
+            <p:ph type="dt" idx="13"/>
           </p:nvPr>
         </p:nvSpPr>
         <p:spPr/>
@@ -2011,29 +1765,11 @@
             <a:pPr>
               <a:defRPr/>
             </a:pPr>
-            <a:endParaRPr lang="en-US"/>
-          </a:p>
-        </p:txBody>
-      </p:sp>
-      <p:sp>
-        <p:nvSpPr>
-          <p:cNvPr id="6" name="Footer Placeholder 5"/>
-          <p:cNvSpPr>
-            <a:spLocks noGrp="1"/>
-          </p:cNvSpPr>
-          <p:nvPr>
-            <p:ph type="ftr" sz="quarter" idx="12"/>
-          </p:nvPr>
-        </p:nvSpPr>
-        <p:spPr/>
-        <p:txBody>
-          <a:bodyPr/>
-          <a:lstStyle/>
-          <a:p>
-            <a:pPr>
-              <a:defRPr/>
-            </a:pPr>
-            <a:endParaRPr lang="en-US"/>
+            <a:r>
+              <a:rPr lang="en-US" smtClean="0"/>
+              <a:t>Chef Software, Inc.</a:t>
+            </a:r>
+            <a:endParaRPr lang="en-US" dirty="0"/>
           </a:p>
         </p:txBody>
       </p:sp>
@@ -2104,12 +1840,12 @@
       </p:sp>
       <p:sp>
         <p:nvSpPr>
-          <p:cNvPr id="4" name="Slide Number Placeholder 3"/>
-          <p:cNvSpPr>
-            <a:spLocks noGrp="1"/>
-          </p:cNvSpPr>
-          <p:nvPr>
-            <p:ph type="sldNum" sz="quarter" idx="10"/>
+          <p:cNvPr id="5" name="Header Placeholder 4"/>
+          <p:cNvSpPr>
+            <a:spLocks noGrp="1"/>
+          </p:cNvSpPr>
+          <p:nvPr>
+            <p:ph type="hdr" sz="quarter" idx="11"/>
           </p:nvPr>
         </p:nvSpPr>
         <p:spPr/>
@@ -2120,25 +1856,22 @@
             <a:pPr>
               <a:defRPr/>
             </a:pPr>
-            <a:fld id="{DC3734AA-3150-D947-AC52-2F5DF48BFCD5}" type="slidenum">
+            <a:r>
               <a:rPr lang="en-US" smtClean="0"/>
-              <a:pPr>
-                <a:defRPr/>
-              </a:pPr>
-              <a:t>17</a:t>
-            </a:fld>
-            <a:endParaRPr lang="en-US" dirty="0"/>
-          </a:p>
-        </p:txBody>
-      </p:sp>
-      <p:sp>
-        <p:nvSpPr>
-          <p:cNvPr id="5" name="Header Placeholder 4"/>
-          <p:cNvSpPr>
-            <a:spLocks noGrp="1"/>
-          </p:cNvSpPr>
-          <p:nvPr>
-            <p:ph type="hdr" sz="quarter" idx="11"/>
+              <a:t>Extending Cookbooks</a:t>
+            </a:r>
+            <a:endParaRPr lang="en-US"/>
+          </a:p>
+        </p:txBody>
+      </p:sp>
+      <p:sp>
+        <p:nvSpPr>
+          <p:cNvPr id="7" name="Date Placeholder 6"/>
+          <p:cNvSpPr>
+            <a:spLocks noGrp="1"/>
+          </p:cNvSpPr>
+          <p:nvPr>
+            <p:ph type="dt" idx="13"/>
           </p:nvPr>
         </p:nvSpPr>
         <p:spPr/>
@@ -2149,29 +1882,11 @@
             <a:pPr>
               <a:defRPr/>
             </a:pPr>
-            <a:endParaRPr lang="en-US"/>
-          </a:p>
-        </p:txBody>
-      </p:sp>
-      <p:sp>
-        <p:nvSpPr>
-          <p:cNvPr id="6" name="Footer Placeholder 5"/>
-          <p:cNvSpPr>
-            <a:spLocks noGrp="1"/>
-          </p:cNvSpPr>
-          <p:nvPr>
-            <p:ph type="ftr" sz="quarter" idx="12"/>
-          </p:nvPr>
-        </p:nvSpPr>
-        <p:spPr/>
-        <p:txBody>
-          <a:bodyPr/>
-          <a:lstStyle/>
-          <a:p>
-            <a:pPr>
-              <a:defRPr/>
-            </a:pPr>
-            <a:endParaRPr lang="en-US"/>
+            <a:r>
+              <a:rPr lang="en-US" smtClean="0"/>
+              <a:t>Chef Software, Inc.</a:t>
+            </a:r>
+            <a:endParaRPr lang="en-US" dirty="0"/>
           </a:p>
         </p:txBody>
       </p:sp>
@@ -2246,12 +1961,12 @@
       </p:sp>
       <p:sp>
         <p:nvSpPr>
-          <p:cNvPr id="4" name="Slide Number Placeholder 3"/>
-          <p:cNvSpPr>
-            <a:spLocks noGrp="1"/>
-          </p:cNvSpPr>
-          <p:nvPr>
-            <p:ph type="sldNum" sz="quarter" idx="10"/>
+          <p:cNvPr id="5" name="Header Placeholder 4"/>
+          <p:cNvSpPr>
+            <a:spLocks noGrp="1"/>
+          </p:cNvSpPr>
+          <p:nvPr>
+            <p:ph type="hdr" sz="quarter" idx="11"/>
           </p:nvPr>
         </p:nvSpPr>
         <p:spPr/>
@@ -2262,25 +1977,22 @@
             <a:pPr>
               <a:defRPr/>
             </a:pPr>
-            <a:fld id="{DC3734AA-3150-D947-AC52-2F5DF48BFCD5}" type="slidenum">
+            <a:r>
               <a:rPr lang="en-US" smtClean="0"/>
-              <a:pPr>
-                <a:defRPr/>
-              </a:pPr>
-              <a:t>18</a:t>
-            </a:fld>
-            <a:endParaRPr lang="en-US" dirty="0"/>
-          </a:p>
-        </p:txBody>
-      </p:sp>
-      <p:sp>
-        <p:nvSpPr>
-          <p:cNvPr id="5" name="Header Placeholder 4"/>
-          <p:cNvSpPr>
-            <a:spLocks noGrp="1"/>
-          </p:cNvSpPr>
-          <p:nvPr>
-            <p:ph type="hdr" sz="quarter" idx="11"/>
+              <a:t>Extending Cookbooks</a:t>
+            </a:r>
+            <a:endParaRPr lang="en-US"/>
+          </a:p>
+        </p:txBody>
+      </p:sp>
+      <p:sp>
+        <p:nvSpPr>
+          <p:cNvPr id="7" name="Date Placeholder 6"/>
+          <p:cNvSpPr>
+            <a:spLocks noGrp="1"/>
+          </p:cNvSpPr>
+          <p:nvPr>
+            <p:ph type="dt" idx="13"/>
           </p:nvPr>
         </p:nvSpPr>
         <p:spPr/>
@@ -2291,29 +2003,11 @@
             <a:pPr>
               <a:defRPr/>
             </a:pPr>
-            <a:endParaRPr lang="en-US"/>
-          </a:p>
-        </p:txBody>
-      </p:sp>
-      <p:sp>
-        <p:nvSpPr>
-          <p:cNvPr id="6" name="Footer Placeholder 5"/>
-          <p:cNvSpPr>
-            <a:spLocks noGrp="1"/>
-          </p:cNvSpPr>
-          <p:nvPr>
-            <p:ph type="ftr" sz="quarter" idx="12"/>
-          </p:nvPr>
-        </p:nvSpPr>
-        <p:spPr/>
-        <p:txBody>
-          <a:bodyPr/>
-          <a:lstStyle/>
-          <a:p>
-            <a:pPr>
-              <a:defRPr/>
-            </a:pPr>
-            <a:endParaRPr lang="en-US"/>
+            <a:r>
+              <a:rPr lang="en-US" smtClean="0"/>
+              <a:t>Chef Software, Inc.</a:t>
+            </a:r>
+            <a:endParaRPr lang="en-US" dirty="0"/>
           </a:p>
         </p:txBody>
       </p:sp>
@@ -2420,12 +2114,12 @@
       </p:sp>
       <p:sp>
         <p:nvSpPr>
-          <p:cNvPr id="4" name="Slide Number Placeholder 3"/>
-          <p:cNvSpPr>
-            <a:spLocks noGrp="1"/>
-          </p:cNvSpPr>
-          <p:nvPr>
-            <p:ph type="sldNum" sz="quarter" idx="10"/>
+          <p:cNvPr id="5" name="Header Placeholder 4"/>
+          <p:cNvSpPr>
+            <a:spLocks noGrp="1"/>
+          </p:cNvSpPr>
+          <p:nvPr>
+            <p:ph type="hdr" sz="quarter" idx="11"/>
           </p:nvPr>
         </p:nvSpPr>
         <p:spPr/>
@@ -2436,25 +2130,22 @@
             <a:pPr>
               <a:defRPr/>
             </a:pPr>
-            <a:fld id="{DC3734AA-3150-D947-AC52-2F5DF48BFCD5}" type="slidenum">
+            <a:r>
               <a:rPr lang="en-US" smtClean="0"/>
-              <a:pPr>
-                <a:defRPr/>
-              </a:pPr>
-              <a:t>19</a:t>
-            </a:fld>
-            <a:endParaRPr lang="en-US" dirty="0"/>
-          </a:p>
-        </p:txBody>
-      </p:sp>
-      <p:sp>
-        <p:nvSpPr>
-          <p:cNvPr id="5" name="Header Placeholder 4"/>
-          <p:cNvSpPr>
-            <a:spLocks noGrp="1"/>
-          </p:cNvSpPr>
-          <p:nvPr>
-            <p:ph type="hdr" sz="quarter" idx="11"/>
+              <a:t>Extending Cookbooks</a:t>
+            </a:r>
+            <a:endParaRPr lang="en-US"/>
+          </a:p>
+        </p:txBody>
+      </p:sp>
+      <p:sp>
+        <p:nvSpPr>
+          <p:cNvPr id="7" name="Date Placeholder 6"/>
+          <p:cNvSpPr>
+            <a:spLocks noGrp="1"/>
+          </p:cNvSpPr>
+          <p:nvPr>
+            <p:ph type="dt" idx="13"/>
           </p:nvPr>
         </p:nvSpPr>
         <p:spPr/>
@@ -2465,29 +2156,11 @@
             <a:pPr>
               <a:defRPr/>
             </a:pPr>
-            <a:endParaRPr lang="en-US"/>
-          </a:p>
-        </p:txBody>
-      </p:sp>
-      <p:sp>
-        <p:nvSpPr>
-          <p:cNvPr id="6" name="Footer Placeholder 5"/>
-          <p:cNvSpPr>
-            <a:spLocks noGrp="1"/>
-          </p:cNvSpPr>
-          <p:nvPr>
-            <p:ph type="ftr" sz="quarter" idx="12"/>
-          </p:nvPr>
-        </p:nvSpPr>
-        <p:spPr/>
-        <p:txBody>
-          <a:bodyPr/>
-          <a:lstStyle/>
-          <a:p>
-            <a:pPr>
-              <a:defRPr/>
-            </a:pPr>
-            <a:endParaRPr lang="en-US"/>
+            <a:r>
+              <a:rPr lang="en-US" smtClean="0"/>
+              <a:t>Chef Software, Inc.</a:t>
+            </a:r>
+            <a:endParaRPr lang="en-US" dirty="0"/>
           </a:p>
         </p:txBody>
       </p:sp>
@@ -2562,12 +2235,12 @@
       </p:sp>
       <p:sp>
         <p:nvSpPr>
-          <p:cNvPr id="4" name="Slide Number Placeholder 3"/>
-          <p:cNvSpPr>
-            <a:spLocks noGrp="1"/>
-          </p:cNvSpPr>
-          <p:nvPr>
-            <p:ph type="sldNum" sz="quarter" idx="10"/>
+          <p:cNvPr id="5" name="Header Placeholder 4"/>
+          <p:cNvSpPr>
+            <a:spLocks noGrp="1"/>
+          </p:cNvSpPr>
+          <p:nvPr>
+            <p:ph type="hdr" sz="quarter" idx="11"/>
           </p:nvPr>
         </p:nvSpPr>
         <p:spPr/>
@@ -2578,25 +2251,22 @@
             <a:pPr>
               <a:defRPr/>
             </a:pPr>
-            <a:fld id="{DC3734AA-3150-D947-AC52-2F5DF48BFCD5}" type="slidenum">
+            <a:r>
               <a:rPr lang="en-US" smtClean="0"/>
-              <a:pPr>
-                <a:defRPr/>
-              </a:pPr>
-              <a:t>2</a:t>
-            </a:fld>
-            <a:endParaRPr lang="en-US" dirty="0"/>
-          </a:p>
-        </p:txBody>
-      </p:sp>
-      <p:sp>
-        <p:nvSpPr>
-          <p:cNvPr id="5" name="Header Placeholder 4"/>
-          <p:cNvSpPr>
-            <a:spLocks noGrp="1"/>
-          </p:cNvSpPr>
-          <p:nvPr>
-            <p:ph type="hdr" sz="quarter" idx="11"/>
+              <a:t>Extending Cookbooks</a:t>
+            </a:r>
+            <a:endParaRPr lang="en-US"/>
+          </a:p>
+        </p:txBody>
+      </p:sp>
+      <p:sp>
+        <p:nvSpPr>
+          <p:cNvPr id="7" name="Date Placeholder 6"/>
+          <p:cNvSpPr>
+            <a:spLocks noGrp="1"/>
+          </p:cNvSpPr>
+          <p:nvPr>
+            <p:ph type="dt" idx="13"/>
           </p:nvPr>
         </p:nvSpPr>
         <p:spPr/>
@@ -2607,29 +2277,11 @@
             <a:pPr>
               <a:defRPr/>
             </a:pPr>
-            <a:endParaRPr lang="en-US"/>
-          </a:p>
-        </p:txBody>
-      </p:sp>
-      <p:sp>
-        <p:nvSpPr>
-          <p:cNvPr id="6" name="Footer Placeholder 5"/>
-          <p:cNvSpPr>
-            <a:spLocks noGrp="1"/>
-          </p:cNvSpPr>
-          <p:nvPr>
-            <p:ph type="ftr" sz="quarter" idx="12"/>
-          </p:nvPr>
-        </p:nvSpPr>
-        <p:spPr/>
-        <p:txBody>
-          <a:bodyPr/>
-          <a:lstStyle/>
-          <a:p>
-            <a:pPr>
-              <a:defRPr/>
-            </a:pPr>
-            <a:endParaRPr lang="en-US"/>
+            <a:r>
+              <a:rPr lang="en-US" smtClean="0"/>
+              <a:t>Chef Software, Inc.</a:t>
+            </a:r>
+            <a:endParaRPr lang="en-US" dirty="0"/>
           </a:p>
         </p:txBody>
       </p:sp>
@@ -2713,12 +2365,12 @@
       </p:sp>
       <p:sp>
         <p:nvSpPr>
-          <p:cNvPr id="4" name="Slide Number Placeholder 3"/>
-          <p:cNvSpPr>
-            <a:spLocks noGrp="1"/>
-          </p:cNvSpPr>
-          <p:nvPr>
-            <p:ph type="sldNum" sz="quarter" idx="10"/>
+          <p:cNvPr id="5" name="Header Placeholder 4"/>
+          <p:cNvSpPr>
+            <a:spLocks noGrp="1"/>
+          </p:cNvSpPr>
+          <p:nvPr>
+            <p:ph type="hdr" sz="quarter" idx="11"/>
           </p:nvPr>
         </p:nvSpPr>
         <p:spPr/>
@@ -2729,25 +2381,22 @@
             <a:pPr>
               <a:defRPr/>
             </a:pPr>
-            <a:fld id="{DC3734AA-3150-D947-AC52-2F5DF48BFCD5}" type="slidenum">
+            <a:r>
               <a:rPr lang="en-US" smtClean="0"/>
-              <a:pPr>
-                <a:defRPr/>
-              </a:pPr>
-              <a:t>20</a:t>
-            </a:fld>
-            <a:endParaRPr lang="en-US" dirty="0"/>
-          </a:p>
-        </p:txBody>
-      </p:sp>
-      <p:sp>
-        <p:nvSpPr>
-          <p:cNvPr id="5" name="Header Placeholder 4"/>
-          <p:cNvSpPr>
-            <a:spLocks noGrp="1"/>
-          </p:cNvSpPr>
-          <p:nvPr>
-            <p:ph type="hdr" sz="quarter" idx="11"/>
+              <a:t>Extending Cookbooks</a:t>
+            </a:r>
+            <a:endParaRPr lang="en-US"/>
+          </a:p>
+        </p:txBody>
+      </p:sp>
+      <p:sp>
+        <p:nvSpPr>
+          <p:cNvPr id="7" name="Date Placeholder 6"/>
+          <p:cNvSpPr>
+            <a:spLocks noGrp="1"/>
+          </p:cNvSpPr>
+          <p:nvPr>
+            <p:ph type="dt" idx="13"/>
           </p:nvPr>
         </p:nvSpPr>
         <p:spPr/>
@@ -2758,29 +2407,11 @@
             <a:pPr>
               <a:defRPr/>
             </a:pPr>
-            <a:endParaRPr lang="en-US"/>
-          </a:p>
-        </p:txBody>
-      </p:sp>
-      <p:sp>
-        <p:nvSpPr>
-          <p:cNvPr id="6" name="Footer Placeholder 5"/>
-          <p:cNvSpPr>
-            <a:spLocks noGrp="1"/>
-          </p:cNvSpPr>
-          <p:nvPr>
-            <p:ph type="ftr" sz="quarter" idx="12"/>
-          </p:nvPr>
-        </p:nvSpPr>
-        <p:spPr/>
-        <p:txBody>
-          <a:bodyPr/>
-          <a:lstStyle/>
-          <a:p>
-            <a:pPr>
-              <a:defRPr/>
-            </a:pPr>
-            <a:endParaRPr lang="en-US"/>
+            <a:r>
+              <a:rPr lang="en-US" smtClean="0"/>
+              <a:t>Chef Software, Inc.</a:t>
+            </a:r>
+            <a:endParaRPr lang="en-US" dirty="0"/>
           </a:p>
         </p:txBody>
       </p:sp>
@@ -2871,12 +2502,12 @@
       </p:sp>
       <p:sp>
         <p:nvSpPr>
-          <p:cNvPr id="4" name="Slide Number Placeholder 3"/>
-          <p:cNvSpPr>
-            <a:spLocks noGrp="1"/>
-          </p:cNvSpPr>
-          <p:nvPr>
-            <p:ph type="sldNum" sz="quarter" idx="10"/>
+          <p:cNvPr id="5" name="Header Placeholder 4"/>
+          <p:cNvSpPr>
+            <a:spLocks noGrp="1"/>
+          </p:cNvSpPr>
+          <p:nvPr>
+            <p:ph type="hdr" sz="quarter" idx="11"/>
           </p:nvPr>
         </p:nvSpPr>
         <p:spPr/>
@@ -2887,25 +2518,22 @@
             <a:pPr>
               <a:defRPr/>
             </a:pPr>
-            <a:fld id="{DC3734AA-3150-D947-AC52-2F5DF48BFCD5}" type="slidenum">
+            <a:r>
               <a:rPr lang="en-US" smtClean="0"/>
-              <a:pPr>
-                <a:defRPr/>
-              </a:pPr>
-              <a:t>21</a:t>
-            </a:fld>
-            <a:endParaRPr lang="en-US" dirty="0"/>
-          </a:p>
-        </p:txBody>
-      </p:sp>
-      <p:sp>
-        <p:nvSpPr>
-          <p:cNvPr id="5" name="Header Placeholder 4"/>
-          <p:cNvSpPr>
-            <a:spLocks noGrp="1"/>
-          </p:cNvSpPr>
-          <p:nvPr>
-            <p:ph type="hdr" sz="quarter" idx="11"/>
+              <a:t>Extending Cookbooks</a:t>
+            </a:r>
+            <a:endParaRPr lang="en-US"/>
+          </a:p>
+        </p:txBody>
+      </p:sp>
+      <p:sp>
+        <p:nvSpPr>
+          <p:cNvPr id="7" name="Date Placeholder 6"/>
+          <p:cNvSpPr>
+            <a:spLocks noGrp="1"/>
+          </p:cNvSpPr>
+          <p:nvPr>
+            <p:ph type="dt" idx="13"/>
           </p:nvPr>
         </p:nvSpPr>
         <p:spPr/>
@@ -2916,29 +2544,11 @@
             <a:pPr>
               <a:defRPr/>
             </a:pPr>
-            <a:endParaRPr lang="en-US"/>
-          </a:p>
-        </p:txBody>
-      </p:sp>
-      <p:sp>
-        <p:nvSpPr>
-          <p:cNvPr id="6" name="Footer Placeholder 5"/>
-          <p:cNvSpPr>
-            <a:spLocks noGrp="1"/>
-          </p:cNvSpPr>
-          <p:nvPr>
-            <p:ph type="ftr" sz="quarter" idx="12"/>
-          </p:nvPr>
-        </p:nvSpPr>
-        <p:spPr/>
-        <p:txBody>
-          <a:bodyPr/>
-          <a:lstStyle/>
-          <a:p>
-            <a:pPr>
-              <a:defRPr/>
-            </a:pPr>
-            <a:endParaRPr lang="en-US"/>
+            <a:r>
+              <a:rPr lang="en-US" smtClean="0"/>
+              <a:t>Chef Software, Inc.</a:t>
+            </a:r>
+            <a:endParaRPr lang="en-US" dirty="0"/>
           </a:p>
         </p:txBody>
       </p:sp>
@@ -3022,12 +2632,12 @@
       </p:sp>
       <p:sp>
         <p:nvSpPr>
-          <p:cNvPr id="4" name="Slide Number Placeholder 3"/>
-          <p:cNvSpPr>
-            <a:spLocks noGrp="1"/>
-          </p:cNvSpPr>
-          <p:nvPr>
-            <p:ph type="sldNum" sz="quarter" idx="10"/>
+          <p:cNvPr id="5" name="Header Placeholder 4"/>
+          <p:cNvSpPr>
+            <a:spLocks noGrp="1"/>
+          </p:cNvSpPr>
+          <p:nvPr>
+            <p:ph type="hdr" sz="quarter" idx="11"/>
           </p:nvPr>
         </p:nvSpPr>
         <p:spPr/>
@@ -3038,25 +2648,22 @@
             <a:pPr>
               <a:defRPr/>
             </a:pPr>
-            <a:fld id="{DC3734AA-3150-D947-AC52-2F5DF48BFCD5}" type="slidenum">
+            <a:r>
               <a:rPr lang="en-US" smtClean="0"/>
-              <a:pPr>
-                <a:defRPr/>
-              </a:pPr>
-              <a:t>22</a:t>
-            </a:fld>
-            <a:endParaRPr lang="en-US" dirty="0"/>
-          </a:p>
-        </p:txBody>
-      </p:sp>
-      <p:sp>
-        <p:nvSpPr>
-          <p:cNvPr id="5" name="Header Placeholder 4"/>
-          <p:cNvSpPr>
-            <a:spLocks noGrp="1"/>
-          </p:cNvSpPr>
-          <p:nvPr>
-            <p:ph type="hdr" sz="quarter" idx="11"/>
+              <a:t>Extending Cookbooks</a:t>
+            </a:r>
+            <a:endParaRPr lang="en-US"/>
+          </a:p>
+        </p:txBody>
+      </p:sp>
+      <p:sp>
+        <p:nvSpPr>
+          <p:cNvPr id="7" name="Date Placeholder 6"/>
+          <p:cNvSpPr>
+            <a:spLocks noGrp="1"/>
+          </p:cNvSpPr>
+          <p:nvPr>
+            <p:ph type="dt" idx="13"/>
           </p:nvPr>
         </p:nvSpPr>
         <p:spPr/>
@@ -3067,29 +2674,11 @@
             <a:pPr>
               <a:defRPr/>
             </a:pPr>
-            <a:endParaRPr lang="en-US"/>
-          </a:p>
-        </p:txBody>
-      </p:sp>
-      <p:sp>
-        <p:nvSpPr>
-          <p:cNvPr id="6" name="Footer Placeholder 5"/>
-          <p:cNvSpPr>
-            <a:spLocks noGrp="1"/>
-          </p:cNvSpPr>
-          <p:nvPr>
-            <p:ph type="ftr" sz="quarter" idx="12"/>
-          </p:nvPr>
-        </p:nvSpPr>
-        <p:spPr/>
-        <p:txBody>
-          <a:bodyPr/>
-          <a:lstStyle/>
-          <a:p>
-            <a:pPr>
-              <a:defRPr/>
-            </a:pPr>
-            <a:endParaRPr lang="en-US"/>
+            <a:r>
+              <a:rPr lang="en-US" smtClean="0"/>
+              <a:t>Chef Software, Inc.</a:t>
+            </a:r>
+            <a:endParaRPr lang="en-US" dirty="0"/>
           </a:p>
         </p:txBody>
       </p:sp>
@@ -3173,12 +2762,12 @@
       </p:sp>
       <p:sp>
         <p:nvSpPr>
-          <p:cNvPr id="4" name="Slide Number Placeholder 3"/>
-          <p:cNvSpPr>
-            <a:spLocks noGrp="1"/>
-          </p:cNvSpPr>
-          <p:nvPr>
-            <p:ph type="sldNum" sz="quarter" idx="10"/>
+          <p:cNvPr id="5" name="Header Placeholder 4"/>
+          <p:cNvSpPr>
+            <a:spLocks noGrp="1"/>
+          </p:cNvSpPr>
+          <p:nvPr>
+            <p:ph type="hdr" sz="quarter" idx="11"/>
           </p:nvPr>
         </p:nvSpPr>
         <p:spPr/>
@@ -3189,25 +2778,22 @@
             <a:pPr>
               <a:defRPr/>
             </a:pPr>
-            <a:fld id="{DC3734AA-3150-D947-AC52-2F5DF48BFCD5}" type="slidenum">
+            <a:r>
               <a:rPr lang="en-US" smtClean="0"/>
-              <a:pPr>
-                <a:defRPr/>
-              </a:pPr>
-              <a:t>23</a:t>
-            </a:fld>
-            <a:endParaRPr lang="en-US" dirty="0"/>
-          </a:p>
-        </p:txBody>
-      </p:sp>
-      <p:sp>
-        <p:nvSpPr>
-          <p:cNvPr id="5" name="Header Placeholder 4"/>
-          <p:cNvSpPr>
-            <a:spLocks noGrp="1"/>
-          </p:cNvSpPr>
-          <p:nvPr>
-            <p:ph type="hdr" sz="quarter" idx="11"/>
+              <a:t>Extending Cookbooks</a:t>
+            </a:r>
+            <a:endParaRPr lang="en-US"/>
+          </a:p>
+        </p:txBody>
+      </p:sp>
+      <p:sp>
+        <p:nvSpPr>
+          <p:cNvPr id="7" name="Date Placeholder 6"/>
+          <p:cNvSpPr>
+            <a:spLocks noGrp="1"/>
+          </p:cNvSpPr>
+          <p:nvPr>
+            <p:ph type="dt" idx="13"/>
           </p:nvPr>
         </p:nvSpPr>
         <p:spPr/>
@@ -3218,29 +2804,11 @@
             <a:pPr>
               <a:defRPr/>
             </a:pPr>
-            <a:endParaRPr lang="en-US"/>
-          </a:p>
-        </p:txBody>
-      </p:sp>
-      <p:sp>
-        <p:nvSpPr>
-          <p:cNvPr id="6" name="Footer Placeholder 5"/>
-          <p:cNvSpPr>
-            <a:spLocks noGrp="1"/>
-          </p:cNvSpPr>
-          <p:nvPr>
-            <p:ph type="ftr" sz="quarter" idx="12"/>
-          </p:nvPr>
-        </p:nvSpPr>
-        <p:spPr/>
-        <p:txBody>
-          <a:bodyPr/>
-          <a:lstStyle/>
-          <a:p>
-            <a:pPr>
-              <a:defRPr/>
-            </a:pPr>
-            <a:endParaRPr lang="en-US"/>
+            <a:r>
+              <a:rPr lang="en-US" smtClean="0"/>
+              <a:t>Chef Software, Inc.</a:t>
+            </a:r>
+            <a:endParaRPr lang="en-US" dirty="0"/>
           </a:p>
         </p:txBody>
       </p:sp>
@@ -3331,12 +2899,12 @@
       </p:sp>
       <p:sp>
         <p:nvSpPr>
-          <p:cNvPr id="4" name="Slide Number Placeholder 3"/>
-          <p:cNvSpPr>
-            <a:spLocks noGrp="1"/>
-          </p:cNvSpPr>
-          <p:nvPr>
-            <p:ph type="sldNum" sz="quarter" idx="10"/>
+          <p:cNvPr id="5" name="Header Placeholder 4"/>
+          <p:cNvSpPr>
+            <a:spLocks noGrp="1"/>
+          </p:cNvSpPr>
+          <p:nvPr>
+            <p:ph type="hdr" sz="quarter" idx="11"/>
           </p:nvPr>
         </p:nvSpPr>
         <p:spPr/>
@@ -3347,25 +2915,22 @@
             <a:pPr>
               <a:defRPr/>
             </a:pPr>
-            <a:fld id="{DC3734AA-3150-D947-AC52-2F5DF48BFCD5}" type="slidenum">
+            <a:r>
               <a:rPr lang="en-US" smtClean="0"/>
-              <a:pPr>
-                <a:defRPr/>
-              </a:pPr>
-              <a:t>24</a:t>
-            </a:fld>
-            <a:endParaRPr lang="en-US" dirty="0"/>
-          </a:p>
-        </p:txBody>
-      </p:sp>
-      <p:sp>
-        <p:nvSpPr>
-          <p:cNvPr id="5" name="Header Placeholder 4"/>
-          <p:cNvSpPr>
-            <a:spLocks noGrp="1"/>
-          </p:cNvSpPr>
-          <p:nvPr>
-            <p:ph type="hdr" sz="quarter" idx="11"/>
+              <a:t>Extending Cookbooks</a:t>
+            </a:r>
+            <a:endParaRPr lang="en-US"/>
+          </a:p>
+        </p:txBody>
+      </p:sp>
+      <p:sp>
+        <p:nvSpPr>
+          <p:cNvPr id="7" name="Date Placeholder 6"/>
+          <p:cNvSpPr>
+            <a:spLocks noGrp="1"/>
+          </p:cNvSpPr>
+          <p:nvPr>
+            <p:ph type="dt" idx="13"/>
           </p:nvPr>
         </p:nvSpPr>
         <p:spPr/>
@@ -3376,29 +2941,11 @@
             <a:pPr>
               <a:defRPr/>
             </a:pPr>
-            <a:endParaRPr lang="en-US"/>
-          </a:p>
-        </p:txBody>
-      </p:sp>
-      <p:sp>
-        <p:nvSpPr>
-          <p:cNvPr id="6" name="Footer Placeholder 5"/>
-          <p:cNvSpPr>
-            <a:spLocks noGrp="1"/>
-          </p:cNvSpPr>
-          <p:nvPr>
-            <p:ph type="ftr" sz="quarter" idx="12"/>
-          </p:nvPr>
-        </p:nvSpPr>
-        <p:spPr/>
-        <p:txBody>
-          <a:bodyPr/>
-          <a:lstStyle/>
-          <a:p>
-            <a:pPr>
-              <a:defRPr/>
-            </a:pPr>
-            <a:endParaRPr lang="en-US"/>
+            <a:r>
+              <a:rPr lang="en-US" smtClean="0"/>
+              <a:t>Chef Software, Inc.</a:t>
+            </a:r>
+            <a:endParaRPr lang="en-US" dirty="0"/>
           </a:p>
         </p:txBody>
       </p:sp>
@@ -3506,12 +3053,12 @@
       </p:sp>
       <p:sp>
         <p:nvSpPr>
-          <p:cNvPr id="4" name="Slide Number Placeholder 3"/>
-          <p:cNvSpPr>
-            <a:spLocks noGrp="1"/>
-          </p:cNvSpPr>
-          <p:nvPr>
-            <p:ph type="sldNum" sz="quarter" idx="10"/>
+          <p:cNvPr id="5" name="Header Placeholder 4"/>
+          <p:cNvSpPr>
+            <a:spLocks noGrp="1"/>
+          </p:cNvSpPr>
+          <p:nvPr>
+            <p:ph type="hdr" sz="quarter" idx="11"/>
           </p:nvPr>
         </p:nvSpPr>
         <p:spPr/>
@@ -3522,25 +3069,22 @@
             <a:pPr>
               <a:defRPr/>
             </a:pPr>
-            <a:fld id="{DC3734AA-3150-D947-AC52-2F5DF48BFCD5}" type="slidenum">
+            <a:r>
               <a:rPr lang="en-US" smtClean="0"/>
-              <a:pPr>
-                <a:defRPr/>
-              </a:pPr>
-              <a:t>25</a:t>
-            </a:fld>
-            <a:endParaRPr lang="en-US" dirty="0"/>
-          </a:p>
-        </p:txBody>
-      </p:sp>
-      <p:sp>
-        <p:nvSpPr>
-          <p:cNvPr id="5" name="Header Placeholder 4"/>
-          <p:cNvSpPr>
-            <a:spLocks noGrp="1"/>
-          </p:cNvSpPr>
-          <p:nvPr>
-            <p:ph type="hdr" sz="quarter" idx="11"/>
+              <a:t>Extending Cookbooks</a:t>
+            </a:r>
+            <a:endParaRPr lang="en-US"/>
+          </a:p>
+        </p:txBody>
+      </p:sp>
+      <p:sp>
+        <p:nvSpPr>
+          <p:cNvPr id="7" name="Date Placeholder 6"/>
+          <p:cNvSpPr>
+            <a:spLocks noGrp="1"/>
+          </p:cNvSpPr>
+          <p:nvPr>
+            <p:ph type="dt" idx="13"/>
           </p:nvPr>
         </p:nvSpPr>
         <p:spPr/>
@@ -3551,29 +3095,11 @@
             <a:pPr>
               <a:defRPr/>
             </a:pPr>
-            <a:endParaRPr lang="en-US"/>
-          </a:p>
-        </p:txBody>
-      </p:sp>
-      <p:sp>
-        <p:nvSpPr>
-          <p:cNvPr id="6" name="Footer Placeholder 5"/>
-          <p:cNvSpPr>
-            <a:spLocks noGrp="1"/>
-          </p:cNvSpPr>
-          <p:nvPr>
-            <p:ph type="ftr" sz="quarter" idx="12"/>
-          </p:nvPr>
-        </p:nvSpPr>
-        <p:spPr/>
-        <p:txBody>
-          <a:bodyPr/>
-          <a:lstStyle/>
-          <a:p>
-            <a:pPr>
-              <a:defRPr/>
-            </a:pPr>
-            <a:endParaRPr lang="en-US"/>
+            <a:r>
+              <a:rPr lang="en-US" smtClean="0"/>
+              <a:t>Chef Software, Inc.</a:t>
+            </a:r>
+            <a:endParaRPr lang="en-US" dirty="0"/>
           </a:p>
         </p:txBody>
       </p:sp>
@@ -3666,12 +3192,12 @@
       </p:sp>
       <p:sp>
         <p:nvSpPr>
-          <p:cNvPr id="4" name="Slide Number Placeholder 3"/>
-          <p:cNvSpPr>
-            <a:spLocks noGrp="1"/>
-          </p:cNvSpPr>
-          <p:nvPr>
-            <p:ph type="sldNum" sz="quarter" idx="10"/>
+          <p:cNvPr id="5" name="Header Placeholder 4"/>
+          <p:cNvSpPr>
+            <a:spLocks noGrp="1"/>
+          </p:cNvSpPr>
+          <p:nvPr>
+            <p:ph type="hdr" sz="quarter" idx="11"/>
           </p:nvPr>
         </p:nvSpPr>
         <p:spPr/>
@@ -3682,25 +3208,22 @@
             <a:pPr>
               <a:defRPr/>
             </a:pPr>
-            <a:fld id="{DC3734AA-3150-D947-AC52-2F5DF48BFCD5}" type="slidenum">
+            <a:r>
               <a:rPr lang="en-US" smtClean="0"/>
-              <a:pPr>
-                <a:defRPr/>
-              </a:pPr>
-              <a:t>26</a:t>
-            </a:fld>
-            <a:endParaRPr lang="en-US" dirty="0"/>
-          </a:p>
-        </p:txBody>
-      </p:sp>
-      <p:sp>
-        <p:nvSpPr>
-          <p:cNvPr id="5" name="Header Placeholder 4"/>
-          <p:cNvSpPr>
-            <a:spLocks noGrp="1"/>
-          </p:cNvSpPr>
-          <p:nvPr>
-            <p:ph type="hdr" sz="quarter" idx="11"/>
+              <a:t>Extending Cookbooks</a:t>
+            </a:r>
+            <a:endParaRPr lang="en-US"/>
+          </a:p>
+        </p:txBody>
+      </p:sp>
+      <p:sp>
+        <p:nvSpPr>
+          <p:cNvPr id="7" name="Date Placeholder 6"/>
+          <p:cNvSpPr>
+            <a:spLocks noGrp="1"/>
+          </p:cNvSpPr>
+          <p:nvPr>
+            <p:ph type="dt" idx="13"/>
           </p:nvPr>
         </p:nvSpPr>
         <p:spPr/>
@@ -3711,29 +3234,11 @@
             <a:pPr>
               <a:defRPr/>
             </a:pPr>
-            <a:endParaRPr lang="en-US"/>
-          </a:p>
-        </p:txBody>
-      </p:sp>
-      <p:sp>
-        <p:nvSpPr>
-          <p:cNvPr id="6" name="Footer Placeholder 5"/>
-          <p:cNvSpPr>
-            <a:spLocks noGrp="1"/>
-          </p:cNvSpPr>
-          <p:nvPr>
-            <p:ph type="ftr" sz="quarter" idx="12"/>
-          </p:nvPr>
-        </p:nvSpPr>
-        <p:spPr/>
-        <p:txBody>
-          <a:bodyPr/>
-          <a:lstStyle/>
-          <a:p>
-            <a:pPr>
-              <a:defRPr/>
-            </a:pPr>
-            <a:endParaRPr lang="en-US"/>
+            <a:r>
+              <a:rPr lang="en-US" smtClean="0"/>
+              <a:t>Chef Software, Inc.</a:t>
+            </a:r>
+            <a:endParaRPr lang="en-US" dirty="0"/>
           </a:p>
         </p:txBody>
       </p:sp>
@@ -3825,12 +3330,12 @@
       </p:sp>
       <p:sp>
         <p:nvSpPr>
-          <p:cNvPr id="4" name="Slide Number Placeholder 3"/>
-          <p:cNvSpPr>
-            <a:spLocks noGrp="1"/>
-          </p:cNvSpPr>
-          <p:nvPr>
-            <p:ph type="sldNum" sz="quarter" idx="10"/>
+          <p:cNvPr id="5" name="Header Placeholder 4"/>
+          <p:cNvSpPr>
+            <a:spLocks noGrp="1"/>
+          </p:cNvSpPr>
+          <p:nvPr>
+            <p:ph type="hdr" sz="quarter" idx="11"/>
           </p:nvPr>
         </p:nvSpPr>
         <p:spPr/>
@@ -3841,25 +3346,22 @@
             <a:pPr>
               <a:defRPr/>
             </a:pPr>
-            <a:fld id="{DC3734AA-3150-D947-AC52-2F5DF48BFCD5}" type="slidenum">
+            <a:r>
               <a:rPr lang="en-US" smtClean="0"/>
-              <a:pPr>
-                <a:defRPr/>
-              </a:pPr>
-              <a:t>27</a:t>
-            </a:fld>
-            <a:endParaRPr lang="en-US" dirty="0"/>
-          </a:p>
-        </p:txBody>
-      </p:sp>
-      <p:sp>
-        <p:nvSpPr>
-          <p:cNvPr id="5" name="Header Placeholder 4"/>
-          <p:cNvSpPr>
-            <a:spLocks noGrp="1"/>
-          </p:cNvSpPr>
-          <p:nvPr>
-            <p:ph type="hdr" sz="quarter" idx="11"/>
+              <a:t>Extending Cookbooks</a:t>
+            </a:r>
+            <a:endParaRPr lang="en-US"/>
+          </a:p>
+        </p:txBody>
+      </p:sp>
+      <p:sp>
+        <p:nvSpPr>
+          <p:cNvPr id="7" name="Date Placeholder 6"/>
+          <p:cNvSpPr>
+            <a:spLocks noGrp="1"/>
+          </p:cNvSpPr>
+          <p:nvPr>
+            <p:ph type="dt" idx="13"/>
           </p:nvPr>
         </p:nvSpPr>
         <p:spPr/>
@@ -3870,29 +3372,11 @@
             <a:pPr>
               <a:defRPr/>
             </a:pPr>
-            <a:endParaRPr lang="en-US"/>
-          </a:p>
-        </p:txBody>
-      </p:sp>
-      <p:sp>
-        <p:nvSpPr>
-          <p:cNvPr id="6" name="Footer Placeholder 5"/>
-          <p:cNvSpPr>
-            <a:spLocks noGrp="1"/>
-          </p:cNvSpPr>
-          <p:nvPr>
-            <p:ph type="ftr" sz="quarter" idx="12"/>
-          </p:nvPr>
-        </p:nvSpPr>
-        <p:spPr/>
-        <p:txBody>
-          <a:bodyPr/>
-          <a:lstStyle/>
-          <a:p>
-            <a:pPr>
-              <a:defRPr/>
-            </a:pPr>
-            <a:endParaRPr lang="en-US"/>
+            <a:r>
+              <a:rPr lang="en-US" smtClean="0"/>
+              <a:t>Chef Software, Inc.</a:t>
+            </a:r>
+            <a:endParaRPr lang="en-US" dirty="0"/>
           </a:p>
         </p:txBody>
       </p:sp>
@@ -3983,12 +3467,12 @@
       </p:sp>
       <p:sp>
         <p:nvSpPr>
-          <p:cNvPr id="4" name="Slide Number Placeholder 3"/>
-          <p:cNvSpPr>
-            <a:spLocks noGrp="1"/>
-          </p:cNvSpPr>
-          <p:nvPr>
-            <p:ph type="sldNum" sz="quarter" idx="10"/>
+          <p:cNvPr id="5" name="Header Placeholder 4"/>
+          <p:cNvSpPr>
+            <a:spLocks noGrp="1"/>
+          </p:cNvSpPr>
+          <p:nvPr>
+            <p:ph type="hdr" sz="quarter" idx="11"/>
           </p:nvPr>
         </p:nvSpPr>
         <p:spPr/>
@@ -3999,25 +3483,22 @@
             <a:pPr>
               <a:defRPr/>
             </a:pPr>
-            <a:fld id="{DC3734AA-3150-D947-AC52-2F5DF48BFCD5}" type="slidenum">
+            <a:r>
               <a:rPr lang="en-US" smtClean="0"/>
-              <a:pPr>
-                <a:defRPr/>
-              </a:pPr>
-              <a:t>28</a:t>
-            </a:fld>
-            <a:endParaRPr lang="en-US" dirty="0"/>
-          </a:p>
-        </p:txBody>
-      </p:sp>
-      <p:sp>
-        <p:nvSpPr>
-          <p:cNvPr id="5" name="Header Placeholder 4"/>
-          <p:cNvSpPr>
-            <a:spLocks noGrp="1"/>
-          </p:cNvSpPr>
-          <p:nvPr>
-            <p:ph type="hdr" sz="quarter" idx="11"/>
+              <a:t>Extending Cookbooks</a:t>
+            </a:r>
+            <a:endParaRPr lang="en-US"/>
+          </a:p>
+        </p:txBody>
+      </p:sp>
+      <p:sp>
+        <p:nvSpPr>
+          <p:cNvPr id="7" name="Date Placeholder 6"/>
+          <p:cNvSpPr>
+            <a:spLocks noGrp="1"/>
+          </p:cNvSpPr>
+          <p:nvPr>
+            <p:ph type="dt" idx="13"/>
           </p:nvPr>
         </p:nvSpPr>
         <p:spPr/>
@@ -4028,29 +3509,11 @@
             <a:pPr>
               <a:defRPr/>
             </a:pPr>
-            <a:endParaRPr lang="en-US"/>
-          </a:p>
-        </p:txBody>
-      </p:sp>
-      <p:sp>
-        <p:nvSpPr>
-          <p:cNvPr id="6" name="Footer Placeholder 5"/>
-          <p:cNvSpPr>
-            <a:spLocks noGrp="1"/>
-          </p:cNvSpPr>
-          <p:nvPr>
-            <p:ph type="ftr" sz="quarter" idx="12"/>
-          </p:nvPr>
-        </p:nvSpPr>
-        <p:spPr/>
-        <p:txBody>
-          <a:bodyPr/>
-          <a:lstStyle/>
-          <a:p>
-            <a:pPr>
-              <a:defRPr/>
-            </a:pPr>
-            <a:endParaRPr lang="en-US"/>
+            <a:r>
+              <a:rPr lang="en-US" smtClean="0"/>
+              <a:t>Chef Software, Inc.</a:t>
+            </a:r>
+            <a:endParaRPr lang="en-US" dirty="0"/>
           </a:p>
         </p:txBody>
       </p:sp>
@@ -4141,12 +3604,12 @@
       </p:sp>
       <p:sp>
         <p:nvSpPr>
-          <p:cNvPr id="4" name="Slide Number Placeholder 3"/>
-          <p:cNvSpPr>
-            <a:spLocks noGrp="1"/>
-          </p:cNvSpPr>
-          <p:nvPr>
-            <p:ph type="sldNum" sz="quarter" idx="10"/>
+          <p:cNvPr id="5" name="Header Placeholder 4"/>
+          <p:cNvSpPr>
+            <a:spLocks noGrp="1"/>
+          </p:cNvSpPr>
+          <p:nvPr>
+            <p:ph type="hdr" sz="quarter" idx="11"/>
           </p:nvPr>
         </p:nvSpPr>
         <p:spPr/>
@@ -4157,25 +3620,22 @@
             <a:pPr>
               <a:defRPr/>
             </a:pPr>
-            <a:fld id="{DC3734AA-3150-D947-AC52-2F5DF48BFCD5}" type="slidenum">
+            <a:r>
               <a:rPr lang="en-US" smtClean="0"/>
-              <a:pPr>
-                <a:defRPr/>
-              </a:pPr>
-              <a:t>29</a:t>
-            </a:fld>
-            <a:endParaRPr lang="en-US" dirty="0"/>
-          </a:p>
-        </p:txBody>
-      </p:sp>
-      <p:sp>
-        <p:nvSpPr>
-          <p:cNvPr id="5" name="Header Placeholder 4"/>
-          <p:cNvSpPr>
-            <a:spLocks noGrp="1"/>
-          </p:cNvSpPr>
-          <p:nvPr>
-            <p:ph type="hdr" sz="quarter" idx="11"/>
+              <a:t>Extending Cookbooks</a:t>
+            </a:r>
+            <a:endParaRPr lang="en-US"/>
+          </a:p>
+        </p:txBody>
+      </p:sp>
+      <p:sp>
+        <p:nvSpPr>
+          <p:cNvPr id="7" name="Date Placeholder 6"/>
+          <p:cNvSpPr>
+            <a:spLocks noGrp="1"/>
+          </p:cNvSpPr>
+          <p:nvPr>
+            <p:ph type="dt" idx="13"/>
           </p:nvPr>
         </p:nvSpPr>
         <p:spPr/>
@@ -4186,29 +3646,11 @@
             <a:pPr>
               <a:defRPr/>
             </a:pPr>
-            <a:endParaRPr lang="en-US"/>
-          </a:p>
-        </p:txBody>
-      </p:sp>
-      <p:sp>
-        <p:nvSpPr>
-          <p:cNvPr id="6" name="Footer Placeholder 5"/>
-          <p:cNvSpPr>
-            <a:spLocks noGrp="1"/>
-          </p:cNvSpPr>
-          <p:nvPr>
-            <p:ph type="ftr" sz="quarter" idx="12"/>
-          </p:nvPr>
-        </p:nvSpPr>
-        <p:spPr/>
-        <p:txBody>
-          <a:bodyPr/>
-          <a:lstStyle/>
-          <a:p>
-            <a:pPr>
-              <a:defRPr/>
-            </a:pPr>
-            <a:endParaRPr lang="en-US"/>
+            <a:r>
+              <a:rPr lang="en-US" smtClean="0"/>
+              <a:t>Chef Software, Inc.</a:t>
+            </a:r>
+            <a:endParaRPr lang="en-US" dirty="0"/>
           </a:p>
         </p:txBody>
       </p:sp>
@@ -4283,12 +3725,12 @@
       </p:sp>
       <p:sp>
         <p:nvSpPr>
-          <p:cNvPr id="4" name="Slide Number Placeholder 3"/>
-          <p:cNvSpPr>
-            <a:spLocks noGrp="1"/>
-          </p:cNvSpPr>
-          <p:nvPr>
-            <p:ph type="sldNum" sz="quarter" idx="10"/>
+          <p:cNvPr id="5" name="Header Placeholder 4"/>
+          <p:cNvSpPr>
+            <a:spLocks noGrp="1"/>
+          </p:cNvSpPr>
+          <p:nvPr>
+            <p:ph type="hdr" sz="quarter" idx="11"/>
           </p:nvPr>
         </p:nvSpPr>
         <p:spPr/>
@@ -4299,25 +3741,22 @@
             <a:pPr>
               <a:defRPr/>
             </a:pPr>
-            <a:fld id="{DC3734AA-3150-D947-AC52-2F5DF48BFCD5}" type="slidenum">
+            <a:r>
               <a:rPr lang="en-US" smtClean="0"/>
-              <a:pPr>
-                <a:defRPr/>
-              </a:pPr>
-              <a:t>3</a:t>
-            </a:fld>
-            <a:endParaRPr lang="en-US" dirty="0"/>
-          </a:p>
-        </p:txBody>
-      </p:sp>
-      <p:sp>
-        <p:nvSpPr>
-          <p:cNvPr id="5" name="Header Placeholder 4"/>
-          <p:cNvSpPr>
-            <a:spLocks noGrp="1"/>
-          </p:cNvSpPr>
-          <p:nvPr>
-            <p:ph type="hdr" sz="quarter" idx="11"/>
+              <a:t>Extending Cookbooks</a:t>
+            </a:r>
+            <a:endParaRPr lang="en-US"/>
+          </a:p>
+        </p:txBody>
+      </p:sp>
+      <p:sp>
+        <p:nvSpPr>
+          <p:cNvPr id="7" name="Date Placeholder 6"/>
+          <p:cNvSpPr>
+            <a:spLocks noGrp="1"/>
+          </p:cNvSpPr>
+          <p:nvPr>
+            <p:ph type="dt" idx="13"/>
           </p:nvPr>
         </p:nvSpPr>
         <p:spPr/>
@@ -4328,29 +3767,11 @@
             <a:pPr>
               <a:defRPr/>
             </a:pPr>
-            <a:endParaRPr lang="en-US"/>
-          </a:p>
-        </p:txBody>
-      </p:sp>
-      <p:sp>
-        <p:nvSpPr>
-          <p:cNvPr id="6" name="Footer Placeholder 5"/>
-          <p:cNvSpPr>
-            <a:spLocks noGrp="1"/>
-          </p:cNvSpPr>
-          <p:nvPr>
-            <p:ph type="ftr" sz="quarter" idx="12"/>
-          </p:nvPr>
-        </p:nvSpPr>
-        <p:spPr/>
-        <p:txBody>
-          <a:bodyPr/>
-          <a:lstStyle/>
-          <a:p>
-            <a:pPr>
-              <a:defRPr/>
-            </a:pPr>
-            <a:endParaRPr lang="en-US"/>
+            <a:r>
+              <a:rPr lang="en-US" smtClean="0"/>
+              <a:t>Chef Software, Inc.</a:t>
+            </a:r>
+            <a:endParaRPr lang="en-US" dirty="0"/>
           </a:p>
         </p:txBody>
       </p:sp>
@@ -4425,12 +3846,12 @@
       </p:sp>
       <p:sp>
         <p:nvSpPr>
-          <p:cNvPr id="4" name="Slide Number Placeholder 3"/>
-          <p:cNvSpPr>
-            <a:spLocks noGrp="1"/>
-          </p:cNvSpPr>
-          <p:nvPr>
-            <p:ph type="sldNum" sz="quarter" idx="10"/>
+          <p:cNvPr id="5" name="Header Placeholder 4"/>
+          <p:cNvSpPr>
+            <a:spLocks noGrp="1"/>
+          </p:cNvSpPr>
+          <p:nvPr>
+            <p:ph type="hdr" sz="quarter" idx="11"/>
           </p:nvPr>
         </p:nvSpPr>
         <p:spPr/>
@@ -4441,25 +3862,22 @@
             <a:pPr>
               <a:defRPr/>
             </a:pPr>
-            <a:fld id="{DC3734AA-3150-D947-AC52-2F5DF48BFCD5}" type="slidenum">
+            <a:r>
               <a:rPr lang="en-US" smtClean="0"/>
-              <a:pPr>
-                <a:defRPr/>
-              </a:pPr>
-              <a:t>30</a:t>
-            </a:fld>
-            <a:endParaRPr lang="en-US" dirty="0"/>
-          </a:p>
-        </p:txBody>
-      </p:sp>
-      <p:sp>
-        <p:nvSpPr>
-          <p:cNvPr id="5" name="Header Placeholder 4"/>
-          <p:cNvSpPr>
-            <a:spLocks noGrp="1"/>
-          </p:cNvSpPr>
-          <p:nvPr>
-            <p:ph type="hdr" sz="quarter" idx="11"/>
+              <a:t>Extending Cookbooks</a:t>
+            </a:r>
+            <a:endParaRPr lang="en-US"/>
+          </a:p>
+        </p:txBody>
+      </p:sp>
+      <p:sp>
+        <p:nvSpPr>
+          <p:cNvPr id="7" name="Date Placeholder 6"/>
+          <p:cNvSpPr>
+            <a:spLocks noGrp="1"/>
+          </p:cNvSpPr>
+          <p:nvPr>
+            <p:ph type="dt" idx="13"/>
           </p:nvPr>
         </p:nvSpPr>
         <p:spPr/>
@@ -4470,29 +3888,11 @@
             <a:pPr>
               <a:defRPr/>
             </a:pPr>
-            <a:endParaRPr lang="en-US"/>
-          </a:p>
-        </p:txBody>
-      </p:sp>
-      <p:sp>
-        <p:nvSpPr>
-          <p:cNvPr id="6" name="Footer Placeholder 5"/>
-          <p:cNvSpPr>
-            <a:spLocks noGrp="1"/>
-          </p:cNvSpPr>
-          <p:nvPr>
-            <p:ph type="ftr" sz="quarter" idx="12"/>
-          </p:nvPr>
-        </p:nvSpPr>
-        <p:spPr/>
-        <p:txBody>
-          <a:bodyPr/>
-          <a:lstStyle/>
-          <a:p>
-            <a:pPr>
-              <a:defRPr/>
-            </a:pPr>
-            <a:endParaRPr lang="en-US"/>
+            <a:r>
+              <a:rPr lang="en-US" smtClean="0"/>
+              <a:t>Chef Software, Inc.</a:t>
+            </a:r>
+            <a:endParaRPr lang="en-US" dirty="0"/>
           </a:p>
         </p:txBody>
       </p:sp>
@@ -4567,12 +3967,12 @@
       </p:sp>
       <p:sp>
         <p:nvSpPr>
-          <p:cNvPr id="4" name="Slide Number Placeholder 3"/>
-          <p:cNvSpPr>
-            <a:spLocks noGrp="1"/>
-          </p:cNvSpPr>
-          <p:nvPr>
-            <p:ph type="sldNum" sz="quarter" idx="10"/>
+          <p:cNvPr id="5" name="Header Placeholder 4"/>
+          <p:cNvSpPr>
+            <a:spLocks noGrp="1"/>
+          </p:cNvSpPr>
+          <p:nvPr>
+            <p:ph type="hdr" sz="quarter" idx="11"/>
           </p:nvPr>
         </p:nvSpPr>
         <p:spPr/>
@@ -4583,25 +3983,22 @@
             <a:pPr>
               <a:defRPr/>
             </a:pPr>
-            <a:fld id="{DC3734AA-3150-D947-AC52-2F5DF48BFCD5}" type="slidenum">
+            <a:r>
               <a:rPr lang="en-US" smtClean="0"/>
-              <a:pPr>
-                <a:defRPr/>
-              </a:pPr>
-              <a:t>31</a:t>
-            </a:fld>
-            <a:endParaRPr lang="en-US" dirty="0"/>
-          </a:p>
-        </p:txBody>
-      </p:sp>
-      <p:sp>
-        <p:nvSpPr>
-          <p:cNvPr id="5" name="Header Placeholder 4"/>
-          <p:cNvSpPr>
-            <a:spLocks noGrp="1"/>
-          </p:cNvSpPr>
-          <p:nvPr>
-            <p:ph type="hdr" sz="quarter" idx="11"/>
+              <a:t>Extending Cookbooks</a:t>
+            </a:r>
+            <a:endParaRPr lang="en-US"/>
+          </a:p>
+        </p:txBody>
+      </p:sp>
+      <p:sp>
+        <p:nvSpPr>
+          <p:cNvPr id="7" name="Date Placeholder 6"/>
+          <p:cNvSpPr>
+            <a:spLocks noGrp="1"/>
+          </p:cNvSpPr>
+          <p:nvPr>
+            <p:ph type="dt" idx="13"/>
           </p:nvPr>
         </p:nvSpPr>
         <p:spPr/>
@@ -4612,29 +4009,11 @@
             <a:pPr>
               <a:defRPr/>
             </a:pPr>
-            <a:endParaRPr lang="en-US"/>
-          </a:p>
-        </p:txBody>
-      </p:sp>
-      <p:sp>
-        <p:nvSpPr>
-          <p:cNvPr id="6" name="Footer Placeholder 5"/>
-          <p:cNvSpPr>
-            <a:spLocks noGrp="1"/>
-          </p:cNvSpPr>
-          <p:nvPr>
-            <p:ph type="ftr" sz="quarter" idx="12"/>
-          </p:nvPr>
-        </p:nvSpPr>
-        <p:spPr/>
-        <p:txBody>
-          <a:bodyPr/>
-          <a:lstStyle/>
-          <a:p>
-            <a:pPr>
-              <a:defRPr/>
-            </a:pPr>
-            <a:endParaRPr lang="en-US"/>
+            <a:r>
+              <a:rPr lang="en-US" smtClean="0"/>
+              <a:t>Chef Software, Inc.</a:t>
+            </a:r>
+            <a:endParaRPr lang="en-US" dirty="0"/>
           </a:p>
         </p:txBody>
       </p:sp>
@@ -4709,12 +4088,12 @@
       </p:sp>
       <p:sp>
         <p:nvSpPr>
-          <p:cNvPr id="4" name="Slide Number Placeholder 3"/>
-          <p:cNvSpPr>
-            <a:spLocks noGrp="1"/>
-          </p:cNvSpPr>
-          <p:nvPr>
-            <p:ph type="sldNum" sz="quarter" idx="10"/>
+          <p:cNvPr id="5" name="Header Placeholder 4"/>
+          <p:cNvSpPr>
+            <a:spLocks noGrp="1"/>
+          </p:cNvSpPr>
+          <p:nvPr>
+            <p:ph type="hdr" sz="quarter" idx="11"/>
           </p:nvPr>
         </p:nvSpPr>
         <p:spPr/>
@@ -4725,25 +4104,22 @@
             <a:pPr>
               <a:defRPr/>
             </a:pPr>
-            <a:fld id="{DC3734AA-3150-D947-AC52-2F5DF48BFCD5}" type="slidenum">
+            <a:r>
               <a:rPr lang="en-US" smtClean="0"/>
-              <a:pPr>
-                <a:defRPr/>
-              </a:pPr>
-              <a:t>32</a:t>
-            </a:fld>
-            <a:endParaRPr lang="en-US" dirty="0"/>
-          </a:p>
-        </p:txBody>
-      </p:sp>
-      <p:sp>
-        <p:nvSpPr>
-          <p:cNvPr id="5" name="Header Placeholder 4"/>
-          <p:cNvSpPr>
-            <a:spLocks noGrp="1"/>
-          </p:cNvSpPr>
-          <p:nvPr>
-            <p:ph type="hdr" sz="quarter" idx="11"/>
+              <a:t>Extending Cookbooks</a:t>
+            </a:r>
+            <a:endParaRPr lang="en-US"/>
+          </a:p>
+        </p:txBody>
+      </p:sp>
+      <p:sp>
+        <p:nvSpPr>
+          <p:cNvPr id="7" name="Date Placeholder 6"/>
+          <p:cNvSpPr>
+            <a:spLocks noGrp="1"/>
+          </p:cNvSpPr>
+          <p:nvPr>
+            <p:ph type="dt" idx="13"/>
           </p:nvPr>
         </p:nvSpPr>
         <p:spPr/>
@@ -4754,29 +4130,11 @@
             <a:pPr>
               <a:defRPr/>
             </a:pPr>
-            <a:endParaRPr lang="en-US"/>
-          </a:p>
-        </p:txBody>
-      </p:sp>
-      <p:sp>
-        <p:nvSpPr>
-          <p:cNvPr id="6" name="Footer Placeholder 5"/>
-          <p:cNvSpPr>
-            <a:spLocks noGrp="1"/>
-          </p:cNvSpPr>
-          <p:nvPr>
-            <p:ph type="ftr" sz="quarter" idx="12"/>
-          </p:nvPr>
-        </p:nvSpPr>
-        <p:spPr/>
-        <p:txBody>
-          <a:bodyPr/>
-          <a:lstStyle/>
-          <a:p>
-            <a:pPr>
-              <a:defRPr/>
-            </a:pPr>
-            <a:endParaRPr lang="en-US"/>
+            <a:r>
+              <a:rPr lang="en-US" smtClean="0"/>
+              <a:t>Chef Software, Inc.</a:t>
+            </a:r>
+            <a:endParaRPr lang="en-US" dirty="0"/>
           </a:p>
         </p:txBody>
       </p:sp>
@@ -4860,12 +4218,12 @@
       </p:sp>
       <p:sp>
         <p:nvSpPr>
-          <p:cNvPr id="4" name="Slide Number Placeholder 3"/>
-          <p:cNvSpPr>
-            <a:spLocks noGrp="1"/>
-          </p:cNvSpPr>
-          <p:nvPr>
-            <p:ph type="sldNum" sz="quarter" idx="10"/>
+          <p:cNvPr id="5" name="Header Placeholder 4"/>
+          <p:cNvSpPr>
+            <a:spLocks noGrp="1"/>
+          </p:cNvSpPr>
+          <p:nvPr>
+            <p:ph type="hdr" sz="quarter" idx="11"/>
           </p:nvPr>
         </p:nvSpPr>
         <p:spPr/>
@@ -4876,25 +4234,22 @@
             <a:pPr>
               <a:defRPr/>
             </a:pPr>
-            <a:fld id="{DC3734AA-3150-D947-AC52-2F5DF48BFCD5}" type="slidenum">
+            <a:r>
               <a:rPr lang="en-US" smtClean="0"/>
-              <a:pPr>
-                <a:defRPr/>
-              </a:pPr>
-              <a:t>33</a:t>
-            </a:fld>
-            <a:endParaRPr lang="en-US" dirty="0"/>
-          </a:p>
-        </p:txBody>
-      </p:sp>
-      <p:sp>
-        <p:nvSpPr>
-          <p:cNvPr id="5" name="Header Placeholder 4"/>
-          <p:cNvSpPr>
-            <a:spLocks noGrp="1"/>
-          </p:cNvSpPr>
-          <p:nvPr>
-            <p:ph type="hdr" sz="quarter" idx="11"/>
+              <a:t>Extending Cookbooks</a:t>
+            </a:r>
+            <a:endParaRPr lang="en-US"/>
+          </a:p>
+        </p:txBody>
+      </p:sp>
+      <p:sp>
+        <p:nvSpPr>
+          <p:cNvPr id="7" name="Date Placeholder 6"/>
+          <p:cNvSpPr>
+            <a:spLocks noGrp="1"/>
+          </p:cNvSpPr>
+          <p:nvPr>
+            <p:ph type="dt" idx="13"/>
           </p:nvPr>
         </p:nvSpPr>
         <p:spPr/>
@@ -4905,29 +4260,11 @@
             <a:pPr>
               <a:defRPr/>
             </a:pPr>
-            <a:endParaRPr lang="en-US"/>
-          </a:p>
-        </p:txBody>
-      </p:sp>
-      <p:sp>
-        <p:nvSpPr>
-          <p:cNvPr id="6" name="Footer Placeholder 5"/>
-          <p:cNvSpPr>
-            <a:spLocks noGrp="1"/>
-          </p:cNvSpPr>
-          <p:nvPr>
-            <p:ph type="ftr" sz="quarter" idx="12"/>
-          </p:nvPr>
-        </p:nvSpPr>
-        <p:spPr/>
-        <p:txBody>
-          <a:bodyPr/>
-          <a:lstStyle/>
-          <a:p>
-            <a:pPr>
-              <a:defRPr/>
-            </a:pPr>
-            <a:endParaRPr lang="en-US"/>
+            <a:r>
+              <a:rPr lang="en-US" smtClean="0"/>
+              <a:t>Chef Software, Inc.</a:t>
+            </a:r>
+            <a:endParaRPr lang="en-US" dirty="0"/>
           </a:p>
         </p:txBody>
       </p:sp>
@@ -5019,12 +4356,12 @@
       </p:sp>
       <p:sp>
         <p:nvSpPr>
-          <p:cNvPr id="4" name="Slide Number Placeholder 3"/>
-          <p:cNvSpPr>
-            <a:spLocks noGrp="1"/>
-          </p:cNvSpPr>
-          <p:nvPr>
-            <p:ph type="sldNum" sz="quarter" idx="10"/>
+          <p:cNvPr id="5" name="Header Placeholder 4"/>
+          <p:cNvSpPr>
+            <a:spLocks noGrp="1"/>
+          </p:cNvSpPr>
+          <p:nvPr>
+            <p:ph type="hdr" sz="quarter" idx="11"/>
           </p:nvPr>
         </p:nvSpPr>
         <p:spPr/>
@@ -5035,25 +4372,22 @@
             <a:pPr>
               <a:defRPr/>
             </a:pPr>
-            <a:fld id="{DC3734AA-3150-D947-AC52-2F5DF48BFCD5}" type="slidenum">
+            <a:r>
               <a:rPr lang="en-US" smtClean="0"/>
-              <a:pPr>
-                <a:defRPr/>
-              </a:pPr>
-              <a:t>34</a:t>
-            </a:fld>
-            <a:endParaRPr lang="en-US" dirty="0"/>
-          </a:p>
-        </p:txBody>
-      </p:sp>
-      <p:sp>
-        <p:nvSpPr>
-          <p:cNvPr id="5" name="Header Placeholder 4"/>
-          <p:cNvSpPr>
-            <a:spLocks noGrp="1"/>
-          </p:cNvSpPr>
-          <p:nvPr>
-            <p:ph type="hdr" sz="quarter" idx="11"/>
+              <a:t>Extending Cookbooks</a:t>
+            </a:r>
+            <a:endParaRPr lang="en-US"/>
+          </a:p>
+        </p:txBody>
+      </p:sp>
+      <p:sp>
+        <p:nvSpPr>
+          <p:cNvPr id="7" name="Date Placeholder 6"/>
+          <p:cNvSpPr>
+            <a:spLocks noGrp="1"/>
+          </p:cNvSpPr>
+          <p:nvPr>
+            <p:ph type="dt" idx="13"/>
           </p:nvPr>
         </p:nvSpPr>
         <p:spPr/>
@@ -5064,29 +4398,11 @@
             <a:pPr>
               <a:defRPr/>
             </a:pPr>
-            <a:endParaRPr lang="en-US"/>
-          </a:p>
-        </p:txBody>
-      </p:sp>
-      <p:sp>
-        <p:nvSpPr>
-          <p:cNvPr id="6" name="Footer Placeholder 5"/>
-          <p:cNvSpPr>
-            <a:spLocks noGrp="1"/>
-          </p:cNvSpPr>
-          <p:nvPr>
-            <p:ph type="ftr" sz="quarter" idx="12"/>
-          </p:nvPr>
-        </p:nvSpPr>
-        <p:spPr/>
-        <p:txBody>
-          <a:bodyPr/>
-          <a:lstStyle/>
-          <a:p>
-            <a:pPr>
-              <a:defRPr/>
-            </a:pPr>
-            <a:endParaRPr lang="en-US"/>
+            <a:r>
+              <a:rPr lang="en-US" smtClean="0"/>
+              <a:t>Chef Software, Inc.</a:t>
+            </a:r>
+            <a:endParaRPr lang="en-US" dirty="0"/>
           </a:p>
         </p:txBody>
       </p:sp>
@@ -5172,12 +4488,12 @@
       </p:sp>
       <p:sp>
         <p:nvSpPr>
-          <p:cNvPr id="4" name="Slide Number Placeholder 3"/>
-          <p:cNvSpPr>
-            <a:spLocks noGrp="1"/>
-          </p:cNvSpPr>
-          <p:nvPr>
-            <p:ph type="sldNum" sz="quarter" idx="10"/>
+          <p:cNvPr id="5" name="Header Placeholder 4"/>
+          <p:cNvSpPr>
+            <a:spLocks noGrp="1"/>
+          </p:cNvSpPr>
+          <p:nvPr>
+            <p:ph type="hdr" sz="quarter" idx="11"/>
           </p:nvPr>
         </p:nvSpPr>
         <p:spPr/>
@@ -5188,25 +4504,22 @@
             <a:pPr>
               <a:defRPr/>
             </a:pPr>
-            <a:fld id="{DC3734AA-3150-D947-AC52-2F5DF48BFCD5}" type="slidenum">
+            <a:r>
               <a:rPr lang="en-US" smtClean="0"/>
-              <a:pPr>
-                <a:defRPr/>
-              </a:pPr>
-              <a:t>35</a:t>
-            </a:fld>
-            <a:endParaRPr lang="en-US" dirty="0"/>
-          </a:p>
-        </p:txBody>
-      </p:sp>
-      <p:sp>
-        <p:nvSpPr>
-          <p:cNvPr id="5" name="Header Placeholder 4"/>
-          <p:cNvSpPr>
-            <a:spLocks noGrp="1"/>
-          </p:cNvSpPr>
-          <p:nvPr>
-            <p:ph type="hdr" sz="quarter" idx="11"/>
+              <a:t>Extending Cookbooks</a:t>
+            </a:r>
+            <a:endParaRPr lang="en-US"/>
+          </a:p>
+        </p:txBody>
+      </p:sp>
+      <p:sp>
+        <p:nvSpPr>
+          <p:cNvPr id="7" name="Date Placeholder 6"/>
+          <p:cNvSpPr>
+            <a:spLocks noGrp="1"/>
+          </p:cNvSpPr>
+          <p:nvPr>
+            <p:ph type="dt" idx="13"/>
           </p:nvPr>
         </p:nvSpPr>
         <p:spPr/>
@@ -5217,29 +4530,11 @@
             <a:pPr>
               <a:defRPr/>
             </a:pPr>
-            <a:endParaRPr lang="en-US"/>
-          </a:p>
-        </p:txBody>
-      </p:sp>
-      <p:sp>
-        <p:nvSpPr>
-          <p:cNvPr id="6" name="Footer Placeholder 5"/>
-          <p:cNvSpPr>
-            <a:spLocks noGrp="1"/>
-          </p:cNvSpPr>
-          <p:nvPr>
-            <p:ph type="ftr" sz="quarter" idx="12"/>
-          </p:nvPr>
-        </p:nvSpPr>
-        <p:spPr/>
-        <p:txBody>
-          <a:bodyPr/>
-          <a:lstStyle/>
-          <a:p>
-            <a:pPr>
-              <a:defRPr/>
-            </a:pPr>
-            <a:endParaRPr lang="en-US"/>
+            <a:r>
+              <a:rPr lang="en-US" smtClean="0"/>
+              <a:t>Chef Software, Inc.</a:t>
+            </a:r>
+            <a:endParaRPr lang="en-US" dirty="0"/>
           </a:p>
         </p:txBody>
       </p:sp>
@@ -5314,12 +4609,12 @@
       </p:sp>
       <p:sp>
         <p:nvSpPr>
-          <p:cNvPr id="4" name="Slide Number Placeholder 3"/>
-          <p:cNvSpPr>
-            <a:spLocks noGrp="1"/>
-          </p:cNvSpPr>
-          <p:nvPr>
-            <p:ph type="sldNum" sz="quarter" idx="10"/>
+          <p:cNvPr id="5" name="Header Placeholder 4"/>
+          <p:cNvSpPr>
+            <a:spLocks noGrp="1"/>
+          </p:cNvSpPr>
+          <p:nvPr>
+            <p:ph type="hdr" sz="quarter" idx="11"/>
           </p:nvPr>
         </p:nvSpPr>
         <p:spPr/>
@@ -5330,25 +4625,22 @@
             <a:pPr>
               <a:defRPr/>
             </a:pPr>
-            <a:fld id="{DC3734AA-3150-D947-AC52-2F5DF48BFCD5}" type="slidenum">
+            <a:r>
               <a:rPr lang="en-US" smtClean="0"/>
-              <a:pPr>
-                <a:defRPr/>
-              </a:pPr>
-              <a:t>36</a:t>
-            </a:fld>
-            <a:endParaRPr lang="en-US" dirty="0"/>
-          </a:p>
-        </p:txBody>
-      </p:sp>
-      <p:sp>
-        <p:nvSpPr>
-          <p:cNvPr id="5" name="Header Placeholder 4"/>
-          <p:cNvSpPr>
-            <a:spLocks noGrp="1"/>
-          </p:cNvSpPr>
-          <p:nvPr>
-            <p:ph type="hdr" sz="quarter" idx="11"/>
+              <a:t>Extending Cookbooks</a:t>
+            </a:r>
+            <a:endParaRPr lang="en-US"/>
+          </a:p>
+        </p:txBody>
+      </p:sp>
+      <p:sp>
+        <p:nvSpPr>
+          <p:cNvPr id="7" name="Date Placeholder 6"/>
+          <p:cNvSpPr>
+            <a:spLocks noGrp="1"/>
+          </p:cNvSpPr>
+          <p:nvPr>
+            <p:ph type="dt" idx="13"/>
           </p:nvPr>
         </p:nvSpPr>
         <p:spPr/>
@@ -5359,29 +4651,11 @@
             <a:pPr>
               <a:defRPr/>
             </a:pPr>
-            <a:endParaRPr lang="en-US"/>
-          </a:p>
-        </p:txBody>
-      </p:sp>
-      <p:sp>
-        <p:nvSpPr>
-          <p:cNvPr id="6" name="Footer Placeholder 5"/>
-          <p:cNvSpPr>
-            <a:spLocks noGrp="1"/>
-          </p:cNvSpPr>
-          <p:nvPr>
-            <p:ph type="ftr" sz="quarter" idx="12"/>
-          </p:nvPr>
-        </p:nvSpPr>
-        <p:spPr/>
-        <p:txBody>
-          <a:bodyPr/>
-          <a:lstStyle/>
-          <a:p>
-            <a:pPr>
-              <a:defRPr/>
-            </a:pPr>
-            <a:endParaRPr lang="en-US"/>
+            <a:r>
+              <a:rPr lang="en-US" smtClean="0"/>
+              <a:t>Chef Software, Inc.</a:t>
+            </a:r>
+            <a:endParaRPr lang="en-US" dirty="0"/>
           </a:p>
         </p:txBody>
       </p:sp>
@@ -5481,12 +4755,12 @@
       </p:sp>
       <p:sp>
         <p:nvSpPr>
-          <p:cNvPr id="4" name="Slide Number Placeholder 3"/>
-          <p:cNvSpPr>
-            <a:spLocks noGrp="1"/>
-          </p:cNvSpPr>
-          <p:nvPr>
-            <p:ph type="sldNum" sz="quarter" idx="10"/>
+          <p:cNvPr id="5" name="Header Placeholder 4"/>
+          <p:cNvSpPr>
+            <a:spLocks noGrp="1"/>
+          </p:cNvSpPr>
+          <p:nvPr>
+            <p:ph type="hdr" sz="quarter" idx="11"/>
           </p:nvPr>
         </p:nvSpPr>
         <p:spPr/>
@@ -5497,25 +4771,22 @@
             <a:pPr>
               <a:defRPr/>
             </a:pPr>
-            <a:fld id="{DC3734AA-3150-D947-AC52-2F5DF48BFCD5}" type="slidenum">
+            <a:r>
               <a:rPr lang="en-US" smtClean="0"/>
-              <a:pPr>
-                <a:defRPr/>
-              </a:pPr>
-              <a:t>37</a:t>
-            </a:fld>
-            <a:endParaRPr lang="en-US" dirty="0"/>
-          </a:p>
-        </p:txBody>
-      </p:sp>
-      <p:sp>
-        <p:nvSpPr>
-          <p:cNvPr id="5" name="Header Placeholder 4"/>
-          <p:cNvSpPr>
-            <a:spLocks noGrp="1"/>
-          </p:cNvSpPr>
-          <p:nvPr>
-            <p:ph type="hdr" sz="quarter" idx="11"/>
+              <a:t>Extending Cookbooks</a:t>
+            </a:r>
+            <a:endParaRPr lang="en-US"/>
+          </a:p>
+        </p:txBody>
+      </p:sp>
+      <p:sp>
+        <p:nvSpPr>
+          <p:cNvPr id="7" name="Date Placeholder 6"/>
+          <p:cNvSpPr>
+            <a:spLocks noGrp="1"/>
+          </p:cNvSpPr>
+          <p:nvPr>
+            <p:ph type="dt" idx="13"/>
           </p:nvPr>
         </p:nvSpPr>
         <p:spPr/>
@@ -5526,29 +4797,11 @@
             <a:pPr>
               <a:defRPr/>
             </a:pPr>
-            <a:endParaRPr lang="en-US"/>
-          </a:p>
-        </p:txBody>
-      </p:sp>
-      <p:sp>
-        <p:nvSpPr>
-          <p:cNvPr id="6" name="Footer Placeholder 5"/>
-          <p:cNvSpPr>
-            <a:spLocks noGrp="1"/>
-          </p:cNvSpPr>
-          <p:nvPr>
-            <p:ph type="ftr" sz="quarter" idx="12"/>
-          </p:nvPr>
-        </p:nvSpPr>
-        <p:spPr/>
-        <p:txBody>
-          <a:bodyPr/>
-          <a:lstStyle/>
-          <a:p>
-            <a:pPr>
-              <a:defRPr/>
-            </a:pPr>
-            <a:endParaRPr lang="en-US"/>
+            <a:r>
+              <a:rPr lang="en-US" smtClean="0"/>
+              <a:t>Chef Software, Inc.</a:t>
+            </a:r>
+            <a:endParaRPr lang="en-US" dirty="0"/>
           </a:p>
         </p:txBody>
       </p:sp>
@@ -5640,12 +4893,12 @@
       </p:sp>
       <p:sp>
         <p:nvSpPr>
-          <p:cNvPr id="4" name="Slide Number Placeholder 3"/>
-          <p:cNvSpPr>
-            <a:spLocks noGrp="1"/>
-          </p:cNvSpPr>
-          <p:nvPr>
-            <p:ph type="sldNum" sz="quarter" idx="10"/>
+          <p:cNvPr id="5" name="Header Placeholder 4"/>
+          <p:cNvSpPr>
+            <a:spLocks noGrp="1"/>
+          </p:cNvSpPr>
+          <p:nvPr>
+            <p:ph type="hdr" sz="quarter" idx="11"/>
           </p:nvPr>
         </p:nvSpPr>
         <p:spPr/>
@@ -5656,25 +4909,22 @@
             <a:pPr>
               <a:defRPr/>
             </a:pPr>
-            <a:fld id="{DC3734AA-3150-D947-AC52-2F5DF48BFCD5}" type="slidenum">
+            <a:r>
               <a:rPr lang="en-US" smtClean="0"/>
-              <a:pPr>
-                <a:defRPr/>
-              </a:pPr>
-              <a:t>38</a:t>
-            </a:fld>
-            <a:endParaRPr lang="en-US" dirty="0"/>
-          </a:p>
-        </p:txBody>
-      </p:sp>
-      <p:sp>
-        <p:nvSpPr>
-          <p:cNvPr id="5" name="Header Placeholder 4"/>
-          <p:cNvSpPr>
-            <a:spLocks noGrp="1"/>
-          </p:cNvSpPr>
-          <p:nvPr>
-            <p:ph type="hdr" sz="quarter" idx="11"/>
+              <a:t>Extending Cookbooks</a:t>
+            </a:r>
+            <a:endParaRPr lang="en-US"/>
+          </a:p>
+        </p:txBody>
+      </p:sp>
+      <p:sp>
+        <p:nvSpPr>
+          <p:cNvPr id="7" name="Date Placeholder 6"/>
+          <p:cNvSpPr>
+            <a:spLocks noGrp="1"/>
+          </p:cNvSpPr>
+          <p:nvPr>
+            <p:ph type="dt" idx="13"/>
           </p:nvPr>
         </p:nvSpPr>
         <p:spPr/>
@@ -5685,29 +4935,11 @@
             <a:pPr>
               <a:defRPr/>
             </a:pPr>
-            <a:endParaRPr lang="en-US"/>
-          </a:p>
-        </p:txBody>
-      </p:sp>
-      <p:sp>
-        <p:nvSpPr>
-          <p:cNvPr id="6" name="Footer Placeholder 5"/>
-          <p:cNvSpPr>
-            <a:spLocks noGrp="1"/>
-          </p:cNvSpPr>
-          <p:nvPr>
-            <p:ph type="ftr" sz="quarter" idx="12"/>
-          </p:nvPr>
-        </p:nvSpPr>
-        <p:spPr/>
-        <p:txBody>
-          <a:bodyPr/>
-          <a:lstStyle/>
-          <a:p>
-            <a:pPr>
-              <a:defRPr/>
-            </a:pPr>
-            <a:endParaRPr lang="en-US"/>
+            <a:r>
+              <a:rPr lang="en-US" smtClean="0"/>
+              <a:t>Chef Software, Inc.</a:t>
+            </a:r>
+            <a:endParaRPr lang="en-US" dirty="0"/>
           </a:p>
         </p:txBody>
       </p:sp>
@@ -5807,12 +5039,12 @@
       </p:sp>
       <p:sp>
         <p:nvSpPr>
-          <p:cNvPr id="4" name="Slide Number Placeholder 3"/>
-          <p:cNvSpPr>
-            <a:spLocks noGrp="1"/>
-          </p:cNvSpPr>
-          <p:nvPr>
-            <p:ph type="sldNum" sz="quarter" idx="10"/>
+          <p:cNvPr id="5" name="Header Placeholder 4"/>
+          <p:cNvSpPr>
+            <a:spLocks noGrp="1"/>
+          </p:cNvSpPr>
+          <p:nvPr>
+            <p:ph type="hdr" sz="quarter" idx="11"/>
           </p:nvPr>
         </p:nvSpPr>
         <p:spPr/>
@@ -5823,25 +5055,22 @@
             <a:pPr>
               <a:defRPr/>
             </a:pPr>
-            <a:fld id="{DC3734AA-3150-D947-AC52-2F5DF48BFCD5}" type="slidenum">
+            <a:r>
               <a:rPr lang="en-US" smtClean="0"/>
-              <a:pPr>
-                <a:defRPr/>
-              </a:pPr>
-              <a:t>39</a:t>
-            </a:fld>
-            <a:endParaRPr lang="en-US" dirty="0"/>
-          </a:p>
-        </p:txBody>
-      </p:sp>
-      <p:sp>
-        <p:nvSpPr>
-          <p:cNvPr id="5" name="Header Placeholder 4"/>
-          <p:cNvSpPr>
-            <a:spLocks noGrp="1"/>
-          </p:cNvSpPr>
-          <p:nvPr>
-            <p:ph type="hdr" sz="quarter" idx="11"/>
+              <a:t>Extending Cookbooks</a:t>
+            </a:r>
+            <a:endParaRPr lang="en-US"/>
+          </a:p>
+        </p:txBody>
+      </p:sp>
+      <p:sp>
+        <p:nvSpPr>
+          <p:cNvPr id="7" name="Date Placeholder 6"/>
+          <p:cNvSpPr>
+            <a:spLocks noGrp="1"/>
+          </p:cNvSpPr>
+          <p:nvPr>
+            <p:ph type="dt" idx="13"/>
           </p:nvPr>
         </p:nvSpPr>
         <p:spPr/>
@@ -5852,29 +5081,11 @@
             <a:pPr>
               <a:defRPr/>
             </a:pPr>
-            <a:endParaRPr lang="en-US"/>
-          </a:p>
-        </p:txBody>
-      </p:sp>
-      <p:sp>
-        <p:nvSpPr>
-          <p:cNvPr id="6" name="Footer Placeholder 5"/>
-          <p:cNvSpPr>
-            <a:spLocks noGrp="1"/>
-          </p:cNvSpPr>
-          <p:nvPr>
-            <p:ph type="ftr" sz="quarter" idx="12"/>
-          </p:nvPr>
-        </p:nvSpPr>
-        <p:spPr/>
-        <p:txBody>
-          <a:bodyPr/>
-          <a:lstStyle/>
-          <a:p>
-            <a:pPr>
-              <a:defRPr/>
-            </a:pPr>
-            <a:endParaRPr lang="en-US"/>
+            <a:r>
+              <a:rPr lang="en-US" smtClean="0"/>
+              <a:t>Chef Software, Inc.</a:t>
+            </a:r>
+            <a:endParaRPr lang="en-US" dirty="0"/>
           </a:p>
         </p:txBody>
       </p:sp>
@@ -5949,12 +5160,12 @@
       </p:sp>
       <p:sp>
         <p:nvSpPr>
-          <p:cNvPr id="4" name="Slide Number Placeholder 3"/>
-          <p:cNvSpPr>
-            <a:spLocks noGrp="1"/>
-          </p:cNvSpPr>
-          <p:nvPr>
-            <p:ph type="sldNum" sz="quarter" idx="10"/>
+          <p:cNvPr id="5" name="Header Placeholder 4"/>
+          <p:cNvSpPr>
+            <a:spLocks noGrp="1"/>
+          </p:cNvSpPr>
+          <p:nvPr>
+            <p:ph type="hdr" sz="quarter" idx="11"/>
           </p:nvPr>
         </p:nvSpPr>
         <p:spPr/>
@@ -5965,25 +5176,22 @@
             <a:pPr>
               <a:defRPr/>
             </a:pPr>
-            <a:fld id="{DC3734AA-3150-D947-AC52-2F5DF48BFCD5}" type="slidenum">
+            <a:r>
               <a:rPr lang="en-US" smtClean="0"/>
-              <a:pPr>
-                <a:defRPr/>
-              </a:pPr>
-              <a:t>4</a:t>
-            </a:fld>
-            <a:endParaRPr lang="en-US" dirty="0"/>
-          </a:p>
-        </p:txBody>
-      </p:sp>
-      <p:sp>
-        <p:nvSpPr>
-          <p:cNvPr id="5" name="Header Placeholder 4"/>
-          <p:cNvSpPr>
-            <a:spLocks noGrp="1"/>
-          </p:cNvSpPr>
-          <p:nvPr>
-            <p:ph type="hdr" sz="quarter" idx="11"/>
+              <a:t>Extending Cookbooks</a:t>
+            </a:r>
+            <a:endParaRPr lang="en-US"/>
+          </a:p>
+        </p:txBody>
+      </p:sp>
+      <p:sp>
+        <p:nvSpPr>
+          <p:cNvPr id="7" name="Date Placeholder 6"/>
+          <p:cNvSpPr>
+            <a:spLocks noGrp="1"/>
+          </p:cNvSpPr>
+          <p:nvPr>
+            <p:ph type="dt" idx="13"/>
           </p:nvPr>
         </p:nvSpPr>
         <p:spPr/>
@@ -5994,29 +5202,11 @@
             <a:pPr>
               <a:defRPr/>
             </a:pPr>
-            <a:endParaRPr lang="en-US"/>
-          </a:p>
-        </p:txBody>
-      </p:sp>
-      <p:sp>
-        <p:nvSpPr>
-          <p:cNvPr id="6" name="Footer Placeholder 5"/>
-          <p:cNvSpPr>
-            <a:spLocks noGrp="1"/>
-          </p:cNvSpPr>
-          <p:nvPr>
-            <p:ph type="ftr" sz="quarter" idx="12"/>
-          </p:nvPr>
-        </p:nvSpPr>
-        <p:spPr/>
-        <p:txBody>
-          <a:bodyPr/>
-          <a:lstStyle/>
-          <a:p>
-            <a:pPr>
-              <a:defRPr/>
-            </a:pPr>
-            <a:endParaRPr lang="en-US"/>
+            <a:r>
+              <a:rPr lang="en-US" smtClean="0"/>
+              <a:t>Chef Software, Inc.</a:t>
+            </a:r>
+            <a:endParaRPr lang="en-US" dirty="0"/>
           </a:p>
         </p:txBody>
       </p:sp>
@@ -6091,12 +5281,12 @@
       </p:sp>
       <p:sp>
         <p:nvSpPr>
-          <p:cNvPr id="4" name="Slide Number Placeholder 3"/>
-          <p:cNvSpPr>
-            <a:spLocks noGrp="1"/>
-          </p:cNvSpPr>
-          <p:nvPr>
-            <p:ph type="sldNum" sz="quarter" idx="10"/>
+          <p:cNvPr id="5" name="Header Placeholder 4"/>
+          <p:cNvSpPr>
+            <a:spLocks noGrp="1"/>
+          </p:cNvSpPr>
+          <p:nvPr>
+            <p:ph type="hdr" sz="quarter" idx="11"/>
           </p:nvPr>
         </p:nvSpPr>
         <p:spPr/>
@@ -6107,25 +5297,22 @@
             <a:pPr>
               <a:defRPr/>
             </a:pPr>
-            <a:fld id="{DC3734AA-3150-D947-AC52-2F5DF48BFCD5}" type="slidenum">
+            <a:r>
               <a:rPr lang="en-US" smtClean="0"/>
-              <a:pPr>
-                <a:defRPr/>
-              </a:pPr>
-              <a:t>40</a:t>
-            </a:fld>
-            <a:endParaRPr lang="en-US" dirty="0"/>
-          </a:p>
-        </p:txBody>
-      </p:sp>
-      <p:sp>
-        <p:nvSpPr>
-          <p:cNvPr id="5" name="Header Placeholder 4"/>
-          <p:cNvSpPr>
-            <a:spLocks noGrp="1"/>
-          </p:cNvSpPr>
-          <p:nvPr>
-            <p:ph type="hdr" sz="quarter" idx="11"/>
+              <a:t>Extending Cookbooks</a:t>
+            </a:r>
+            <a:endParaRPr lang="en-US"/>
+          </a:p>
+        </p:txBody>
+      </p:sp>
+      <p:sp>
+        <p:nvSpPr>
+          <p:cNvPr id="7" name="Date Placeholder 6"/>
+          <p:cNvSpPr>
+            <a:spLocks noGrp="1"/>
+          </p:cNvSpPr>
+          <p:nvPr>
+            <p:ph type="dt" idx="13"/>
           </p:nvPr>
         </p:nvSpPr>
         <p:spPr/>
@@ -6136,29 +5323,11 @@
             <a:pPr>
               <a:defRPr/>
             </a:pPr>
-            <a:endParaRPr lang="en-US"/>
-          </a:p>
-        </p:txBody>
-      </p:sp>
-      <p:sp>
-        <p:nvSpPr>
-          <p:cNvPr id="6" name="Footer Placeholder 5"/>
-          <p:cNvSpPr>
-            <a:spLocks noGrp="1"/>
-          </p:cNvSpPr>
-          <p:nvPr>
-            <p:ph type="ftr" sz="quarter" idx="12"/>
-          </p:nvPr>
-        </p:nvSpPr>
-        <p:spPr/>
-        <p:txBody>
-          <a:bodyPr/>
-          <a:lstStyle/>
-          <a:p>
-            <a:pPr>
-              <a:defRPr/>
-            </a:pPr>
-            <a:endParaRPr lang="en-US"/>
+            <a:r>
+              <a:rPr lang="en-US" smtClean="0"/>
+              <a:t>Chef Software, Inc.</a:t>
+            </a:r>
+            <a:endParaRPr lang="en-US" dirty="0"/>
           </a:p>
         </p:txBody>
       </p:sp>
@@ -6233,12 +5402,12 @@
       </p:sp>
       <p:sp>
         <p:nvSpPr>
-          <p:cNvPr id="4" name="Slide Number Placeholder 3"/>
-          <p:cNvSpPr>
-            <a:spLocks noGrp="1"/>
-          </p:cNvSpPr>
-          <p:nvPr>
-            <p:ph type="sldNum" sz="quarter" idx="10"/>
+          <p:cNvPr id="5" name="Header Placeholder 4"/>
+          <p:cNvSpPr>
+            <a:spLocks noGrp="1"/>
+          </p:cNvSpPr>
+          <p:nvPr>
+            <p:ph type="hdr" sz="quarter" idx="11"/>
           </p:nvPr>
         </p:nvSpPr>
         <p:spPr/>
@@ -6249,25 +5418,22 @@
             <a:pPr>
               <a:defRPr/>
             </a:pPr>
-            <a:fld id="{DC3734AA-3150-D947-AC52-2F5DF48BFCD5}" type="slidenum">
+            <a:r>
               <a:rPr lang="en-US" smtClean="0"/>
-              <a:pPr>
-                <a:defRPr/>
-              </a:pPr>
-              <a:t>41</a:t>
-            </a:fld>
-            <a:endParaRPr lang="en-US" dirty="0"/>
-          </a:p>
-        </p:txBody>
-      </p:sp>
-      <p:sp>
-        <p:nvSpPr>
-          <p:cNvPr id="5" name="Header Placeholder 4"/>
-          <p:cNvSpPr>
-            <a:spLocks noGrp="1"/>
-          </p:cNvSpPr>
-          <p:nvPr>
-            <p:ph type="hdr" sz="quarter" idx="11"/>
+              <a:t>Extending Cookbooks</a:t>
+            </a:r>
+            <a:endParaRPr lang="en-US"/>
+          </a:p>
+        </p:txBody>
+      </p:sp>
+      <p:sp>
+        <p:nvSpPr>
+          <p:cNvPr id="7" name="Date Placeholder 6"/>
+          <p:cNvSpPr>
+            <a:spLocks noGrp="1"/>
+          </p:cNvSpPr>
+          <p:nvPr>
+            <p:ph type="dt" idx="13"/>
           </p:nvPr>
         </p:nvSpPr>
         <p:spPr/>
@@ -6278,29 +5444,11 @@
             <a:pPr>
               <a:defRPr/>
             </a:pPr>
-            <a:endParaRPr lang="en-US"/>
-          </a:p>
-        </p:txBody>
-      </p:sp>
-      <p:sp>
-        <p:nvSpPr>
-          <p:cNvPr id="6" name="Footer Placeholder 5"/>
-          <p:cNvSpPr>
-            <a:spLocks noGrp="1"/>
-          </p:cNvSpPr>
-          <p:nvPr>
-            <p:ph type="ftr" sz="quarter" idx="12"/>
-          </p:nvPr>
-        </p:nvSpPr>
-        <p:spPr/>
-        <p:txBody>
-          <a:bodyPr/>
-          <a:lstStyle/>
-          <a:p>
-            <a:pPr>
-              <a:defRPr/>
-            </a:pPr>
-            <a:endParaRPr lang="en-US"/>
+            <a:r>
+              <a:rPr lang="en-US" smtClean="0"/>
+              <a:t>Chef Software, Inc.</a:t>
+            </a:r>
+            <a:endParaRPr lang="en-US" dirty="0"/>
           </a:p>
         </p:txBody>
       </p:sp>
@@ -6374,12 +5522,12 @@
       </p:sp>
       <p:sp>
         <p:nvSpPr>
-          <p:cNvPr id="4" name="Slide Number Placeholder 3"/>
-          <p:cNvSpPr>
-            <a:spLocks noGrp="1"/>
-          </p:cNvSpPr>
-          <p:nvPr>
-            <p:ph type="sldNum" sz="quarter" idx="10"/>
+          <p:cNvPr id="5" name="Header Placeholder 4"/>
+          <p:cNvSpPr>
+            <a:spLocks noGrp="1"/>
+          </p:cNvSpPr>
+          <p:nvPr>
+            <p:ph type="hdr" sz="quarter" idx="11"/>
           </p:nvPr>
         </p:nvSpPr>
         <p:spPr/>
@@ -6390,25 +5538,22 @@
             <a:pPr>
               <a:defRPr/>
             </a:pPr>
-            <a:fld id="{DC3734AA-3150-D947-AC52-2F5DF48BFCD5}" type="slidenum">
+            <a:r>
               <a:rPr lang="en-US" smtClean="0"/>
-              <a:pPr>
-                <a:defRPr/>
-              </a:pPr>
-              <a:t>42</a:t>
-            </a:fld>
-            <a:endParaRPr lang="en-US" dirty="0"/>
-          </a:p>
-        </p:txBody>
-      </p:sp>
-      <p:sp>
-        <p:nvSpPr>
-          <p:cNvPr id="5" name="Header Placeholder 4"/>
-          <p:cNvSpPr>
-            <a:spLocks noGrp="1"/>
-          </p:cNvSpPr>
-          <p:nvPr>
-            <p:ph type="hdr" sz="quarter" idx="11"/>
+              <a:t>Extending Cookbooks</a:t>
+            </a:r>
+            <a:endParaRPr lang="en-US"/>
+          </a:p>
+        </p:txBody>
+      </p:sp>
+      <p:sp>
+        <p:nvSpPr>
+          <p:cNvPr id="7" name="Date Placeholder 6"/>
+          <p:cNvSpPr>
+            <a:spLocks noGrp="1"/>
+          </p:cNvSpPr>
+          <p:nvPr>
+            <p:ph type="dt" idx="13"/>
           </p:nvPr>
         </p:nvSpPr>
         <p:spPr/>
@@ -6419,29 +5564,11 @@
             <a:pPr>
               <a:defRPr/>
             </a:pPr>
-            <a:endParaRPr lang="en-US"/>
-          </a:p>
-        </p:txBody>
-      </p:sp>
-      <p:sp>
-        <p:nvSpPr>
-          <p:cNvPr id="6" name="Footer Placeholder 5"/>
-          <p:cNvSpPr>
-            <a:spLocks noGrp="1"/>
-          </p:cNvSpPr>
-          <p:nvPr>
-            <p:ph type="ftr" sz="quarter" idx="12"/>
-          </p:nvPr>
-        </p:nvSpPr>
-        <p:spPr/>
-        <p:txBody>
-          <a:bodyPr/>
-          <a:lstStyle/>
-          <a:p>
-            <a:pPr>
-              <a:defRPr/>
-            </a:pPr>
-            <a:endParaRPr lang="en-US"/>
+            <a:r>
+              <a:rPr lang="en-US" smtClean="0"/>
+              <a:t>Chef Software, Inc.</a:t>
+            </a:r>
+            <a:endParaRPr lang="en-US" dirty="0"/>
           </a:p>
         </p:txBody>
       </p:sp>
@@ -6602,12 +5729,12 @@
       </p:sp>
       <p:sp>
         <p:nvSpPr>
-          <p:cNvPr id="4" name="Slide Number Placeholder 3"/>
-          <p:cNvSpPr>
-            <a:spLocks noGrp="1"/>
-          </p:cNvSpPr>
-          <p:nvPr>
-            <p:ph type="sldNum" sz="quarter" idx="10"/>
+          <p:cNvPr id="5" name="Header Placeholder 4"/>
+          <p:cNvSpPr>
+            <a:spLocks noGrp="1"/>
+          </p:cNvSpPr>
+          <p:nvPr>
+            <p:ph type="hdr" sz="quarter" idx="11"/>
           </p:nvPr>
         </p:nvSpPr>
         <p:spPr/>
@@ -6618,25 +5745,22 @@
             <a:pPr>
               <a:defRPr/>
             </a:pPr>
-            <a:fld id="{DC3734AA-3150-D947-AC52-2F5DF48BFCD5}" type="slidenum">
+            <a:r>
               <a:rPr lang="en-US" smtClean="0"/>
-              <a:pPr>
-                <a:defRPr/>
-              </a:pPr>
-              <a:t>43</a:t>
-            </a:fld>
-            <a:endParaRPr lang="en-US" dirty="0"/>
-          </a:p>
-        </p:txBody>
-      </p:sp>
-      <p:sp>
-        <p:nvSpPr>
-          <p:cNvPr id="5" name="Header Placeholder 4"/>
-          <p:cNvSpPr>
-            <a:spLocks noGrp="1"/>
-          </p:cNvSpPr>
-          <p:nvPr>
-            <p:ph type="hdr" sz="quarter" idx="11"/>
+              <a:t>Extending Cookbooks</a:t>
+            </a:r>
+            <a:endParaRPr lang="en-US"/>
+          </a:p>
+        </p:txBody>
+      </p:sp>
+      <p:sp>
+        <p:nvSpPr>
+          <p:cNvPr id="7" name="Date Placeholder 6"/>
+          <p:cNvSpPr>
+            <a:spLocks noGrp="1"/>
+          </p:cNvSpPr>
+          <p:nvPr>
+            <p:ph type="dt" idx="13"/>
           </p:nvPr>
         </p:nvSpPr>
         <p:spPr/>
@@ -6647,29 +5771,11 @@
             <a:pPr>
               <a:defRPr/>
             </a:pPr>
-            <a:endParaRPr lang="en-US"/>
-          </a:p>
-        </p:txBody>
-      </p:sp>
-      <p:sp>
-        <p:nvSpPr>
-          <p:cNvPr id="6" name="Footer Placeholder 5"/>
-          <p:cNvSpPr>
-            <a:spLocks noGrp="1"/>
-          </p:cNvSpPr>
-          <p:nvPr>
-            <p:ph type="ftr" sz="quarter" idx="12"/>
-          </p:nvPr>
-        </p:nvSpPr>
-        <p:spPr/>
-        <p:txBody>
-          <a:bodyPr/>
-          <a:lstStyle/>
-          <a:p>
-            <a:pPr>
-              <a:defRPr/>
-            </a:pPr>
-            <a:endParaRPr lang="en-US"/>
+            <a:r>
+              <a:rPr lang="en-US" smtClean="0"/>
+              <a:t>Chef Software, Inc.</a:t>
+            </a:r>
+            <a:endParaRPr lang="en-US" dirty="0"/>
           </a:p>
         </p:txBody>
       </p:sp>
@@ -6778,12 +5884,12 @@
       </p:sp>
       <p:sp>
         <p:nvSpPr>
-          <p:cNvPr id="4" name="Slide Number Placeholder 3"/>
-          <p:cNvSpPr>
-            <a:spLocks noGrp="1"/>
-          </p:cNvSpPr>
-          <p:nvPr>
-            <p:ph type="sldNum" sz="quarter" idx="10"/>
+          <p:cNvPr id="5" name="Header Placeholder 4"/>
+          <p:cNvSpPr>
+            <a:spLocks noGrp="1"/>
+          </p:cNvSpPr>
+          <p:nvPr>
+            <p:ph type="hdr" sz="quarter" idx="11"/>
           </p:nvPr>
         </p:nvSpPr>
         <p:spPr/>
@@ -6794,25 +5900,22 @@
             <a:pPr>
               <a:defRPr/>
             </a:pPr>
-            <a:fld id="{DC3734AA-3150-D947-AC52-2F5DF48BFCD5}" type="slidenum">
+            <a:r>
               <a:rPr lang="en-US" smtClean="0"/>
-              <a:pPr>
-                <a:defRPr/>
-              </a:pPr>
-              <a:t>44</a:t>
-            </a:fld>
-            <a:endParaRPr lang="en-US" dirty="0"/>
-          </a:p>
-        </p:txBody>
-      </p:sp>
-      <p:sp>
-        <p:nvSpPr>
-          <p:cNvPr id="5" name="Header Placeholder 4"/>
-          <p:cNvSpPr>
-            <a:spLocks noGrp="1"/>
-          </p:cNvSpPr>
-          <p:nvPr>
-            <p:ph type="hdr" sz="quarter" idx="11"/>
+              <a:t>Extending Cookbooks</a:t>
+            </a:r>
+            <a:endParaRPr lang="en-US"/>
+          </a:p>
+        </p:txBody>
+      </p:sp>
+      <p:sp>
+        <p:nvSpPr>
+          <p:cNvPr id="7" name="Date Placeholder 6"/>
+          <p:cNvSpPr>
+            <a:spLocks noGrp="1"/>
+          </p:cNvSpPr>
+          <p:nvPr>
+            <p:ph type="dt" idx="13"/>
           </p:nvPr>
         </p:nvSpPr>
         <p:spPr/>
@@ -6823,29 +5926,11 @@
             <a:pPr>
               <a:defRPr/>
             </a:pPr>
-            <a:endParaRPr lang="en-US"/>
-          </a:p>
-        </p:txBody>
-      </p:sp>
-      <p:sp>
-        <p:nvSpPr>
-          <p:cNvPr id="6" name="Footer Placeholder 5"/>
-          <p:cNvSpPr>
-            <a:spLocks noGrp="1"/>
-          </p:cNvSpPr>
-          <p:nvPr>
-            <p:ph type="ftr" sz="quarter" idx="12"/>
-          </p:nvPr>
-        </p:nvSpPr>
-        <p:spPr/>
-        <p:txBody>
-          <a:bodyPr/>
-          <a:lstStyle/>
-          <a:p>
-            <a:pPr>
-              <a:defRPr/>
-            </a:pPr>
-            <a:endParaRPr lang="en-US"/>
+            <a:r>
+              <a:rPr lang="en-US" smtClean="0"/>
+              <a:t>Chef Software, Inc.</a:t>
+            </a:r>
+            <a:endParaRPr lang="en-US" dirty="0"/>
           </a:p>
         </p:txBody>
       </p:sp>
@@ -6936,12 +6021,12 @@
       </p:sp>
       <p:sp>
         <p:nvSpPr>
-          <p:cNvPr id="4" name="Slide Number Placeholder 3"/>
-          <p:cNvSpPr>
-            <a:spLocks noGrp="1"/>
-          </p:cNvSpPr>
-          <p:nvPr>
-            <p:ph type="sldNum" sz="quarter" idx="10"/>
+          <p:cNvPr id="5" name="Header Placeholder 4"/>
+          <p:cNvSpPr>
+            <a:spLocks noGrp="1"/>
+          </p:cNvSpPr>
+          <p:nvPr>
+            <p:ph type="hdr" sz="quarter" idx="11"/>
           </p:nvPr>
         </p:nvSpPr>
         <p:spPr/>
@@ -6952,25 +6037,22 @@
             <a:pPr>
               <a:defRPr/>
             </a:pPr>
-            <a:fld id="{DC3734AA-3150-D947-AC52-2F5DF48BFCD5}" type="slidenum">
+            <a:r>
               <a:rPr lang="en-US" smtClean="0"/>
-              <a:pPr>
-                <a:defRPr/>
-              </a:pPr>
-              <a:t>45</a:t>
-            </a:fld>
-            <a:endParaRPr lang="en-US" dirty="0"/>
-          </a:p>
-        </p:txBody>
-      </p:sp>
-      <p:sp>
-        <p:nvSpPr>
-          <p:cNvPr id="5" name="Header Placeholder 4"/>
-          <p:cNvSpPr>
-            <a:spLocks noGrp="1"/>
-          </p:cNvSpPr>
-          <p:nvPr>
-            <p:ph type="hdr" sz="quarter" idx="11"/>
+              <a:t>Extending Cookbooks</a:t>
+            </a:r>
+            <a:endParaRPr lang="en-US"/>
+          </a:p>
+        </p:txBody>
+      </p:sp>
+      <p:sp>
+        <p:nvSpPr>
+          <p:cNvPr id="7" name="Date Placeholder 6"/>
+          <p:cNvSpPr>
+            <a:spLocks noGrp="1"/>
+          </p:cNvSpPr>
+          <p:nvPr>
+            <p:ph type="dt" idx="13"/>
           </p:nvPr>
         </p:nvSpPr>
         <p:spPr/>
@@ -6981,29 +6063,11 @@
             <a:pPr>
               <a:defRPr/>
             </a:pPr>
-            <a:endParaRPr lang="en-US"/>
-          </a:p>
-        </p:txBody>
-      </p:sp>
-      <p:sp>
-        <p:nvSpPr>
-          <p:cNvPr id="6" name="Footer Placeholder 5"/>
-          <p:cNvSpPr>
-            <a:spLocks noGrp="1"/>
-          </p:cNvSpPr>
-          <p:nvPr>
-            <p:ph type="ftr" sz="quarter" idx="12"/>
-          </p:nvPr>
-        </p:nvSpPr>
-        <p:spPr/>
-        <p:txBody>
-          <a:bodyPr/>
-          <a:lstStyle/>
-          <a:p>
-            <a:pPr>
-              <a:defRPr/>
-            </a:pPr>
-            <a:endParaRPr lang="en-US"/>
+            <a:r>
+              <a:rPr lang="en-US" smtClean="0"/>
+              <a:t>Chef Software, Inc.</a:t>
+            </a:r>
+            <a:endParaRPr lang="en-US" dirty="0"/>
           </a:p>
         </p:txBody>
       </p:sp>
@@ -7078,12 +6142,12 @@
       </p:sp>
       <p:sp>
         <p:nvSpPr>
-          <p:cNvPr id="4" name="Slide Number Placeholder 3"/>
-          <p:cNvSpPr>
-            <a:spLocks noGrp="1"/>
-          </p:cNvSpPr>
-          <p:nvPr>
-            <p:ph type="sldNum" sz="quarter" idx="10"/>
+          <p:cNvPr id="5" name="Header Placeholder 4"/>
+          <p:cNvSpPr>
+            <a:spLocks noGrp="1"/>
+          </p:cNvSpPr>
+          <p:nvPr>
+            <p:ph type="hdr" sz="quarter" idx="11"/>
           </p:nvPr>
         </p:nvSpPr>
         <p:spPr/>
@@ -7094,25 +6158,22 @@
             <a:pPr>
               <a:defRPr/>
             </a:pPr>
-            <a:fld id="{DC3734AA-3150-D947-AC52-2F5DF48BFCD5}" type="slidenum">
+            <a:r>
               <a:rPr lang="en-US" smtClean="0"/>
-              <a:pPr>
-                <a:defRPr/>
-              </a:pPr>
-              <a:t>46</a:t>
-            </a:fld>
-            <a:endParaRPr lang="en-US" dirty="0"/>
-          </a:p>
-        </p:txBody>
-      </p:sp>
-      <p:sp>
-        <p:nvSpPr>
-          <p:cNvPr id="5" name="Header Placeholder 4"/>
-          <p:cNvSpPr>
-            <a:spLocks noGrp="1"/>
-          </p:cNvSpPr>
-          <p:nvPr>
-            <p:ph type="hdr" sz="quarter" idx="11"/>
+              <a:t>Extending Cookbooks</a:t>
+            </a:r>
+            <a:endParaRPr lang="en-US"/>
+          </a:p>
+        </p:txBody>
+      </p:sp>
+      <p:sp>
+        <p:nvSpPr>
+          <p:cNvPr id="7" name="Date Placeholder 6"/>
+          <p:cNvSpPr>
+            <a:spLocks noGrp="1"/>
+          </p:cNvSpPr>
+          <p:nvPr>
+            <p:ph type="dt" idx="13"/>
           </p:nvPr>
         </p:nvSpPr>
         <p:spPr/>
@@ -7123,29 +6184,11 @@
             <a:pPr>
               <a:defRPr/>
             </a:pPr>
-            <a:endParaRPr lang="en-US"/>
-          </a:p>
-        </p:txBody>
-      </p:sp>
-      <p:sp>
-        <p:nvSpPr>
-          <p:cNvPr id="6" name="Footer Placeholder 5"/>
-          <p:cNvSpPr>
-            <a:spLocks noGrp="1"/>
-          </p:cNvSpPr>
-          <p:nvPr>
-            <p:ph type="ftr" sz="quarter" idx="12"/>
-          </p:nvPr>
-        </p:nvSpPr>
-        <p:spPr/>
-        <p:txBody>
-          <a:bodyPr/>
-          <a:lstStyle/>
-          <a:p>
-            <a:pPr>
-              <a:defRPr/>
-            </a:pPr>
-            <a:endParaRPr lang="en-US"/>
+            <a:r>
+              <a:rPr lang="en-US" smtClean="0"/>
+              <a:t>Chef Software, Inc.</a:t>
+            </a:r>
+            <a:endParaRPr lang="en-US" dirty="0"/>
           </a:p>
         </p:txBody>
       </p:sp>
@@ -7220,12 +6263,12 @@
       </p:sp>
       <p:sp>
         <p:nvSpPr>
-          <p:cNvPr id="4" name="Slide Number Placeholder 3"/>
-          <p:cNvSpPr>
-            <a:spLocks noGrp="1"/>
-          </p:cNvSpPr>
-          <p:nvPr>
-            <p:ph type="sldNum" sz="quarter" idx="10"/>
+          <p:cNvPr id="5" name="Header Placeholder 4"/>
+          <p:cNvSpPr>
+            <a:spLocks noGrp="1"/>
+          </p:cNvSpPr>
+          <p:nvPr>
+            <p:ph type="hdr" sz="quarter" idx="11"/>
           </p:nvPr>
         </p:nvSpPr>
         <p:spPr/>
@@ -7236,25 +6279,22 @@
             <a:pPr>
               <a:defRPr/>
             </a:pPr>
-            <a:fld id="{DC3734AA-3150-D947-AC52-2F5DF48BFCD5}" type="slidenum">
+            <a:r>
               <a:rPr lang="en-US" smtClean="0"/>
-              <a:pPr>
-                <a:defRPr/>
-              </a:pPr>
-              <a:t>47</a:t>
-            </a:fld>
-            <a:endParaRPr lang="en-US" dirty="0"/>
-          </a:p>
-        </p:txBody>
-      </p:sp>
-      <p:sp>
-        <p:nvSpPr>
-          <p:cNvPr id="5" name="Header Placeholder 4"/>
-          <p:cNvSpPr>
-            <a:spLocks noGrp="1"/>
-          </p:cNvSpPr>
-          <p:nvPr>
-            <p:ph type="hdr" sz="quarter" idx="11"/>
+              <a:t>Extending Cookbooks</a:t>
+            </a:r>
+            <a:endParaRPr lang="en-US"/>
+          </a:p>
+        </p:txBody>
+      </p:sp>
+      <p:sp>
+        <p:nvSpPr>
+          <p:cNvPr id="7" name="Date Placeholder 6"/>
+          <p:cNvSpPr>
+            <a:spLocks noGrp="1"/>
+          </p:cNvSpPr>
+          <p:nvPr>
+            <p:ph type="dt" idx="13"/>
           </p:nvPr>
         </p:nvSpPr>
         <p:spPr/>
@@ -7265,29 +6305,11 @@
             <a:pPr>
               <a:defRPr/>
             </a:pPr>
-            <a:endParaRPr lang="en-US"/>
-          </a:p>
-        </p:txBody>
-      </p:sp>
-      <p:sp>
-        <p:nvSpPr>
-          <p:cNvPr id="6" name="Footer Placeholder 5"/>
-          <p:cNvSpPr>
-            <a:spLocks noGrp="1"/>
-          </p:cNvSpPr>
-          <p:nvPr>
-            <p:ph type="ftr" sz="quarter" idx="12"/>
-          </p:nvPr>
-        </p:nvSpPr>
-        <p:spPr/>
-        <p:txBody>
-          <a:bodyPr/>
-          <a:lstStyle/>
-          <a:p>
-            <a:pPr>
-              <a:defRPr/>
-            </a:pPr>
-            <a:endParaRPr lang="en-US"/>
+            <a:r>
+              <a:rPr lang="en-US" smtClean="0"/>
+              <a:t>Chef Software, Inc.</a:t>
+            </a:r>
+            <a:endParaRPr lang="en-US" dirty="0"/>
           </a:p>
         </p:txBody>
       </p:sp>
@@ -7374,12 +6396,12 @@
       </p:sp>
       <p:sp>
         <p:nvSpPr>
-          <p:cNvPr id="4" name="Slide Number Placeholder 3"/>
-          <p:cNvSpPr>
-            <a:spLocks noGrp="1"/>
-          </p:cNvSpPr>
-          <p:nvPr>
-            <p:ph type="sldNum" sz="quarter" idx="10"/>
+          <p:cNvPr id="5" name="Header Placeholder 4"/>
+          <p:cNvSpPr>
+            <a:spLocks noGrp="1"/>
+          </p:cNvSpPr>
+          <p:nvPr>
+            <p:ph type="hdr" sz="quarter" idx="11"/>
           </p:nvPr>
         </p:nvSpPr>
         <p:spPr/>
@@ -7390,25 +6412,22 @@
             <a:pPr>
               <a:defRPr/>
             </a:pPr>
-            <a:fld id="{DC3734AA-3150-D947-AC52-2F5DF48BFCD5}" type="slidenum">
+            <a:r>
               <a:rPr lang="en-US" smtClean="0"/>
-              <a:pPr>
-                <a:defRPr/>
-              </a:pPr>
-              <a:t>48</a:t>
-            </a:fld>
-            <a:endParaRPr lang="en-US" dirty="0"/>
-          </a:p>
-        </p:txBody>
-      </p:sp>
-      <p:sp>
-        <p:nvSpPr>
-          <p:cNvPr id="5" name="Header Placeholder 4"/>
-          <p:cNvSpPr>
-            <a:spLocks noGrp="1"/>
-          </p:cNvSpPr>
-          <p:nvPr>
-            <p:ph type="hdr" sz="quarter" idx="11"/>
+              <a:t>Extending Cookbooks</a:t>
+            </a:r>
+            <a:endParaRPr lang="en-US"/>
+          </a:p>
+        </p:txBody>
+      </p:sp>
+      <p:sp>
+        <p:nvSpPr>
+          <p:cNvPr id="7" name="Date Placeholder 6"/>
+          <p:cNvSpPr>
+            <a:spLocks noGrp="1"/>
+          </p:cNvSpPr>
+          <p:nvPr>
+            <p:ph type="dt" idx="13"/>
           </p:nvPr>
         </p:nvSpPr>
         <p:spPr/>
@@ -7419,29 +6438,11 @@
             <a:pPr>
               <a:defRPr/>
             </a:pPr>
-            <a:endParaRPr lang="en-US"/>
-          </a:p>
-        </p:txBody>
-      </p:sp>
-      <p:sp>
-        <p:nvSpPr>
-          <p:cNvPr id="6" name="Footer Placeholder 5"/>
-          <p:cNvSpPr>
-            <a:spLocks noGrp="1"/>
-          </p:cNvSpPr>
-          <p:nvPr>
-            <p:ph type="ftr" sz="quarter" idx="12"/>
-          </p:nvPr>
-        </p:nvSpPr>
-        <p:spPr/>
-        <p:txBody>
-          <a:bodyPr/>
-          <a:lstStyle/>
-          <a:p>
-            <a:pPr>
-              <a:defRPr/>
-            </a:pPr>
-            <a:endParaRPr lang="en-US"/>
+            <a:r>
+              <a:rPr lang="en-US" smtClean="0"/>
+              <a:t>Chef Software, Inc.</a:t>
+            </a:r>
+            <a:endParaRPr lang="en-US" dirty="0"/>
           </a:p>
         </p:txBody>
       </p:sp>
@@ -7516,12 +6517,12 @@
       </p:sp>
       <p:sp>
         <p:nvSpPr>
-          <p:cNvPr id="4" name="Slide Number Placeholder 3"/>
-          <p:cNvSpPr>
-            <a:spLocks noGrp="1"/>
-          </p:cNvSpPr>
-          <p:nvPr>
-            <p:ph type="sldNum" sz="quarter" idx="10"/>
+          <p:cNvPr id="5" name="Header Placeholder 4"/>
+          <p:cNvSpPr>
+            <a:spLocks noGrp="1"/>
+          </p:cNvSpPr>
+          <p:nvPr>
+            <p:ph type="hdr" sz="quarter" idx="11"/>
           </p:nvPr>
         </p:nvSpPr>
         <p:spPr/>
@@ -7532,25 +6533,22 @@
             <a:pPr>
               <a:defRPr/>
             </a:pPr>
-            <a:fld id="{DC3734AA-3150-D947-AC52-2F5DF48BFCD5}" type="slidenum">
+            <a:r>
               <a:rPr lang="en-US" smtClean="0"/>
-              <a:pPr>
-                <a:defRPr/>
-              </a:pPr>
-              <a:t>49</a:t>
-            </a:fld>
-            <a:endParaRPr lang="en-US" dirty="0"/>
-          </a:p>
-        </p:txBody>
-      </p:sp>
-      <p:sp>
-        <p:nvSpPr>
-          <p:cNvPr id="5" name="Header Placeholder 4"/>
-          <p:cNvSpPr>
-            <a:spLocks noGrp="1"/>
-          </p:cNvSpPr>
-          <p:nvPr>
-            <p:ph type="hdr" sz="quarter" idx="11"/>
+              <a:t>Extending Cookbooks</a:t>
+            </a:r>
+            <a:endParaRPr lang="en-US"/>
+          </a:p>
+        </p:txBody>
+      </p:sp>
+      <p:sp>
+        <p:nvSpPr>
+          <p:cNvPr id="7" name="Date Placeholder 6"/>
+          <p:cNvSpPr>
+            <a:spLocks noGrp="1"/>
+          </p:cNvSpPr>
+          <p:nvPr>
+            <p:ph type="dt" idx="13"/>
           </p:nvPr>
         </p:nvSpPr>
         <p:spPr/>
@@ -7561,29 +6559,11 @@
             <a:pPr>
               <a:defRPr/>
             </a:pPr>
-            <a:endParaRPr lang="en-US"/>
-          </a:p>
-        </p:txBody>
-      </p:sp>
-      <p:sp>
-        <p:nvSpPr>
-          <p:cNvPr id="6" name="Footer Placeholder 5"/>
-          <p:cNvSpPr>
-            <a:spLocks noGrp="1"/>
-          </p:cNvSpPr>
-          <p:nvPr>
-            <p:ph type="ftr" sz="quarter" idx="12"/>
-          </p:nvPr>
-        </p:nvSpPr>
-        <p:spPr/>
-        <p:txBody>
-          <a:bodyPr/>
-          <a:lstStyle/>
-          <a:p>
-            <a:pPr>
-              <a:defRPr/>
-            </a:pPr>
-            <a:endParaRPr lang="en-US"/>
+            <a:r>
+              <a:rPr lang="en-US" smtClean="0"/>
+              <a:t>Chef Software, Inc.</a:t>
+            </a:r>
+            <a:endParaRPr lang="en-US" dirty="0"/>
           </a:p>
         </p:txBody>
       </p:sp>
@@ -7667,12 +6647,12 @@
       </p:sp>
       <p:sp>
         <p:nvSpPr>
-          <p:cNvPr id="4" name="Slide Number Placeholder 3"/>
-          <p:cNvSpPr>
-            <a:spLocks noGrp="1"/>
-          </p:cNvSpPr>
-          <p:nvPr>
-            <p:ph type="sldNum" sz="quarter" idx="10"/>
+          <p:cNvPr id="5" name="Header Placeholder 4"/>
+          <p:cNvSpPr>
+            <a:spLocks noGrp="1"/>
+          </p:cNvSpPr>
+          <p:nvPr>
+            <p:ph type="hdr" sz="quarter" idx="11"/>
           </p:nvPr>
         </p:nvSpPr>
         <p:spPr/>
@@ -7683,25 +6663,22 @@
             <a:pPr>
               <a:defRPr/>
             </a:pPr>
-            <a:fld id="{DC3734AA-3150-D947-AC52-2F5DF48BFCD5}" type="slidenum">
+            <a:r>
               <a:rPr lang="en-US" smtClean="0"/>
-              <a:pPr>
-                <a:defRPr/>
-              </a:pPr>
-              <a:t>5</a:t>
-            </a:fld>
-            <a:endParaRPr lang="en-US" dirty="0"/>
-          </a:p>
-        </p:txBody>
-      </p:sp>
-      <p:sp>
-        <p:nvSpPr>
-          <p:cNvPr id="5" name="Header Placeholder 4"/>
-          <p:cNvSpPr>
-            <a:spLocks noGrp="1"/>
-          </p:cNvSpPr>
-          <p:nvPr>
-            <p:ph type="hdr" sz="quarter" idx="11"/>
+              <a:t>Extending Cookbooks</a:t>
+            </a:r>
+            <a:endParaRPr lang="en-US"/>
+          </a:p>
+        </p:txBody>
+      </p:sp>
+      <p:sp>
+        <p:nvSpPr>
+          <p:cNvPr id="7" name="Date Placeholder 6"/>
+          <p:cNvSpPr>
+            <a:spLocks noGrp="1"/>
+          </p:cNvSpPr>
+          <p:nvPr>
+            <p:ph type="dt" idx="13"/>
           </p:nvPr>
         </p:nvSpPr>
         <p:spPr/>
@@ -7712,29 +6689,11 @@
             <a:pPr>
               <a:defRPr/>
             </a:pPr>
-            <a:endParaRPr lang="en-US"/>
-          </a:p>
-        </p:txBody>
-      </p:sp>
-      <p:sp>
-        <p:nvSpPr>
-          <p:cNvPr id="6" name="Footer Placeholder 5"/>
-          <p:cNvSpPr>
-            <a:spLocks noGrp="1"/>
-          </p:cNvSpPr>
-          <p:nvPr>
-            <p:ph type="ftr" sz="quarter" idx="12"/>
-          </p:nvPr>
-        </p:nvSpPr>
-        <p:spPr/>
-        <p:txBody>
-          <a:bodyPr/>
-          <a:lstStyle/>
-          <a:p>
-            <a:pPr>
-              <a:defRPr/>
-            </a:pPr>
-            <a:endParaRPr lang="en-US"/>
+            <a:r>
+              <a:rPr lang="en-US" smtClean="0"/>
+              <a:t>Chef Software, Inc.</a:t>
+            </a:r>
+            <a:endParaRPr lang="en-US" dirty="0"/>
           </a:p>
         </p:txBody>
       </p:sp>
@@ -7820,12 +6779,12 @@
       </p:sp>
       <p:sp>
         <p:nvSpPr>
-          <p:cNvPr id="4" name="Slide Number Placeholder 3"/>
-          <p:cNvSpPr>
-            <a:spLocks noGrp="1"/>
-          </p:cNvSpPr>
-          <p:nvPr>
-            <p:ph type="sldNum" sz="quarter" idx="10"/>
+          <p:cNvPr id="5" name="Header Placeholder 4"/>
+          <p:cNvSpPr>
+            <a:spLocks noGrp="1"/>
+          </p:cNvSpPr>
+          <p:nvPr>
+            <p:ph type="hdr" sz="quarter" idx="11"/>
           </p:nvPr>
         </p:nvSpPr>
         <p:spPr/>
@@ -7836,25 +6795,22 @@
             <a:pPr>
               <a:defRPr/>
             </a:pPr>
-            <a:fld id="{DC3734AA-3150-D947-AC52-2F5DF48BFCD5}" type="slidenum">
+            <a:r>
               <a:rPr lang="en-US" smtClean="0"/>
-              <a:pPr>
-                <a:defRPr/>
-              </a:pPr>
-              <a:t>50</a:t>
-            </a:fld>
-            <a:endParaRPr lang="en-US" dirty="0"/>
-          </a:p>
-        </p:txBody>
-      </p:sp>
-      <p:sp>
-        <p:nvSpPr>
-          <p:cNvPr id="5" name="Header Placeholder 4"/>
-          <p:cNvSpPr>
-            <a:spLocks noGrp="1"/>
-          </p:cNvSpPr>
-          <p:nvPr>
-            <p:ph type="hdr" sz="quarter" idx="11"/>
+              <a:t>Extending Cookbooks</a:t>
+            </a:r>
+            <a:endParaRPr lang="en-US"/>
+          </a:p>
+        </p:txBody>
+      </p:sp>
+      <p:sp>
+        <p:nvSpPr>
+          <p:cNvPr id="7" name="Date Placeholder 6"/>
+          <p:cNvSpPr>
+            <a:spLocks noGrp="1"/>
+          </p:cNvSpPr>
+          <p:nvPr>
+            <p:ph type="dt" idx="13"/>
           </p:nvPr>
         </p:nvSpPr>
         <p:spPr/>
@@ -7865,29 +6821,11 @@
             <a:pPr>
               <a:defRPr/>
             </a:pPr>
-            <a:endParaRPr lang="en-US"/>
-          </a:p>
-        </p:txBody>
-      </p:sp>
-      <p:sp>
-        <p:nvSpPr>
-          <p:cNvPr id="6" name="Footer Placeholder 5"/>
-          <p:cNvSpPr>
-            <a:spLocks noGrp="1"/>
-          </p:cNvSpPr>
-          <p:nvPr>
-            <p:ph type="ftr" sz="quarter" idx="12"/>
-          </p:nvPr>
-        </p:nvSpPr>
-        <p:spPr/>
-        <p:txBody>
-          <a:bodyPr/>
-          <a:lstStyle/>
-          <a:p>
-            <a:pPr>
-              <a:defRPr/>
-            </a:pPr>
-            <a:endParaRPr lang="en-US"/>
+            <a:r>
+              <a:rPr lang="en-US" smtClean="0"/>
+              <a:t>Chef Software, Inc.</a:t>
+            </a:r>
+            <a:endParaRPr lang="en-US" dirty="0"/>
           </a:p>
         </p:txBody>
       </p:sp>
@@ -7970,12 +6908,12 @@
       </p:sp>
       <p:sp>
         <p:nvSpPr>
-          <p:cNvPr id="4" name="Slide Number Placeholder 3"/>
-          <p:cNvSpPr>
-            <a:spLocks noGrp="1"/>
-          </p:cNvSpPr>
-          <p:nvPr>
-            <p:ph type="sldNum" sz="quarter" idx="10"/>
+          <p:cNvPr id="5" name="Header Placeholder 4"/>
+          <p:cNvSpPr>
+            <a:spLocks noGrp="1"/>
+          </p:cNvSpPr>
+          <p:nvPr>
+            <p:ph type="hdr" sz="quarter" idx="11"/>
           </p:nvPr>
         </p:nvSpPr>
         <p:spPr/>
@@ -7986,25 +6924,22 @@
             <a:pPr>
               <a:defRPr/>
             </a:pPr>
-            <a:fld id="{DC3734AA-3150-D947-AC52-2F5DF48BFCD5}" type="slidenum">
+            <a:r>
               <a:rPr lang="en-US" smtClean="0"/>
-              <a:pPr>
-                <a:defRPr/>
-              </a:pPr>
-              <a:t>51</a:t>
-            </a:fld>
-            <a:endParaRPr lang="en-US" dirty="0"/>
-          </a:p>
-        </p:txBody>
-      </p:sp>
-      <p:sp>
-        <p:nvSpPr>
-          <p:cNvPr id="5" name="Header Placeholder 4"/>
-          <p:cNvSpPr>
-            <a:spLocks noGrp="1"/>
-          </p:cNvSpPr>
-          <p:nvPr>
-            <p:ph type="hdr" sz="quarter" idx="11"/>
+              <a:t>Extending Cookbooks</a:t>
+            </a:r>
+            <a:endParaRPr lang="en-US"/>
+          </a:p>
+        </p:txBody>
+      </p:sp>
+      <p:sp>
+        <p:nvSpPr>
+          <p:cNvPr id="7" name="Date Placeholder 6"/>
+          <p:cNvSpPr>
+            <a:spLocks noGrp="1"/>
+          </p:cNvSpPr>
+          <p:nvPr>
+            <p:ph type="dt" idx="13"/>
           </p:nvPr>
         </p:nvSpPr>
         <p:spPr/>
@@ -8015,29 +6950,11 @@
             <a:pPr>
               <a:defRPr/>
             </a:pPr>
-            <a:endParaRPr lang="en-US"/>
-          </a:p>
-        </p:txBody>
-      </p:sp>
-      <p:sp>
-        <p:nvSpPr>
-          <p:cNvPr id="6" name="Footer Placeholder 5"/>
-          <p:cNvSpPr>
-            <a:spLocks noGrp="1"/>
-          </p:cNvSpPr>
-          <p:nvPr>
-            <p:ph type="ftr" sz="quarter" idx="12"/>
-          </p:nvPr>
-        </p:nvSpPr>
-        <p:spPr/>
-        <p:txBody>
-          <a:bodyPr/>
-          <a:lstStyle/>
-          <a:p>
-            <a:pPr>
-              <a:defRPr/>
-            </a:pPr>
-            <a:endParaRPr lang="en-US"/>
+            <a:r>
+              <a:rPr lang="en-US" smtClean="0"/>
+              <a:t>Chef Software, Inc.</a:t>
+            </a:r>
+            <a:endParaRPr lang="en-US" dirty="0"/>
           </a:p>
         </p:txBody>
       </p:sp>
@@ -8129,12 +7046,12 @@
       </p:sp>
       <p:sp>
         <p:nvSpPr>
-          <p:cNvPr id="4" name="Slide Number Placeholder 3"/>
-          <p:cNvSpPr>
-            <a:spLocks noGrp="1"/>
-          </p:cNvSpPr>
-          <p:nvPr>
-            <p:ph type="sldNum" sz="quarter" idx="10"/>
+          <p:cNvPr id="5" name="Header Placeholder 4"/>
+          <p:cNvSpPr>
+            <a:spLocks noGrp="1"/>
+          </p:cNvSpPr>
+          <p:nvPr>
+            <p:ph type="hdr" sz="quarter" idx="11"/>
           </p:nvPr>
         </p:nvSpPr>
         <p:spPr/>
@@ -8145,25 +7062,22 @@
             <a:pPr>
               <a:defRPr/>
             </a:pPr>
-            <a:fld id="{DC3734AA-3150-D947-AC52-2F5DF48BFCD5}" type="slidenum">
+            <a:r>
               <a:rPr lang="en-US" smtClean="0"/>
-              <a:pPr>
-                <a:defRPr/>
-              </a:pPr>
-              <a:t>52</a:t>
-            </a:fld>
-            <a:endParaRPr lang="en-US" dirty="0"/>
-          </a:p>
-        </p:txBody>
-      </p:sp>
-      <p:sp>
-        <p:nvSpPr>
-          <p:cNvPr id="5" name="Header Placeholder 4"/>
-          <p:cNvSpPr>
-            <a:spLocks noGrp="1"/>
-          </p:cNvSpPr>
-          <p:nvPr>
-            <p:ph type="hdr" sz="quarter" idx="11"/>
+              <a:t>Extending Cookbooks</a:t>
+            </a:r>
+            <a:endParaRPr lang="en-US"/>
+          </a:p>
+        </p:txBody>
+      </p:sp>
+      <p:sp>
+        <p:nvSpPr>
+          <p:cNvPr id="7" name="Date Placeholder 6"/>
+          <p:cNvSpPr>
+            <a:spLocks noGrp="1"/>
+          </p:cNvSpPr>
+          <p:nvPr>
+            <p:ph type="dt" idx="13"/>
           </p:nvPr>
         </p:nvSpPr>
         <p:spPr/>
@@ -8174,29 +7088,11 @@
             <a:pPr>
               <a:defRPr/>
             </a:pPr>
-            <a:endParaRPr lang="en-US"/>
-          </a:p>
-        </p:txBody>
-      </p:sp>
-      <p:sp>
-        <p:nvSpPr>
-          <p:cNvPr id="6" name="Footer Placeholder 5"/>
-          <p:cNvSpPr>
-            <a:spLocks noGrp="1"/>
-          </p:cNvSpPr>
-          <p:nvPr>
-            <p:ph type="ftr" sz="quarter" idx="12"/>
-          </p:nvPr>
-        </p:nvSpPr>
-        <p:spPr/>
-        <p:txBody>
-          <a:bodyPr/>
-          <a:lstStyle/>
-          <a:p>
-            <a:pPr>
-              <a:defRPr/>
-            </a:pPr>
-            <a:endParaRPr lang="en-US"/>
+            <a:r>
+              <a:rPr lang="en-US" smtClean="0"/>
+              <a:t>Chef Software, Inc.</a:t>
+            </a:r>
+            <a:endParaRPr lang="en-US" dirty="0"/>
           </a:p>
         </p:txBody>
       </p:sp>
@@ -8266,12 +7162,12 @@
       </p:sp>
       <p:sp>
         <p:nvSpPr>
-          <p:cNvPr id="4" name="Slide Number Placeholder 3"/>
-          <p:cNvSpPr>
-            <a:spLocks noGrp="1"/>
-          </p:cNvSpPr>
-          <p:nvPr>
-            <p:ph type="sldNum" sz="quarter" idx="10"/>
+          <p:cNvPr id="5" name="Header Placeholder 4"/>
+          <p:cNvSpPr>
+            <a:spLocks noGrp="1"/>
+          </p:cNvSpPr>
+          <p:nvPr>
+            <p:ph type="hdr" sz="quarter" idx="11"/>
           </p:nvPr>
         </p:nvSpPr>
         <p:spPr/>
@@ -8282,25 +7178,22 @@
             <a:pPr>
               <a:defRPr/>
             </a:pPr>
-            <a:fld id="{DC3734AA-3150-D947-AC52-2F5DF48BFCD5}" type="slidenum">
+            <a:r>
               <a:rPr lang="en-US" smtClean="0"/>
-              <a:pPr>
-                <a:defRPr/>
-              </a:pPr>
-              <a:t>53</a:t>
-            </a:fld>
-            <a:endParaRPr lang="en-US" dirty="0"/>
-          </a:p>
-        </p:txBody>
-      </p:sp>
-      <p:sp>
-        <p:nvSpPr>
-          <p:cNvPr id="5" name="Header Placeholder 4"/>
-          <p:cNvSpPr>
-            <a:spLocks noGrp="1"/>
-          </p:cNvSpPr>
-          <p:nvPr>
-            <p:ph type="hdr" sz="quarter" idx="11"/>
+              <a:t>Extending Cookbooks</a:t>
+            </a:r>
+            <a:endParaRPr lang="en-US"/>
+          </a:p>
+        </p:txBody>
+      </p:sp>
+      <p:sp>
+        <p:nvSpPr>
+          <p:cNvPr id="7" name="Date Placeholder 6"/>
+          <p:cNvSpPr>
+            <a:spLocks noGrp="1"/>
+          </p:cNvSpPr>
+          <p:nvPr>
+            <p:ph type="dt" idx="13"/>
           </p:nvPr>
         </p:nvSpPr>
         <p:spPr/>
@@ -8311,29 +7204,11 @@
             <a:pPr>
               <a:defRPr/>
             </a:pPr>
-            <a:endParaRPr lang="en-US"/>
-          </a:p>
-        </p:txBody>
-      </p:sp>
-      <p:sp>
-        <p:nvSpPr>
-          <p:cNvPr id="6" name="Footer Placeholder 5"/>
-          <p:cNvSpPr>
-            <a:spLocks noGrp="1"/>
-          </p:cNvSpPr>
-          <p:nvPr>
-            <p:ph type="ftr" sz="quarter" idx="12"/>
-          </p:nvPr>
-        </p:nvSpPr>
-        <p:spPr/>
-        <p:txBody>
-          <a:bodyPr/>
-          <a:lstStyle/>
-          <a:p>
-            <a:pPr>
-              <a:defRPr/>
-            </a:pPr>
-            <a:endParaRPr lang="en-US"/>
+            <a:r>
+              <a:rPr lang="en-US" smtClean="0"/>
+              <a:t>Chef Software, Inc.</a:t>
+            </a:r>
+            <a:endParaRPr lang="en-US" dirty="0"/>
           </a:p>
         </p:txBody>
       </p:sp>
@@ -8419,12 +7294,12 @@
       </p:sp>
       <p:sp>
         <p:nvSpPr>
-          <p:cNvPr id="4" name="Slide Number Placeholder 3"/>
-          <p:cNvSpPr>
-            <a:spLocks noGrp="1"/>
-          </p:cNvSpPr>
-          <p:nvPr>
-            <p:ph type="sldNum" sz="quarter" idx="10"/>
+          <p:cNvPr id="5" name="Header Placeholder 4"/>
+          <p:cNvSpPr>
+            <a:spLocks noGrp="1"/>
+          </p:cNvSpPr>
+          <p:nvPr>
+            <p:ph type="hdr" sz="quarter" idx="11"/>
           </p:nvPr>
         </p:nvSpPr>
         <p:spPr/>
@@ -8435,25 +7310,22 @@
             <a:pPr>
               <a:defRPr/>
             </a:pPr>
-            <a:fld id="{DC3734AA-3150-D947-AC52-2F5DF48BFCD5}" type="slidenum">
+            <a:r>
               <a:rPr lang="en-US" smtClean="0"/>
-              <a:pPr>
-                <a:defRPr/>
-              </a:pPr>
-              <a:t>54</a:t>
-            </a:fld>
-            <a:endParaRPr lang="en-US" dirty="0"/>
-          </a:p>
-        </p:txBody>
-      </p:sp>
-      <p:sp>
-        <p:nvSpPr>
-          <p:cNvPr id="5" name="Header Placeholder 4"/>
-          <p:cNvSpPr>
-            <a:spLocks noGrp="1"/>
-          </p:cNvSpPr>
-          <p:nvPr>
-            <p:ph type="hdr" sz="quarter" idx="11"/>
+              <a:t>Extending Cookbooks</a:t>
+            </a:r>
+            <a:endParaRPr lang="en-US"/>
+          </a:p>
+        </p:txBody>
+      </p:sp>
+      <p:sp>
+        <p:nvSpPr>
+          <p:cNvPr id="7" name="Date Placeholder 6"/>
+          <p:cNvSpPr>
+            <a:spLocks noGrp="1"/>
+          </p:cNvSpPr>
+          <p:nvPr>
+            <p:ph type="dt" idx="13"/>
           </p:nvPr>
         </p:nvSpPr>
         <p:spPr/>
@@ -8464,29 +7336,11 @@
             <a:pPr>
               <a:defRPr/>
             </a:pPr>
-            <a:endParaRPr lang="en-US"/>
-          </a:p>
-        </p:txBody>
-      </p:sp>
-      <p:sp>
-        <p:nvSpPr>
-          <p:cNvPr id="6" name="Footer Placeholder 5"/>
-          <p:cNvSpPr>
-            <a:spLocks noGrp="1"/>
-          </p:cNvSpPr>
-          <p:nvPr>
-            <p:ph type="ftr" sz="quarter" idx="12"/>
-          </p:nvPr>
-        </p:nvSpPr>
-        <p:spPr/>
-        <p:txBody>
-          <a:bodyPr/>
-          <a:lstStyle/>
-          <a:p>
-            <a:pPr>
-              <a:defRPr/>
-            </a:pPr>
-            <a:endParaRPr lang="en-US"/>
+            <a:r>
+              <a:rPr lang="en-US" smtClean="0"/>
+              <a:t>Chef Software, Inc.</a:t>
+            </a:r>
+            <a:endParaRPr lang="en-US" dirty="0"/>
           </a:p>
         </p:txBody>
       </p:sp>
@@ -8569,12 +7423,12 @@
       </p:sp>
       <p:sp>
         <p:nvSpPr>
-          <p:cNvPr id="4" name="Slide Number Placeholder 3"/>
-          <p:cNvSpPr>
-            <a:spLocks noGrp="1"/>
-          </p:cNvSpPr>
-          <p:nvPr>
-            <p:ph type="sldNum" sz="quarter" idx="10"/>
+          <p:cNvPr id="5" name="Header Placeholder 4"/>
+          <p:cNvSpPr>
+            <a:spLocks noGrp="1"/>
+          </p:cNvSpPr>
+          <p:nvPr>
+            <p:ph type="hdr" sz="quarter" idx="11"/>
           </p:nvPr>
         </p:nvSpPr>
         <p:spPr/>
@@ -8585,25 +7439,22 @@
             <a:pPr>
               <a:defRPr/>
             </a:pPr>
-            <a:fld id="{DC3734AA-3150-D947-AC52-2F5DF48BFCD5}" type="slidenum">
+            <a:r>
               <a:rPr lang="en-US" smtClean="0"/>
-              <a:pPr>
-                <a:defRPr/>
-              </a:pPr>
-              <a:t>55</a:t>
-            </a:fld>
-            <a:endParaRPr lang="en-US" dirty="0"/>
-          </a:p>
-        </p:txBody>
-      </p:sp>
-      <p:sp>
-        <p:nvSpPr>
-          <p:cNvPr id="5" name="Header Placeholder 4"/>
-          <p:cNvSpPr>
-            <a:spLocks noGrp="1"/>
-          </p:cNvSpPr>
-          <p:nvPr>
-            <p:ph type="hdr" sz="quarter" idx="11"/>
+              <a:t>Extending Cookbooks</a:t>
+            </a:r>
+            <a:endParaRPr lang="en-US"/>
+          </a:p>
+        </p:txBody>
+      </p:sp>
+      <p:sp>
+        <p:nvSpPr>
+          <p:cNvPr id="7" name="Date Placeholder 6"/>
+          <p:cNvSpPr>
+            <a:spLocks noGrp="1"/>
+          </p:cNvSpPr>
+          <p:nvPr>
+            <p:ph type="dt" idx="13"/>
           </p:nvPr>
         </p:nvSpPr>
         <p:spPr/>
@@ -8614,29 +7465,11 @@
             <a:pPr>
               <a:defRPr/>
             </a:pPr>
-            <a:endParaRPr lang="en-US"/>
-          </a:p>
-        </p:txBody>
-      </p:sp>
-      <p:sp>
-        <p:nvSpPr>
-          <p:cNvPr id="6" name="Footer Placeholder 5"/>
-          <p:cNvSpPr>
-            <a:spLocks noGrp="1"/>
-          </p:cNvSpPr>
-          <p:nvPr>
-            <p:ph type="ftr" sz="quarter" idx="12"/>
-          </p:nvPr>
-        </p:nvSpPr>
-        <p:spPr/>
-        <p:txBody>
-          <a:bodyPr/>
-          <a:lstStyle/>
-          <a:p>
-            <a:pPr>
-              <a:defRPr/>
-            </a:pPr>
-            <a:endParaRPr lang="en-US"/>
+            <a:r>
+              <a:rPr lang="en-US" smtClean="0"/>
+              <a:t>Chef Software, Inc.</a:t>
+            </a:r>
+            <a:endParaRPr lang="en-US" dirty="0"/>
           </a:p>
         </p:txBody>
       </p:sp>
@@ -8727,12 +7560,12 @@
       </p:sp>
       <p:sp>
         <p:nvSpPr>
-          <p:cNvPr id="4" name="Slide Number Placeholder 3"/>
-          <p:cNvSpPr>
-            <a:spLocks noGrp="1"/>
-          </p:cNvSpPr>
-          <p:nvPr>
-            <p:ph type="sldNum" sz="quarter" idx="10"/>
+          <p:cNvPr id="5" name="Header Placeholder 4"/>
+          <p:cNvSpPr>
+            <a:spLocks noGrp="1"/>
+          </p:cNvSpPr>
+          <p:nvPr>
+            <p:ph type="hdr" sz="quarter" idx="11"/>
           </p:nvPr>
         </p:nvSpPr>
         <p:spPr/>
@@ -8743,25 +7576,22 @@
             <a:pPr>
               <a:defRPr/>
             </a:pPr>
-            <a:fld id="{DC3734AA-3150-D947-AC52-2F5DF48BFCD5}" type="slidenum">
+            <a:r>
               <a:rPr lang="en-US" smtClean="0"/>
-              <a:pPr>
-                <a:defRPr/>
-              </a:pPr>
-              <a:t>56</a:t>
-            </a:fld>
-            <a:endParaRPr lang="en-US" dirty="0"/>
-          </a:p>
-        </p:txBody>
-      </p:sp>
-      <p:sp>
-        <p:nvSpPr>
-          <p:cNvPr id="5" name="Header Placeholder 4"/>
-          <p:cNvSpPr>
-            <a:spLocks noGrp="1"/>
-          </p:cNvSpPr>
-          <p:nvPr>
-            <p:ph type="hdr" sz="quarter" idx="11"/>
+              <a:t>Extending Cookbooks</a:t>
+            </a:r>
+            <a:endParaRPr lang="en-US"/>
+          </a:p>
+        </p:txBody>
+      </p:sp>
+      <p:sp>
+        <p:nvSpPr>
+          <p:cNvPr id="7" name="Date Placeholder 6"/>
+          <p:cNvSpPr>
+            <a:spLocks noGrp="1"/>
+          </p:cNvSpPr>
+          <p:nvPr>
+            <p:ph type="dt" idx="13"/>
           </p:nvPr>
         </p:nvSpPr>
         <p:spPr/>
@@ -8772,29 +7602,11 @@
             <a:pPr>
               <a:defRPr/>
             </a:pPr>
-            <a:endParaRPr lang="en-US"/>
-          </a:p>
-        </p:txBody>
-      </p:sp>
-      <p:sp>
-        <p:nvSpPr>
-          <p:cNvPr id="6" name="Footer Placeholder 5"/>
-          <p:cNvSpPr>
-            <a:spLocks noGrp="1"/>
-          </p:cNvSpPr>
-          <p:nvPr>
-            <p:ph type="ftr" sz="quarter" idx="12"/>
-          </p:nvPr>
-        </p:nvSpPr>
-        <p:spPr/>
-        <p:txBody>
-          <a:bodyPr/>
-          <a:lstStyle/>
-          <a:p>
-            <a:pPr>
-              <a:defRPr/>
-            </a:pPr>
-            <a:endParaRPr lang="en-US"/>
+            <a:r>
+              <a:rPr lang="en-US" smtClean="0"/>
+              <a:t>Chef Software, Inc.</a:t>
+            </a:r>
+            <a:endParaRPr lang="en-US" dirty="0"/>
           </a:p>
         </p:txBody>
       </p:sp>
@@ -8869,12 +7681,12 @@
       </p:sp>
       <p:sp>
         <p:nvSpPr>
-          <p:cNvPr id="4" name="Slide Number Placeholder 3"/>
-          <p:cNvSpPr>
-            <a:spLocks noGrp="1"/>
-          </p:cNvSpPr>
-          <p:nvPr>
-            <p:ph type="sldNum" sz="quarter" idx="10"/>
+          <p:cNvPr id="5" name="Header Placeholder 4"/>
+          <p:cNvSpPr>
+            <a:spLocks noGrp="1"/>
+          </p:cNvSpPr>
+          <p:nvPr>
+            <p:ph type="hdr" sz="quarter" idx="11"/>
           </p:nvPr>
         </p:nvSpPr>
         <p:spPr/>
@@ -8885,25 +7697,22 @@
             <a:pPr>
               <a:defRPr/>
             </a:pPr>
-            <a:fld id="{DC3734AA-3150-D947-AC52-2F5DF48BFCD5}" type="slidenum">
+            <a:r>
               <a:rPr lang="en-US" smtClean="0"/>
-              <a:pPr>
-                <a:defRPr/>
-              </a:pPr>
-              <a:t>57</a:t>
-            </a:fld>
-            <a:endParaRPr lang="en-US" dirty="0"/>
-          </a:p>
-        </p:txBody>
-      </p:sp>
-      <p:sp>
-        <p:nvSpPr>
-          <p:cNvPr id="5" name="Header Placeholder 4"/>
-          <p:cNvSpPr>
-            <a:spLocks noGrp="1"/>
-          </p:cNvSpPr>
-          <p:nvPr>
-            <p:ph type="hdr" sz="quarter" idx="11"/>
+              <a:t>Extending Cookbooks</a:t>
+            </a:r>
+            <a:endParaRPr lang="en-US"/>
+          </a:p>
+        </p:txBody>
+      </p:sp>
+      <p:sp>
+        <p:nvSpPr>
+          <p:cNvPr id="7" name="Date Placeholder 6"/>
+          <p:cNvSpPr>
+            <a:spLocks noGrp="1"/>
+          </p:cNvSpPr>
+          <p:nvPr>
+            <p:ph type="dt" idx="13"/>
           </p:nvPr>
         </p:nvSpPr>
         <p:spPr/>
@@ -8914,29 +7723,11 @@
             <a:pPr>
               <a:defRPr/>
             </a:pPr>
-            <a:endParaRPr lang="en-US"/>
-          </a:p>
-        </p:txBody>
-      </p:sp>
-      <p:sp>
-        <p:nvSpPr>
-          <p:cNvPr id="6" name="Footer Placeholder 5"/>
-          <p:cNvSpPr>
-            <a:spLocks noGrp="1"/>
-          </p:cNvSpPr>
-          <p:nvPr>
-            <p:ph type="ftr" sz="quarter" idx="12"/>
-          </p:nvPr>
-        </p:nvSpPr>
-        <p:spPr/>
-        <p:txBody>
-          <a:bodyPr/>
-          <a:lstStyle/>
-          <a:p>
-            <a:pPr>
-              <a:defRPr/>
-            </a:pPr>
-            <a:endParaRPr lang="en-US"/>
+            <a:r>
+              <a:rPr lang="en-US" smtClean="0"/>
+              <a:t>Chef Software, Inc.</a:t>
+            </a:r>
+            <a:endParaRPr lang="en-US" dirty="0"/>
           </a:p>
         </p:txBody>
       </p:sp>
@@ -9011,12 +7802,12 @@
       </p:sp>
       <p:sp>
         <p:nvSpPr>
-          <p:cNvPr id="4" name="Slide Number Placeholder 3"/>
-          <p:cNvSpPr>
-            <a:spLocks noGrp="1"/>
-          </p:cNvSpPr>
-          <p:nvPr>
-            <p:ph type="sldNum" sz="quarter" idx="10"/>
+          <p:cNvPr id="5" name="Header Placeholder 4"/>
+          <p:cNvSpPr>
+            <a:spLocks noGrp="1"/>
+          </p:cNvSpPr>
+          <p:nvPr>
+            <p:ph type="hdr" sz="quarter" idx="11"/>
           </p:nvPr>
         </p:nvSpPr>
         <p:spPr/>
@@ -9027,25 +7818,22 @@
             <a:pPr>
               <a:defRPr/>
             </a:pPr>
-            <a:fld id="{DC3734AA-3150-D947-AC52-2F5DF48BFCD5}" type="slidenum">
+            <a:r>
               <a:rPr lang="en-US" smtClean="0"/>
-              <a:pPr>
-                <a:defRPr/>
-              </a:pPr>
-              <a:t>58</a:t>
-            </a:fld>
-            <a:endParaRPr lang="en-US" dirty="0"/>
-          </a:p>
-        </p:txBody>
-      </p:sp>
-      <p:sp>
-        <p:nvSpPr>
-          <p:cNvPr id="5" name="Header Placeholder 4"/>
-          <p:cNvSpPr>
-            <a:spLocks noGrp="1"/>
-          </p:cNvSpPr>
-          <p:nvPr>
-            <p:ph type="hdr" sz="quarter" idx="11"/>
+              <a:t>Extending Cookbooks</a:t>
+            </a:r>
+            <a:endParaRPr lang="en-US"/>
+          </a:p>
+        </p:txBody>
+      </p:sp>
+      <p:sp>
+        <p:nvSpPr>
+          <p:cNvPr id="7" name="Date Placeholder 6"/>
+          <p:cNvSpPr>
+            <a:spLocks noGrp="1"/>
+          </p:cNvSpPr>
+          <p:nvPr>
+            <p:ph type="dt" idx="13"/>
           </p:nvPr>
         </p:nvSpPr>
         <p:spPr/>
@@ -9056,29 +7844,11 @@
             <a:pPr>
               <a:defRPr/>
             </a:pPr>
-            <a:endParaRPr lang="en-US"/>
-          </a:p>
-        </p:txBody>
-      </p:sp>
-      <p:sp>
-        <p:nvSpPr>
-          <p:cNvPr id="6" name="Footer Placeholder 5"/>
-          <p:cNvSpPr>
-            <a:spLocks noGrp="1"/>
-          </p:cNvSpPr>
-          <p:nvPr>
-            <p:ph type="ftr" sz="quarter" idx="12"/>
-          </p:nvPr>
-        </p:nvSpPr>
-        <p:spPr/>
-        <p:txBody>
-          <a:bodyPr/>
-          <a:lstStyle/>
-          <a:p>
-            <a:pPr>
-              <a:defRPr/>
-            </a:pPr>
-            <a:endParaRPr lang="en-US"/>
+            <a:r>
+              <a:rPr lang="en-US" smtClean="0"/>
+              <a:t>Chef Software, Inc.</a:t>
+            </a:r>
+            <a:endParaRPr lang="en-US" dirty="0"/>
           </a:p>
         </p:txBody>
       </p:sp>
@@ -9153,12 +7923,12 @@
       </p:sp>
       <p:sp>
         <p:nvSpPr>
-          <p:cNvPr id="4" name="Slide Number Placeholder 3"/>
-          <p:cNvSpPr>
-            <a:spLocks noGrp="1"/>
-          </p:cNvSpPr>
-          <p:nvPr>
-            <p:ph type="sldNum" sz="quarter" idx="10"/>
+          <p:cNvPr id="5" name="Header Placeholder 4"/>
+          <p:cNvSpPr>
+            <a:spLocks noGrp="1"/>
+          </p:cNvSpPr>
+          <p:nvPr>
+            <p:ph type="hdr" sz="quarter" idx="11"/>
           </p:nvPr>
         </p:nvSpPr>
         <p:spPr/>
@@ -9169,25 +7939,22 @@
             <a:pPr>
               <a:defRPr/>
             </a:pPr>
-            <a:fld id="{DC3734AA-3150-D947-AC52-2F5DF48BFCD5}" type="slidenum">
+            <a:r>
               <a:rPr lang="en-US" smtClean="0"/>
-              <a:pPr>
-                <a:defRPr/>
-              </a:pPr>
-              <a:t>59</a:t>
-            </a:fld>
-            <a:endParaRPr lang="en-US" dirty="0"/>
-          </a:p>
-        </p:txBody>
-      </p:sp>
-      <p:sp>
-        <p:nvSpPr>
-          <p:cNvPr id="5" name="Header Placeholder 4"/>
-          <p:cNvSpPr>
-            <a:spLocks noGrp="1"/>
-          </p:cNvSpPr>
-          <p:nvPr>
-            <p:ph type="hdr" sz="quarter" idx="11"/>
+              <a:t>Extending Cookbooks</a:t>
+            </a:r>
+            <a:endParaRPr lang="en-US"/>
+          </a:p>
+        </p:txBody>
+      </p:sp>
+      <p:sp>
+        <p:nvSpPr>
+          <p:cNvPr id="7" name="Date Placeholder 6"/>
+          <p:cNvSpPr>
+            <a:spLocks noGrp="1"/>
+          </p:cNvSpPr>
+          <p:nvPr>
+            <p:ph type="dt" idx="13"/>
           </p:nvPr>
         </p:nvSpPr>
         <p:spPr/>
@@ -9198,29 +7965,11 @@
             <a:pPr>
               <a:defRPr/>
             </a:pPr>
-            <a:endParaRPr lang="en-US"/>
-          </a:p>
-        </p:txBody>
-      </p:sp>
-      <p:sp>
-        <p:nvSpPr>
-          <p:cNvPr id="6" name="Footer Placeholder 5"/>
-          <p:cNvSpPr>
-            <a:spLocks noGrp="1"/>
-          </p:cNvSpPr>
-          <p:nvPr>
-            <p:ph type="ftr" sz="quarter" idx="12"/>
-          </p:nvPr>
-        </p:nvSpPr>
-        <p:spPr/>
-        <p:txBody>
-          <a:bodyPr/>
-          <a:lstStyle/>
-          <a:p>
-            <a:pPr>
-              <a:defRPr/>
-            </a:pPr>
-            <a:endParaRPr lang="en-US"/>
+            <a:r>
+              <a:rPr lang="en-US" smtClean="0"/>
+              <a:t>Chef Software, Inc.</a:t>
+            </a:r>
+            <a:endParaRPr lang="en-US" dirty="0"/>
           </a:p>
         </p:txBody>
       </p:sp>
@@ -9295,12 +8044,12 @@
       </p:sp>
       <p:sp>
         <p:nvSpPr>
-          <p:cNvPr id="4" name="Slide Number Placeholder 3"/>
-          <p:cNvSpPr>
-            <a:spLocks noGrp="1"/>
-          </p:cNvSpPr>
-          <p:nvPr>
-            <p:ph type="sldNum" sz="quarter" idx="10"/>
+          <p:cNvPr id="5" name="Header Placeholder 4"/>
+          <p:cNvSpPr>
+            <a:spLocks noGrp="1"/>
+          </p:cNvSpPr>
+          <p:nvPr>
+            <p:ph type="hdr" sz="quarter" idx="11"/>
           </p:nvPr>
         </p:nvSpPr>
         <p:spPr/>
@@ -9311,25 +8060,22 @@
             <a:pPr>
               <a:defRPr/>
             </a:pPr>
-            <a:fld id="{DC3734AA-3150-D947-AC52-2F5DF48BFCD5}" type="slidenum">
+            <a:r>
               <a:rPr lang="en-US" smtClean="0"/>
-              <a:pPr>
-                <a:defRPr/>
-              </a:pPr>
-              <a:t>6</a:t>
-            </a:fld>
-            <a:endParaRPr lang="en-US" dirty="0"/>
-          </a:p>
-        </p:txBody>
-      </p:sp>
-      <p:sp>
-        <p:nvSpPr>
-          <p:cNvPr id="5" name="Header Placeholder 4"/>
-          <p:cNvSpPr>
-            <a:spLocks noGrp="1"/>
-          </p:cNvSpPr>
-          <p:nvPr>
-            <p:ph type="hdr" sz="quarter" idx="11"/>
+              <a:t>Extending Cookbooks</a:t>
+            </a:r>
+            <a:endParaRPr lang="en-US"/>
+          </a:p>
+        </p:txBody>
+      </p:sp>
+      <p:sp>
+        <p:nvSpPr>
+          <p:cNvPr id="7" name="Date Placeholder 6"/>
+          <p:cNvSpPr>
+            <a:spLocks noGrp="1"/>
+          </p:cNvSpPr>
+          <p:nvPr>
+            <p:ph type="dt" idx="13"/>
           </p:nvPr>
         </p:nvSpPr>
         <p:spPr/>
@@ -9340,29 +8086,11 @@
             <a:pPr>
               <a:defRPr/>
             </a:pPr>
-            <a:endParaRPr lang="en-US"/>
-          </a:p>
-        </p:txBody>
-      </p:sp>
-      <p:sp>
-        <p:nvSpPr>
-          <p:cNvPr id="6" name="Footer Placeholder 5"/>
-          <p:cNvSpPr>
-            <a:spLocks noGrp="1"/>
-          </p:cNvSpPr>
-          <p:nvPr>
-            <p:ph type="ftr" sz="quarter" idx="12"/>
-          </p:nvPr>
-        </p:nvSpPr>
-        <p:spPr/>
-        <p:txBody>
-          <a:bodyPr/>
-          <a:lstStyle/>
-          <a:p>
-            <a:pPr>
-              <a:defRPr/>
-            </a:pPr>
-            <a:endParaRPr lang="en-US"/>
+            <a:r>
+              <a:rPr lang="en-US" smtClean="0"/>
+              <a:t>Chef Software, Inc.</a:t>
+            </a:r>
+            <a:endParaRPr lang="en-US" dirty="0"/>
           </a:p>
         </p:txBody>
       </p:sp>
@@ -9437,12 +8165,12 @@
       </p:sp>
       <p:sp>
         <p:nvSpPr>
-          <p:cNvPr id="4" name="Slide Number Placeholder 3"/>
-          <p:cNvSpPr>
-            <a:spLocks noGrp="1"/>
-          </p:cNvSpPr>
-          <p:nvPr>
-            <p:ph type="sldNum" sz="quarter" idx="10"/>
+          <p:cNvPr id="5" name="Header Placeholder 4"/>
+          <p:cNvSpPr>
+            <a:spLocks noGrp="1"/>
+          </p:cNvSpPr>
+          <p:nvPr>
+            <p:ph type="hdr" sz="quarter" idx="11"/>
           </p:nvPr>
         </p:nvSpPr>
         <p:spPr/>
@@ -9453,25 +8181,22 @@
             <a:pPr>
               <a:defRPr/>
             </a:pPr>
-            <a:fld id="{DC3734AA-3150-D947-AC52-2F5DF48BFCD5}" type="slidenum">
+            <a:r>
               <a:rPr lang="en-US" smtClean="0"/>
-              <a:pPr>
-                <a:defRPr/>
-              </a:pPr>
-              <a:t>60</a:t>
-            </a:fld>
-            <a:endParaRPr lang="en-US" dirty="0"/>
-          </a:p>
-        </p:txBody>
-      </p:sp>
-      <p:sp>
-        <p:nvSpPr>
-          <p:cNvPr id="5" name="Header Placeholder 4"/>
-          <p:cNvSpPr>
-            <a:spLocks noGrp="1"/>
-          </p:cNvSpPr>
-          <p:nvPr>
-            <p:ph type="hdr" sz="quarter" idx="11"/>
+              <a:t>Extending Cookbooks</a:t>
+            </a:r>
+            <a:endParaRPr lang="en-US"/>
+          </a:p>
+        </p:txBody>
+      </p:sp>
+      <p:sp>
+        <p:nvSpPr>
+          <p:cNvPr id="7" name="Date Placeholder 6"/>
+          <p:cNvSpPr>
+            <a:spLocks noGrp="1"/>
+          </p:cNvSpPr>
+          <p:nvPr>
+            <p:ph type="dt" idx="13"/>
           </p:nvPr>
         </p:nvSpPr>
         <p:spPr/>
@@ -9482,29 +8207,11 @@
             <a:pPr>
               <a:defRPr/>
             </a:pPr>
-            <a:endParaRPr lang="en-US"/>
-          </a:p>
-        </p:txBody>
-      </p:sp>
-      <p:sp>
-        <p:nvSpPr>
-          <p:cNvPr id="6" name="Footer Placeholder 5"/>
-          <p:cNvSpPr>
-            <a:spLocks noGrp="1"/>
-          </p:cNvSpPr>
-          <p:nvPr>
-            <p:ph type="ftr" sz="quarter" idx="12"/>
-          </p:nvPr>
-        </p:nvSpPr>
-        <p:spPr/>
-        <p:txBody>
-          <a:bodyPr/>
-          <a:lstStyle/>
-          <a:p>
-            <a:pPr>
-              <a:defRPr/>
-            </a:pPr>
-            <a:endParaRPr lang="en-US"/>
+            <a:r>
+              <a:rPr lang="en-US" smtClean="0"/>
+              <a:t>Chef Software, Inc.</a:t>
+            </a:r>
+            <a:endParaRPr lang="en-US" dirty="0"/>
           </a:p>
         </p:txBody>
       </p:sp>
@@ -9579,12 +8286,12 @@
       </p:sp>
       <p:sp>
         <p:nvSpPr>
-          <p:cNvPr id="4" name="Slide Number Placeholder 3"/>
-          <p:cNvSpPr>
-            <a:spLocks noGrp="1"/>
-          </p:cNvSpPr>
-          <p:nvPr>
-            <p:ph type="sldNum" sz="quarter" idx="10"/>
+          <p:cNvPr id="5" name="Header Placeholder 4"/>
+          <p:cNvSpPr>
+            <a:spLocks noGrp="1"/>
+          </p:cNvSpPr>
+          <p:nvPr>
+            <p:ph type="hdr" sz="quarter" idx="11"/>
           </p:nvPr>
         </p:nvSpPr>
         <p:spPr/>
@@ -9595,25 +8302,22 @@
             <a:pPr>
               <a:defRPr/>
             </a:pPr>
-            <a:fld id="{DC3734AA-3150-D947-AC52-2F5DF48BFCD5}" type="slidenum">
+            <a:r>
               <a:rPr lang="en-US" smtClean="0"/>
-              <a:pPr>
-                <a:defRPr/>
-              </a:pPr>
-              <a:t>61</a:t>
-            </a:fld>
-            <a:endParaRPr lang="en-US" dirty="0"/>
-          </a:p>
-        </p:txBody>
-      </p:sp>
-      <p:sp>
-        <p:nvSpPr>
-          <p:cNvPr id="5" name="Header Placeholder 4"/>
-          <p:cNvSpPr>
-            <a:spLocks noGrp="1"/>
-          </p:cNvSpPr>
-          <p:nvPr>
-            <p:ph type="hdr" sz="quarter" idx="11"/>
+              <a:t>Extending Cookbooks</a:t>
+            </a:r>
+            <a:endParaRPr lang="en-US"/>
+          </a:p>
+        </p:txBody>
+      </p:sp>
+      <p:sp>
+        <p:nvSpPr>
+          <p:cNvPr id="7" name="Date Placeholder 6"/>
+          <p:cNvSpPr>
+            <a:spLocks noGrp="1"/>
+          </p:cNvSpPr>
+          <p:nvPr>
+            <p:ph type="dt" idx="13"/>
           </p:nvPr>
         </p:nvSpPr>
         <p:spPr/>
@@ -9624,29 +8328,11 @@
             <a:pPr>
               <a:defRPr/>
             </a:pPr>
-            <a:endParaRPr lang="en-US"/>
-          </a:p>
-        </p:txBody>
-      </p:sp>
-      <p:sp>
-        <p:nvSpPr>
-          <p:cNvPr id="6" name="Footer Placeholder 5"/>
-          <p:cNvSpPr>
-            <a:spLocks noGrp="1"/>
-          </p:cNvSpPr>
-          <p:nvPr>
-            <p:ph type="ftr" sz="quarter" idx="12"/>
-          </p:nvPr>
-        </p:nvSpPr>
-        <p:spPr/>
-        <p:txBody>
-          <a:bodyPr/>
-          <a:lstStyle/>
-          <a:p>
-            <a:pPr>
-              <a:defRPr/>
-            </a:pPr>
-            <a:endParaRPr lang="en-US"/>
+            <a:r>
+              <a:rPr lang="en-US" smtClean="0"/>
+              <a:t>Chef Software, Inc.</a:t>
+            </a:r>
+            <a:endParaRPr lang="en-US" dirty="0"/>
           </a:p>
         </p:txBody>
       </p:sp>
@@ -9713,11 +8399,7 @@
             </a:r>
             <a:r>
               <a:rPr lang="en-US" baseline="0" dirty="0" smtClean="0"/>
-              <a:t> file resource has now been removed and we are creating a new apache virtual host on port 80 for our users' site. We have also updated all the expectations to correctly verify the state of the run list. Finally we also updated the tests that were executed on the virtual </a:t>
-            </a:r>
-            <a:r>
-              <a:rPr lang="en-US" baseline="0" dirty="0" smtClean="0"/>
-              <a:t>machine</a:t>
+              <a:t> file resource has now been removed and we are creating a new apache virtual host on port 80 for our users' site. We have also updated all the expectations to correctly verify the state of the run list. Finally we also updated the tests that were executed on the virtual machine</a:t>
             </a:r>
           </a:p>
           <a:p>
@@ -9743,18 +8425,17 @@
               <a:rPr lang="en-US" baseline="0" dirty="0" smtClean="0"/>
               <a:t>.</a:t>
             </a:r>
-            <a:endParaRPr lang="en-US" baseline="0" dirty="0" smtClean="0"/>
-          </a:p>
-        </p:txBody>
-      </p:sp>
-      <p:sp>
-        <p:nvSpPr>
-          <p:cNvPr id="4" name="Slide Number Placeholder 3"/>
-          <p:cNvSpPr>
-            <a:spLocks noGrp="1"/>
-          </p:cNvSpPr>
-          <p:nvPr>
-            <p:ph type="sldNum" sz="quarter" idx="10"/>
+          </a:p>
+        </p:txBody>
+      </p:sp>
+      <p:sp>
+        <p:nvSpPr>
+          <p:cNvPr id="5" name="Header Placeholder 4"/>
+          <p:cNvSpPr>
+            <a:spLocks noGrp="1"/>
+          </p:cNvSpPr>
+          <p:nvPr>
+            <p:ph type="hdr" sz="quarter" idx="11"/>
           </p:nvPr>
         </p:nvSpPr>
         <p:spPr/>
@@ -9765,25 +8446,22 @@
             <a:pPr>
               <a:defRPr/>
             </a:pPr>
-            <a:fld id="{DC3734AA-3150-D947-AC52-2F5DF48BFCD5}" type="slidenum">
+            <a:r>
               <a:rPr lang="en-US" smtClean="0"/>
-              <a:pPr>
-                <a:defRPr/>
-              </a:pPr>
-              <a:t>62</a:t>
-            </a:fld>
-            <a:endParaRPr lang="en-US" dirty="0"/>
-          </a:p>
-        </p:txBody>
-      </p:sp>
-      <p:sp>
-        <p:nvSpPr>
-          <p:cNvPr id="5" name="Header Placeholder 4"/>
-          <p:cNvSpPr>
-            <a:spLocks noGrp="1"/>
-          </p:cNvSpPr>
-          <p:nvPr>
-            <p:ph type="hdr" sz="quarter" idx="11"/>
+              <a:t>Extending Cookbooks</a:t>
+            </a:r>
+            <a:endParaRPr lang="en-US"/>
+          </a:p>
+        </p:txBody>
+      </p:sp>
+      <p:sp>
+        <p:nvSpPr>
+          <p:cNvPr id="7" name="Date Placeholder 6"/>
+          <p:cNvSpPr>
+            <a:spLocks noGrp="1"/>
+          </p:cNvSpPr>
+          <p:nvPr>
+            <p:ph type="dt" idx="13"/>
           </p:nvPr>
         </p:nvSpPr>
         <p:spPr/>
@@ -9794,29 +8472,11 @@
             <a:pPr>
               <a:defRPr/>
             </a:pPr>
-            <a:endParaRPr lang="en-US"/>
-          </a:p>
-        </p:txBody>
-      </p:sp>
-      <p:sp>
-        <p:nvSpPr>
-          <p:cNvPr id="6" name="Footer Placeholder 5"/>
-          <p:cNvSpPr>
-            <a:spLocks noGrp="1"/>
-          </p:cNvSpPr>
-          <p:nvPr>
-            <p:ph type="ftr" sz="quarter" idx="12"/>
-          </p:nvPr>
-        </p:nvSpPr>
-        <p:spPr/>
-        <p:txBody>
-          <a:bodyPr/>
-          <a:lstStyle/>
-          <a:p>
-            <a:pPr>
-              <a:defRPr/>
-            </a:pPr>
-            <a:endParaRPr lang="en-US"/>
+            <a:r>
+              <a:rPr lang="en-US" smtClean="0"/>
+              <a:t>Chef Software, Inc.</a:t>
+            </a:r>
+            <a:endParaRPr lang="en-US" dirty="0"/>
           </a:p>
         </p:txBody>
       </p:sp>
@@ -9986,12 +8646,12 @@
       </p:sp>
       <p:sp>
         <p:nvSpPr>
-          <p:cNvPr id="4" name="Slide Number Placeholder 3"/>
-          <p:cNvSpPr>
-            <a:spLocks noGrp="1"/>
-          </p:cNvSpPr>
-          <p:nvPr>
-            <p:ph type="sldNum" sz="quarter" idx="10"/>
+          <p:cNvPr id="5" name="Header Placeholder 4"/>
+          <p:cNvSpPr>
+            <a:spLocks noGrp="1"/>
+          </p:cNvSpPr>
+          <p:nvPr>
+            <p:ph type="hdr" sz="quarter" idx="11"/>
           </p:nvPr>
         </p:nvSpPr>
         <p:spPr/>
@@ -10002,25 +8662,22 @@
             <a:pPr>
               <a:defRPr/>
             </a:pPr>
-            <a:fld id="{DC3734AA-3150-D947-AC52-2F5DF48BFCD5}" type="slidenum">
+            <a:r>
               <a:rPr lang="en-US" smtClean="0"/>
-              <a:pPr>
-                <a:defRPr/>
-              </a:pPr>
-              <a:t>63</a:t>
-            </a:fld>
-            <a:endParaRPr lang="en-US" dirty="0"/>
-          </a:p>
-        </p:txBody>
-      </p:sp>
-      <p:sp>
-        <p:nvSpPr>
-          <p:cNvPr id="5" name="Header Placeholder 4"/>
-          <p:cNvSpPr>
-            <a:spLocks noGrp="1"/>
-          </p:cNvSpPr>
-          <p:nvPr>
-            <p:ph type="hdr" sz="quarter" idx="11"/>
+              <a:t>Extending Cookbooks</a:t>
+            </a:r>
+            <a:endParaRPr lang="en-US"/>
+          </a:p>
+        </p:txBody>
+      </p:sp>
+      <p:sp>
+        <p:nvSpPr>
+          <p:cNvPr id="7" name="Date Placeholder 6"/>
+          <p:cNvSpPr>
+            <a:spLocks noGrp="1"/>
+          </p:cNvSpPr>
+          <p:nvPr>
+            <p:ph type="dt" idx="13"/>
           </p:nvPr>
         </p:nvSpPr>
         <p:spPr/>
@@ -10031,29 +8688,11 @@
             <a:pPr>
               <a:defRPr/>
             </a:pPr>
-            <a:endParaRPr lang="en-US"/>
-          </a:p>
-        </p:txBody>
-      </p:sp>
-      <p:sp>
-        <p:nvSpPr>
-          <p:cNvPr id="6" name="Footer Placeholder 5"/>
-          <p:cNvSpPr>
-            <a:spLocks noGrp="1"/>
-          </p:cNvSpPr>
-          <p:nvPr>
-            <p:ph type="ftr" sz="quarter" idx="12"/>
-          </p:nvPr>
-        </p:nvSpPr>
-        <p:spPr/>
-        <p:txBody>
-          <a:bodyPr/>
-          <a:lstStyle/>
-          <a:p>
-            <a:pPr>
-              <a:defRPr/>
-            </a:pPr>
-            <a:endParaRPr lang="en-US"/>
+            <a:r>
+              <a:rPr lang="en-US" smtClean="0"/>
+              <a:t>Chef Software, Inc.</a:t>
+            </a:r>
+            <a:endParaRPr lang="en-US" dirty="0"/>
           </a:p>
         </p:txBody>
       </p:sp>
@@ -10124,12 +8763,12 @@
       </p:sp>
       <p:sp>
         <p:nvSpPr>
-          <p:cNvPr id="4" name="Slide Number Placeholder 3"/>
-          <p:cNvSpPr>
-            <a:spLocks noGrp="1"/>
-          </p:cNvSpPr>
-          <p:nvPr>
-            <p:ph type="sldNum" sz="quarter" idx="10"/>
+          <p:cNvPr id="5" name="Header Placeholder 4"/>
+          <p:cNvSpPr>
+            <a:spLocks noGrp="1"/>
+          </p:cNvSpPr>
+          <p:nvPr>
+            <p:ph type="hdr" sz="quarter" idx="11"/>
           </p:nvPr>
         </p:nvSpPr>
         <p:spPr/>
@@ -10140,25 +8779,22 @@
             <a:pPr>
               <a:defRPr/>
             </a:pPr>
-            <a:fld id="{DC3734AA-3150-D947-AC52-2F5DF48BFCD5}" type="slidenum">
+            <a:r>
               <a:rPr lang="en-US" smtClean="0"/>
-              <a:pPr>
-                <a:defRPr/>
-              </a:pPr>
-              <a:t>64</a:t>
-            </a:fld>
-            <a:endParaRPr lang="en-US" dirty="0"/>
-          </a:p>
-        </p:txBody>
-      </p:sp>
-      <p:sp>
-        <p:nvSpPr>
-          <p:cNvPr id="5" name="Header Placeholder 4"/>
-          <p:cNvSpPr>
-            <a:spLocks noGrp="1"/>
-          </p:cNvSpPr>
-          <p:nvPr>
-            <p:ph type="hdr" sz="quarter" idx="11"/>
+              <a:t>Extending Cookbooks</a:t>
+            </a:r>
+            <a:endParaRPr lang="en-US"/>
+          </a:p>
+        </p:txBody>
+      </p:sp>
+      <p:sp>
+        <p:nvSpPr>
+          <p:cNvPr id="7" name="Date Placeholder 6"/>
+          <p:cNvSpPr>
+            <a:spLocks noGrp="1"/>
+          </p:cNvSpPr>
+          <p:nvPr>
+            <p:ph type="dt" idx="13"/>
           </p:nvPr>
         </p:nvSpPr>
         <p:spPr/>
@@ -10169,29 +8805,11 @@
             <a:pPr>
               <a:defRPr/>
             </a:pPr>
-            <a:endParaRPr lang="en-US"/>
-          </a:p>
-        </p:txBody>
-      </p:sp>
-      <p:sp>
-        <p:nvSpPr>
-          <p:cNvPr id="6" name="Footer Placeholder 5"/>
-          <p:cNvSpPr>
-            <a:spLocks noGrp="1"/>
-          </p:cNvSpPr>
-          <p:nvPr>
-            <p:ph type="ftr" sz="quarter" idx="12"/>
-          </p:nvPr>
-        </p:nvSpPr>
-        <p:spPr/>
-        <p:txBody>
-          <a:bodyPr/>
-          <a:lstStyle/>
-          <a:p>
-            <a:pPr>
-              <a:defRPr/>
-            </a:pPr>
-            <a:endParaRPr lang="en-US"/>
+            <a:r>
+              <a:rPr lang="en-US" smtClean="0"/>
+              <a:t>Chef Software, Inc.</a:t>
+            </a:r>
+            <a:endParaRPr lang="en-US" dirty="0"/>
           </a:p>
         </p:txBody>
       </p:sp>
@@ -10266,12 +8884,12 @@
       </p:sp>
       <p:sp>
         <p:nvSpPr>
-          <p:cNvPr id="4" name="Slide Number Placeholder 3"/>
-          <p:cNvSpPr>
-            <a:spLocks noGrp="1"/>
-          </p:cNvSpPr>
-          <p:nvPr>
-            <p:ph type="sldNum" sz="quarter" idx="10"/>
+          <p:cNvPr id="5" name="Header Placeholder 4"/>
+          <p:cNvSpPr>
+            <a:spLocks noGrp="1"/>
+          </p:cNvSpPr>
+          <p:nvPr>
+            <p:ph type="hdr" sz="quarter" idx="11"/>
           </p:nvPr>
         </p:nvSpPr>
         <p:spPr/>
@@ -10282,25 +8900,22 @@
             <a:pPr>
               <a:defRPr/>
             </a:pPr>
-            <a:fld id="{DC3734AA-3150-D947-AC52-2F5DF48BFCD5}" type="slidenum">
+            <a:r>
               <a:rPr lang="en-US" smtClean="0"/>
-              <a:pPr>
-                <a:defRPr/>
-              </a:pPr>
-              <a:t>7</a:t>
-            </a:fld>
-            <a:endParaRPr lang="en-US" dirty="0"/>
-          </a:p>
-        </p:txBody>
-      </p:sp>
-      <p:sp>
-        <p:nvSpPr>
-          <p:cNvPr id="5" name="Header Placeholder 4"/>
-          <p:cNvSpPr>
-            <a:spLocks noGrp="1"/>
-          </p:cNvSpPr>
-          <p:nvPr>
-            <p:ph type="hdr" sz="quarter" idx="11"/>
+              <a:t>Extending Cookbooks</a:t>
+            </a:r>
+            <a:endParaRPr lang="en-US"/>
+          </a:p>
+        </p:txBody>
+      </p:sp>
+      <p:sp>
+        <p:nvSpPr>
+          <p:cNvPr id="7" name="Date Placeholder 6"/>
+          <p:cNvSpPr>
+            <a:spLocks noGrp="1"/>
+          </p:cNvSpPr>
+          <p:nvPr>
+            <p:ph type="dt" idx="13"/>
           </p:nvPr>
         </p:nvSpPr>
         <p:spPr/>
@@ -10311,29 +8926,11 @@
             <a:pPr>
               <a:defRPr/>
             </a:pPr>
-            <a:endParaRPr lang="en-US"/>
-          </a:p>
-        </p:txBody>
-      </p:sp>
-      <p:sp>
-        <p:nvSpPr>
-          <p:cNvPr id="6" name="Footer Placeholder 5"/>
-          <p:cNvSpPr>
-            <a:spLocks noGrp="1"/>
-          </p:cNvSpPr>
-          <p:nvPr>
-            <p:ph type="ftr" sz="quarter" idx="12"/>
-          </p:nvPr>
-        </p:nvSpPr>
-        <p:spPr/>
-        <p:txBody>
-          <a:bodyPr/>
-          <a:lstStyle/>
-          <a:p>
-            <a:pPr>
-              <a:defRPr/>
-            </a:pPr>
-            <a:endParaRPr lang="en-US"/>
+            <a:r>
+              <a:rPr lang="en-US" smtClean="0"/>
+              <a:t>Chef Software, Inc.</a:t>
+            </a:r>
+            <a:endParaRPr lang="en-US" dirty="0"/>
           </a:p>
         </p:txBody>
       </p:sp>
@@ -10408,12 +9005,12 @@
       </p:sp>
       <p:sp>
         <p:nvSpPr>
-          <p:cNvPr id="4" name="Slide Number Placeholder 3"/>
-          <p:cNvSpPr>
-            <a:spLocks noGrp="1"/>
-          </p:cNvSpPr>
-          <p:nvPr>
-            <p:ph type="sldNum" sz="quarter" idx="10"/>
+          <p:cNvPr id="5" name="Header Placeholder 4"/>
+          <p:cNvSpPr>
+            <a:spLocks noGrp="1"/>
+          </p:cNvSpPr>
+          <p:nvPr>
+            <p:ph type="hdr" sz="quarter" idx="11"/>
           </p:nvPr>
         </p:nvSpPr>
         <p:spPr/>
@@ -10424,25 +9021,22 @@
             <a:pPr>
               <a:defRPr/>
             </a:pPr>
-            <a:fld id="{DC3734AA-3150-D947-AC52-2F5DF48BFCD5}" type="slidenum">
+            <a:r>
               <a:rPr lang="en-US" smtClean="0"/>
-              <a:pPr>
-                <a:defRPr/>
-              </a:pPr>
-              <a:t>8</a:t>
-            </a:fld>
-            <a:endParaRPr lang="en-US" dirty="0"/>
-          </a:p>
-        </p:txBody>
-      </p:sp>
-      <p:sp>
-        <p:nvSpPr>
-          <p:cNvPr id="5" name="Header Placeholder 4"/>
-          <p:cNvSpPr>
-            <a:spLocks noGrp="1"/>
-          </p:cNvSpPr>
-          <p:nvPr>
-            <p:ph type="hdr" sz="quarter" idx="11"/>
+              <a:t>Extending Cookbooks</a:t>
+            </a:r>
+            <a:endParaRPr lang="en-US"/>
+          </a:p>
+        </p:txBody>
+      </p:sp>
+      <p:sp>
+        <p:nvSpPr>
+          <p:cNvPr id="7" name="Date Placeholder 6"/>
+          <p:cNvSpPr>
+            <a:spLocks noGrp="1"/>
+          </p:cNvSpPr>
+          <p:nvPr>
+            <p:ph type="dt" idx="13"/>
           </p:nvPr>
         </p:nvSpPr>
         <p:spPr/>
@@ -10453,29 +9047,11 @@
             <a:pPr>
               <a:defRPr/>
             </a:pPr>
-            <a:endParaRPr lang="en-US"/>
-          </a:p>
-        </p:txBody>
-      </p:sp>
-      <p:sp>
-        <p:nvSpPr>
-          <p:cNvPr id="6" name="Footer Placeholder 5"/>
-          <p:cNvSpPr>
-            <a:spLocks noGrp="1"/>
-          </p:cNvSpPr>
-          <p:nvPr>
-            <p:ph type="ftr" sz="quarter" idx="12"/>
-          </p:nvPr>
-        </p:nvSpPr>
-        <p:spPr/>
-        <p:txBody>
-          <a:bodyPr/>
-          <a:lstStyle/>
-          <a:p>
-            <a:pPr>
-              <a:defRPr/>
-            </a:pPr>
-            <a:endParaRPr lang="en-US"/>
+            <a:r>
+              <a:rPr lang="en-US" smtClean="0"/>
+              <a:t>Chef Software, Inc.</a:t>
+            </a:r>
+            <a:endParaRPr lang="en-US" dirty="0"/>
           </a:p>
         </p:txBody>
       </p:sp>
@@ -10550,12 +9126,12 @@
       </p:sp>
       <p:sp>
         <p:nvSpPr>
-          <p:cNvPr id="4" name="Slide Number Placeholder 3"/>
-          <p:cNvSpPr>
-            <a:spLocks noGrp="1"/>
-          </p:cNvSpPr>
-          <p:nvPr>
-            <p:ph type="sldNum" sz="quarter" idx="10"/>
+          <p:cNvPr id="5" name="Header Placeholder 4"/>
+          <p:cNvSpPr>
+            <a:spLocks noGrp="1"/>
+          </p:cNvSpPr>
+          <p:nvPr>
+            <p:ph type="hdr" sz="quarter" idx="11"/>
           </p:nvPr>
         </p:nvSpPr>
         <p:spPr/>
@@ -10566,25 +9142,22 @@
             <a:pPr>
               <a:defRPr/>
             </a:pPr>
-            <a:fld id="{DC3734AA-3150-D947-AC52-2F5DF48BFCD5}" type="slidenum">
+            <a:r>
               <a:rPr lang="en-US" smtClean="0"/>
-              <a:pPr>
-                <a:defRPr/>
-              </a:pPr>
-              <a:t>9</a:t>
-            </a:fld>
-            <a:endParaRPr lang="en-US" dirty="0"/>
-          </a:p>
-        </p:txBody>
-      </p:sp>
-      <p:sp>
-        <p:nvSpPr>
-          <p:cNvPr id="5" name="Header Placeholder 4"/>
-          <p:cNvSpPr>
-            <a:spLocks noGrp="1"/>
-          </p:cNvSpPr>
-          <p:nvPr>
-            <p:ph type="hdr" sz="quarter" idx="11"/>
+              <a:t>Extending Cookbooks</a:t>
+            </a:r>
+            <a:endParaRPr lang="en-US"/>
+          </a:p>
+        </p:txBody>
+      </p:sp>
+      <p:sp>
+        <p:nvSpPr>
+          <p:cNvPr id="7" name="Date Placeholder 6"/>
+          <p:cNvSpPr>
+            <a:spLocks noGrp="1"/>
+          </p:cNvSpPr>
+          <p:nvPr>
+            <p:ph type="dt" idx="13"/>
           </p:nvPr>
         </p:nvSpPr>
         <p:spPr/>
@@ -10595,29 +9168,11 @@
             <a:pPr>
               <a:defRPr/>
             </a:pPr>
-            <a:endParaRPr lang="en-US"/>
-          </a:p>
-        </p:txBody>
-      </p:sp>
-      <p:sp>
-        <p:nvSpPr>
-          <p:cNvPr id="6" name="Footer Placeholder 5"/>
-          <p:cNvSpPr>
-            <a:spLocks noGrp="1"/>
-          </p:cNvSpPr>
-          <p:nvPr>
-            <p:ph type="ftr" sz="quarter" idx="12"/>
-          </p:nvPr>
-        </p:nvSpPr>
-        <p:spPr/>
-        <p:txBody>
-          <a:bodyPr/>
-          <a:lstStyle/>
-          <a:p>
-            <a:pPr>
-              <a:defRPr/>
-            </a:pPr>
-            <a:endParaRPr lang="en-US"/>
+            <a:r>
+              <a:rPr lang="en-US" smtClean="0"/>
+              <a:t>Chef Software, Inc.</a:t>
+            </a:r>
+            <a:endParaRPr lang="en-US" dirty="0"/>
           </a:p>
         </p:txBody>
       </p:sp>
@@ -16737,7 +15292,7 @@
               <a:defRPr/>
             </a:pPr>
             <a:r>
-              <a:rPr lang="en-US" dirty="0">
+              <a:rPr lang="en-US" dirty="0" smtClean="0">
                 <a:solidFill>
                   <a:srgbClr val="7D868C"/>
                 </a:solidFill>
@@ -16748,6 +15303,17 @@
               <a:t>©</a:t>
             </a:r>
             <a:r>
+              <a:rPr lang="is-IS" dirty="0" smtClean="0">
+                <a:solidFill>
+                  <a:srgbClr val="7D868C"/>
+                </a:solidFill>
+                <a:latin typeface="+mn-lt"/>
+                <a:ea typeface="+mn-ea"/>
+                <a:cs typeface="+mn-cs"/>
+              </a:rPr>
+              <a:t>2017</a:t>
+            </a:r>
+            <a:r>
               <a:rPr lang="en-US" dirty="0" smtClean="0">
                 <a:solidFill>
                   <a:srgbClr val="7D868C"/>
@@ -16756,7 +15322,7 @@
                 <a:ea typeface="+mn-ea"/>
                 <a:cs typeface="+mn-cs"/>
               </a:rPr>
-              <a:t>2016 </a:t>
+              <a:t> </a:t>
             </a:r>
             <a:r>
               <a:rPr lang="en-US" dirty="0">
@@ -17480,7 +16046,7 @@
               <a:defRPr/>
             </a:pPr>
             <a:r>
-              <a:rPr lang="en-US" dirty="0">
+              <a:rPr lang="en-US" dirty="0" smtClean="0">
                 <a:solidFill>
                   <a:srgbClr val="7D868C"/>
                 </a:solidFill>
@@ -17491,6 +16057,17 @@
               <a:t>©</a:t>
             </a:r>
             <a:r>
+              <a:rPr lang="is-IS" dirty="0" smtClean="0">
+                <a:solidFill>
+                  <a:srgbClr val="7D868C"/>
+                </a:solidFill>
+                <a:latin typeface="+mn-lt"/>
+                <a:ea typeface="+mn-ea"/>
+                <a:cs typeface="+mn-cs"/>
+              </a:rPr>
+              <a:t>2017</a:t>
+            </a:r>
+            <a:r>
               <a:rPr lang="en-US" dirty="0" smtClean="0">
                 <a:solidFill>
                   <a:srgbClr val="7D868C"/>
@@ -17499,7 +16076,7 @@
                 <a:ea typeface="+mn-ea"/>
                 <a:cs typeface="+mn-cs"/>
               </a:rPr>
-              <a:t>2016 </a:t>
+              <a:t> </a:t>
             </a:r>
             <a:r>
               <a:rPr lang="en-US" dirty="0">
@@ -19158,7 +17735,19 @@
             </a:pPr>
             <a:r>
               <a:rPr lang="en-US" sz="2400" dirty="0"/>
-              <a:t># Copyright (c) 2016 The Authors, All Rights Reserved.</a:t>
+              <a:t># Copyright (c) </a:t>
+            </a:r>
+            <a:r>
+              <a:rPr lang="is-IS" sz="2400" dirty="0" smtClean="0"/>
+              <a:t>2017</a:t>
+            </a:r>
+            <a:r>
+              <a:rPr lang="en-US" sz="2400" dirty="0" smtClean="0"/>
+              <a:t> </a:t>
+            </a:r>
+            <a:r>
+              <a:rPr lang="en-US" sz="2400" dirty="0"/>
+              <a:t>The Authors, All Rights Reserved.</a:t>
             </a:r>
           </a:p>
           <a:p>
@@ -21565,7 +20154,19 @@
             </a:pPr>
             <a:r>
               <a:rPr lang="en-US" sz="2000" dirty="0" smtClean="0"/>
-              <a:t># Copyright (c) 2016 The Authors, All Rights Reserved.</a:t>
+              <a:t># Copyright (c) </a:t>
+            </a:r>
+            <a:r>
+              <a:rPr lang="is-IS" sz="2000" dirty="0" smtClean="0"/>
+              <a:t>2017</a:t>
+            </a:r>
+            <a:r>
+              <a:rPr lang="en-US" sz="2000" dirty="0" smtClean="0"/>
+              <a:t> </a:t>
+            </a:r>
+            <a:r>
+              <a:rPr lang="en-US" sz="2000" dirty="0" smtClean="0"/>
+              <a:t>The Authors, All Rights Reserved.</a:t>
             </a:r>
           </a:p>
           <a:p>
@@ -31484,7 +30085,7 @@
         </p:nvSpPr>
         <p:spPr>
           <a:xfrm>
-            <a:off x="1135063" y="2760725"/>
+            <a:off x="1135063" y="2403529"/>
             <a:ext cx="14404975" cy="455044"/>
           </a:xfrm>
         </p:spPr>
@@ -31504,7 +30105,7 @@
         </p:nvSpPr>
         <p:spPr bwMode="auto">
           <a:xfrm>
-            <a:off x="1111615" y="4476113"/>
+            <a:off x="1097766" y="4105850"/>
             <a:ext cx="14442272" cy="459399"/>
           </a:xfrm>
           <a:prstGeom prst="rect">
@@ -31569,7 +30170,7 @@
         </p:nvSpPr>
         <p:spPr bwMode="auto">
           <a:xfrm>
-            <a:off x="1115404" y="5520281"/>
+            <a:off x="1125863" y="5165235"/>
             <a:ext cx="14442272" cy="459399"/>
           </a:xfrm>
           <a:prstGeom prst="rect">
@@ -31634,7 +30235,7 @@
         </p:nvSpPr>
         <p:spPr bwMode="auto">
           <a:xfrm>
-            <a:off x="1105684" y="6891431"/>
+            <a:off x="1111232" y="6510847"/>
             <a:ext cx="14442272" cy="812893"/>
           </a:xfrm>
           <a:prstGeom prst="rect">
@@ -34545,6 +33146,13 @@
   <p:transition spd="med">
     <p:fade/>
   </p:transition>
+  <p:timing>
+    <p:tnLst>
+      <p:par>
+        <p:cTn id="1" dur="indefinite" restart="never" nodeType="tmRoot"/>
+      </p:par>
+    </p:tnLst>
+  </p:timing>
 </p:sld>
 </file>
 
